--- a/Docs/FlowPresentation.pptx
+++ b/Docs/FlowPresentation.pptx
@@ -4,6 +4,9 @@
   <p:sldMasterIdLst>
     <p:sldMasterId id="2147483648" r:id="rId1"/>
   </p:sldMasterIdLst>
+  <p:notesMasterIdLst>
+    <p:notesMasterId r:id="rId26"/>
+  </p:notesMasterIdLst>
   <p:sldIdLst>
     <p:sldId id="256" r:id="rId2"/>
     <p:sldId id="257" r:id="rId3"/>
@@ -16,6 +19,19 @@
     <p:sldId id="265" r:id="rId10"/>
     <p:sldId id="266" r:id="rId11"/>
     <p:sldId id="267" r:id="rId12"/>
+    <p:sldId id="268" r:id="rId13"/>
+    <p:sldId id="269" r:id="rId14"/>
+    <p:sldId id="270" r:id="rId15"/>
+    <p:sldId id="271" r:id="rId16"/>
+    <p:sldId id="273" r:id="rId17"/>
+    <p:sldId id="274" r:id="rId18"/>
+    <p:sldId id="277" r:id="rId19"/>
+    <p:sldId id="275" r:id="rId20"/>
+    <p:sldId id="278" r:id="rId21"/>
+    <p:sldId id="280" r:id="rId22"/>
+    <p:sldId id="281" r:id="rId23"/>
+    <p:sldId id="283" r:id="rId24"/>
+    <p:sldId id="279" r:id="rId25"/>
   </p:sldIdLst>
   <p:sldSz cx="9144000" cy="6858000" type="screen4x3"/>
   <p:notesSz cx="6858000" cy="9144000"/>
@@ -114,7 +130,457 @@
       </a:defRPr>
     </a:lvl9pPr>
   </p:defaultTextStyle>
+  <p:extLst>
+    <p:ext uri="{EFAFB233-063F-42B5-8137-9DF3F51BA10A}">
+      <p15:sldGuideLst xmlns:p15="http://schemas.microsoft.com/office/powerpoint/2012/main">
+        <p15:guide id="1" orient="horz" pos="2160">
+          <p15:clr>
+            <a:srgbClr val="A4A3A4"/>
+          </p15:clr>
+        </p15:guide>
+        <p15:guide id="2" pos="2880">
+          <p15:clr>
+            <a:srgbClr val="A4A3A4"/>
+          </p15:clr>
+        </p15:guide>
+      </p15:sldGuideLst>
+    </p:ext>
+  </p:extLst>
 </p:presentation>
+</file>
+
+<file path=ppt/notesMasters/notesMaster1.xml><?xml version="1.0" encoding="utf-8"?>
+<p:notesMaster xmlns:a="http://schemas.openxmlformats.org/drawingml/2006/main" xmlns:r="http://schemas.openxmlformats.org/officeDocument/2006/relationships" xmlns:p="http://schemas.openxmlformats.org/presentationml/2006/main">
+  <p:cSld>
+    <p:bg>
+      <p:bgRef idx="1001">
+        <a:schemeClr val="bg1"/>
+      </p:bgRef>
+    </p:bg>
+    <p:spTree>
+      <p:nvGrpSpPr>
+        <p:cNvPr id="1" name=""/>
+        <p:cNvGrpSpPr/>
+        <p:nvPr/>
+      </p:nvGrpSpPr>
+      <p:grpSpPr>
+        <a:xfrm>
+          <a:off x="0" y="0"/>
+          <a:ext cx="0" cy="0"/>
+          <a:chOff x="0" y="0"/>
+          <a:chExt cx="0" cy="0"/>
+        </a:xfrm>
+      </p:grpSpPr>
+      <p:sp>
+        <p:nvSpPr>
+          <p:cNvPr id="2" name="Espace réservé de l'en-tête 1"/>
+          <p:cNvSpPr>
+            <a:spLocks noGrp="1"/>
+          </p:cNvSpPr>
+          <p:nvPr>
+            <p:ph type="hdr" sz="quarter"/>
+          </p:nvPr>
+        </p:nvSpPr>
+        <p:spPr>
+          <a:xfrm>
+            <a:off x="0" y="0"/>
+            <a:ext cx="2971800" cy="458788"/>
+          </a:xfrm>
+          <a:prstGeom prst="rect">
+            <a:avLst/>
+          </a:prstGeom>
+        </p:spPr>
+        <p:txBody>
+          <a:bodyPr vert="horz" lIns="91440" tIns="45720" rIns="91440" bIns="45720" rtlCol="0"/>
+          <a:lstStyle>
+            <a:lvl1pPr algn="l">
+              <a:defRPr sz="1200"/>
+            </a:lvl1pPr>
+          </a:lstStyle>
+          <a:p>
+            <a:endParaRPr lang="en-CA"/>
+          </a:p>
+        </p:txBody>
+      </p:sp>
+      <p:sp>
+        <p:nvSpPr>
+          <p:cNvPr id="3" name="Espace réservé de la date 2"/>
+          <p:cNvSpPr>
+            <a:spLocks noGrp="1"/>
+          </p:cNvSpPr>
+          <p:nvPr>
+            <p:ph type="dt" idx="1"/>
+          </p:nvPr>
+        </p:nvSpPr>
+        <p:spPr>
+          <a:xfrm>
+            <a:off x="3884613" y="0"/>
+            <a:ext cx="2971800" cy="458788"/>
+          </a:xfrm>
+          <a:prstGeom prst="rect">
+            <a:avLst/>
+          </a:prstGeom>
+        </p:spPr>
+        <p:txBody>
+          <a:bodyPr vert="horz" lIns="91440" tIns="45720" rIns="91440" bIns="45720" rtlCol="0"/>
+          <a:lstStyle>
+            <a:lvl1pPr algn="r">
+              <a:defRPr sz="1200"/>
+            </a:lvl1pPr>
+          </a:lstStyle>
+          <a:p>
+            <a:fld id="{A1393417-AD47-4CE1-9CAA-11555EC5CC1B}" type="datetimeFigureOut">
+              <a:rPr lang="en-CA" smtClean="0"/>
+              <a:t>2018-03-27</a:t>
+            </a:fld>
+            <a:endParaRPr lang="en-CA"/>
+          </a:p>
+        </p:txBody>
+      </p:sp>
+      <p:sp>
+        <p:nvSpPr>
+          <p:cNvPr id="4" name="Espace réservé de l'image des diapositives 3"/>
+          <p:cNvSpPr>
+            <a:spLocks noGrp="1" noRot="1" noChangeAspect="1"/>
+          </p:cNvSpPr>
+          <p:nvPr>
+            <p:ph type="sldImg" idx="2"/>
+          </p:nvPr>
+        </p:nvSpPr>
+        <p:spPr>
+          <a:xfrm>
+            <a:off x="1371600" y="1143000"/>
+            <a:ext cx="4114800" cy="3086100"/>
+          </a:xfrm>
+          <a:prstGeom prst="rect">
+            <a:avLst/>
+          </a:prstGeom>
+          <a:noFill/>
+          <a:ln w="12700">
+            <a:solidFill>
+              <a:prstClr val="black"/>
+            </a:solidFill>
+          </a:ln>
+        </p:spPr>
+        <p:txBody>
+          <a:bodyPr vert="horz" lIns="91440" tIns="45720" rIns="91440" bIns="45720" rtlCol="0" anchor="ctr"/>
+          <a:lstStyle/>
+          <a:p>
+            <a:endParaRPr lang="en-CA"/>
+          </a:p>
+        </p:txBody>
+      </p:sp>
+      <p:sp>
+        <p:nvSpPr>
+          <p:cNvPr id="5" name="Espace réservé des commentaires 4"/>
+          <p:cNvSpPr>
+            <a:spLocks noGrp="1"/>
+          </p:cNvSpPr>
+          <p:nvPr>
+            <p:ph type="body" sz="quarter" idx="3"/>
+          </p:nvPr>
+        </p:nvSpPr>
+        <p:spPr>
+          <a:xfrm>
+            <a:off x="685800" y="4400550"/>
+            <a:ext cx="5486400" cy="3600450"/>
+          </a:xfrm>
+          <a:prstGeom prst="rect">
+            <a:avLst/>
+          </a:prstGeom>
+        </p:spPr>
+        <p:txBody>
+          <a:bodyPr vert="horz" lIns="91440" tIns="45720" rIns="91440" bIns="45720" rtlCol="0"/>
+          <a:lstStyle/>
+          <a:p>
+            <a:pPr lvl="0"/>
+            <a:r>
+              <a:rPr lang="fr-FR" smtClean="0"/>
+              <a:t>Modifiez les styles du texte du masque</a:t>
+            </a:r>
+          </a:p>
+          <a:p>
+            <a:pPr lvl="1"/>
+            <a:r>
+              <a:rPr lang="fr-FR" smtClean="0"/>
+              <a:t>Deuxième niveau</a:t>
+            </a:r>
+          </a:p>
+          <a:p>
+            <a:pPr lvl="2"/>
+            <a:r>
+              <a:rPr lang="fr-FR" smtClean="0"/>
+              <a:t>Troisième niveau</a:t>
+            </a:r>
+          </a:p>
+          <a:p>
+            <a:pPr lvl="3"/>
+            <a:r>
+              <a:rPr lang="fr-FR" smtClean="0"/>
+              <a:t>Quatrième niveau</a:t>
+            </a:r>
+          </a:p>
+          <a:p>
+            <a:pPr lvl="4"/>
+            <a:r>
+              <a:rPr lang="fr-FR" smtClean="0"/>
+              <a:t>Cinquième niveau</a:t>
+            </a:r>
+            <a:endParaRPr lang="en-CA"/>
+          </a:p>
+        </p:txBody>
+      </p:sp>
+      <p:sp>
+        <p:nvSpPr>
+          <p:cNvPr id="6" name="Espace réservé du pied de page 5"/>
+          <p:cNvSpPr>
+            <a:spLocks noGrp="1"/>
+          </p:cNvSpPr>
+          <p:nvPr>
+            <p:ph type="ftr" sz="quarter" idx="4"/>
+          </p:nvPr>
+        </p:nvSpPr>
+        <p:spPr>
+          <a:xfrm>
+            <a:off x="0" y="8685213"/>
+            <a:ext cx="2971800" cy="458787"/>
+          </a:xfrm>
+          <a:prstGeom prst="rect">
+            <a:avLst/>
+          </a:prstGeom>
+        </p:spPr>
+        <p:txBody>
+          <a:bodyPr vert="horz" lIns="91440" tIns="45720" rIns="91440" bIns="45720" rtlCol="0" anchor="b"/>
+          <a:lstStyle>
+            <a:lvl1pPr algn="l">
+              <a:defRPr sz="1200"/>
+            </a:lvl1pPr>
+          </a:lstStyle>
+          <a:p>
+            <a:endParaRPr lang="en-CA"/>
+          </a:p>
+        </p:txBody>
+      </p:sp>
+      <p:sp>
+        <p:nvSpPr>
+          <p:cNvPr id="7" name="Espace réservé du numéro de diapositive 6"/>
+          <p:cNvSpPr>
+            <a:spLocks noGrp="1"/>
+          </p:cNvSpPr>
+          <p:nvPr>
+            <p:ph type="sldNum" sz="quarter" idx="5"/>
+          </p:nvPr>
+        </p:nvSpPr>
+        <p:spPr>
+          <a:xfrm>
+            <a:off x="3884613" y="8685213"/>
+            <a:ext cx="2971800" cy="458787"/>
+          </a:xfrm>
+          <a:prstGeom prst="rect">
+            <a:avLst/>
+          </a:prstGeom>
+        </p:spPr>
+        <p:txBody>
+          <a:bodyPr vert="horz" lIns="91440" tIns="45720" rIns="91440" bIns="45720" rtlCol="0" anchor="b"/>
+          <a:lstStyle>
+            <a:lvl1pPr algn="r">
+              <a:defRPr sz="1200"/>
+            </a:lvl1pPr>
+          </a:lstStyle>
+          <a:p>
+            <a:fld id="{B8ED4D81-00A6-4FE4-8D49-0C43A3DF05E4}" type="slidenum">
+              <a:rPr lang="en-CA" smtClean="0"/>
+              <a:t>‹N°›</a:t>
+            </a:fld>
+            <a:endParaRPr lang="en-CA"/>
+          </a:p>
+        </p:txBody>
+      </p:sp>
+    </p:spTree>
+    <p:extLst>
+      <p:ext uri="{BB962C8B-B14F-4D97-AF65-F5344CB8AC3E}">
+        <p14:creationId xmlns:p14="http://schemas.microsoft.com/office/powerpoint/2010/main" val="537986940"/>
+      </p:ext>
+    </p:extLst>
+  </p:cSld>
+  <p:clrMap bg1="lt1" tx1="dk1" bg2="lt2" tx2="dk2" accent1="accent1" accent2="accent2" accent3="accent3" accent4="accent4" accent5="accent5" accent6="accent6" hlink="hlink" folHlink="folHlink"/>
+  <p:notesStyle>
+    <a:lvl1pPr marL="0" algn="l" defTabSz="914400" rtl="0" eaLnBrk="1" latinLnBrk="0" hangingPunct="1">
+      <a:defRPr sz="1200" kern="1200">
+        <a:solidFill>
+          <a:schemeClr val="tx1"/>
+        </a:solidFill>
+        <a:latin typeface="+mn-lt"/>
+        <a:ea typeface="+mn-ea"/>
+        <a:cs typeface="+mn-cs"/>
+      </a:defRPr>
+    </a:lvl1pPr>
+    <a:lvl2pPr marL="457200" algn="l" defTabSz="914400" rtl="0" eaLnBrk="1" latinLnBrk="0" hangingPunct="1">
+      <a:defRPr sz="1200" kern="1200">
+        <a:solidFill>
+          <a:schemeClr val="tx1"/>
+        </a:solidFill>
+        <a:latin typeface="+mn-lt"/>
+        <a:ea typeface="+mn-ea"/>
+        <a:cs typeface="+mn-cs"/>
+      </a:defRPr>
+    </a:lvl2pPr>
+    <a:lvl3pPr marL="914400" algn="l" defTabSz="914400" rtl="0" eaLnBrk="1" latinLnBrk="0" hangingPunct="1">
+      <a:defRPr sz="1200" kern="1200">
+        <a:solidFill>
+          <a:schemeClr val="tx1"/>
+        </a:solidFill>
+        <a:latin typeface="+mn-lt"/>
+        <a:ea typeface="+mn-ea"/>
+        <a:cs typeface="+mn-cs"/>
+      </a:defRPr>
+    </a:lvl3pPr>
+    <a:lvl4pPr marL="1371600" algn="l" defTabSz="914400" rtl="0" eaLnBrk="1" latinLnBrk="0" hangingPunct="1">
+      <a:defRPr sz="1200" kern="1200">
+        <a:solidFill>
+          <a:schemeClr val="tx1"/>
+        </a:solidFill>
+        <a:latin typeface="+mn-lt"/>
+        <a:ea typeface="+mn-ea"/>
+        <a:cs typeface="+mn-cs"/>
+      </a:defRPr>
+    </a:lvl4pPr>
+    <a:lvl5pPr marL="1828800" algn="l" defTabSz="914400" rtl="0" eaLnBrk="1" latinLnBrk="0" hangingPunct="1">
+      <a:defRPr sz="1200" kern="1200">
+        <a:solidFill>
+          <a:schemeClr val="tx1"/>
+        </a:solidFill>
+        <a:latin typeface="+mn-lt"/>
+        <a:ea typeface="+mn-ea"/>
+        <a:cs typeface="+mn-cs"/>
+      </a:defRPr>
+    </a:lvl5pPr>
+    <a:lvl6pPr marL="2286000" algn="l" defTabSz="914400" rtl="0" eaLnBrk="1" latinLnBrk="0" hangingPunct="1">
+      <a:defRPr sz="1200" kern="1200">
+        <a:solidFill>
+          <a:schemeClr val="tx1"/>
+        </a:solidFill>
+        <a:latin typeface="+mn-lt"/>
+        <a:ea typeface="+mn-ea"/>
+        <a:cs typeface="+mn-cs"/>
+      </a:defRPr>
+    </a:lvl6pPr>
+    <a:lvl7pPr marL="2743200" algn="l" defTabSz="914400" rtl="0" eaLnBrk="1" latinLnBrk="0" hangingPunct="1">
+      <a:defRPr sz="1200" kern="1200">
+        <a:solidFill>
+          <a:schemeClr val="tx1"/>
+        </a:solidFill>
+        <a:latin typeface="+mn-lt"/>
+        <a:ea typeface="+mn-ea"/>
+        <a:cs typeface="+mn-cs"/>
+      </a:defRPr>
+    </a:lvl7pPr>
+    <a:lvl8pPr marL="3200400" algn="l" defTabSz="914400" rtl="0" eaLnBrk="1" latinLnBrk="0" hangingPunct="1">
+      <a:defRPr sz="1200" kern="1200">
+        <a:solidFill>
+          <a:schemeClr val="tx1"/>
+        </a:solidFill>
+        <a:latin typeface="+mn-lt"/>
+        <a:ea typeface="+mn-ea"/>
+        <a:cs typeface="+mn-cs"/>
+      </a:defRPr>
+    </a:lvl8pPr>
+    <a:lvl9pPr marL="3657600" algn="l" defTabSz="914400" rtl="0" eaLnBrk="1" latinLnBrk="0" hangingPunct="1">
+      <a:defRPr sz="1200" kern="1200">
+        <a:solidFill>
+          <a:schemeClr val="tx1"/>
+        </a:solidFill>
+        <a:latin typeface="+mn-lt"/>
+        <a:ea typeface="+mn-ea"/>
+        <a:cs typeface="+mn-cs"/>
+      </a:defRPr>
+    </a:lvl9pPr>
+  </p:notesStyle>
+</p:notesMaster>
+</file>
+
+<file path=ppt/notesSlides/notesSlide1.xml><?xml version="1.0" encoding="utf-8"?>
+<p:notes xmlns:a="http://schemas.openxmlformats.org/drawingml/2006/main" xmlns:r="http://schemas.openxmlformats.org/officeDocument/2006/relationships" xmlns:p="http://schemas.openxmlformats.org/presentationml/2006/main">
+  <p:cSld>
+    <p:spTree>
+      <p:nvGrpSpPr>
+        <p:cNvPr id="1" name=""/>
+        <p:cNvGrpSpPr/>
+        <p:nvPr/>
+      </p:nvGrpSpPr>
+      <p:grpSpPr>
+        <a:xfrm>
+          <a:off x="0" y="0"/>
+          <a:ext cx="0" cy="0"/>
+          <a:chOff x="0" y="0"/>
+          <a:chExt cx="0" cy="0"/>
+        </a:xfrm>
+      </p:grpSpPr>
+      <p:sp>
+        <p:nvSpPr>
+          <p:cNvPr id="2" name="Espace réservé de l'image des diapositives 1"/>
+          <p:cNvSpPr>
+            <a:spLocks noGrp="1" noRot="1" noChangeAspect="1"/>
+          </p:cNvSpPr>
+          <p:nvPr>
+            <p:ph type="sldImg"/>
+          </p:nvPr>
+        </p:nvSpPr>
+        <p:spPr/>
+      </p:sp>
+      <p:sp>
+        <p:nvSpPr>
+          <p:cNvPr id="3" name="Espace réservé des commentaires 2"/>
+          <p:cNvSpPr>
+            <a:spLocks noGrp="1"/>
+          </p:cNvSpPr>
+          <p:nvPr>
+            <p:ph type="body" idx="1"/>
+          </p:nvPr>
+        </p:nvSpPr>
+        <p:spPr/>
+        <p:txBody>
+          <a:bodyPr/>
+          <a:lstStyle/>
+          <a:p>
+            <a:endParaRPr lang="en-CA" dirty="0"/>
+          </a:p>
+        </p:txBody>
+      </p:sp>
+      <p:sp>
+        <p:nvSpPr>
+          <p:cNvPr id="4" name="Espace réservé du numéro de diapositive 3"/>
+          <p:cNvSpPr>
+            <a:spLocks noGrp="1"/>
+          </p:cNvSpPr>
+          <p:nvPr>
+            <p:ph type="sldNum" sz="quarter" idx="10"/>
+          </p:nvPr>
+        </p:nvSpPr>
+        <p:spPr/>
+        <p:txBody>
+          <a:bodyPr/>
+          <a:lstStyle/>
+          <a:p>
+            <a:fld id="{B8ED4D81-00A6-4FE4-8D49-0C43A3DF05E4}" type="slidenum">
+              <a:rPr lang="en-CA" smtClean="0"/>
+              <a:t>20</a:t>
+            </a:fld>
+            <a:endParaRPr lang="en-CA"/>
+          </a:p>
+        </p:txBody>
+      </p:sp>
+    </p:spTree>
+    <p:extLst>
+      <p:ext uri="{BB962C8B-B14F-4D97-AF65-F5344CB8AC3E}">
+        <p14:creationId xmlns:p14="http://schemas.microsoft.com/office/powerpoint/2010/main" val="1230010399"/>
+      </p:ext>
+    </p:extLst>
+  </p:cSld>
+  <p:clrMapOvr>
+    <a:masterClrMapping/>
+  </p:clrMapOvr>
+</p:notes>
 </file>
 
 <file path=ppt/slideLayouts/slideLayout1.xml><?xml version="1.0" encoding="utf-8"?>
@@ -299,7 +765,7 @@
             <a:fld id="{D963E873-D05E-4F2C-8641-756E1EB81232}" type="datetimeFigureOut">
               <a:rPr lang="en-US" smtClean="0"/>
               <a:pPr/>
-              <a:t>26-Mar-18</a:t>
+              <a:t>3/27/2018</a:t>
             </a:fld>
             <a:endParaRPr lang="en-US"/>
           </a:p>
@@ -342,7 +808,7 @@
             <a:fld id="{3F690945-1A2F-4B35-BE90-FAECBB75B2E3}" type="slidenum">
               <a:rPr lang="en-US" smtClean="0"/>
               <a:pPr/>
-              <a:t>‹#›</a:t>
+              <a:t>‹N°›</a:t>
             </a:fld>
             <a:endParaRPr lang="en-US"/>
           </a:p>
@@ -466,7 +932,7 @@
             <a:fld id="{D963E873-D05E-4F2C-8641-756E1EB81232}" type="datetimeFigureOut">
               <a:rPr lang="en-US" smtClean="0"/>
               <a:pPr/>
-              <a:t>26-Mar-18</a:t>
+              <a:t>3/27/2018</a:t>
             </a:fld>
             <a:endParaRPr lang="en-US"/>
           </a:p>
@@ -509,7 +975,7 @@
             <a:fld id="{3F690945-1A2F-4B35-BE90-FAECBB75B2E3}" type="slidenum">
               <a:rPr lang="en-US" smtClean="0"/>
               <a:pPr/>
-              <a:t>‹#›</a:t>
+              <a:t>‹N°›</a:t>
             </a:fld>
             <a:endParaRPr lang="en-US"/>
           </a:p>
@@ -643,7 +1109,7 @@
             <a:fld id="{D963E873-D05E-4F2C-8641-756E1EB81232}" type="datetimeFigureOut">
               <a:rPr lang="en-US" smtClean="0"/>
               <a:pPr/>
-              <a:t>26-Mar-18</a:t>
+              <a:t>3/27/2018</a:t>
             </a:fld>
             <a:endParaRPr lang="en-US"/>
           </a:p>
@@ -686,7 +1152,7 @@
             <a:fld id="{3F690945-1A2F-4B35-BE90-FAECBB75B2E3}" type="slidenum">
               <a:rPr lang="en-US" smtClean="0"/>
               <a:pPr/>
-              <a:t>‹#›</a:t>
+              <a:t>‹N°›</a:t>
             </a:fld>
             <a:endParaRPr lang="en-US"/>
           </a:p>
@@ -810,7 +1276,7 @@
             <a:fld id="{D963E873-D05E-4F2C-8641-756E1EB81232}" type="datetimeFigureOut">
               <a:rPr lang="en-US" smtClean="0"/>
               <a:pPr/>
-              <a:t>26-Mar-18</a:t>
+              <a:t>3/27/2018</a:t>
             </a:fld>
             <a:endParaRPr lang="en-US"/>
           </a:p>
@@ -853,7 +1319,7 @@
             <a:fld id="{3F690945-1A2F-4B35-BE90-FAECBB75B2E3}" type="slidenum">
               <a:rPr lang="en-US" smtClean="0"/>
               <a:pPr/>
-              <a:t>‹#›</a:t>
+              <a:t>‹N°›</a:t>
             </a:fld>
             <a:endParaRPr lang="en-US"/>
           </a:p>
@@ -1053,7 +1519,7 @@
             <a:fld id="{D963E873-D05E-4F2C-8641-756E1EB81232}" type="datetimeFigureOut">
               <a:rPr lang="en-US" smtClean="0"/>
               <a:pPr/>
-              <a:t>26-Mar-18</a:t>
+              <a:t>3/27/2018</a:t>
             </a:fld>
             <a:endParaRPr lang="en-US"/>
           </a:p>
@@ -1096,7 +1562,7 @@
             <a:fld id="{3F690945-1A2F-4B35-BE90-FAECBB75B2E3}" type="slidenum">
               <a:rPr lang="en-US" smtClean="0"/>
               <a:pPr/>
-              <a:t>‹#›</a:t>
+              <a:t>‹N°›</a:t>
             </a:fld>
             <a:endParaRPr lang="en-US"/>
           </a:p>
@@ -1338,7 +1804,7 @@
             <a:fld id="{D963E873-D05E-4F2C-8641-756E1EB81232}" type="datetimeFigureOut">
               <a:rPr lang="en-US" smtClean="0"/>
               <a:pPr/>
-              <a:t>26-Mar-18</a:t>
+              <a:t>3/27/2018</a:t>
             </a:fld>
             <a:endParaRPr lang="en-US"/>
           </a:p>
@@ -1381,7 +1847,7 @@
             <a:fld id="{3F690945-1A2F-4B35-BE90-FAECBB75B2E3}" type="slidenum">
               <a:rPr lang="en-US" smtClean="0"/>
               <a:pPr/>
-              <a:t>‹#›</a:t>
+              <a:t>‹N°›</a:t>
             </a:fld>
             <a:endParaRPr lang="en-US"/>
           </a:p>
@@ -1757,7 +2223,7 @@
             <a:fld id="{D963E873-D05E-4F2C-8641-756E1EB81232}" type="datetimeFigureOut">
               <a:rPr lang="en-US" smtClean="0"/>
               <a:pPr/>
-              <a:t>26-Mar-18</a:t>
+              <a:t>3/27/2018</a:t>
             </a:fld>
             <a:endParaRPr lang="en-US"/>
           </a:p>
@@ -1800,7 +2266,7 @@
             <a:fld id="{3F690945-1A2F-4B35-BE90-FAECBB75B2E3}" type="slidenum">
               <a:rPr lang="en-US" smtClean="0"/>
               <a:pPr/>
-              <a:t>‹#›</a:t>
+              <a:t>‹N°›</a:t>
             </a:fld>
             <a:endParaRPr lang="en-US"/>
           </a:p>
@@ -1872,7 +2338,7 @@
             <a:fld id="{D963E873-D05E-4F2C-8641-756E1EB81232}" type="datetimeFigureOut">
               <a:rPr lang="en-US" smtClean="0"/>
               <a:pPr/>
-              <a:t>26-Mar-18</a:t>
+              <a:t>3/27/2018</a:t>
             </a:fld>
             <a:endParaRPr lang="en-US"/>
           </a:p>
@@ -1915,7 +2381,7 @@
             <a:fld id="{3F690945-1A2F-4B35-BE90-FAECBB75B2E3}" type="slidenum">
               <a:rPr lang="en-US" smtClean="0"/>
               <a:pPr/>
-              <a:t>‹#›</a:t>
+              <a:t>‹N°›</a:t>
             </a:fld>
             <a:endParaRPr lang="en-US"/>
           </a:p>
@@ -1964,7 +2430,7 @@
             <a:fld id="{D963E873-D05E-4F2C-8641-756E1EB81232}" type="datetimeFigureOut">
               <a:rPr lang="en-US" smtClean="0"/>
               <a:pPr/>
-              <a:t>26-Mar-18</a:t>
+              <a:t>3/27/2018</a:t>
             </a:fld>
             <a:endParaRPr lang="en-US"/>
           </a:p>
@@ -2007,7 +2473,7 @@
             <a:fld id="{3F690945-1A2F-4B35-BE90-FAECBB75B2E3}" type="slidenum">
               <a:rPr lang="en-US" smtClean="0"/>
               <a:pPr/>
-              <a:t>‹#›</a:t>
+              <a:t>‹N°›</a:t>
             </a:fld>
             <a:endParaRPr lang="en-US"/>
           </a:p>
@@ -2238,7 +2704,7 @@
             <a:fld id="{D963E873-D05E-4F2C-8641-756E1EB81232}" type="datetimeFigureOut">
               <a:rPr lang="en-US" smtClean="0"/>
               <a:pPr/>
-              <a:t>26-Mar-18</a:t>
+              <a:t>3/27/2018</a:t>
             </a:fld>
             <a:endParaRPr lang="en-US"/>
           </a:p>
@@ -2281,7 +2747,7 @@
             <a:fld id="{3F690945-1A2F-4B35-BE90-FAECBB75B2E3}" type="slidenum">
               <a:rPr lang="en-US" smtClean="0"/>
               <a:pPr/>
-              <a:t>‹#›</a:t>
+              <a:t>‹N°›</a:t>
             </a:fld>
             <a:endParaRPr lang="en-US"/>
           </a:p>
@@ -2488,7 +2954,7 @@
             <a:fld id="{D963E873-D05E-4F2C-8641-756E1EB81232}" type="datetimeFigureOut">
               <a:rPr lang="en-US" smtClean="0"/>
               <a:pPr/>
-              <a:t>26-Mar-18</a:t>
+              <a:t>3/27/2018</a:t>
             </a:fld>
             <a:endParaRPr lang="en-US"/>
           </a:p>
@@ -2531,7 +2997,7 @@
             <a:fld id="{3F690945-1A2F-4B35-BE90-FAECBB75B2E3}" type="slidenum">
               <a:rPr lang="en-US" smtClean="0"/>
               <a:pPr/>
-              <a:t>‹#›</a:t>
+              <a:t>‹N°›</a:t>
             </a:fld>
             <a:endParaRPr lang="en-US"/>
           </a:p>
@@ -2698,7 +3164,7 @@
             <a:fld id="{D963E873-D05E-4F2C-8641-756E1EB81232}" type="datetimeFigureOut">
               <a:rPr lang="en-US" smtClean="0"/>
               <a:pPr/>
-              <a:t>26-Mar-18</a:t>
+              <a:t>3/27/2018</a:t>
             </a:fld>
             <a:endParaRPr lang="en-US"/>
           </a:p>
@@ -2777,7 +3243,7 @@
             <a:fld id="{3F690945-1A2F-4B35-BE90-FAECBB75B2E3}" type="slidenum">
               <a:rPr lang="en-US" smtClean="0"/>
               <a:pPr/>
-              <a:t>‹#›</a:t>
+              <a:t>‹N°›</a:t>
             </a:fld>
             <a:endParaRPr lang="en-US"/>
           </a:p>
@@ -4228,11 +4694,7 @@
             </a:r>
             <a:r>
               <a:rPr lang="en-US" sz="1400" dirty="0" smtClean="0"/>
-              <a:t> </a:t>
-            </a:r>
-            <a:r>
-              <a:rPr lang="en-US" sz="1400" dirty="0" smtClean="0"/>
-              <a:t>that contains the input pressed, and the player handles the input</a:t>
+              <a:t> that contains the input pressed, and the player handles the input</a:t>
             </a:r>
           </a:p>
           <a:p>
@@ -4257,11 +4719,7 @@
           <a:p>
             <a:r>
               <a:rPr lang="en-US" sz="1400" dirty="0" smtClean="0"/>
-              <a:t> </a:t>
-            </a:r>
-            <a:r>
-              <a:rPr lang="en-US" sz="1400" dirty="0" smtClean="0"/>
-              <a:t>   Vector2 </a:t>
+              <a:t>    Vector2 </a:t>
             </a:r>
             <a:r>
               <a:rPr lang="en-US" sz="1400" dirty="0" err="1" smtClean="0"/>
@@ -4271,7 +4729,6 @@
               <a:rPr lang="en-US" sz="1400" dirty="0" smtClean="0"/>
               <a:t>;    //-1 to 1 for left/right &amp;&amp; up/down</a:t>
             </a:r>
-            <a:endParaRPr lang="en-US" sz="1400" dirty="0" smtClean="0"/>
           </a:p>
           <a:p>
             <a:r>
@@ -4325,7 +4782,6 @@
               <a:rPr lang="en-US" sz="1400" dirty="0" smtClean="0"/>
               <a:t> treats it like a normal player, but we can have unique parsing of input </a:t>
             </a:r>
-            <a:endParaRPr lang="en-US" sz="1400" dirty="0" smtClean="0"/>
           </a:p>
           <a:p>
             <a:endParaRPr lang="en-US" dirty="0" smtClean="0"/>
@@ -4333,6 +4789,1471 @@
         </p:txBody>
       </p:sp>
     </p:spTree>
+  </p:cSld>
+  <p:clrMapOvr>
+    <a:masterClrMapping/>
+  </p:clrMapOvr>
+</p:sld>
+</file>
+
+<file path=ppt/slides/slide12.xml><?xml version="1.0" encoding="utf-8"?>
+<p:sld xmlns:a="http://schemas.openxmlformats.org/drawingml/2006/main" xmlns:r="http://schemas.openxmlformats.org/officeDocument/2006/relationships" xmlns:p="http://schemas.openxmlformats.org/presentationml/2006/main">
+  <p:cSld>
+    <p:spTree>
+      <p:nvGrpSpPr>
+        <p:cNvPr id="1" name=""/>
+        <p:cNvGrpSpPr/>
+        <p:nvPr/>
+      </p:nvGrpSpPr>
+      <p:grpSpPr>
+        <a:xfrm>
+          <a:off x="0" y="0"/>
+          <a:ext cx="0" cy="0"/>
+          <a:chOff x="0" y="0"/>
+          <a:chExt cx="0" cy="0"/>
+        </a:xfrm>
+      </p:grpSpPr>
+      <p:sp>
+        <p:nvSpPr>
+          <p:cNvPr id="2" name="Titre 1"/>
+          <p:cNvSpPr>
+            <a:spLocks noGrp="1"/>
+          </p:cNvSpPr>
+          <p:nvPr>
+            <p:ph type="title"/>
+          </p:nvPr>
+        </p:nvSpPr>
+        <p:spPr/>
+        <p:txBody>
+          <a:bodyPr/>
+          <a:lstStyle/>
+          <a:p>
+            <a:r>
+              <a:rPr lang="en-CA" dirty="0" smtClean="0"/>
+              <a:t>Power of </a:t>
+            </a:r>
+            <a:r>
+              <a:rPr lang="en-CA" dirty="0" err="1" smtClean="0"/>
+              <a:t>Enums</a:t>
+            </a:r>
+            <a:endParaRPr lang="en-CA" dirty="0"/>
+          </a:p>
+        </p:txBody>
+      </p:sp>
+      <p:sp>
+        <p:nvSpPr>
+          <p:cNvPr id="3" name="Espace réservé du contenu 2"/>
+          <p:cNvSpPr>
+            <a:spLocks noGrp="1"/>
+          </p:cNvSpPr>
+          <p:nvPr>
+            <p:ph idx="1"/>
+          </p:nvPr>
+        </p:nvSpPr>
+        <p:spPr/>
+        <p:txBody>
+          <a:bodyPr>
+            <a:normAutofit/>
+          </a:bodyPr>
+          <a:lstStyle/>
+          <a:p>
+            <a:r>
+              <a:rPr lang="en-CA" sz="2200" dirty="0" smtClean="0"/>
+              <a:t>I have my class </a:t>
+            </a:r>
+            <a:r>
+              <a:rPr lang="en-CA" sz="2200" dirty="0" err="1" smtClean="0"/>
+              <a:t>MonsterSpawner</a:t>
+            </a:r>
+            <a:r>
+              <a:rPr lang="en-CA" sz="2200" dirty="0" smtClean="0"/>
+              <a:t>, it spawns monsters (prefabs) but using a string</a:t>
+            </a:r>
+          </a:p>
+          <a:p>
+            <a:r>
+              <a:rPr lang="en-CA" sz="2200" dirty="0" err="1"/>
+              <a:t>spawnedMonster</a:t>
+            </a:r>
+            <a:r>
+              <a:rPr lang="en-CA" sz="2200" dirty="0"/>
+              <a:t> = </a:t>
+            </a:r>
+            <a:r>
+              <a:rPr lang="en-CA" sz="2200" dirty="0" err="1"/>
+              <a:t>GameObject.Instantiate</a:t>
+            </a:r>
+            <a:r>
+              <a:rPr lang="en-CA" sz="2200" dirty="0"/>
+              <a:t>(</a:t>
+            </a:r>
+            <a:r>
+              <a:rPr lang="en-CA" sz="2200" dirty="0" err="1"/>
+              <a:t>Resources.Load</a:t>
+            </a:r>
+            <a:r>
+              <a:rPr lang="en-CA" sz="2200" dirty="0"/>
+              <a:t>&lt;</a:t>
+            </a:r>
+            <a:r>
+              <a:rPr lang="en-CA" sz="2200" dirty="0" err="1"/>
+              <a:t>GameObject</a:t>
+            </a:r>
+            <a:r>
+              <a:rPr lang="en-CA" sz="2200" dirty="0"/>
+              <a:t>&gt;("Prefabs/Monsters/" + </a:t>
+            </a:r>
+            <a:r>
+              <a:rPr lang="en-CA" sz="2200" dirty="0" err="1"/>
+              <a:t>monsterPrefabName</a:t>
+            </a:r>
+            <a:r>
+              <a:rPr lang="en-CA" sz="2200" dirty="0" smtClean="0"/>
+              <a:t>));</a:t>
+            </a:r>
+          </a:p>
+          <a:p>
+            <a:r>
+              <a:rPr lang="en-CA" sz="2200" dirty="0" smtClean="0"/>
+              <a:t>My child of </a:t>
+            </a:r>
+            <a:r>
+              <a:rPr lang="en-CA" sz="2200" dirty="0" err="1" smtClean="0"/>
+              <a:t>MonsterSpawner</a:t>
+            </a:r>
+            <a:r>
+              <a:rPr lang="en-CA" sz="2200" dirty="0" smtClean="0"/>
+              <a:t> (</a:t>
+            </a:r>
+            <a:r>
+              <a:rPr lang="en-CA" sz="2200" dirty="0" err="1" smtClean="0"/>
+              <a:t>SlimeMonster</a:t>
+            </a:r>
+            <a:r>
+              <a:rPr lang="en-CA" sz="2200" dirty="0" smtClean="0"/>
+              <a:t>) needs to initialize the string that is “</a:t>
+            </a:r>
+            <a:r>
+              <a:rPr lang="en-CA" sz="2200" dirty="0" err="1" smtClean="0"/>
+              <a:t>monsterPrefabName</a:t>
+            </a:r>
+            <a:r>
+              <a:rPr lang="en-CA" sz="2200" dirty="0" smtClean="0"/>
+              <a:t>” inside it’s constructor.</a:t>
+            </a:r>
+          </a:p>
+          <a:p>
+            <a:r>
+              <a:rPr lang="en-CA" sz="2200" dirty="0" smtClean="0"/>
+              <a:t>If I have 30 more children types of </a:t>
+            </a:r>
+            <a:r>
+              <a:rPr lang="en-CA" sz="2200" dirty="0" err="1" smtClean="0"/>
+              <a:t>MonsterSpawner</a:t>
+            </a:r>
+            <a:r>
+              <a:rPr lang="en-CA" sz="2200" dirty="0" smtClean="0"/>
+              <a:t>, there is a good chance I forget to do it properly at least once</a:t>
+            </a:r>
+          </a:p>
+          <a:p>
+            <a:r>
+              <a:rPr lang="en-CA" sz="2200" dirty="0" err="1" smtClean="0"/>
+              <a:t>MonsterManager</a:t>
+            </a:r>
+            <a:r>
+              <a:rPr lang="en-CA" sz="2200" dirty="0" smtClean="0"/>
+              <a:t> (Which is a flow-parent of </a:t>
+            </a:r>
+            <a:r>
+              <a:rPr lang="en-CA" sz="2200" dirty="0" err="1" smtClean="0"/>
+              <a:t>MonsterSpawner</a:t>
+            </a:r>
+            <a:r>
+              <a:rPr lang="en-CA" sz="2200" dirty="0" smtClean="0"/>
+              <a:t>) pairs &lt;</a:t>
+            </a:r>
+            <a:r>
+              <a:rPr lang="en-CA" sz="2200" dirty="0" err="1" smtClean="0"/>
+              <a:t>Enum.MonsterType,MonsterManager</a:t>
+            </a:r>
+            <a:r>
+              <a:rPr lang="en-CA" sz="2200" dirty="0" smtClean="0"/>
+              <a:t>&gt;</a:t>
+            </a:r>
+            <a:endParaRPr lang="en-CA" sz="2200" dirty="0"/>
+          </a:p>
+        </p:txBody>
+      </p:sp>
+    </p:spTree>
+    <p:extLst>
+      <p:ext uri="{BB962C8B-B14F-4D97-AF65-F5344CB8AC3E}">
+        <p14:creationId xmlns:p14="http://schemas.microsoft.com/office/powerpoint/2010/main" val="238003343"/>
+      </p:ext>
+    </p:extLst>
+  </p:cSld>
+  <p:clrMapOvr>
+    <a:masterClrMapping/>
+  </p:clrMapOvr>
+</p:sld>
+</file>
+
+<file path=ppt/slides/slide13.xml><?xml version="1.0" encoding="utf-8"?>
+<p:sld xmlns:a="http://schemas.openxmlformats.org/drawingml/2006/main" xmlns:r="http://schemas.openxmlformats.org/officeDocument/2006/relationships" xmlns:p="http://schemas.openxmlformats.org/presentationml/2006/main">
+  <p:cSld>
+    <p:spTree>
+      <p:nvGrpSpPr>
+        <p:cNvPr id="1" name=""/>
+        <p:cNvGrpSpPr/>
+        <p:nvPr/>
+      </p:nvGrpSpPr>
+      <p:grpSpPr>
+        <a:xfrm>
+          <a:off x="0" y="0"/>
+          <a:ext cx="0" cy="0"/>
+          <a:chOff x="0" y="0"/>
+          <a:chExt cx="0" cy="0"/>
+        </a:xfrm>
+      </p:grpSpPr>
+      <p:sp>
+        <p:nvSpPr>
+          <p:cNvPr id="3" name="Espace réservé du contenu 2"/>
+          <p:cNvSpPr>
+            <a:spLocks noGrp="1"/>
+          </p:cNvSpPr>
+          <p:nvPr>
+            <p:ph idx="1"/>
+          </p:nvPr>
+        </p:nvSpPr>
+        <p:spPr/>
+        <p:txBody>
+          <a:bodyPr/>
+          <a:lstStyle/>
+          <a:p>
+            <a:r>
+              <a:rPr lang="en-CA" dirty="0" smtClean="0"/>
+              <a:t>Instead, I can have the </a:t>
+            </a:r>
+            <a:r>
+              <a:rPr lang="en-CA" dirty="0" err="1" smtClean="0"/>
+              <a:t>MonsterManager</a:t>
+            </a:r>
+            <a:r>
+              <a:rPr lang="en-CA" dirty="0" smtClean="0"/>
+              <a:t> be given that </a:t>
+            </a:r>
+            <a:r>
+              <a:rPr lang="en-CA" dirty="0" err="1" smtClean="0"/>
+              <a:t>Enum</a:t>
+            </a:r>
+            <a:endParaRPr lang="en-CA" dirty="0" smtClean="0"/>
+          </a:p>
+          <a:p>
+            <a:r>
+              <a:rPr lang="en-CA" dirty="0" smtClean="0"/>
+              <a:t>I can name the prefab the same name as the </a:t>
+            </a:r>
+            <a:r>
+              <a:rPr lang="en-CA" dirty="0" err="1" smtClean="0"/>
+              <a:t>enum</a:t>
+            </a:r>
+            <a:r>
+              <a:rPr lang="en-CA" dirty="0"/>
+              <a:t> </a:t>
+            </a:r>
+            <a:r>
+              <a:rPr lang="en-CA" dirty="0" smtClean="0"/>
+              <a:t>+ monster</a:t>
+            </a:r>
+          </a:p>
+          <a:p>
+            <a:r>
+              <a:rPr lang="en-CA" dirty="0" err="1"/>
+              <a:t>spawnedMonster</a:t>
+            </a:r>
+            <a:r>
+              <a:rPr lang="en-CA" dirty="0"/>
+              <a:t> = </a:t>
+            </a:r>
+            <a:r>
+              <a:rPr lang="en-CA" dirty="0" err="1"/>
+              <a:t>GameObject.Instantiate</a:t>
+            </a:r>
+            <a:r>
+              <a:rPr lang="en-CA" dirty="0"/>
+              <a:t>(</a:t>
+            </a:r>
+            <a:r>
+              <a:rPr lang="en-CA" dirty="0" err="1"/>
+              <a:t>Resources.Load</a:t>
+            </a:r>
+            <a:r>
+              <a:rPr lang="en-CA" dirty="0"/>
+              <a:t>&lt;</a:t>
+            </a:r>
+            <a:r>
+              <a:rPr lang="en-CA" dirty="0" err="1"/>
+              <a:t>GameObject</a:t>
+            </a:r>
+            <a:r>
+              <a:rPr lang="en-CA" dirty="0"/>
+              <a:t>&gt;("Prefabs/Monsters/" + </a:t>
+            </a:r>
+            <a:r>
+              <a:rPr lang="en-CA" dirty="0" err="1" smtClean="0"/>
+              <a:t>monsterType.ToString</a:t>
+            </a:r>
+            <a:r>
+              <a:rPr lang="en-CA" dirty="0" smtClean="0"/>
+              <a:t>() + “Monster”));</a:t>
+            </a:r>
+            <a:endParaRPr lang="en-CA" dirty="0"/>
+          </a:p>
+          <a:p>
+            <a:endParaRPr lang="en-CA" dirty="0"/>
+          </a:p>
+        </p:txBody>
+      </p:sp>
+      <p:sp>
+        <p:nvSpPr>
+          <p:cNvPr id="5" name="Titre 1"/>
+          <p:cNvSpPr txBox="1">
+            <a:spLocks/>
+          </p:cNvSpPr>
+          <p:nvPr/>
+        </p:nvSpPr>
+        <p:spPr>
+          <a:xfrm>
+            <a:off x="6858000" y="274638"/>
+            <a:ext cx="1828800" cy="487362"/>
+          </a:xfrm>
+          <a:prstGeom prst="rect">
+            <a:avLst/>
+          </a:prstGeom>
+        </p:spPr>
+        <p:txBody>
+          <a:bodyPr vert="horz" lIns="91440" tIns="45720" rIns="91440" bIns="45720" rtlCol="0" anchor="ctr">
+            <a:noAutofit/>
+          </a:bodyPr>
+          <a:lstStyle>
+            <a:lvl1pPr algn="ctr" defTabSz="914400" rtl="0" eaLnBrk="1" latinLnBrk="0" hangingPunct="1">
+              <a:spcBef>
+                <a:spcPct val="0"/>
+              </a:spcBef>
+              <a:buNone/>
+              <a:defRPr sz="4400" kern="1200">
+                <a:solidFill>
+                  <a:schemeClr val="tx1"/>
+                </a:solidFill>
+                <a:latin typeface="+mj-lt"/>
+                <a:ea typeface="+mj-ea"/>
+                <a:cs typeface="+mj-cs"/>
+              </a:defRPr>
+            </a:lvl1pPr>
+          </a:lstStyle>
+          <a:p>
+            <a:r>
+              <a:rPr lang="en-CA" sz="1800" smtClean="0"/>
+              <a:t>Power of Enums</a:t>
+            </a:r>
+            <a:endParaRPr lang="en-CA" sz="1800" dirty="0"/>
+          </a:p>
+        </p:txBody>
+      </p:sp>
+    </p:spTree>
+    <p:extLst>
+      <p:ext uri="{BB962C8B-B14F-4D97-AF65-F5344CB8AC3E}">
+        <p14:creationId xmlns:p14="http://schemas.microsoft.com/office/powerpoint/2010/main" val="1164581419"/>
+      </p:ext>
+    </p:extLst>
+  </p:cSld>
+  <p:clrMapOvr>
+    <a:masterClrMapping/>
+  </p:clrMapOvr>
+</p:sld>
+</file>
+
+<file path=ppt/slides/slide14.xml><?xml version="1.0" encoding="utf-8"?>
+<p:sld xmlns:a="http://schemas.openxmlformats.org/drawingml/2006/main" xmlns:r="http://schemas.openxmlformats.org/officeDocument/2006/relationships" xmlns:p="http://schemas.openxmlformats.org/presentationml/2006/main">
+  <p:cSld>
+    <p:spTree>
+      <p:nvGrpSpPr>
+        <p:cNvPr id="1" name=""/>
+        <p:cNvGrpSpPr/>
+        <p:nvPr/>
+      </p:nvGrpSpPr>
+      <p:grpSpPr>
+        <a:xfrm>
+          <a:off x="0" y="0"/>
+          <a:ext cx="0" cy="0"/>
+          <a:chOff x="0" y="0"/>
+          <a:chExt cx="0" cy="0"/>
+        </a:xfrm>
+      </p:grpSpPr>
+      <p:sp>
+        <p:nvSpPr>
+          <p:cNvPr id="3" name="Espace réservé du contenu 2"/>
+          <p:cNvSpPr>
+            <a:spLocks noGrp="1"/>
+          </p:cNvSpPr>
+          <p:nvPr>
+            <p:ph idx="1"/>
+          </p:nvPr>
+        </p:nvSpPr>
+        <p:spPr/>
+        <p:txBody>
+          <a:bodyPr/>
+          <a:lstStyle/>
+          <a:p>
+            <a:r>
+              <a:rPr lang="en-CA" dirty="0" smtClean="0"/>
+              <a:t>In my resources folder, all my monsters could be named thus:</a:t>
+            </a:r>
+          </a:p>
+          <a:p>
+            <a:r>
+              <a:rPr lang="en-CA" dirty="0"/>
+              <a:t>Resources/Prefabs/Monsters/</a:t>
+            </a:r>
+            <a:r>
+              <a:rPr lang="en-CA" dirty="0" err="1"/>
+              <a:t>SlimeMonster</a:t>
+            </a:r>
+            <a:endParaRPr lang="en-CA" dirty="0"/>
+          </a:p>
+          <a:p>
+            <a:r>
+              <a:rPr lang="en-CA" dirty="0" smtClean="0"/>
+              <a:t>Resources/Prefabs/Monsters/</a:t>
+            </a:r>
+            <a:r>
+              <a:rPr lang="en-CA" dirty="0" err="1" smtClean="0"/>
+              <a:t>BatMonster</a:t>
+            </a:r>
+            <a:endParaRPr lang="en-CA" dirty="0"/>
+          </a:p>
+          <a:p>
+            <a:r>
+              <a:rPr lang="en-CA" dirty="0" smtClean="0"/>
+              <a:t>Resources/Prefabs/Monsters/</a:t>
+            </a:r>
+            <a:r>
+              <a:rPr lang="en-CA" dirty="0" err="1" smtClean="0"/>
+              <a:t>BrainMonster</a:t>
+            </a:r>
+            <a:endParaRPr lang="en-CA" dirty="0"/>
+          </a:p>
+          <a:p>
+            <a:endParaRPr lang="en-CA" dirty="0" smtClean="0"/>
+          </a:p>
+          <a:p>
+            <a:r>
+              <a:rPr lang="en-CA" dirty="0" err="1" smtClean="0"/>
+              <a:t>Enum</a:t>
+            </a:r>
+            <a:r>
+              <a:rPr lang="en-CA" dirty="0" smtClean="0"/>
+              <a:t> </a:t>
+            </a:r>
+            <a:r>
+              <a:rPr lang="en-CA" dirty="0" err="1" smtClean="0"/>
+              <a:t>MonsterType</a:t>
+            </a:r>
+            <a:r>
+              <a:rPr lang="en-CA" dirty="0" smtClean="0"/>
+              <a:t>{</a:t>
+            </a:r>
+            <a:r>
+              <a:rPr lang="en-CA" dirty="0" err="1" smtClean="0"/>
+              <a:t>Slime,Bat,Brain</a:t>
+            </a:r>
+            <a:r>
+              <a:rPr lang="en-CA" dirty="0" smtClean="0"/>
+              <a:t>}</a:t>
+            </a:r>
+          </a:p>
+        </p:txBody>
+      </p:sp>
+      <p:sp>
+        <p:nvSpPr>
+          <p:cNvPr id="5" name="Titre 1"/>
+          <p:cNvSpPr>
+            <a:spLocks noGrp="1"/>
+          </p:cNvSpPr>
+          <p:nvPr>
+            <p:ph type="title"/>
+          </p:nvPr>
+        </p:nvSpPr>
+        <p:spPr>
+          <a:xfrm>
+            <a:off x="6858000" y="274638"/>
+            <a:ext cx="1828800" cy="487362"/>
+          </a:xfrm>
+        </p:spPr>
+        <p:txBody>
+          <a:bodyPr>
+            <a:noAutofit/>
+          </a:bodyPr>
+          <a:lstStyle/>
+          <a:p>
+            <a:r>
+              <a:rPr lang="en-CA" sz="1800" dirty="0" smtClean="0"/>
+              <a:t>Power of </a:t>
+            </a:r>
+            <a:r>
+              <a:rPr lang="en-CA" sz="1800" dirty="0" err="1" smtClean="0"/>
+              <a:t>Enums</a:t>
+            </a:r>
+            <a:endParaRPr lang="en-CA" sz="1800" dirty="0"/>
+          </a:p>
+        </p:txBody>
+      </p:sp>
+    </p:spTree>
+    <p:extLst>
+      <p:ext uri="{BB962C8B-B14F-4D97-AF65-F5344CB8AC3E}">
+        <p14:creationId xmlns:p14="http://schemas.microsoft.com/office/powerpoint/2010/main" val="576234893"/>
+      </p:ext>
+    </p:extLst>
+  </p:cSld>
+  <p:clrMapOvr>
+    <a:masterClrMapping/>
+  </p:clrMapOvr>
+</p:sld>
+</file>
+
+<file path=ppt/slides/slide15.xml><?xml version="1.0" encoding="utf-8"?>
+<p:sld xmlns:a="http://schemas.openxmlformats.org/drawingml/2006/main" xmlns:r="http://schemas.openxmlformats.org/officeDocument/2006/relationships" xmlns:p="http://schemas.openxmlformats.org/presentationml/2006/main">
+  <p:cSld>
+    <p:spTree>
+      <p:nvGrpSpPr>
+        <p:cNvPr id="1" name=""/>
+        <p:cNvGrpSpPr/>
+        <p:nvPr/>
+      </p:nvGrpSpPr>
+      <p:grpSpPr>
+        <a:xfrm>
+          <a:off x="0" y="0"/>
+          <a:ext cx="0" cy="0"/>
+          <a:chOff x="0" y="0"/>
+          <a:chExt cx="0" cy="0"/>
+        </a:xfrm>
+      </p:grpSpPr>
+      <p:sp>
+        <p:nvSpPr>
+          <p:cNvPr id="2" name="Titre 1"/>
+          <p:cNvSpPr>
+            <a:spLocks noGrp="1"/>
+          </p:cNvSpPr>
+          <p:nvPr>
+            <p:ph type="title"/>
+          </p:nvPr>
+        </p:nvSpPr>
+        <p:spPr>
+          <a:xfrm>
+            <a:off x="6858000" y="274638"/>
+            <a:ext cx="1828800" cy="487362"/>
+          </a:xfrm>
+        </p:spPr>
+        <p:txBody>
+          <a:bodyPr>
+            <a:noAutofit/>
+          </a:bodyPr>
+          <a:lstStyle/>
+          <a:p>
+            <a:r>
+              <a:rPr lang="en-CA" sz="1800" dirty="0" smtClean="0"/>
+              <a:t>Power of </a:t>
+            </a:r>
+            <a:r>
+              <a:rPr lang="en-CA" sz="1800" dirty="0" err="1" smtClean="0"/>
+              <a:t>Enums</a:t>
+            </a:r>
+            <a:endParaRPr lang="en-CA" sz="1800" dirty="0"/>
+          </a:p>
+        </p:txBody>
+      </p:sp>
+      <p:sp>
+        <p:nvSpPr>
+          <p:cNvPr id="3" name="Espace réservé du contenu 2"/>
+          <p:cNvSpPr>
+            <a:spLocks noGrp="1"/>
+          </p:cNvSpPr>
+          <p:nvPr>
+            <p:ph idx="1"/>
+          </p:nvPr>
+        </p:nvSpPr>
+        <p:spPr>
+          <a:xfrm>
+            <a:off x="457200" y="762000"/>
+            <a:ext cx="8229600" cy="5364163"/>
+          </a:xfrm>
+        </p:spPr>
+        <p:txBody>
+          <a:bodyPr>
+            <a:normAutofit/>
+          </a:bodyPr>
+          <a:lstStyle/>
+          <a:p>
+            <a:r>
+              <a:rPr lang="en-CA" dirty="0" smtClean="0"/>
+              <a:t>My monsters are now spawned by </a:t>
+            </a:r>
+            <a:r>
+              <a:rPr lang="en-CA" dirty="0" err="1" smtClean="0"/>
+              <a:t>enum</a:t>
+            </a:r>
+            <a:r>
+              <a:rPr lang="en-CA" dirty="0" smtClean="0"/>
+              <a:t> names. As long as I name them the same as the </a:t>
+            </a:r>
+            <a:r>
+              <a:rPr lang="en-CA" dirty="0" err="1" smtClean="0"/>
+              <a:t>enum</a:t>
+            </a:r>
+            <a:endParaRPr lang="en-CA" dirty="0" smtClean="0"/>
+          </a:p>
+          <a:p>
+            <a:r>
+              <a:rPr lang="en-CA" dirty="0" smtClean="0"/>
+              <a:t>I realize now my “</a:t>
+            </a:r>
+            <a:r>
+              <a:rPr lang="en-CA" dirty="0" err="1" smtClean="0"/>
+              <a:t>Spawner</a:t>
+            </a:r>
+            <a:r>
+              <a:rPr lang="en-CA" dirty="0" smtClean="0"/>
+              <a:t> Monsters” were being spawned by a string.</a:t>
+            </a:r>
+          </a:p>
+          <a:p>
+            <a:r>
+              <a:rPr lang="en-CA" dirty="0" err="1" smtClean="0"/>
+              <a:t>SpawnerMonsters</a:t>
+            </a:r>
+            <a:r>
+              <a:rPr lang="en-CA" dirty="0" smtClean="0"/>
+              <a:t> were spawned by </a:t>
+            </a:r>
+            <a:r>
+              <a:rPr lang="en-CA" dirty="0" err="1" smtClean="0"/>
+              <a:t>MonsterManager</a:t>
+            </a:r>
+            <a:r>
+              <a:rPr lang="en-CA" dirty="0" smtClean="0"/>
+              <a:t>, since </a:t>
+            </a:r>
+            <a:r>
+              <a:rPr lang="en-CA" dirty="0" err="1" smtClean="0"/>
+              <a:t>MonsterManager</a:t>
+            </a:r>
+            <a:r>
+              <a:rPr lang="en-CA" dirty="0" smtClean="0"/>
+              <a:t> now has an </a:t>
+            </a:r>
+            <a:r>
+              <a:rPr lang="en-CA" dirty="0" err="1" smtClean="0"/>
+              <a:t>enum</a:t>
+            </a:r>
+            <a:r>
+              <a:rPr lang="en-CA" dirty="0" smtClean="0"/>
+              <a:t>. It’s easy to make them spawned by the </a:t>
+            </a:r>
+            <a:r>
+              <a:rPr lang="en-CA" dirty="0" err="1" smtClean="0"/>
+              <a:t>enum</a:t>
+            </a:r>
+            <a:r>
+              <a:rPr lang="en-CA" dirty="0" smtClean="0"/>
+              <a:t> name too</a:t>
+            </a:r>
+          </a:p>
+          <a:p>
+            <a:r>
+              <a:rPr lang="en-CA" dirty="0" smtClean="0"/>
+              <a:t>Prefabs\</a:t>
+            </a:r>
+            <a:r>
+              <a:rPr lang="en-CA" dirty="0" err="1" smtClean="0"/>
+              <a:t>MonsterSpawners</a:t>
+            </a:r>
+            <a:r>
+              <a:rPr lang="en-CA" dirty="0" smtClean="0"/>
+              <a:t>\</a:t>
+            </a:r>
+            <a:r>
+              <a:rPr lang="en-CA" dirty="0" err="1" smtClean="0"/>
+              <a:t>SlimeSpawner</a:t>
+            </a:r>
+            <a:endParaRPr lang="en-CA" dirty="0"/>
+          </a:p>
+        </p:txBody>
+      </p:sp>
+    </p:spTree>
+    <p:extLst>
+      <p:ext uri="{BB962C8B-B14F-4D97-AF65-F5344CB8AC3E}">
+        <p14:creationId xmlns:p14="http://schemas.microsoft.com/office/powerpoint/2010/main" val="3814057654"/>
+      </p:ext>
+    </p:extLst>
+  </p:cSld>
+  <p:clrMapOvr>
+    <a:masterClrMapping/>
+  </p:clrMapOvr>
+</p:sld>
+</file>
+
+<file path=ppt/slides/slide16.xml><?xml version="1.0" encoding="utf-8"?>
+<p:sld xmlns:a="http://schemas.openxmlformats.org/drawingml/2006/main" xmlns:r="http://schemas.openxmlformats.org/officeDocument/2006/relationships" xmlns:p="http://schemas.openxmlformats.org/presentationml/2006/main">
+  <p:cSld>
+    <p:spTree>
+      <p:nvGrpSpPr>
+        <p:cNvPr id="1" name=""/>
+        <p:cNvGrpSpPr/>
+        <p:nvPr/>
+      </p:nvGrpSpPr>
+      <p:grpSpPr>
+        <a:xfrm>
+          <a:off x="0" y="0"/>
+          <a:ext cx="0" cy="0"/>
+          <a:chOff x="0" y="0"/>
+          <a:chExt cx="0" cy="0"/>
+        </a:xfrm>
+      </p:grpSpPr>
+      <p:sp>
+        <p:nvSpPr>
+          <p:cNvPr id="2" name="Titre 1"/>
+          <p:cNvSpPr>
+            <a:spLocks noGrp="1"/>
+          </p:cNvSpPr>
+          <p:nvPr>
+            <p:ph type="title"/>
+          </p:nvPr>
+        </p:nvSpPr>
+        <p:spPr/>
+        <p:txBody>
+          <a:bodyPr/>
+          <a:lstStyle/>
+          <a:p>
+            <a:r>
+              <a:rPr lang="en-CA" dirty="0" smtClean="0"/>
+              <a:t>Spawning random monsters</a:t>
+            </a:r>
+            <a:endParaRPr lang="en-CA" dirty="0"/>
+          </a:p>
+        </p:txBody>
+      </p:sp>
+      <p:sp>
+        <p:nvSpPr>
+          <p:cNvPr id="3" name="Espace réservé du contenu 2"/>
+          <p:cNvSpPr>
+            <a:spLocks noGrp="1"/>
+          </p:cNvSpPr>
+          <p:nvPr>
+            <p:ph idx="1"/>
+          </p:nvPr>
+        </p:nvSpPr>
+        <p:spPr/>
+        <p:txBody>
+          <a:bodyPr>
+            <a:normAutofit/>
+          </a:bodyPr>
+          <a:lstStyle/>
+          <a:p>
+            <a:pPr marL="0" indent="0">
+              <a:buNone/>
+            </a:pPr>
+            <a:r>
+              <a:rPr lang="en-CA" dirty="0"/>
+              <a:t>public void </a:t>
+            </a:r>
+            <a:r>
+              <a:rPr lang="en-CA" dirty="0" err="1"/>
+              <a:t>SpawnRandomMonsterBreeder</a:t>
+            </a:r>
+            <a:r>
+              <a:rPr lang="en-CA" dirty="0"/>
+              <a:t>()</a:t>
+            </a:r>
+          </a:p>
+          <a:p>
+            <a:pPr marL="0" indent="0">
+              <a:buNone/>
+            </a:pPr>
+            <a:r>
+              <a:rPr lang="en-CA" dirty="0" smtClean="0"/>
+              <a:t> {</a:t>
+            </a:r>
+          </a:p>
+          <a:p>
+            <a:pPr marL="0" indent="0">
+              <a:buNone/>
+            </a:pPr>
+            <a:r>
+              <a:rPr lang="en-CA" sz="2000" dirty="0" smtClean="0"/>
+              <a:t>Vector2 </a:t>
+            </a:r>
+            <a:r>
+              <a:rPr lang="en-CA" sz="2000" dirty="0" err="1"/>
+              <a:t>loc</a:t>
+            </a:r>
+            <a:r>
+              <a:rPr lang="en-CA" sz="2000" dirty="0"/>
+              <a:t> = new Vector2(</a:t>
+            </a:r>
+            <a:r>
+              <a:rPr lang="en-CA" sz="2000" dirty="0" err="1"/>
+              <a:t>Random.Range</a:t>
+            </a:r>
+            <a:r>
+              <a:rPr lang="en-CA" sz="2000" dirty="0"/>
+              <a:t>(0, </a:t>
+            </a:r>
+            <a:r>
+              <a:rPr lang="en-CA" sz="2000" dirty="0" err="1"/>
+              <a:t>GV.Map_Size_XY</a:t>
+            </a:r>
+            <a:r>
+              <a:rPr lang="en-CA" sz="2000" dirty="0"/>
+              <a:t>), </a:t>
+            </a:r>
+            <a:r>
+              <a:rPr lang="en-CA" sz="2000" dirty="0" smtClean="0"/>
+              <a:t>	</a:t>
+            </a:r>
+            <a:r>
+              <a:rPr lang="en-CA" sz="2000" dirty="0" err="1" smtClean="0"/>
+              <a:t>Random.Range</a:t>
+            </a:r>
+            <a:r>
+              <a:rPr lang="en-CA" sz="2000" dirty="0" smtClean="0"/>
+              <a:t>(0</a:t>
+            </a:r>
+            <a:r>
+              <a:rPr lang="en-CA" sz="2000" dirty="0"/>
+              <a:t>, </a:t>
+            </a:r>
+            <a:r>
+              <a:rPr lang="en-CA" sz="2000" dirty="0" err="1"/>
+              <a:t>GV.Map_Size_XY</a:t>
+            </a:r>
+            <a:r>
+              <a:rPr lang="en-CA" sz="2000" dirty="0"/>
+              <a:t>));</a:t>
+            </a:r>
+          </a:p>
+          <a:p>
+            <a:pPr marL="0" indent="0">
+              <a:buNone/>
+            </a:pPr>
+            <a:r>
+              <a:rPr lang="en-CA" sz="2000" dirty="0"/>
+              <a:t>        </a:t>
+            </a:r>
+            <a:r>
+              <a:rPr lang="en-CA" sz="2000" dirty="0" err="1"/>
+              <a:t>MonsterManager</a:t>
+            </a:r>
+            <a:r>
+              <a:rPr lang="en-CA" sz="2000" dirty="0"/>
+              <a:t> mm = new </a:t>
+            </a:r>
+            <a:r>
+              <a:rPr lang="en-CA" sz="2000" dirty="0" err="1"/>
+              <a:t>MonsterManager</a:t>
+            </a:r>
+            <a:r>
+              <a:rPr lang="en-CA" sz="2000" dirty="0"/>
+              <a:t>(</a:t>
+            </a:r>
+            <a:r>
+              <a:rPr lang="en-CA" sz="2000" dirty="0" err="1"/>
+              <a:t>GV.MonsterTypes.Slime</a:t>
+            </a:r>
+            <a:r>
+              <a:rPr lang="en-CA" sz="2000" dirty="0"/>
+              <a:t>);</a:t>
+            </a:r>
+          </a:p>
+          <a:p>
+            <a:pPr marL="0" indent="0">
+              <a:buNone/>
+            </a:pPr>
+            <a:r>
+              <a:rPr lang="en-CA" sz="2000" dirty="0"/>
+              <a:t>        </a:t>
+            </a:r>
+            <a:r>
+              <a:rPr lang="en-CA" sz="2000" dirty="0" err="1"/>
+              <a:t>mm.CreateBreeder</a:t>
+            </a:r>
+            <a:r>
+              <a:rPr lang="en-CA" sz="2000" dirty="0"/>
+              <a:t>(</a:t>
+            </a:r>
+            <a:r>
+              <a:rPr lang="en-CA" sz="2000" dirty="0" err="1"/>
+              <a:t>loc</a:t>
+            </a:r>
+            <a:r>
+              <a:rPr lang="en-CA" sz="2000" dirty="0"/>
+              <a:t>);</a:t>
+            </a:r>
+          </a:p>
+          <a:p>
+            <a:pPr marL="0" indent="0">
+              <a:buNone/>
+            </a:pPr>
+            <a:r>
+              <a:rPr lang="en-CA" sz="2000" dirty="0"/>
+              <a:t>        </a:t>
+            </a:r>
+            <a:r>
+              <a:rPr lang="en-CA" sz="2000" dirty="0" err="1"/>
+              <a:t>monsterManagers.Add</a:t>
+            </a:r>
+            <a:r>
+              <a:rPr lang="en-CA" sz="2000" dirty="0"/>
+              <a:t>(</a:t>
+            </a:r>
+            <a:r>
+              <a:rPr lang="en-CA" sz="2000" dirty="0" err="1"/>
+              <a:t>GV.MonsterTypes.Slime</a:t>
+            </a:r>
+            <a:r>
+              <a:rPr lang="en-CA" sz="2000" dirty="0"/>
+              <a:t>, mm);        </a:t>
+            </a:r>
+            <a:endParaRPr lang="en-CA" dirty="0"/>
+          </a:p>
+          <a:p>
+            <a:pPr marL="0" indent="0">
+              <a:buNone/>
+            </a:pPr>
+            <a:r>
+              <a:rPr lang="en-CA" dirty="0" smtClean="0"/>
+              <a:t>}</a:t>
+            </a:r>
+            <a:endParaRPr lang="en-CA" dirty="0"/>
+          </a:p>
+        </p:txBody>
+      </p:sp>
+    </p:spTree>
+    <p:extLst>
+      <p:ext uri="{BB962C8B-B14F-4D97-AF65-F5344CB8AC3E}">
+        <p14:creationId xmlns:p14="http://schemas.microsoft.com/office/powerpoint/2010/main" val="2202625718"/>
+      </p:ext>
+    </p:extLst>
+  </p:cSld>
+  <p:clrMapOvr>
+    <a:masterClrMapping/>
+  </p:clrMapOvr>
+</p:sld>
+</file>
+
+<file path=ppt/slides/slide17.xml><?xml version="1.0" encoding="utf-8"?>
+<p:sld xmlns:a="http://schemas.openxmlformats.org/drawingml/2006/main" xmlns:r="http://schemas.openxmlformats.org/officeDocument/2006/relationships" xmlns:p="http://schemas.openxmlformats.org/presentationml/2006/main">
+  <p:cSld>
+    <p:spTree>
+      <p:nvGrpSpPr>
+        <p:cNvPr id="1" name=""/>
+        <p:cNvGrpSpPr/>
+        <p:nvPr/>
+      </p:nvGrpSpPr>
+      <p:grpSpPr>
+        <a:xfrm>
+          <a:off x="0" y="0"/>
+          <a:ext cx="0" cy="0"/>
+          <a:chOff x="0" y="0"/>
+          <a:chExt cx="0" cy="0"/>
+        </a:xfrm>
+      </p:grpSpPr>
+      <p:sp>
+        <p:nvSpPr>
+          <p:cNvPr id="3" name="Espace réservé du contenu 2"/>
+          <p:cNvSpPr>
+            <a:spLocks noGrp="1"/>
+          </p:cNvSpPr>
+          <p:nvPr>
+            <p:ph idx="1"/>
+          </p:nvPr>
+        </p:nvSpPr>
+        <p:spPr>
+          <a:xfrm>
+            <a:off x="457200" y="762000"/>
+            <a:ext cx="8229600" cy="5364163"/>
+          </a:xfrm>
+        </p:spPr>
+        <p:txBody>
+          <a:bodyPr/>
+          <a:lstStyle/>
+          <a:p>
+            <a:r>
+              <a:rPr lang="en-CA" dirty="0" smtClean="0"/>
+              <a:t>The previous method means we need to pass an </a:t>
+            </a:r>
+            <a:r>
+              <a:rPr lang="en-CA" dirty="0" err="1" smtClean="0"/>
+              <a:t>enum</a:t>
+            </a:r>
+            <a:r>
+              <a:rPr lang="en-CA" dirty="0" smtClean="0"/>
+              <a:t> each time we want to spawn a monster</a:t>
+            </a:r>
+          </a:p>
+          <a:p>
+            <a:r>
+              <a:rPr lang="en-CA" dirty="0" smtClean="0"/>
+              <a:t>Let us grab a random </a:t>
+            </a:r>
+            <a:r>
+              <a:rPr lang="en-CA" dirty="0" err="1" smtClean="0"/>
+              <a:t>enum</a:t>
+            </a:r>
+            <a:r>
+              <a:rPr lang="en-CA" dirty="0" smtClean="0"/>
+              <a:t> instead</a:t>
+            </a:r>
+          </a:p>
+          <a:p>
+            <a:r>
+              <a:rPr lang="en-CA" dirty="0" smtClean="0"/>
+              <a:t>You can turn an </a:t>
+            </a:r>
+            <a:r>
+              <a:rPr lang="en-CA" dirty="0" err="1" smtClean="0"/>
+              <a:t>enum</a:t>
+            </a:r>
+            <a:r>
+              <a:rPr lang="en-CA" dirty="0" smtClean="0"/>
+              <a:t> into a list with</a:t>
+            </a:r>
+          </a:p>
+          <a:p>
+            <a:r>
+              <a:rPr lang="en-CA" sz="2400" dirty="0" smtClean="0"/>
+              <a:t>List&lt;</a:t>
+            </a:r>
+            <a:r>
+              <a:rPr lang="en-CA" sz="2400" dirty="0" err="1" smtClean="0"/>
+              <a:t>GV.Monster</a:t>
+            </a:r>
+            <a:r>
+              <a:rPr lang="en-CA" sz="2400" dirty="0" smtClean="0"/>
+              <a:t>&gt; </a:t>
+            </a:r>
+            <a:r>
+              <a:rPr lang="en-CA" sz="2400" dirty="0" err="1" smtClean="0"/>
+              <a:t>fullEnumList</a:t>
+            </a:r>
+            <a:r>
+              <a:rPr lang="en-CA" sz="2400" dirty="0" smtClean="0"/>
+              <a:t> =</a:t>
+            </a:r>
+            <a:endParaRPr lang="en-CA" dirty="0" smtClean="0"/>
+          </a:p>
+          <a:p>
+            <a:pPr marL="0" indent="0">
+              <a:buNone/>
+            </a:pPr>
+            <a:r>
+              <a:rPr lang="en-CA" sz="2400" dirty="0" err="1" smtClean="0"/>
+              <a:t>System.Enum.GetValues</a:t>
+            </a:r>
+            <a:r>
+              <a:rPr lang="en-CA" sz="2400" dirty="0" smtClean="0"/>
+              <a:t>(</a:t>
+            </a:r>
+            <a:r>
+              <a:rPr lang="en-CA" sz="2400" dirty="0" err="1" smtClean="0"/>
+              <a:t>typeof</a:t>
+            </a:r>
+            <a:r>
+              <a:rPr lang="en-CA" sz="2400" dirty="0" smtClean="0"/>
+              <a:t>(</a:t>
+            </a:r>
+            <a:r>
+              <a:rPr lang="en-CA" sz="2400" dirty="0" err="1" smtClean="0"/>
+              <a:t>GV.Monster</a:t>
+            </a:r>
+            <a:r>
+              <a:rPr lang="en-CA" sz="2400" dirty="0" smtClean="0"/>
+              <a:t>)).cast&lt; </a:t>
+            </a:r>
+            <a:r>
+              <a:rPr lang="en-CA" sz="2400" dirty="0" err="1"/>
+              <a:t>GV.Monster</a:t>
+            </a:r>
+            <a:r>
+              <a:rPr lang="en-CA" sz="2400" dirty="0" smtClean="0"/>
+              <a:t>&gt;().</a:t>
+            </a:r>
+            <a:r>
+              <a:rPr lang="en-CA" sz="2400" dirty="0" err="1" smtClean="0"/>
+              <a:t>ToList</a:t>
+            </a:r>
+            <a:r>
+              <a:rPr lang="en-CA" sz="2400" dirty="0" smtClean="0"/>
+              <a:t>();</a:t>
+            </a:r>
+            <a:endParaRPr lang="en-CA" sz="2400" dirty="0"/>
+          </a:p>
+          <a:p>
+            <a:r>
+              <a:rPr lang="en-CA" dirty="0" smtClean="0"/>
+              <a:t>Then we can get the length and get a random</a:t>
+            </a:r>
+          </a:p>
+          <a:p>
+            <a:r>
+              <a:rPr lang="en-CA" sz="2400" dirty="0" err="1" smtClean="0"/>
+              <a:t>GV.Monster</a:t>
+            </a:r>
+            <a:r>
+              <a:rPr lang="en-CA" sz="2400" dirty="0" smtClean="0"/>
+              <a:t> m = </a:t>
+            </a:r>
+            <a:r>
+              <a:rPr lang="en-CA" sz="2400" dirty="0" err="1" smtClean="0"/>
+              <a:t>fullEnumList</a:t>
+            </a:r>
+            <a:r>
+              <a:rPr lang="en-CA" sz="2400" dirty="0" smtClean="0"/>
+              <a:t>[</a:t>
+            </a:r>
+            <a:r>
+              <a:rPr lang="en-CA" sz="2400" dirty="0" err="1" smtClean="0"/>
+              <a:t>Random.Range</a:t>
+            </a:r>
+            <a:r>
+              <a:rPr lang="en-CA" sz="2400" dirty="0" smtClean="0"/>
+              <a:t>(0,fulEnumList.Count);</a:t>
+            </a:r>
+            <a:endParaRPr lang="en-CA" sz="2400" dirty="0"/>
+          </a:p>
+        </p:txBody>
+      </p:sp>
+      <p:sp>
+        <p:nvSpPr>
+          <p:cNvPr id="4" name="Titre 1"/>
+          <p:cNvSpPr>
+            <a:spLocks noGrp="1"/>
+          </p:cNvSpPr>
+          <p:nvPr>
+            <p:ph type="title"/>
+          </p:nvPr>
+        </p:nvSpPr>
+        <p:spPr>
+          <a:xfrm>
+            <a:off x="7696200" y="152400"/>
+            <a:ext cx="1295400" cy="487362"/>
+          </a:xfrm>
+        </p:spPr>
+        <p:txBody>
+          <a:bodyPr>
+            <a:normAutofit/>
+          </a:bodyPr>
+          <a:lstStyle/>
+          <a:p>
+            <a:r>
+              <a:rPr lang="en-CA" sz="1200" dirty="0" smtClean="0"/>
+              <a:t>Spawning random monsters</a:t>
+            </a:r>
+            <a:endParaRPr lang="en-CA" sz="1200" dirty="0"/>
+          </a:p>
+        </p:txBody>
+      </p:sp>
+    </p:spTree>
+    <p:extLst>
+      <p:ext uri="{BB962C8B-B14F-4D97-AF65-F5344CB8AC3E}">
+        <p14:creationId xmlns:p14="http://schemas.microsoft.com/office/powerpoint/2010/main" val="1176327043"/>
+      </p:ext>
+    </p:extLst>
+  </p:cSld>
+  <p:clrMapOvr>
+    <a:masterClrMapping/>
+  </p:clrMapOvr>
+</p:sld>
+</file>
+
+<file path=ppt/slides/slide18.xml><?xml version="1.0" encoding="utf-8"?>
+<p:sld xmlns:a="http://schemas.openxmlformats.org/drawingml/2006/main" xmlns:r="http://schemas.openxmlformats.org/officeDocument/2006/relationships" xmlns:p="http://schemas.openxmlformats.org/presentationml/2006/main">
+  <p:cSld>
+    <p:spTree>
+      <p:nvGrpSpPr>
+        <p:cNvPr id="1" name=""/>
+        <p:cNvGrpSpPr/>
+        <p:nvPr/>
+      </p:nvGrpSpPr>
+      <p:grpSpPr>
+        <a:xfrm>
+          <a:off x="0" y="0"/>
+          <a:ext cx="0" cy="0"/>
+          <a:chOff x="0" y="0"/>
+          <a:chExt cx="0" cy="0"/>
+        </a:xfrm>
+      </p:grpSpPr>
+      <p:sp>
+        <p:nvSpPr>
+          <p:cNvPr id="3" name="Espace réservé du contenu 2"/>
+          <p:cNvSpPr>
+            <a:spLocks noGrp="1"/>
+          </p:cNvSpPr>
+          <p:nvPr>
+            <p:ph idx="1"/>
+          </p:nvPr>
+        </p:nvSpPr>
+        <p:spPr>
+          <a:xfrm>
+            <a:off x="457200" y="762000"/>
+            <a:ext cx="8229600" cy="5364163"/>
+          </a:xfrm>
+        </p:spPr>
+        <p:txBody>
+          <a:bodyPr/>
+          <a:lstStyle/>
+          <a:p>
+            <a:r>
+              <a:rPr lang="en-CA" dirty="0" smtClean="0"/>
+              <a:t>For the previous example, you will probably need:</a:t>
+            </a:r>
+          </a:p>
+          <a:p>
+            <a:r>
+              <a:rPr lang="en-CA" sz="2400" dirty="0" smtClean="0"/>
+              <a:t>Using System;</a:t>
+            </a:r>
+          </a:p>
+          <a:p>
+            <a:r>
+              <a:rPr lang="en-CA" sz="2400" dirty="0" smtClean="0"/>
+              <a:t>Using </a:t>
+            </a:r>
+            <a:r>
+              <a:rPr lang="en-CA" sz="2400" dirty="0" err="1" smtClean="0"/>
+              <a:t>System.Linq</a:t>
+            </a:r>
+            <a:r>
+              <a:rPr lang="en-CA" sz="2400" dirty="0" smtClean="0"/>
+              <a:t>;</a:t>
+            </a:r>
+          </a:p>
+          <a:p>
+            <a:pPr marL="0" indent="0">
+              <a:buNone/>
+            </a:pPr>
+            <a:endParaRPr lang="en-CA" sz="2400" dirty="0"/>
+          </a:p>
+        </p:txBody>
+      </p:sp>
+      <p:sp>
+        <p:nvSpPr>
+          <p:cNvPr id="4" name="Titre 1"/>
+          <p:cNvSpPr>
+            <a:spLocks noGrp="1"/>
+          </p:cNvSpPr>
+          <p:nvPr>
+            <p:ph type="title"/>
+          </p:nvPr>
+        </p:nvSpPr>
+        <p:spPr>
+          <a:xfrm>
+            <a:off x="7696200" y="152400"/>
+            <a:ext cx="1295400" cy="487362"/>
+          </a:xfrm>
+        </p:spPr>
+        <p:txBody>
+          <a:bodyPr>
+            <a:normAutofit/>
+          </a:bodyPr>
+          <a:lstStyle/>
+          <a:p>
+            <a:r>
+              <a:rPr lang="en-CA" sz="1200" dirty="0" smtClean="0"/>
+              <a:t>Spawning random monsters</a:t>
+            </a:r>
+            <a:endParaRPr lang="en-CA" sz="1200" dirty="0"/>
+          </a:p>
+        </p:txBody>
+      </p:sp>
+    </p:spTree>
+    <p:extLst>
+      <p:ext uri="{BB962C8B-B14F-4D97-AF65-F5344CB8AC3E}">
+        <p14:creationId xmlns:p14="http://schemas.microsoft.com/office/powerpoint/2010/main" val="1493326531"/>
+      </p:ext>
+    </p:extLst>
+  </p:cSld>
+  <p:clrMapOvr>
+    <a:masterClrMapping/>
+  </p:clrMapOvr>
+</p:sld>
+</file>
+
+<file path=ppt/slides/slide19.xml><?xml version="1.0" encoding="utf-8"?>
+<p:sld xmlns:a="http://schemas.openxmlformats.org/drawingml/2006/main" xmlns:r="http://schemas.openxmlformats.org/officeDocument/2006/relationships" xmlns:p="http://schemas.openxmlformats.org/presentationml/2006/main">
+  <p:cSld>
+    <p:spTree>
+      <p:nvGrpSpPr>
+        <p:cNvPr id="1" name=""/>
+        <p:cNvGrpSpPr/>
+        <p:nvPr/>
+      </p:nvGrpSpPr>
+      <p:grpSpPr>
+        <a:xfrm>
+          <a:off x="0" y="0"/>
+          <a:ext cx="0" cy="0"/>
+          <a:chOff x="0" y="0"/>
+          <a:chExt cx="0" cy="0"/>
+        </a:xfrm>
+      </p:grpSpPr>
+      <p:sp>
+        <p:nvSpPr>
+          <p:cNvPr id="3" name="Espace réservé du contenu 2"/>
+          <p:cNvSpPr>
+            <a:spLocks noGrp="1"/>
+          </p:cNvSpPr>
+          <p:nvPr>
+            <p:ph idx="1"/>
+          </p:nvPr>
+        </p:nvSpPr>
+        <p:spPr>
+          <a:xfrm>
+            <a:off x="457200" y="762000"/>
+            <a:ext cx="8229600" cy="5364163"/>
+          </a:xfrm>
+        </p:spPr>
+        <p:txBody>
+          <a:bodyPr>
+            <a:normAutofit lnSpcReduction="10000"/>
+          </a:bodyPr>
+          <a:lstStyle/>
+          <a:p>
+            <a:r>
+              <a:rPr lang="en-CA" dirty="0" smtClean="0"/>
+              <a:t>We may need this function later, let us make a generic one in GV</a:t>
+            </a:r>
+          </a:p>
+          <a:p>
+            <a:endParaRPr lang="en-CA" sz="2400" dirty="0" smtClean="0"/>
+          </a:p>
+          <a:p>
+            <a:endParaRPr lang="en-CA" sz="2400" dirty="0"/>
+          </a:p>
+          <a:p>
+            <a:endParaRPr lang="en-CA" sz="2400" dirty="0" smtClean="0"/>
+          </a:p>
+          <a:p>
+            <a:endParaRPr lang="en-CA" sz="2400" dirty="0"/>
+          </a:p>
+          <a:p>
+            <a:endParaRPr lang="en-CA" sz="2400" dirty="0" smtClean="0"/>
+          </a:p>
+          <a:p>
+            <a:r>
+              <a:rPr lang="en-CA" sz="2400" dirty="0" smtClean="0"/>
+              <a:t>We can use it like this:</a:t>
+            </a:r>
+          </a:p>
+          <a:p>
+            <a:r>
+              <a:rPr lang="en-CA" sz="2400" dirty="0" err="1" smtClean="0"/>
+              <a:t>GV.Monster</a:t>
+            </a:r>
+            <a:r>
+              <a:rPr lang="en-CA" sz="2400" dirty="0" smtClean="0"/>
+              <a:t> m = </a:t>
+            </a:r>
+            <a:r>
+              <a:rPr lang="en-CA" sz="2400" dirty="0" err="1" smtClean="0"/>
+              <a:t>GV.GetRandomEnum</a:t>
+            </a:r>
+            <a:r>
+              <a:rPr lang="en-CA" sz="2400" dirty="0" smtClean="0"/>
+              <a:t>&lt;</a:t>
+            </a:r>
+            <a:r>
+              <a:rPr lang="en-CA" sz="2400" dirty="0" err="1" smtClean="0"/>
+              <a:t>GV.Monster</a:t>
+            </a:r>
+            <a:r>
+              <a:rPr lang="en-CA" sz="2400" dirty="0" smtClean="0"/>
+              <a:t>&gt;();</a:t>
+            </a:r>
+          </a:p>
+          <a:p>
+            <a:r>
+              <a:rPr lang="en-CA" sz="2400" dirty="0" smtClean="0"/>
+              <a:t>You do not need to fully understand this. But it would be a massive boost to your arsenal if you did.</a:t>
+            </a:r>
+          </a:p>
+          <a:p>
+            <a:r>
+              <a:rPr lang="en-CA" sz="2400" dirty="0" smtClean="0"/>
+              <a:t>You can ask me if you wish me to explain it to you. Otherwise, feel free to copy paste it into your projects</a:t>
+            </a:r>
+            <a:endParaRPr lang="en-CA" sz="2400" dirty="0"/>
+          </a:p>
+        </p:txBody>
+      </p:sp>
+      <p:sp>
+        <p:nvSpPr>
+          <p:cNvPr id="4" name="Titre 1"/>
+          <p:cNvSpPr>
+            <a:spLocks noGrp="1"/>
+          </p:cNvSpPr>
+          <p:nvPr>
+            <p:ph type="title"/>
+          </p:nvPr>
+        </p:nvSpPr>
+        <p:spPr>
+          <a:xfrm>
+            <a:off x="7696200" y="152400"/>
+            <a:ext cx="1295400" cy="487362"/>
+          </a:xfrm>
+        </p:spPr>
+        <p:txBody>
+          <a:bodyPr>
+            <a:normAutofit/>
+          </a:bodyPr>
+          <a:lstStyle/>
+          <a:p>
+            <a:r>
+              <a:rPr lang="en-CA" sz="1200" dirty="0" smtClean="0"/>
+              <a:t>Spawning random monsters</a:t>
+            </a:r>
+            <a:endParaRPr lang="en-CA" sz="1200" dirty="0"/>
+          </a:p>
+        </p:txBody>
+      </p:sp>
+      <p:pic>
+        <p:nvPicPr>
+          <p:cNvPr id="2" name="Image 1"/>
+          <p:cNvPicPr>
+            <a:picLocks noChangeAspect="1"/>
+          </p:cNvPicPr>
+          <p:nvPr/>
+        </p:nvPicPr>
+        <p:blipFill>
+          <a:blip r:embed="rId2"/>
+          <a:stretch>
+            <a:fillRect/>
+          </a:stretch>
+        </p:blipFill>
+        <p:spPr>
+          <a:xfrm>
+            <a:off x="914400" y="1828800"/>
+            <a:ext cx="6153846" cy="1890712"/>
+          </a:xfrm>
+          <a:prstGeom prst="rect">
+            <a:avLst/>
+          </a:prstGeom>
+        </p:spPr>
+      </p:pic>
+    </p:spTree>
+    <p:extLst>
+      <p:ext uri="{BB962C8B-B14F-4D97-AF65-F5344CB8AC3E}">
+        <p14:creationId xmlns:p14="http://schemas.microsoft.com/office/powerpoint/2010/main" val="3269125113"/>
+      </p:ext>
+    </p:extLst>
   </p:cSld>
   <p:clrMapOvr>
     <a:masterClrMapping/>
@@ -4675,6 +6596,1075 @@
         </p:txBody>
       </p:sp>
     </p:spTree>
+  </p:cSld>
+  <p:clrMapOvr>
+    <a:masterClrMapping/>
+  </p:clrMapOvr>
+</p:sld>
+</file>
+
+<file path=ppt/slides/slide20.xml><?xml version="1.0" encoding="utf-8"?>
+<p:sld xmlns:a="http://schemas.openxmlformats.org/drawingml/2006/main" xmlns:r="http://schemas.openxmlformats.org/officeDocument/2006/relationships" xmlns:p="http://schemas.openxmlformats.org/presentationml/2006/main">
+  <p:cSld>
+    <p:spTree>
+      <p:nvGrpSpPr>
+        <p:cNvPr id="1" name=""/>
+        <p:cNvGrpSpPr/>
+        <p:nvPr/>
+      </p:nvGrpSpPr>
+      <p:grpSpPr>
+        <a:xfrm>
+          <a:off x="0" y="0"/>
+          <a:ext cx="0" cy="0"/>
+          <a:chOff x="0" y="0"/>
+          <a:chExt cx="0" cy="0"/>
+        </a:xfrm>
+      </p:grpSpPr>
+      <p:sp>
+        <p:nvSpPr>
+          <p:cNvPr id="3" name="Espace réservé du contenu 2"/>
+          <p:cNvSpPr>
+            <a:spLocks noGrp="1"/>
+          </p:cNvSpPr>
+          <p:nvPr>
+            <p:ph idx="1"/>
+          </p:nvPr>
+        </p:nvSpPr>
+        <p:spPr>
+          <a:xfrm>
+            <a:off x="457200" y="762000"/>
+            <a:ext cx="8229600" cy="5364163"/>
+          </a:xfrm>
+        </p:spPr>
+        <p:txBody>
+          <a:bodyPr>
+            <a:normAutofit/>
+          </a:bodyPr>
+          <a:lstStyle/>
+          <a:p>
+            <a:r>
+              <a:rPr lang="en-CA" sz="2400" dirty="0" smtClean="0"/>
+              <a:t>Now we can spawn a random monster each time</a:t>
+            </a:r>
+          </a:p>
+          <a:p>
+            <a:endParaRPr lang="en-CA" sz="2400" dirty="0"/>
+          </a:p>
+          <a:p>
+            <a:endParaRPr lang="en-CA" sz="2400" dirty="0" smtClean="0"/>
+          </a:p>
+          <a:p>
+            <a:endParaRPr lang="en-CA" sz="2400" dirty="0"/>
+          </a:p>
+          <a:p>
+            <a:endParaRPr lang="en-CA" sz="2400" dirty="0" smtClean="0"/>
+          </a:p>
+          <a:p>
+            <a:endParaRPr lang="en-CA" sz="2400" dirty="0"/>
+          </a:p>
+          <a:p>
+            <a:endParaRPr lang="en-CA" sz="2400" dirty="0" smtClean="0"/>
+          </a:p>
+          <a:p>
+            <a:endParaRPr lang="en-CA" sz="2400" dirty="0"/>
+          </a:p>
+          <a:p>
+            <a:pPr marL="0" indent="0">
+              <a:buNone/>
+            </a:pPr>
+            <a:r>
+              <a:rPr lang="en-CA" sz="2400" dirty="0" smtClean="0"/>
+              <a:t>We can only have one of each Monster with this, we could have a &lt;</a:t>
+            </a:r>
+            <a:r>
+              <a:rPr lang="en-CA" sz="2400" dirty="0" err="1" smtClean="0"/>
+              <a:t>GV.MonsterType</a:t>
+            </a:r>
+            <a:r>
+              <a:rPr lang="en-CA" sz="2400" dirty="0" smtClean="0"/>
+              <a:t>, List&lt;</a:t>
+            </a:r>
+            <a:r>
+              <a:rPr lang="en-CA" sz="2400" dirty="0" err="1" smtClean="0"/>
+              <a:t>MonsterManager</a:t>
+            </a:r>
+            <a:r>
+              <a:rPr lang="en-CA" sz="2400" dirty="0" smtClean="0"/>
+              <a:t>&gt;&gt; But for our game, we will only have one of each type of monster </a:t>
+            </a:r>
+            <a:r>
+              <a:rPr lang="en-CA" sz="2400" dirty="0" err="1" smtClean="0"/>
+              <a:t>spawner</a:t>
+            </a:r>
+            <a:r>
+              <a:rPr lang="en-CA" sz="2400" dirty="0" smtClean="0"/>
+              <a:t> allowed at once</a:t>
+            </a:r>
+            <a:endParaRPr lang="en-CA" sz="2400" dirty="0"/>
+          </a:p>
+        </p:txBody>
+      </p:sp>
+      <p:sp>
+        <p:nvSpPr>
+          <p:cNvPr id="4" name="Titre 1"/>
+          <p:cNvSpPr>
+            <a:spLocks noGrp="1"/>
+          </p:cNvSpPr>
+          <p:nvPr>
+            <p:ph type="title"/>
+          </p:nvPr>
+        </p:nvSpPr>
+        <p:spPr>
+          <a:xfrm>
+            <a:off x="7696200" y="152400"/>
+            <a:ext cx="1295400" cy="487362"/>
+          </a:xfrm>
+        </p:spPr>
+        <p:txBody>
+          <a:bodyPr>
+            <a:normAutofit/>
+          </a:bodyPr>
+          <a:lstStyle/>
+          <a:p>
+            <a:r>
+              <a:rPr lang="en-CA" sz="1200" dirty="0" smtClean="0"/>
+              <a:t>Spawning random monsters</a:t>
+            </a:r>
+            <a:endParaRPr lang="en-CA" sz="1200" dirty="0"/>
+          </a:p>
+        </p:txBody>
+      </p:sp>
+      <p:pic>
+        <p:nvPicPr>
+          <p:cNvPr id="5" name="Image 4"/>
+          <p:cNvPicPr>
+            <a:picLocks noChangeAspect="1"/>
+          </p:cNvPicPr>
+          <p:nvPr/>
+        </p:nvPicPr>
+        <p:blipFill>
+          <a:blip r:embed="rId3"/>
+          <a:stretch>
+            <a:fillRect/>
+          </a:stretch>
+        </p:blipFill>
+        <p:spPr>
+          <a:xfrm>
+            <a:off x="533400" y="1219200"/>
+            <a:ext cx="8125691" cy="2590800"/>
+          </a:xfrm>
+          <a:prstGeom prst="rect">
+            <a:avLst/>
+          </a:prstGeom>
+        </p:spPr>
+      </p:pic>
+    </p:spTree>
+    <p:extLst>
+      <p:ext uri="{BB962C8B-B14F-4D97-AF65-F5344CB8AC3E}">
+        <p14:creationId xmlns:p14="http://schemas.microsoft.com/office/powerpoint/2010/main" val="3303479339"/>
+      </p:ext>
+    </p:extLst>
+  </p:cSld>
+  <p:clrMapOvr>
+    <a:masterClrMapping/>
+  </p:clrMapOvr>
+</p:sld>
+</file>
+
+<file path=ppt/slides/slide21.xml><?xml version="1.0" encoding="utf-8"?>
+<p:sld xmlns:a="http://schemas.openxmlformats.org/drawingml/2006/main" xmlns:r="http://schemas.openxmlformats.org/officeDocument/2006/relationships" xmlns:p="http://schemas.openxmlformats.org/presentationml/2006/main">
+  <p:cSld>
+    <p:spTree>
+      <p:nvGrpSpPr>
+        <p:cNvPr id="1" name=""/>
+        <p:cNvGrpSpPr/>
+        <p:nvPr/>
+      </p:nvGrpSpPr>
+      <p:grpSpPr>
+        <a:xfrm>
+          <a:off x="0" y="0"/>
+          <a:ext cx="0" cy="0"/>
+          <a:chOff x="0" y="0"/>
+          <a:chExt cx="0" cy="0"/>
+        </a:xfrm>
+      </p:grpSpPr>
+      <p:sp>
+        <p:nvSpPr>
+          <p:cNvPr id="2" name="Titre 1"/>
+          <p:cNvSpPr>
+            <a:spLocks noGrp="1"/>
+          </p:cNvSpPr>
+          <p:nvPr>
+            <p:ph type="title"/>
+          </p:nvPr>
+        </p:nvSpPr>
+        <p:spPr/>
+        <p:txBody>
+          <a:bodyPr/>
+          <a:lstStyle/>
+          <a:p>
+            <a:r>
+              <a:rPr lang="en-CA" dirty="0" smtClean="0"/>
+              <a:t>Add a new Monster</a:t>
+            </a:r>
+            <a:endParaRPr lang="en-CA" dirty="0"/>
+          </a:p>
+        </p:txBody>
+      </p:sp>
+      <p:sp>
+        <p:nvSpPr>
+          <p:cNvPr id="3" name="Espace réservé du contenu 2"/>
+          <p:cNvSpPr>
+            <a:spLocks noGrp="1"/>
+          </p:cNvSpPr>
+          <p:nvPr>
+            <p:ph idx="1"/>
+          </p:nvPr>
+        </p:nvSpPr>
+        <p:spPr>
+          <a:xfrm>
+            <a:off x="457200" y="1219200"/>
+            <a:ext cx="8229600" cy="4906963"/>
+          </a:xfrm>
+        </p:spPr>
+        <p:txBody>
+          <a:bodyPr/>
+          <a:lstStyle/>
+          <a:p>
+            <a:r>
+              <a:rPr lang="en-CA" sz="2400" dirty="0" smtClean="0"/>
+              <a:t>To add a new monster, we just need to add the monster type to the </a:t>
+            </a:r>
+            <a:r>
+              <a:rPr lang="en-CA" sz="2400" dirty="0" err="1" smtClean="0"/>
+              <a:t>enum</a:t>
+            </a:r>
+            <a:r>
+              <a:rPr lang="en-CA" sz="2400" dirty="0" smtClean="0"/>
+              <a:t> in </a:t>
+            </a:r>
+            <a:r>
+              <a:rPr lang="en-CA" sz="2400" dirty="0" err="1" smtClean="0"/>
+              <a:t>GV.MonsterType</a:t>
+            </a:r>
+            <a:endParaRPr lang="en-CA" sz="2400" dirty="0" smtClean="0"/>
+          </a:p>
+          <a:p>
+            <a:r>
+              <a:rPr lang="en-CA" sz="2400" dirty="0" smtClean="0"/>
+              <a:t>Then we need to add the </a:t>
+            </a:r>
+            <a:r>
+              <a:rPr lang="en-CA" sz="2400" dirty="0" err="1" smtClean="0"/>
+              <a:t>spawner</a:t>
+            </a:r>
+            <a:r>
+              <a:rPr lang="en-CA" sz="2400" dirty="0" smtClean="0"/>
+              <a:t> to Resources/Prefabs/</a:t>
+            </a:r>
+            <a:r>
+              <a:rPr lang="en-CA" sz="2400" dirty="0" err="1" smtClean="0"/>
+              <a:t>MonsterSpawners</a:t>
+            </a:r>
+            <a:endParaRPr lang="en-CA" sz="2400" dirty="0" smtClean="0"/>
+          </a:p>
+          <a:p>
+            <a:pPr lvl="1"/>
+            <a:r>
+              <a:rPr lang="en-CA" sz="2000" dirty="0" smtClean="0"/>
+              <a:t>Name the object the same as the </a:t>
+            </a:r>
+            <a:r>
+              <a:rPr lang="en-CA" sz="2000" dirty="0" err="1" smtClean="0"/>
+              <a:t>enum</a:t>
+            </a:r>
+            <a:r>
+              <a:rPr lang="en-CA" sz="2000" dirty="0" smtClean="0"/>
+              <a:t> + “</a:t>
+            </a:r>
+            <a:r>
+              <a:rPr lang="en-CA" sz="2000" dirty="0" err="1" smtClean="0"/>
+              <a:t>Spawner</a:t>
+            </a:r>
+            <a:r>
+              <a:rPr lang="en-CA" sz="2000" dirty="0" smtClean="0"/>
+              <a:t>”</a:t>
+            </a:r>
+          </a:p>
+          <a:p>
+            <a:pPr lvl="1"/>
+            <a:r>
+              <a:rPr lang="en-CA" sz="2000" dirty="0" smtClean="0"/>
+              <a:t>Give the object a script called </a:t>
+            </a:r>
+            <a:r>
+              <a:rPr lang="en-CA" sz="2000" dirty="0" err="1" smtClean="0"/>
+              <a:t>MonsterSpawner.cs</a:t>
+            </a:r>
+            <a:r>
+              <a:rPr lang="en-CA" sz="2000" dirty="0" smtClean="0"/>
+              <a:t> or a child of that object</a:t>
+            </a:r>
+          </a:p>
+          <a:p>
+            <a:pPr lvl="1"/>
+            <a:r>
+              <a:rPr lang="en-CA" sz="2000" dirty="0" smtClean="0"/>
+              <a:t>See </a:t>
+            </a:r>
+            <a:r>
+              <a:rPr lang="en-CA" sz="2000" dirty="0" err="1" smtClean="0"/>
+              <a:t>SlimeSpawner</a:t>
+            </a:r>
+            <a:r>
+              <a:rPr lang="en-CA" sz="2000" dirty="0" smtClean="0"/>
+              <a:t> as example</a:t>
+            </a:r>
+          </a:p>
+          <a:p>
+            <a:r>
+              <a:rPr lang="en-CA" sz="2400" dirty="0" smtClean="0"/>
+              <a:t>Then we need to add the Monster to Resources/Prefabs/Monsters</a:t>
+            </a:r>
+          </a:p>
+          <a:p>
+            <a:pPr lvl="1"/>
+            <a:r>
+              <a:rPr lang="en-CA" sz="2000" dirty="0" smtClean="0"/>
+              <a:t>Name the object the same as the </a:t>
+            </a:r>
+            <a:r>
+              <a:rPr lang="en-CA" sz="2000" dirty="0" err="1" smtClean="0"/>
+              <a:t>enum</a:t>
+            </a:r>
+            <a:endParaRPr lang="en-CA" sz="2000" dirty="0" smtClean="0"/>
+          </a:p>
+          <a:p>
+            <a:pPr lvl="1"/>
+            <a:endParaRPr lang="en-CA" sz="2000" dirty="0" smtClean="0"/>
+          </a:p>
+          <a:p>
+            <a:pPr marL="457200" lvl="1" indent="0">
+              <a:buNone/>
+            </a:pPr>
+            <a:endParaRPr lang="en-CA" dirty="0"/>
+          </a:p>
+        </p:txBody>
+      </p:sp>
+    </p:spTree>
+    <p:extLst>
+      <p:ext uri="{BB962C8B-B14F-4D97-AF65-F5344CB8AC3E}">
+        <p14:creationId xmlns:p14="http://schemas.microsoft.com/office/powerpoint/2010/main" val="3537970018"/>
+      </p:ext>
+    </p:extLst>
+  </p:cSld>
+  <p:clrMapOvr>
+    <a:masterClrMapping/>
+  </p:clrMapOvr>
+</p:sld>
+</file>
+
+<file path=ppt/slides/slide22.xml><?xml version="1.0" encoding="utf-8"?>
+<p:sld xmlns:a="http://schemas.openxmlformats.org/drawingml/2006/main" xmlns:r="http://schemas.openxmlformats.org/officeDocument/2006/relationships" xmlns:p="http://schemas.openxmlformats.org/presentationml/2006/main">
+  <p:cSld>
+    <p:spTree>
+      <p:nvGrpSpPr>
+        <p:cNvPr id="1" name=""/>
+        <p:cNvGrpSpPr/>
+        <p:nvPr/>
+      </p:nvGrpSpPr>
+      <p:grpSpPr>
+        <a:xfrm>
+          <a:off x="0" y="0"/>
+          <a:ext cx="0" cy="0"/>
+          <a:chOff x="0" y="0"/>
+          <a:chExt cx="0" cy="0"/>
+        </a:xfrm>
+      </p:grpSpPr>
+      <p:sp>
+        <p:nvSpPr>
+          <p:cNvPr id="2" name="Titre 1"/>
+          <p:cNvSpPr>
+            <a:spLocks noGrp="1"/>
+          </p:cNvSpPr>
+          <p:nvPr>
+            <p:ph type="title"/>
+          </p:nvPr>
+        </p:nvSpPr>
+        <p:spPr>
+          <a:xfrm>
+            <a:off x="7772400" y="381000"/>
+            <a:ext cx="914400" cy="411162"/>
+          </a:xfrm>
+        </p:spPr>
+        <p:txBody>
+          <a:bodyPr>
+            <a:normAutofit fontScale="90000"/>
+          </a:bodyPr>
+          <a:lstStyle/>
+          <a:p>
+            <a:r>
+              <a:rPr lang="en-CA" sz="1200" dirty="0" smtClean="0"/>
+              <a:t>Add a new Monster</a:t>
+            </a:r>
+            <a:endParaRPr lang="en-CA" sz="1200" dirty="0"/>
+          </a:p>
+        </p:txBody>
+      </p:sp>
+      <p:sp>
+        <p:nvSpPr>
+          <p:cNvPr id="3" name="Espace réservé du contenu 2"/>
+          <p:cNvSpPr>
+            <a:spLocks noGrp="1"/>
+          </p:cNvSpPr>
+          <p:nvPr>
+            <p:ph idx="1"/>
+          </p:nvPr>
+        </p:nvSpPr>
+        <p:spPr>
+          <a:xfrm>
+            <a:off x="457200" y="914400"/>
+            <a:ext cx="8229600" cy="5638800"/>
+          </a:xfrm>
+        </p:spPr>
+        <p:txBody>
+          <a:bodyPr/>
+          <a:lstStyle/>
+          <a:p>
+            <a:r>
+              <a:rPr lang="en-CA" sz="2000" dirty="0" smtClean="0"/>
+              <a:t>Wait so every new monster I need to add a prefab for both the </a:t>
+            </a:r>
+            <a:r>
+              <a:rPr lang="en-CA" sz="2000" dirty="0" err="1" smtClean="0"/>
+              <a:t>Spawner</a:t>
+            </a:r>
+            <a:r>
+              <a:rPr lang="en-CA" sz="2000" dirty="0" smtClean="0"/>
+              <a:t> and the Monster? </a:t>
+            </a:r>
+            <a:r>
+              <a:rPr lang="en-CA" sz="2000" dirty="0" smtClean="0"/>
+              <a:t>That’s so much work! What if I want to make 20 monsters! </a:t>
+            </a:r>
+          </a:p>
+          <a:p>
+            <a:r>
+              <a:rPr lang="en-CA" sz="2000" dirty="0" smtClean="0"/>
+              <a:t>What is different between the monsters anyways? </a:t>
+            </a:r>
+          </a:p>
+          <a:p>
+            <a:pPr lvl="1"/>
+            <a:r>
+              <a:rPr lang="en-CA" sz="2000" dirty="0" smtClean="0"/>
+              <a:t>They have different logic? (The different scripts)</a:t>
+            </a:r>
+          </a:p>
+          <a:p>
+            <a:pPr lvl="1"/>
+            <a:r>
+              <a:rPr lang="en-CA" sz="2000" dirty="0" smtClean="0"/>
+              <a:t>Different sprites</a:t>
+            </a:r>
+          </a:p>
+          <a:p>
+            <a:pPr lvl="1"/>
+            <a:r>
+              <a:rPr lang="en-CA" sz="2000" dirty="0" smtClean="0"/>
+              <a:t>Different Animators</a:t>
+            </a:r>
+          </a:p>
+          <a:p>
+            <a:r>
+              <a:rPr lang="en-CA" sz="2000" dirty="0" smtClean="0"/>
+              <a:t>These are just components! Why not create them in script!</a:t>
+            </a:r>
+          </a:p>
+          <a:p>
+            <a:pPr lvl="1"/>
+            <a:r>
+              <a:rPr lang="en-CA" sz="1600" dirty="0" err="1" smtClean="0"/>
+              <a:t>MonsterSpawner</a:t>
+            </a:r>
+            <a:r>
+              <a:rPr lang="en-CA" sz="1600" dirty="0" smtClean="0"/>
+              <a:t> can create a </a:t>
+            </a:r>
+            <a:r>
+              <a:rPr lang="en-CA" sz="1600" dirty="0" err="1" smtClean="0"/>
+              <a:t>gameObject</a:t>
+            </a:r>
+            <a:r>
+              <a:rPr lang="en-CA" sz="1600" dirty="0" smtClean="0"/>
+              <a:t>,</a:t>
+            </a:r>
+          </a:p>
+          <a:p>
+            <a:pPr lvl="2"/>
+            <a:r>
+              <a:rPr lang="en-CA" sz="1200" dirty="0" err="1" smtClean="0"/>
+              <a:t>GameObject</a:t>
+            </a:r>
+            <a:r>
+              <a:rPr lang="en-CA" sz="1200" dirty="0" smtClean="0"/>
+              <a:t> </a:t>
+            </a:r>
+            <a:r>
+              <a:rPr lang="en-CA" sz="1200" dirty="0" err="1" smtClean="0"/>
+              <a:t>newMonster</a:t>
+            </a:r>
+            <a:r>
+              <a:rPr lang="en-CA" sz="1200" dirty="0" smtClean="0"/>
+              <a:t> = new </a:t>
+            </a:r>
+            <a:r>
+              <a:rPr lang="en-CA" sz="1200" dirty="0" err="1" smtClean="0"/>
+              <a:t>GameObject</a:t>
+            </a:r>
+            <a:r>
+              <a:rPr lang="en-CA" sz="1200" dirty="0" smtClean="0"/>
+              <a:t>();</a:t>
+            </a:r>
+          </a:p>
+          <a:p>
+            <a:pPr lvl="1"/>
+            <a:r>
+              <a:rPr lang="en-CA" sz="1600" dirty="0" smtClean="0"/>
+              <a:t>We can set all the alike parts</a:t>
+            </a:r>
+          </a:p>
+          <a:p>
+            <a:pPr lvl="2"/>
+            <a:r>
+              <a:rPr lang="en-CA" sz="1200" dirty="0" err="1" smtClean="0"/>
+              <a:t>newMonster.tag</a:t>
+            </a:r>
+            <a:r>
+              <a:rPr lang="en-CA" sz="1200" dirty="0" smtClean="0"/>
+              <a:t> = “Monster”;</a:t>
+            </a:r>
+          </a:p>
+          <a:p>
+            <a:pPr lvl="2"/>
+            <a:r>
+              <a:rPr lang="en-CA" sz="1200" dirty="0" err="1" smtClean="0"/>
+              <a:t>newMonster.layer</a:t>
+            </a:r>
+            <a:r>
+              <a:rPr lang="en-CA" sz="1200" dirty="0" smtClean="0"/>
+              <a:t> = “Monster”;</a:t>
+            </a:r>
+          </a:p>
+          <a:p>
+            <a:pPr lvl="2"/>
+            <a:r>
+              <a:rPr lang="en-CA" sz="1200" dirty="0" err="1" smtClean="0"/>
+              <a:t>SpriteRenderer</a:t>
+            </a:r>
+            <a:r>
+              <a:rPr lang="en-CA" sz="1200" dirty="0" smtClean="0"/>
+              <a:t> </a:t>
+            </a:r>
+            <a:r>
+              <a:rPr lang="en-CA" sz="1200" dirty="0" err="1" smtClean="0"/>
+              <a:t>sr</a:t>
+            </a:r>
+            <a:r>
+              <a:rPr lang="en-CA" sz="1200" dirty="0" smtClean="0"/>
+              <a:t> = </a:t>
+            </a:r>
+            <a:r>
+              <a:rPr lang="en-CA" sz="1200" dirty="0" err="1" smtClean="0"/>
+              <a:t>newMonster.AddComponent</a:t>
+            </a:r>
+            <a:r>
+              <a:rPr lang="en-CA" sz="1200" dirty="0" smtClean="0"/>
+              <a:t>&lt;</a:t>
+            </a:r>
+            <a:r>
+              <a:rPr lang="en-CA" sz="1200" dirty="0" err="1" smtClean="0"/>
+              <a:t>SpriteRenderer</a:t>
+            </a:r>
+            <a:r>
+              <a:rPr lang="en-CA" sz="1200" dirty="0" smtClean="0"/>
+              <a:t>&gt;();</a:t>
+            </a:r>
+          </a:p>
+          <a:p>
+            <a:pPr lvl="2"/>
+            <a:r>
+              <a:rPr lang="en-CA" sz="1200" dirty="0" smtClean="0"/>
+              <a:t>Animator </a:t>
+            </a:r>
+            <a:r>
+              <a:rPr lang="en-CA" sz="1200" dirty="0" err="1" smtClean="0"/>
+              <a:t>anim</a:t>
+            </a:r>
+            <a:r>
+              <a:rPr lang="en-CA" sz="1200" dirty="0" smtClean="0"/>
+              <a:t> = </a:t>
+            </a:r>
+            <a:r>
+              <a:rPr lang="en-CA" sz="1200" dirty="0" err="1" smtClean="0"/>
+              <a:t>newMonster.AddComponent</a:t>
+            </a:r>
+            <a:r>
+              <a:rPr lang="en-CA" sz="1200" dirty="0" smtClean="0"/>
+              <a:t>&lt;Animator&gt;();</a:t>
+            </a:r>
+          </a:p>
+          <a:p>
+            <a:pPr lvl="1"/>
+            <a:r>
+              <a:rPr lang="en-CA" sz="1600" dirty="0" smtClean="0"/>
+              <a:t>The sprite can be set using the </a:t>
+            </a:r>
+            <a:r>
+              <a:rPr lang="en-CA" sz="1600" dirty="0" err="1" smtClean="0"/>
+              <a:t>enum</a:t>
+            </a:r>
+            <a:r>
+              <a:rPr lang="en-CA" sz="1600" dirty="0" smtClean="0"/>
+              <a:t>!</a:t>
+            </a:r>
+          </a:p>
+          <a:p>
+            <a:pPr lvl="2"/>
+            <a:r>
+              <a:rPr lang="en-CA" sz="1200" dirty="0" err="1" smtClean="0"/>
+              <a:t>sr.sprite</a:t>
+            </a:r>
+            <a:r>
+              <a:rPr lang="en-CA" sz="1200" dirty="0" smtClean="0"/>
+              <a:t> = </a:t>
+            </a:r>
+            <a:r>
+              <a:rPr lang="en-CA" sz="1200" dirty="0" err="1" smtClean="0"/>
+              <a:t>Resources.Load</a:t>
+            </a:r>
+            <a:r>
+              <a:rPr lang="en-CA" sz="1200" dirty="0" smtClean="0"/>
+              <a:t>(“Sprites/” + </a:t>
+            </a:r>
+            <a:r>
+              <a:rPr lang="en-CA" sz="1200" dirty="0" err="1" smtClean="0"/>
+              <a:t>monsterType</a:t>
+            </a:r>
+            <a:r>
+              <a:rPr lang="en-CA" sz="1200" dirty="0" smtClean="0"/>
+              <a:t>);</a:t>
+            </a:r>
+            <a:endParaRPr lang="en-CA" sz="1200" dirty="0" smtClean="0"/>
+          </a:p>
+          <a:p>
+            <a:pPr lvl="1"/>
+            <a:endParaRPr lang="en-CA" sz="2000" dirty="0" smtClean="0"/>
+          </a:p>
+          <a:p>
+            <a:pPr marL="457200" lvl="1" indent="0">
+              <a:buNone/>
+            </a:pPr>
+            <a:endParaRPr lang="en-CA" dirty="0"/>
+          </a:p>
+        </p:txBody>
+      </p:sp>
+    </p:spTree>
+    <p:extLst>
+      <p:ext uri="{BB962C8B-B14F-4D97-AF65-F5344CB8AC3E}">
+        <p14:creationId xmlns:p14="http://schemas.microsoft.com/office/powerpoint/2010/main" val="2082311432"/>
+      </p:ext>
+    </p:extLst>
+  </p:cSld>
+  <p:clrMapOvr>
+    <a:masterClrMapping/>
+  </p:clrMapOvr>
+</p:sld>
+</file>
+
+<file path=ppt/slides/slide23.xml><?xml version="1.0" encoding="utf-8"?>
+<p:sld xmlns:a="http://schemas.openxmlformats.org/drawingml/2006/main" xmlns:r="http://schemas.openxmlformats.org/officeDocument/2006/relationships" xmlns:p="http://schemas.openxmlformats.org/presentationml/2006/main">
+  <p:cSld>
+    <p:spTree>
+      <p:nvGrpSpPr>
+        <p:cNvPr id="1" name=""/>
+        <p:cNvGrpSpPr/>
+        <p:nvPr/>
+      </p:nvGrpSpPr>
+      <p:grpSpPr>
+        <a:xfrm>
+          <a:off x="0" y="0"/>
+          <a:ext cx="0" cy="0"/>
+          <a:chOff x="0" y="0"/>
+          <a:chExt cx="0" cy="0"/>
+        </a:xfrm>
+      </p:grpSpPr>
+      <p:sp>
+        <p:nvSpPr>
+          <p:cNvPr id="2" name="Titre 1"/>
+          <p:cNvSpPr>
+            <a:spLocks noGrp="1"/>
+          </p:cNvSpPr>
+          <p:nvPr>
+            <p:ph type="title"/>
+          </p:nvPr>
+        </p:nvSpPr>
+        <p:spPr>
+          <a:xfrm>
+            <a:off x="7772400" y="381000"/>
+            <a:ext cx="914400" cy="411162"/>
+          </a:xfrm>
+        </p:spPr>
+        <p:txBody>
+          <a:bodyPr>
+            <a:normAutofit fontScale="90000"/>
+          </a:bodyPr>
+          <a:lstStyle/>
+          <a:p>
+            <a:r>
+              <a:rPr lang="en-CA" sz="1200" dirty="0" smtClean="0"/>
+              <a:t>Add a new Monster</a:t>
+            </a:r>
+            <a:endParaRPr lang="en-CA" sz="1200" dirty="0"/>
+          </a:p>
+        </p:txBody>
+      </p:sp>
+      <p:sp>
+        <p:nvSpPr>
+          <p:cNvPr id="3" name="Espace réservé du contenu 2"/>
+          <p:cNvSpPr>
+            <a:spLocks noGrp="1"/>
+          </p:cNvSpPr>
+          <p:nvPr>
+            <p:ph idx="1"/>
+          </p:nvPr>
+        </p:nvSpPr>
+        <p:spPr>
+          <a:xfrm>
+            <a:off x="457200" y="914400"/>
+            <a:ext cx="8229600" cy="5638800"/>
+          </a:xfrm>
+        </p:spPr>
+        <p:txBody>
+          <a:bodyPr/>
+          <a:lstStyle/>
+          <a:p>
+            <a:r>
+              <a:rPr lang="en-CA" sz="2000" dirty="0" smtClean="0"/>
+              <a:t>Wait so every new monster I need to add a prefab for both the </a:t>
+            </a:r>
+            <a:r>
+              <a:rPr lang="en-CA" sz="2000" dirty="0" err="1" smtClean="0"/>
+              <a:t>Spawner</a:t>
+            </a:r>
+            <a:r>
+              <a:rPr lang="en-CA" sz="2000" dirty="0" smtClean="0"/>
+              <a:t> and the Monster? </a:t>
+            </a:r>
+            <a:r>
+              <a:rPr lang="en-CA" sz="2000" dirty="0" smtClean="0"/>
+              <a:t>That’s so much work! What if I want to make 20 monsters! </a:t>
+            </a:r>
+          </a:p>
+          <a:p>
+            <a:r>
+              <a:rPr lang="en-CA" sz="2000" dirty="0" smtClean="0"/>
+              <a:t>What is different between the monsters anyways? </a:t>
+            </a:r>
+          </a:p>
+          <a:p>
+            <a:pPr lvl="1"/>
+            <a:r>
+              <a:rPr lang="en-CA" sz="2000" dirty="0" smtClean="0"/>
+              <a:t>They have different logic? (The different scripts)</a:t>
+            </a:r>
+          </a:p>
+          <a:p>
+            <a:pPr lvl="1"/>
+            <a:r>
+              <a:rPr lang="en-CA" sz="2000" dirty="0" smtClean="0"/>
+              <a:t>Different sprites</a:t>
+            </a:r>
+          </a:p>
+          <a:p>
+            <a:pPr lvl="1"/>
+            <a:r>
+              <a:rPr lang="en-CA" sz="2000" dirty="0" smtClean="0"/>
+              <a:t>Different Animators</a:t>
+            </a:r>
+          </a:p>
+          <a:p>
+            <a:r>
+              <a:rPr lang="en-CA" sz="2000" dirty="0" smtClean="0"/>
+              <a:t>These are just components! Why not create them in script!</a:t>
+            </a:r>
+          </a:p>
+          <a:p>
+            <a:pPr lvl="1"/>
+            <a:r>
+              <a:rPr lang="en-CA" sz="1600" dirty="0" err="1" smtClean="0"/>
+              <a:t>MonsterSpawner</a:t>
+            </a:r>
+            <a:r>
+              <a:rPr lang="en-CA" sz="1600" dirty="0" smtClean="0"/>
+              <a:t> can create a </a:t>
+            </a:r>
+            <a:r>
+              <a:rPr lang="en-CA" sz="1600" dirty="0" err="1" smtClean="0"/>
+              <a:t>gameObject</a:t>
+            </a:r>
+            <a:r>
+              <a:rPr lang="en-CA" sz="1600" dirty="0" smtClean="0"/>
+              <a:t>,</a:t>
+            </a:r>
+          </a:p>
+          <a:p>
+            <a:pPr lvl="2"/>
+            <a:r>
+              <a:rPr lang="en-CA" sz="1200" dirty="0" err="1" smtClean="0"/>
+              <a:t>GameObject</a:t>
+            </a:r>
+            <a:r>
+              <a:rPr lang="en-CA" sz="1200" dirty="0" smtClean="0"/>
+              <a:t> </a:t>
+            </a:r>
+            <a:r>
+              <a:rPr lang="en-CA" sz="1200" dirty="0" err="1" smtClean="0"/>
+              <a:t>newMonster</a:t>
+            </a:r>
+            <a:r>
+              <a:rPr lang="en-CA" sz="1200" dirty="0" smtClean="0"/>
+              <a:t> = new </a:t>
+            </a:r>
+            <a:r>
+              <a:rPr lang="en-CA" sz="1200" dirty="0" err="1" smtClean="0"/>
+              <a:t>GameObject</a:t>
+            </a:r>
+            <a:r>
+              <a:rPr lang="en-CA" sz="1200" dirty="0" smtClean="0"/>
+              <a:t>();</a:t>
+            </a:r>
+          </a:p>
+          <a:p>
+            <a:pPr lvl="1"/>
+            <a:r>
+              <a:rPr lang="en-CA" sz="1600" dirty="0" smtClean="0"/>
+              <a:t>We can set all the alike parts</a:t>
+            </a:r>
+          </a:p>
+          <a:p>
+            <a:pPr lvl="2"/>
+            <a:r>
+              <a:rPr lang="en-CA" sz="1200" dirty="0" err="1" smtClean="0"/>
+              <a:t>newMonster.tag</a:t>
+            </a:r>
+            <a:r>
+              <a:rPr lang="en-CA" sz="1200" dirty="0" smtClean="0"/>
+              <a:t> = “Monster”;</a:t>
+            </a:r>
+          </a:p>
+          <a:p>
+            <a:pPr lvl="2"/>
+            <a:r>
+              <a:rPr lang="en-CA" sz="1200" dirty="0" err="1" smtClean="0"/>
+              <a:t>newMonster.layer</a:t>
+            </a:r>
+            <a:r>
+              <a:rPr lang="en-CA" sz="1200" dirty="0" smtClean="0"/>
+              <a:t> = “Monster”;</a:t>
+            </a:r>
+          </a:p>
+          <a:p>
+            <a:pPr lvl="2"/>
+            <a:r>
+              <a:rPr lang="en-CA" sz="1200" dirty="0" err="1" smtClean="0"/>
+              <a:t>SpriteRenderer</a:t>
+            </a:r>
+            <a:r>
+              <a:rPr lang="en-CA" sz="1200" dirty="0" smtClean="0"/>
+              <a:t> </a:t>
+            </a:r>
+            <a:r>
+              <a:rPr lang="en-CA" sz="1200" dirty="0" err="1" smtClean="0"/>
+              <a:t>sr</a:t>
+            </a:r>
+            <a:r>
+              <a:rPr lang="en-CA" sz="1200" dirty="0" smtClean="0"/>
+              <a:t> = </a:t>
+            </a:r>
+            <a:r>
+              <a:rPr lang="en-CA" sz="1200" dirty="0" err="1" smtClean="0"/>
+              <a:t>newMonster.AddComponent</a:t>
+            </a:r>
+            <a:r>
+              <a:rPr lang="en-CA" sz="1200" dirty="0" smtClean="0"/>
+              <a:t>&lt;</a:t>
+            </a:r>
+            <a:r>
+              <a:rPr lang="en-CA" sz="1200" dirty="0" err="1" smtClean="0"/>
+              <a:t>SpriteRenderer</a:t>
+            </a:r>
+            <a:r>
+              <a:rPr lang="en-CA" sz="1200" dirty="0" smtClean="0"/>
+              <a:t>&gt;();</a:t>
+            </a:r>
+          </a:p>
+          <a:p>
+            <a:pPr lvl="2"/>
+            <a:r>
+              <a:rPr lang="en-CA" sz="1200" dirty="0" smtClean="0"/>
+              <a:t>Animator </a:t>
+            </a:r>
+            <a:r>
+              <a:rPr lang="en-CA" sz="1200" dirty="0" err="1" smtClean="0"/>
+              <a:t>anim</a:t>
+            </a:r>
+            <a:r>
+              <a:rPr lang="en-CA" sz="1200" dirty="0" smtClean="0"/>
+              <a:t> = </a:t>
+            </a:r>
+            <a:r>
+              <a:rPr lang="en-CA" sz="1200" dirty="0" err="1" smtClean="0"/>
+              <a:t>newMonster.AddComponent</a:t>
+            </a:r>
+            <a:r>
+              <a:rPr lang="en-CA" sz="1200" dirty="0" smtClean="0"/>
+              <a:t>&lt;Animator&gt;();</a:t>
+            </a:r>
+          </a:p>
+          <a:p>
+            <a:pPr lvl="1"/>
+            <a:r>
+              <a:rPr lang="en-CA" sz="1600" dirty="0" smtClean="0"/>
+              <a:t>The sprite can be set using the </a:t>
+            </a:r>
+            <a:r>
+              <a:rPr lang="en-CA" sz="1600" dirty="0" err="1" smtClean="0"/>
+              <a:t>enum</a:t>
+            </a:r>
+            <a:r>
+              <a:rPr lang="en-CA" sz="1600" dirty="0" smtClean="0"/>
+              <a:t>!</a:t>
+            </a:r>
+          </a:p>
+          <a:p>
+            <a:pPr lvl="2"/>
+            <a:r>
+              <a:rPr lang="en-CA" sz="1200" dirty="0" err="1" smtClean="0"/>
+              <a:t>sr.sprite</a:t>
+            </a:r>
+            <a:r>
+              <a:rPr lang="en-CA" sz="1200" dirty="0" smtClean="0"/>
+              <a:t> = </a:t>
+            </a:r>
+            <a:r>
+              <a:rPr lang="en-CA" sz="1200" dirty="0" err="1" smtClean="0"/>
+              <a:t>Resources.Load</a:t>
+            </a:r>
+            <a:r>
+              <a:rPr lang="en-CA" sz="1200" dirty="0" smtClean="0"/>
+              <a:t>(“Sprites/” + </a:t>
+            </a:r>
+            <a:r>
+              <a:rPr lang="en-CA" sz="1200" dirty="0" err="1" smtClean="0"/>
+              <a:t>monsterType</a:t>
+            </a:r>
+            <a:r>
+              <a:rPr lang="en-CA" sz="1200" dirty="0" smtClean="0"/>
+              <a:t>);</a:t>
+            </a:r>
+            <a:endParaRPr lang="en-CA" sz="1200" dirty="0" smtClean="0"/>
+          </a:p>
+          <a:p>
+            <a:pPr lvl="1"/>
+            <a:endParaRPr lang="en-CA" sz="2000" dirty="0" smtClean="0"/>
+          </a:p>
+          <a:p>
+            <a:pPr marL="457200" lvl="1" indent="0">
+              <a:buNone/>
+            </a:pPr>
+            <a:endParaRPr lang="en-CA" dirty="0"/>
+          </a:p>
+        </p:txBody>
+      </p:sp>
+    </p:spTree>
+    <p:extLst>
+      <p:ext uri="{BB962C8B-B14F-4D97-AF65-F5344CB8AC3E}">
+        <p14:creationId xmlns:p14="http://schemas.microsoft.com/office/powerpoint/2010/main" val="4168410330"/>
+      </p:ext>
+    </p:extLst>
+  </p:cSld>
+  <p:clrMapOvr>
+    <a:masterClrMapping/>
+  </p:clrMapOvr>
+</p:sld>
+</file>
+
+<file path=ppt/slides/slide24.xml><?xml version="1.0" encoding="utf-8"?>
+<p:sld xmlns:a="http://schemas.openxmlformats.org/drawingml/2006/main" xmlns:r="http://schemas.openxmlformats.org/officeDocument/2006/relationships" xmlns:p="http://schemas.openxmlformats.org/presentationml/2006/main">
+  <p:cSld>
+    <p:spTree>
+      <p:nvGrpSpPr>
+        <p:cNvPr id="1" name=""/>
+        <p:cNvGrpSpPr/>
+        <p:nvPr/>
+      </p:nvGrpSpPr>
+      <p:grpSpPr>
+        <a:xfrm>
+          <a:off x="0" y="0"/>
+          <a:ext cx="0" cy="0"/>
+          <a:chOff x="0" y="0"/>
+          <a:chExt cx="0" cy="0"/>
+        </a:xfrm>
+      </p:grpSpPr>
+      <p:sp>
+        <p:nvSpPr>
+          <p:cNvPr id="2" name="Titre 1"/>
+          <p:cNvSpPr>
+            <a:spLocks noGrp="1"/>
+          </p:cNvSpPr>
+          <p:nvPr>
+            <p:ph type="title"/>
+          </p:nvPr>
+        </p:nvSpPr>
+        <p:spPr/>
+        <p:txBody>
+          <a:bodyPr/>
+          <a:lstStyle/>
+          <a:p>
+            <a:r>
+              <a:rPr lang="en-CA" dirty="0" smtClean="0"/>
+              <a:t>UI Structures</a:t>
+            </a:r>
+            <a:endParaRPr lang="en-CA" dirty="0"/>
+          </a:p>
+        </p:txBody>
+      </p:sp>
+      <p:sp>
+        <p:nvSpPr>
+          <p:cNvPr id="3" name="Espace réservé du contenu 2"/>
+          <p:cNvSpPr>
+            <a:spLocks noGrp="1"/>
+          </p:cNvSpPr>
+          <p:nvPr>
+            <p:ph idx="1"/>
+          </p:nvPr>
+        </p:nvSpPr>
+        <p:spPr/>
+        <p:txBody>
+          <a:bodyPr/>
+          <a:lstStyle/>
+          <a:p>
+            <a:endParaRPr lang="en-CA" dirty="0"/>
+          </a:p>
+        </p:txBody>
+      </p:sp>
+    </p:spTree>
+    <p:extLst>
+      <p:ext uri="{BB962C8B-B14F-4D97-AF65-F5344CB8AC3E}">
+        <p14:creationId xmlns:p14="http://schemas.microsoft.com/office/powerpoint/2010/main" val="1870198522"/>
+      </p:ext>
+    </p:extLst>
   </p:cSld>
   <p:clrMapOvr>
     <a:masterClrMapping/>
@@ -6286,11 +9276,7 @@
           <a:p>
             <a:r>
               <a:rPr lang="en-US" dirty="0" smtClean="0"/>
-              <a:t> </a:t>
-            </a:r>
-            <a:r>
-              <a:rPr lang="en-US" dirty="0" smtClean="0"/>
-              <a:t>Example of not player logic:</a:t>
+              <a:t> Example of not player logic:</a:t>
             </a:r>
           </a:p>
           <a:p>
@@ -6601,4 +9587,265 @@
   <a:objectDefaults/>
   <a:extraClrSchemeLst/>
 </a:theme>
+</file>
+
+<file path=ppt/theme/theme2.xml><?xml version="1.0" encoding="utf-8"?>
+<a:theme xmlns:a="http://schemas.openxmlformats.org/drawingml/2006/main" name="Thème Office">
+  <a:themeElements>
+    <a:clrScheme name="Office">
+      <a:dk1>
+        <a:sysClr val="windowText" lastClr="000000"/>
+      </a:dk1>
+      <a:lt1>
+        <a:sysClr val="window" lastClr="FFFFFF"/>
+      </a:lt1>
+      <a:dk2>
+        <a:srgbClr val="44546A"/>
+      </a:dk2>
+      <a:lt2>
+        <a:srgbClr val="E7E6E6"/>
+      </a:lt2>
+      <a:accent1>
+        <a:srgbClr val="5B9BD5"/>
+      </a:accent1>
+      <a:accent2>
+        <a:srgbClr val="ED7D31"/>
+      </a:accent2>
+      <a:accent3>
+        <a:srgbClr val="A5A5A5"/>
+      </a:accent3>
+      <a:accent4>
+        <a:srgbClr val="FFC000"/>
+      </a:accent4>
+      <a:accent5>
+        <a:srgbClr val="4472C4"/>
+      </a:accent5>
+      <a:accent6>
+        <a:srgbClr val="70AD47"/>
+      </a:accent6>
+      <a:hlink>
+        <a:srgbClr val="0563C1"/>
+      </a:hlink>
+      <a:folHlink>
+        <a:srgbClr val="954F72"/>
+      </a:folHlink>
+    </a:clrScheme>
+    <a:fontScheme name="Office">
+      <a:majorFont>
+        <a:latin typeface="Calibri Light" panose="020F0302020204030204"/>
+        <a:ea typeface=""/>
+        <a:cs typeface=""/>
+        <a:font script="Jpan" typeface="ＭＳ Ｐゴシック"/>
+        <a:font script="Hang" typeface="맑은 고딕"/>
+        <a:font script="Hans" typeface="宋体"/>
+        <a:font script="Hant" typeface="新細明體"/>
+        <a:font script="Arab" typeface="Times New Roman"/>
+        <a:font script="Hebr" typeface="Times New Roman"/>
+        <a:font script="Thai" typeface="Angsana New"/>
+        <a:font script="Ethi" typeface="Nyala"/>
+        <a:font script="Beng" typeface="Vrinda"/>
+        <a:font script="Gujr" typeface="Shruti"/>
+        <a:font script="Khmr" typeface="MoolBoran"/>
+        <a:font script="Knda" typeface="Tunga"/>
+        <a:font script="Guru" typeface="Raavi"/>
+        <a:font script="Cans" typeface="Euphemia"/>
+        <a:font script="Cher" typeface="Plantagenet Cherokee"/>
+        <a:font script="Yiii" typeface="Microsoft Yi Baiti"/>
+        <a:font script="Tibt" typeface="Microsoft Himalaya"/>
+        <a:font script="Thaa" typeface="MV Boli"/>
+        <a:font script="Deva" typeface="Mangal"/>
+        <a:font script="Telu" typeface="Gautami"/>
+        <a:font script="Taml" typeface="Latha"/>
+        <a:font script="Syrc" typeface="Estrangelo Edessa"/>
+        <a:font script="Orya" typeface="Kalinga"/>
+        <a:font script="Mlym" typeface="Kartika"/>
+        <a:font script="Laoo" typeface="DokChampa"/>
+        <a:font script="Sinh" typeface="Iskoola Pota"/>
+        <a:font script="Mong" typeface="Mongolian Baiti"/>
+        <a:font script="Viet" typeface="Times New Roman"/>
+        <a:font script="Uigh" typeface="Microsoft Uighur"/>
+        <a:font script="Geor" typeface="Sylfaen"/>
+      </a:majorFont>
+      <a:minorFont>
+        <a:latin typeface="Calibri" panose="020F0502020204030204"/>
+        <a:ea typeface=""/>
+        <a:cs typeface=""/>
+        <a:font script="Jpan" typeface="ＭＳ Ｐゴシック"/>
+        <a:font script="Hang" typeface="맑은 고딕"/>
+        <a:font script="Hans" typeface="宋体"/>
+        <a:font script="Hant" typeface="新細明體"/>
+        <a:font script="Arab" typeface="Arial"/>
+        <a:font script="Hebr" typeface="Arial"/>
+        <a:font script="Thai" typeface="Cordia New"/>
+        <a:font script="Ethi" typeface="Nyala"/>
+        <a:font script="Beng" typeface="Vrinda"/>
+        <a:font script="Gujr" typeface="Shruti"/>
+        <a:font script="Khmr" typeface="DaunPenh"/>
+        <a:font script="Knda" typeface="Tunga"/>
+        <a:font script="Guru" typeface="Raavi"/>
+        <a:font script="Cans" typeface="Euphemia"/>
+        <a:font script="Cher" typeface="Plantagenet Cherokee"/>
+        <a:font script="Yiii" typeface="Microsoft Yi Baiti"/>
+        <a:font script="Tibt" typeface="Microsoft Himalaya"/>
+        <a:font script="Thaa" typeface="MV Boli"/>
+        <a:font script="Deva" typeface="Mangal"/>
+        <a:font script="Telu" typeface="Gautami"/>
+        <a:font script="Taml" typeface="Latha"/>
+        <a:font script="Syrc" typeface="Estrangelo Edessa"/>
+        <a:font script="Orya" typeface="Kalinga"/>
+        <a:font script="Mlym" typeface="Kartika"/>
+        <a:font script="Laoo" typeface="DokChampa"/>
+        <a:font script="Sinh" typeface="Iskoola Pota"/>
+        <a:font script="Mong" typeface="Mongolian Baiti"/>
+        <a:font script="Viet" typeface="Arial"/>
+        <a:font script="Uigh" typeface="Microsoft Uighur"/>
+        <a:font script="Geor" typeface="Sylfaen"/>
+      </a:minorFont>
+    </a:fontScheme>
+    <a:fmtScheme name="Office">
+      <a:fillStyleLst>
+        <a:solidFill>
+          <a:schemeClr val="phClr"/>
+        </a:solidFill>
+        <a:gradFill rotWithShape="1">
+          <a:gsLst>
+            <a:gs pos="0">
+              <a:schemeClr val="phClr">
+                <a:lumMod val="110000"/>
+                <a:satMod val="105000"/>
+                <a:tint val="67000"/>
+              </a:schemeClr>
+            </a:gs>
+            <a:gs pos="50000">
+              <a:schemeClr val="phClr">
+                <a:lumMod val="105000"/>
+                <a:satMod val="103000"/>
+                <a:tint val="73000"/>
+              </a:schemeClr>
+            </a:gs>
+            <a:gs pos="100000">
+              <a:schemeClr val="phClr">
+                <a:lumMod val="105000"/>
+                <a:satMod val="109000"/>
+                <a:tint val="81000"/>
+              </a:schemeClr>
+            </a:gs>
+          </a:gsLst>
+          <a:lin ang="5400000" scaled="0"/>
+        </a:gradFill>
+        <a:gradFill rotWithShape="1">
+          <a:gsLst>
+            <a:gs pos="0">
+              <a:schemeClr val="phClr">
+                <a:satMod val="103000"/>
+                <a:lumMod val="102000"/>
+                <a:tint val="94000"/>
+              </a:schemeClr>
+            </a:gs>
+            <a:gs pos="50000">
+              <a:schemeClr val="phClr">
+                <a:satMod val="110000"/>
+                <a:lumMod val="100000"/>
+                <a:shade val="100000"/>
+              </a:schemeClr>
+            </a:gs>
+            <a:gs pos="100000">
+              <a:schemeClr val="phClr">
+                <a:lumMod val="99000"/>
+                <a:satMod val="120000"/>
+                <a:shade val="78000"/>
+              </a:schemeClr>
+            </a:gs>
+          </a:gsLst>
+          <a:lin ang="5400000" scaled="0"/>
+        </a:gradFill>
+      </a:fillStyleLst>
+      <a:lnStyleLst>
+        <a:ln w="6350" cap="flat" cmpd="sng" algn="ctr">
+          <a:solidFill>
+            <a:schemeClr val="phClr"/>
+          </a:solidFill>
+          <a:prstDash val="solid"/>
+          <a:miter lim="800000"/>
+        </a:ln>
+        <a:ln w="12700" cap="flat" cmpd="sng" algn="ctr">
+          <a:solidFill>
+            <a:schemeClr val="phClr"/>
+          </a:solidFill>
+          <a:prstDash val="solid"/>
+          <a:miter lim="800000"/>
+        </a:ln>
+        <a:ln w="19050" cap="flat" cmpd="sng" algn="ctr">
+          <a:solidFill>
+            <a:schemeClr val="phClr"/>
+          </a:solidFill>
+          <a:prstDash val="solid"/>
+          <a:miter lim="800000"/>
+        </a:ln>
+      </a:lnStyleLst>
+      <a:effectStyleLst>
+        <a:effectStyle>
+          <a:effectLst/>
+        </a:effectStyle>
+        <a:effectStyle>
+          <a:effectLst/>
+        </a:effectStyle>
+        <a:effectStyle>
+          <a:effectLst>
+            <a:outerShdw blurRad="57150" dist="19050" dir="5400000" algn="ctr" rotWithShape="0">
+              <a:srgbClr val="000000">
+                <a:alpha val="63000"/>
+              </a:srgbClr>
+            </a:outerShdw>
+          </a:effectLst>
+        </a:effectStyle>
+      </a:effectStyleLst>
+      <a:bgFillStyleLst>
+        <a:solidFill>
+          <a:schemeClr val="phClr"/>
+        </a:solidFill>
+        <a:solidFill>
+          <a:schemeClr val="phClr">
+            <a:tint val="95000"/>
+            <a:satMod val="170000"/>
+          </a:schemeClr>
+        </a:solidFill>
+        <a:gradFill rotWithShape="1">
+          <a:gsLst>
+            <a:gs pos="0">
+              <a:schemeClr val="phClr">
+                <a:tint val="93000"/>
+                <a:satMod val="150000"/>
+                <a:shade val="98000"/>
+                <a:lumMod val="102000"/>
+              </a:schemeClr>
+            </a:gs>
+            <a:gs pos="50000">
+              <a:schemeClr val="phClr">
+                <a:tint val="98000"/>
+                <a:satMod val="130000"/>
+                <a:shade val="90000"/>
+                <a:lumMod val="103000"/>
+              </a:schemeClr>
+            </a:gs>
+            <a:gs pos="100000">
+              <a:schemeClr val="phClr">
+                <a:shade val="63000"/>
+                <a:satMod val="120000"/>
+              </a:schemeClr>
+            </a:gs>
+          </a:gsLst>
+          <a:lin ang="5400000" scaled="0"/>
+        </a:gradFill>
+      </a:bgFillStyleLst>
+    </a:fmtScheme>
+  </a:themeElements>
+  <a:objectDefaults/>
+  <a:extraClrSchemeLst/>
+  <a:extLst>
+    <a:ext uri="{05A4C25C-085E-4340-85A3-A5531E510DB2}">
+      <thm15:themeFamily xmlns:thm15="http://schemas.microsoft.com/office/thememl/2012/main" name="Office Theme" id="{62F939B6-93AF-4DB8-9C6B-D6C7DFDC589F}" vid="{4A3C46E8-61CC-4603-A589-7422A47A8E4A}"/>
+    </a:ext>
+  </a:extLst>
+</a:theme>
 </file>
--- a/Docs/FlowPresentation.pptx
+++ b/Docs/FlowPresentation.pptx
@@ -5,7 +5,7 @@
     <p:sldMasterId id="2147483648" r:id="rId1"/>
   </p:sldMasterIdLst>
   <p:notesMasterIdLst>
-    <p:notesMasterId r:id="rId26"/>
+    <p:notesMasterId r:id="rId28"/>
   </p:notesMasterIdLst>
   <p:sldIdLst>
     <p:sldId id="256" r:id="rId2"/>
@@ -19,19 +19,21 @@
     <p:sldId id="265" r:id="rId10"/>
     <p:sldId id="266" r:id="rId11"/>
     <p:sldId id="267" r:id="rId12"/>
-    <p:sldId id="268" r:id="rId13"/>
-    <p:sldId id="269" r:id="rId14"/>
-    <p:sldId id="270" r:id="rId15"/>
-    <p:sldId id="271" r:id="rId16"/>
-    <p:sldId id="273" r:id="rId17"/>
-    <p:sldId id="274" r:id="rId18"/>
-    <p:sldId id="277" r:id="rId19"/>
-    <p:sldId id="275" r:id="rId20"/>
-    <p:sldId id="278" r:id="rId21"/>
-    <p:sldId id="280" r:id="rId22"/>
-    <p:sldId id="281" r:id="rId23"/>
-    <p:sldId id="283" r:id="rId24"/>
-    <p:sldId id="279" r:id="rId25"/>
+    <p:sldId id="279" r:id="rId13"/>
+    <p:sldId id="284" r:id="rId14"/>
+    <p:sldId id="285" r:id="rId15"/>
+    <p:sldId id="268" r:id="rId16"/>
+    <p:sldId id="269" r:id="rId17"/>
+    <p:sldId id="270" r:id="rId18"/>
+    <p:sldId id="271" r:id="rId19"/>
+    <p:sldId id="273" r:id="rId20"/>
+    <p:sldId id="274" r:id="rId21"/>
+    <p:sldId id="277" r:id="rId22"/>
+    <p:sldId id="275" r:id="rId23"/>
+    <p:sldId id="278" r:id="rId24"/>
+    <p:sldId id="280" r:id="rId25"/>
+    <p:sldId id="281" r:id="rId26"/>
+    <p:sldId id="283" r:id="rId27"/>
   </p:sldIdLst>
   <p:sldSz cx="9144000" cy="6858000" type="screen4x3"/>
   <p:notesSz cx="6858000" cy="9144000"/>
@@ -231,7 +233,7 @@
           <a:p>
             <a:fld id="{A1393417-AD47-4CE1-9CAA-11555EC5CC1B}" type="datetimeFigureOut">
               <a:rPr lang="en-CA" smtClean="0"/>
-              <a:t>2018-03-27</a:t>
+              <a:t>2018-03-28</a:t>
             </a:fld>
             <a:endParaRPr lang="en-CA"/>
           </a:p>
@@ -564,7 +566,7 @@
           <a:p>
             <a:fld id="{B8ED4D81-00A6-4FE4-8D49-0C43A3DF05E4}" type="slidenum">
               <a:rPr lang="en-CA" smtClean="0"/>
-              <a:t>20</a:t>
+              <a:t>23</a:t>
             </a:fld>
             <a:endParaRPr lang="en-CA"/>
           </a:p>
@@ -765,7 +767,7 @@
             <a:fld id="{D963E873-D05E-4F2C-8641-756E1EB81232}" type="datetimeFigureOut">
               <a:rPr lang="en-US" smtClean="0"/>
               <a:pPr/>
-              <a:t>3/27/2018</a:t>
+              <a:t>3/28/2018</a:t>
             </a:fld>
             <a:endParaRPr lang="en-US"/>
           </a:p>
@@ -932,7 +934,7 @@
             <a:fld id="{D963E873-D05E-4F2C-8641-756E1EB81232}" type="datetimeFigureOut">
               <a:rPr lang="en-US" smtClean="0"/>
               <a:pPr/>
-              <a:t>3/27/2018</a:t>
+              <a:t>3/28/2018</a:t>
             </a:fld>
             <a:endParaRPr lang="en-US"/>
           </a:p>
@@ -1109,7 +1111,7 @@
             <a:fld id="{D963E873-D05E-4F2C-8641-756E1EB81232}" type="datetimeFigureOut">
               <a:rPr lang="en-US" smtClean="0"/>
               <a:pPr/>
-              <a:t>3/27/2018</a:t>
+              <a:t>3/28/2018</a:t>
             </a:fld>
             <a:endParaRPr lang="en-US"/>
           </a:p>
@@ -1276,7 +1278,7 @@
             <a:fld id="{D963E873-D05E-4F2C-8641-756E1EB81232}" type="datetimeFigureOut">
               <a:rPr lang="en-US" smtClean="0"/>
               <a:pPr/>
-              <a:t>3/27/2018</a:t>
+              <a:t>3/28/2018</a:t>
             </a:fld>
             <a:endParaRPr lang="en-US"/>
           </a:p>
@@ -1519,7 +1521,7 @@
             <a:fld id="{D963E873-D05E-4F2C-8641-756E1EB81232}" type="datetimeFigureOut">
               <a:rPr lang="en-US" smtClean="0"/>
               <a:pPr/>
-              <a:t>3/27/2018</a:t>
+              <a:t>3/28/2018</a:t>
             </a:fld>
             <a:endParaRPr lang="en-US"/>
           </a:p>
@@ -1804,7 +1806,7 @@
             <a:fld id="{D963E873-D05E-4F2C-8641-756E1EB81232}" type="datetimeFigureOut">
               <a:rPr lang="en-US" smtClean="0"/>
               <a:pPr/>
-              <a:t>3/27/2018</a:t>
+              <a:t>3/28/2018</a:t>
             </a:fld>
             <a:endParaRPr lang="en-US"/>
           </a:p>
@@ -2223,7 +2225,7 @@
             <a:fld id="{D963E873-D05E-4F2C-8641-756E1EB81232}" type="datetimeFigureOut">
               <a:rPr lang="en-US" smtClean="0"/>
               <a:pPr/>
-              <a:t>3/27/2018</a:t>
+              <a:t>3/28/2018</a:t>
             </a:fld>
             <a:endParaRPr lang="en-US"/>
           </a:p>
@@ -2338,7 +2340,7 @@
             <a:fld id="{D963E873-D05E-4F2C-8641-756E1EB81232}" type="datetimeFigureOut">
               <a:rPr lang="en-US" smtClean="0"/>
               <a:pPr/>
-              <a:t>3/27/2018</a:t>
+              <a:t>3/28/2018</a:t>
             </a:fld>
             <a:endParaRPr lang="en-US"/>
           </a:p>
@@ -2430,7 +2432,7 @@
             <a:fld id="{D963E873-D05E-4F2C-8641-756E1EB81232}" type="datetimeFigureOut">
               <a:rPr lang="en-US" smtClean="0"/>
               <a:pPr/>
-              <a:t>3/27/2018</a:t>
+              <a:t>3/28/2018</a:t>
             </a:fld>
             <a:endParaRPr lang="en-US"/>
           </a:p>
@@ -2704,7 +2706,7 @@
             <a:fld id="{D963E873-D05E-4F2C-8641-756E1EB81232}" type="datetimeFigureOut">
               <a:rPr lang="en-US" smtClean="0"/>
               <a:pPr/>
-              <a:t>3/27/2018</a:t>
+              <a:t>3/28/2018</a:t>
             </a:fld>
             <a:endParaRPr lang="en-US"/>
           </a:p>
@@ -2954,7 +2956,7 @@
             <a:fld id="{D963E873-D05E-4F2C-8641-756E1EB81232}" type="datetimeFigureOut">
               <a:rPr lang="en-US" smtClean="0"/>
               <a:pPr/>
-              <a:t>3/27/2018</a:t>
+              <a:t>3/28/2018</a:t>
             </a:fld>
             <a:endParaRPr lang="en-US"/>
           </a:p>
@@ -3164,7 +3166,7 @@
             <a:fld id="{D963E873-D05E-4F2C-8641-756E1EB81232}" type="datetimeFigureOut">
               <a:rPr lang="en-US" smtClean="0"/>
               <a:pPr/>
-              <a:t>3/27/2018</a:t>
+              <a:t>3/28/2018</a:t>
             </a:fld>
             <a:endParaRPr lang="en-US"/>
           </a:p>
@@ -4830,11 +4832,7 @@
           <a:p>
             <a:r>
               <a:rPr lang="en-CA" dirty="0" smtClean="0"/>
-              <a:t>Power of </a:t>
-            </a:r>
-            <a:r>
-              <a:rPr lang="en-CA" dirty="0" err="1" smtClean="0"/>
-              <a:t>Enums</a:t>
+              <a:t>UI Structures</a:t>
             </a:r>
             <a:endParaRPr lang="en-CA" dirty="0"/>
           </a:p>
@@ -4852,143 +4850,33 @@
         </p:nvSpPr>
         <p:spPr/>
         <p:txBody>
-          <a:bodyPr>
-            <a:normAutofit/>
-          </a:bodyPr>
-          <a:lstStyle/>
-          <a:p>
-            <a:r>
-              <a:rPr lang="en-CA" sz="2200" dirty="0" smtClean="0"/>
-              <a:t>I have my class </a:t>
-            </a:r>
-            <a:r>
-              <a:rPr lang="en-CA" sz="2200" dirty="0" err="1" smtClean="0"/>
-              <a:t>MonsterSpawner</a:t>
-            </a:r>
-            <a:r>
-              <a:rPr lang="en-CA" sz="2200" dirty="0" smtClean="0"/>
-              <a:t>, it spawns monsters (prefabs) but using a string</a:t>
-            </a:r>
-          </a:p>
-          <a:p>
-            <a:r>
-              <a:rPr lang="en-CA" sz="2200" dirty="0" err="1"/>
-              <a:t>spawnedMonster</a:t>
-            </a:r>
-            <a:r>
-              <a:rPr lang="en-CA" sz="2200" dirty="0"/>
-              <a:t> = </a:t>
-            </a:r>
-            <a:r>
-              <a:rPr lang="en-CA" sz="2200" dirty="0" err="1"/>
-              <a:t>GameObject.Instantiate</a:t>
-            </a:r>
-            <a:r>
-              <a:rPr lang="en-CA" sz="2200" dirty="0"/>
-              <a:t>(</a:t>
-            </a:r>
-            <a:r>
-              <a:rPr lang="en-CA" sz="2200" dirty="0" err="1"/>
-              <a:t>Resources.Load</a:t>
-            </a:r>
-            <a:r>
-              <a:rPr lang="en-CA" sz="2200" dirty="0"/>
-              <a:t>&lt;</a:t>
-            </a:r>
-            <a:r>
-              <a:rPr lang="en-CA" sz="2200" dirty="0" err="1"/>
-              <a:t>GameObject</a:t>
-            </a:r>
-            <a:r>
-              <a:rPr lang="en-CA" sz="2200" dirty="0"/>
-              <a:t>&gt;("Prefabs/Monsters/" + </a:t>
-            </a:r>
-            <a:r>
-              <a:rPr lang="en-CA" sz="2200" dirty="0" err="1"/>
-              <a:t>monsterPrefabName</a:t>
-            </a:r>
-            <a:r>
-              <a:rPr lang="en-CA" sz="2200" dirty="0" smtClean="0"/>
-              <a:t>));</a:t>
-            </a:r>
-          </a:p>
-          <a:p>
-            <a:r>
-              <a:rPr lang="en-CA" sz="2200" dirty="0" smtClean="0"/>
-              <a:t>My child of </a:t>
-            </a:r>
-            <a:r>
-              <a:rPr lang="en-CA" sz="2200" dirty="0" err="1" smtClean="0"/>
-              <a:t>MonsterSpawner</a:t>
-            </a:r>
-            <a:r>
-              <a:rPr lang="en-CA" sz="2200" dirty="0" smtClean="0"/>
-              <a:t> (</a:t>
-            </a:r>
-            <a:r>
-              <a:rPr lang="en-CA" sz="2200" dirty="0" err="1" smtClean="0"/>
-              <a:t>SlimeMonster</a:t>
-            </a:r>
-            <a:r>
-              <a:rPr lang="en-CA" sz="2200" dirty="0" smtClean="0"/>
-              <a:t>) needs to initialize the string that is “</a:t>
-            </a:r>
-            <a:r>
-              <a:rPr lang="en-CA" sz="2200" dirty="0" err="1" smtClean="0"/>
-              <a:t>monsterPrefabName</a:t>
-            </a:r>
-            <a:r>
-              <a:rPr lang="en-CA" sz="2200" dirty="0" smtClean="0"/>
-              <a:t>” inside it’s constructor.</a:t>
-            </a:r>
-          </a:p>
-          <a:p>
-            <a:r>
-              <a:rPr lang="en-CA" sz="2200" dirty="0" smtClean="0"/>
-              <a:t>If I have 30 more children types of </a:t>
-            </a:r>
-            <a:r>
-              <a:rPr lang="en-CA" sz="2200" dirty="0" err="1" smtClean="0"/>
-              <a:t>MonsterSpawner</a:t>
-            </a:r>
-            <a:r>
-              <a:rPr lang="en-CA" sz="2200" dirty="0" smtClean="0"/>
-              <a:t>, there is a good chance I forget to do it properly at least once</a:t>
-            </a:r>
-          </a:p>
-          <a:p>
-            <a:r>
-              <a:rPr lang="en-CA" sz="2200" dirty="0" err="1" smtClean="0"/>
-              <a:t>MonsterManager</a:t>
-            </a:r>
-            <a:r>
-              <a:rPr lang="en-CA" sz="2200" dirty="0" smtClean="0"/>
-              <a:t> (Which is a flow-parent of </a:t>
-            </a:r>
-            <a:r>
-              <a:rPr lang="en-CA" sz="2200" dirty="0" err="1" smtClean="0"/>
-              <a:t>MonsterSpawner</a:t>
-            </a:r>
-            <a:r>
-              <a:rPr lang="en-CA" sz="2200" dirty="0" smtClean="0"/>
-              <a:t>) pairs &lt;</a:t>
-            </a:r>
-            <a:r>
-              <a:rPr lang="en-CA" sz="2200" dirty="0" err="1" smtClean="0"/>
-              <a:t>Enum.MonsterType,MonsterManager</a:t>
-            </a:r>
-            <a:r>
-              <a:rPr lang="en-CA" sz="2200" dirty="0" smtClean="0"/>
-              <a:t>&gt;</a:t>
-            </a:r>
-            <a:endParaRPr lang="en-CA" sz="2200" dirty="0"/>
+          <a:bodyPr/>
+          <a:lstStyle/>
+          <a:p>
+            <a:r>
+              <a:rPr lang="en-CA" dirty="0" smtClean="0"/>
+              <a:t>“Separation of concerns” is a programming principle that states “Keep similar functions together and separate from other functionality”.</a:t>
+            </a:r>
+          </a:p>
+          <a:p>
+            <a:r>
+              <a:rPr lang="en-CA" dirty="0" smtClean="0"/>
+              <a:t>UI is a great example of this.</a:t>
+            </a:r>
+          </a:p>
+          <a:p>
+            <a:r>
+              <a:rPr lang="en-CA" dirty="0" smtClean="0"/>
+              <a:t>For every “data” object with UI, keep the UI in a separate class.</a:t>
+            </a:r>
+            <a:endParaRPr lang="en-CA" dirty="0"/>
           </a:p>
         </p:txBody>
       </p:sp>
     </p:spTree>
     <p:extLst>
       <p:ext uri="{BB962C8B-B14F-4D97-AF65-F5344CB8AC3E}">
-        <p14:creationId xmlns:p14="http://schemas.microsoft.com/office/powerpoint/2010/main" val="238003343"/>
+        <p14:creationId xmlns:p14="http://schemas.microsoft.com/office/powerpoint/2010/main" val="1870198522"/>
       </p:ext>
     </p:extLst>
   </p:cSld>
@@ -5017,153 +4905,109 @@
       </p:grpSpPr>
       <p:sp>
         <p:nvSpPr>
-          <p:cNvPr id="3" name="Espace réservé du contenu 2"/>
-          <p:cNvSpPr>
-            <a:spLocks noGrp="1"/>
-          </p:cNvSpPr>
-          <p:nvPr>
-            <p:ph idx="1"/>
-          </p:nvPr>
-        </p:nvSpPr>
-        <p:spPr/>
-        <p:txBody>
-          <a:bodyPr/>
-          <a:lstStyle/>
-          <a:p>
-            <a:r>
-              <a:rPr lang="en-CA" dirty="0" smtClean="0"/>
-              <a:t>Instead, I can have the </a:t>
-            </a:r>
-            <a:r>
-              <a:rPr lang="en-CA" dirty="0" err="1" smtClean="0"/>
-              <a:t>MonsterManager</a:t>
-            </a:r>
-            <a:r>
-              <a:rPr lang="en-CA" dirty="0" smtClean="0"/>
-              <a:t> be given that </a:t>
-            </a:r>
-            <a:r>
-              <a:rPr lang="en-CA" dirty="0" err="1" smtClean="0"/>
-              <a:t>Enum</a:t>
-            </a:r>
-            <a:endParaRPr lang="en-CA" dirty="0" smtClean="0"/>
-          </a:p>
-          <a:p>
-            <a:r>
-              <a:rPr lang="en-CA" dirty="0" smtClean="0"/>
-              <a:t>I can name the prefab the same name as the </a:t>
-            </a:r>
-            <a:r>
-              <a:rPr lang="en-CA" dirty="0" err="1" smtClean="0"/>
-              <a:t>enum</a:t>
-            </a:r>
-            <a:r>
-              <a:rPr lang="en-CA" dirty="0"/>
-              <a:t> </a:t>
-            </a:r>
-            <a:r>
-              <a:rPr lang="en-CA" dirty="0" smtClean="0"/>
-              <a:t>+ monster</a:t>
-            </a:r>
-          </a:p>
-          <a:p>
-            <a:r>
-              <a:rPr lang="en-CA" dirty="0" err="1"/>
-              <a:t>spawnedMonster</a:t>
-            </a:r>
-            <a:r>
-              <a:rPr lang="en-CA" dirty="0"/>
-              <a:t> = </a:t>
-            </a:r>
-            <a:r>
-              <a:rPr lang="en-CA" dirty="0" err="1"/>
-              <a:t>GameObject.Instantiate</a:t>
-            </a:r>
-            <a:r>
-              <a:rPr lang="en-CA" dirty="0"/>
-              <a:t>(</a:t>
-            </a:r>
-            <a:r>
-              <a:rPr lang="en-CA" dirty="0" err="1"/>
-              <a:t>Resources.Load</a:t>
-            </a:r>
-            <a:r>
-              <a:rPr lang="en-CA" dirty="0"/>
-              <a:t>&lt;</a:t>
-            </a:r>
-            <a:r>
-              <a:rPr lang="en-CA" dirty="0" err="1"/>
-              <a:t>GameObject</a:t>
-            </a:r>
-            <a:r>
-              <a:rPr lang="en-CA" dirty="0"/>
-              <a:t>&gt;("Prefabs/Monsters/" + </a:t>
-            </a:r>
-            <a:r>
-              <a:rPr lang="en-CA" dirty="0" err="1" smtClean="0"/>
-              <a:t>monsterType.ToString</a:t>
-            </a:r>
-            <a:r>
-              <a:rPr lang="en-CA" dirty="0" smtClean="0"/>
-              <a:t>() + “Monster”));</a:t>
-            </a:r>
-            <a:endParaRPr lang="en-CA" dirty="0"/>
-          </a:p>
-          <a:p>
-            <a:endParaRPr lang="en-CA" dirty="0"/>
-          </a:p>
-        </p:txBody>
-      </p:sp>
-      <p:sp>
-        <p:nvSpPr>
-          <p:cNvPr id="5" name="Titre 1"/>
-          <p:cNvSpPr txBox="1">
-            <a:spLocks/>
-          </p:cNvSpPr>
-          <p:nvPr/>
+          <p:cNvPr id="2" name="Titre 1"/>
+          <p:cNvSpPr>
+            <a:spLocks noGrp="1"/>
+          </p:cNvSpPr>
+          <p:nvPr>
+            <p:ph type="title"/>
+          </p:nvPr>
         </p:nvSpPr>
         <p:spPr>
           <a:xfrm>
-            <a:off x="6858000" y="274638"/>
-            <a:ext cx="1828800" cy="487362"/>
+            <a:off x="7848600" y="274638"/>
+            <a:ext cx="838200" cy="411162"/>
           </a:xfrm>
-          <a:prstGeom prst="rect">
-            <a:avLst/>
-          </a:prstGeom>
         </p:spPr>
         <p:txBody>
-          <a:bodyPr vert="horz" lIns="91440" tIns="45720" rIns="91440" bIns="45720" rtlCol="0" anchor="ctr">
-            <a:noAutofit/>
+          <a:bodyPr>
+            <a:normAutofit fontScale="90000"/>
           </a:bodyPr>
-          <a:lstStyle>
-            <a:lvl1pPr algn="ctr" defTabSz="914400" rtl="0" eaLnBrk="1" latinLnBrk="0" hangingPunct="1">
-              <a:spcBef>
-                <a:spcPct val="0"/>
-              </a:spcBef>
-              <a:buNone/>
-              <a:defRPr sz="4400" kern="1200">
-                <a:solidFill>
-                  <a:schemeClr val="tx1"/>
-                </a:solidFill>
-                <a:latin typeface="+mj-lt"/>
-                <a:ea typeface="+mj-ea"/>
-                <a:cs typeface="+mj-cs"/>
-              </a:defRPr>
-            </a:lvl1pPr>
-          </a:lstStyle>
-          <a:p>
-            <a:r>
-              <a:rPr lang="en-CA" sz="1800" smtClean="0"/>
-              <a:t>Power of Enums</a:t>
-            </a:r>
-            <a:endParaRPr lang="en-CA" sz="1800" dirty="0"/>
+          <a:lstStyle/>
+          <a:p>
+            <a:r>
+              <a:rPr lang="en-CA" sz="1200" dirty="0" smtClean="0"/>
+              <a:t>UI Structures</a:t>
+            </a:r>
+            <a:endParaRPr lang="en-CA" sz="1200" dirty="0"/>
+          </a:p>
+        </p:txBody>
+      </p:sp>
+      <p:sp>
+        <p:nvSpPr>
+          <p:cNvPr id="3" name="Espace réservé du contenu 2"/>
+          <p:cNvSpPr>
+            <a:spLocks noGrp="1"/>
+          </p:cNvSpPr>
+          <p:nvPr>
+            <p:ph idx="1"/>
+          </p:nvPr>
+        </p:nvSpPr>
+        <p:spPr>
+          <a:xfrm>
+            <a:off x="457200" y="762000"/>
+            <a:ext cx="8229600" cy="5638800"/>
+          </a:xfrm>
+        </p:spPr>
+        <p:txBody>
+          <a:bodyPr/>
+          <a:lstStyle/>
+          <a:p>
+            <a:r>
+              <a:rPr lang="en-CA" dirty="0" smtClean="0"/>
+              <a:t>Most players have UI. What happens if we place the UI code in the player?</a:t>
+            </a:r>
+          </a:p>
+          <a:p>
+            <a:pPr lvl="1"/>
+            <a:r>
+              <a:rPr lang="en-CA" dirty="0" smtClean="0"/>
+              <a:t>We need to link all the UI elements to a </a:t>
+            </a:r>
+            <a:r>
+              <a:rPr lang="en-CA" dirty="0" err="1" smtClean="0"/>
+              <a:t>player.cs</a:t>
+            </a:r>
+            <a:r>
+              <a:rPr lang="en-CA" dirty="0" smtClean="0"/>
+              <a:t>, which may be auto generated</a:t>
+            </a:r>
+          </a:p>
+          <a:p>
+            <a:pPr lvl="1"/>
+            <a:r>
+              <a:rPr lang="en-CA" dirty="0" smtClean="0"/>
+              <a:t>If the UI changes, the person doing the UI has to look through a large </a:t>
+            </a:r>
+            <a:r>
+              <a:rPr lang="en-CA" dirty="0" err="1" smtClean="0"/>
+              <a:t>player.cs</a:t>
+            </a:r>
+            <a:r>
+              <a:rPr lang="en-CA" dirty="0" smtClean="0"/>
+              <a:t> class to find what to change and where.</a:t>
+            </a:r>
+          </a:p>
+          <a:p>
+            <a:pPr lvl="1"/>
+            <a:r>
+              <a:rPr lang="en-CA" dirty="0" smtClean="0"/>
+              <a:t>If the flow of player changes, the calls of UI may be affected</a:t>
+            </a:r>
+          </a:p>
+          <a:p>
+            <a:pPr lvl="1"/>
+            <a:endParaRPr lang="en-CA" dirty="0" smtClean="0"/>
+          </a:p>
+          <a:p>
+            <a:endParaRPr lang="en-CA" dirty="0"/>
           </a:p>
         </p:txBody>
       </p:sp>
     </p:spTree>
     <p:extLst>
       <p:ext uri="{BB962C8B-B14F-4D97-AF65-F5344CB8AC3E}">
-        <p14:creationId xmlns:p14="http://schemas.microsoft.com/office/powerpoint/2010/main" val="1164581419"/>
+        <p14:creationId xmlns:p14="http://schemas.microsoft.com/office/powerpoint/2010/main" val="1548395017"/>
       </p:ext>
     </p:extLst>
   </p:cSld>
@@ -5192,91 +5036,7 @@
       </p:grpSpPr>
       <p:sp>
         <p:nvSpPr>
-          <p:cNvPr id="3" name="Espace réservé du contenu 2"/>
-          <p:cNvSpPr>
-            <a:spLocks noGrp="1"/>
-          </p:cNvSpPr>
-          <p:nvPr>
-            <p:ph idx="1"/>
-          </p:nvPr>
-        </p:nvSpPr>
-        <p:spPr/>
-        <p:txBody>
-          <a:bodyPr/>
-          <a:lstStyle/>
-          <a:p>
-            <a:r>
-              <a:rPr lang="en-CA" dirty="0" smtClean="0"/>
-              <a:t>In my resources folder, all my monsters could be named thus:</a:t>
-            </a:r>
-          </a:p>
-          <a:p>
-            <a:r>
-              <a:rPr lang="en-CA" dirty="0"/>
-              <a:t>Resources/Prefabs/Monsters/</a:t>
-            </a:r>
-            <a:r>
-              <a:rPr lang="en-CA" dirty="0" err="1"/>
-              <a:t>SlimeMonster</a:t>
-            </a:r>
-            <a:endParaRPr lang="en-CA" dirty="0"/>
-          </a:p>
-          <a:p>
-            <a:r>
-              <a:rPr lang="en-CA" dirty="0" smtClean="0"/>
-              <a:t>Resources/Prefabs/Monsters/</a:t>
-            </a:r>
-            <a:r>
-              <a:rPr lang="en-CA" dirty="0" err="1" smtClean="0"/>
-              <a:t>BatMonster</a:t>
-            </a:r>
-            <a:endParaRPr lang="en-CA" dirty="0"/>
-          </a:p>
-          <a:p>
-            <a:r>
-              <a:rPr lang="en-CA" dirty="0" smtClean="0"/>
-              <a:t>Resources/Prefabs/Monsters/</a:t>
-            </a:r>
-            <a:r>
-              <a:rPr lang="en-CA" dirty="0" err="1" smtClean="0"/>
-              <a:t>BrainMonster</a:t>
-            </a:r>
-            <a:endParaRPr lang="en-CA" dirty="0"/>
-          </a:p>
-          <a:p>
-            <a:endParaRPr lang="en-CA" dirty="0" smtClean="0"/>
-          </a:p>
-          <a:p>
-            <a:r>
-              <a:rPr lang="en-CA" dirty="0" err="1" smtClean="0"/>
-              <a:t>Enum</a:t>
-            </a:r>
-            <a:r>
-              <a:rPr lang="en-CA" dirty="0" smtClean="0"/>
-              <a:t> </a:t>
-            </a:r>
-            <a:r>
-              <a:rPr lang="en-CA" dirty="0" err="1" smtClean="0"/>
-              <a:t>MonsterType</a:t>
-            </a:r>
-            <a:r>
-              <a:rPr lang="en-CA" dirty="0" smtClean="0"/>
-              <a:t>{</a:t>
-            </a:r>
-            <a:r>
-              <a:rPr lang="en-CA" dirty="0" err="1" smtClean="0"/>
-              <a:t>Slime,Bat,Brain</a:t>
-            </a:r>
-            <a:r>
-              <a:rPr lang="en-CA" dirty="0" smtClean="0"/>
-              <a:t>}</a:t>
-            </a:r>
-          </a:p>
-        </p:txBody>
-      </p:sp>
-      <p:sp>
-        <p:nvSpPr>
-          <p:cNvPr id="5" name="Titre 1"/>
+          <p:cNvPr id="2" name="Titre 1"/>
           <p:cNvSpPr>
             <a:spLocks noGrp="1"/>
           </p:cNvSpPr>
@@ -5286,32 +5046,149 @@
         </p:nvSpPr>
         <p:spPr>
           <a:xfrm>
-            <a:off x="6858000" y="274638"/>
-            <a:ext cx="1828800" cy="487362"/>
+            <a:off x="7848600" y="274638"/>
+            <a:ext cx="838200" cy="411162"/>
           </a:xfrm>
         </p:spPr>
         <p:txBody>
           <a:bodyPr>
-            <a:noAutofit/>
+            <a:normAutofit fontScale="90000"/>
           </a:bodyPr>
           <a:lstStyle/>
           <a:p>
             <a:r>
-              <a:rPr lang="en-CA" sz="1800" dirty="0" smtClean="0"/>
-              <a:t>Power of </a:t>
-            </a:r>
-            <a:r>
-              <a:rPr lang="en-CA" sz="1800" dirty="0" err="1" smtClean="0"/>
-              <a:t>Enums</a:t>
-            </a:r>
-            <a:endParaRPr lang="en-CA" sz="1800" dirty="0"/>
+              <a:rPr lang="en-CA" sz="1200" dirty="0" smtClean="0"/>
+              <a:t>UI Structures</a:t>
+            </a:r>
+            <a:endParaRPr lang="en-CA" sz="1200" dirty="0"/>
+          </a:p>
+        </p:txBody>
+      </p:sp>
+      <p:sp>
+        <p:nvSpPr>
+          <p:cNvPr id="3" name="Espace réservé du contenu 2"/>
+          <p:cNvSpPr>
+            <a:spLocks noGrp="1"/>
+          </p:cNvSpPr>
+          <p:nvPr>
+            <p:ph idx="1"/>
+          </p:nvPr>
+        </p:nvSpPr>
+        <p:spPr>
+          <a:xfrm>
+            <a:off x="457200" y="762000"/>
+            <a:ext cx="8229600" cy="5638800"/>
+          </a:xfrm>
+        </p:spPr>
+        <p:txBody>
+          <a:bodyPr/>
+          <a:lstStyle/>
+          <a:p>
+            <a:r>
+              <a:rPr lang="en-CA" dirty="0" smtClean="0"/>
+              <a:t>Solution: </a:t>
+            </a:r>
+            <a:r>
+              <a:rPr lang="en-CA" dirty="0" err="1" smtClean="0"/>
+              <a:t>PlayerUI.cs</a:t>
+            </a:r>
+            <a:endParaRPr lang="en-CA" dirty="0" smtClean="0"/>
+          </a:p>
+          <a:p>
+            <a:r>
+              <a:rPr lang="en-CA" dirty="0" smtClean="0"/>
+              <a:t>Have </a:t>
+            </a:r>
+            <a:r>
+              <a:rPr lang="en-CA" dirty="0" err="1" smtClean="0"/>
+              <a:t>playerUI</a:t>
+            </a:r>
+            <a:r>
+              <a:rPr lang="en-CA" dirty="0" smtClean="0"/>
+              <a:t> be in a separate class</a:t>
+            </a:r>
+          </a:p>
+          <a:p>
+            <a:r>
+              <a:rPr lang="en-CA" dirty="0" smtClean="0"/>
+              <a:t>It contains all links to UI elements: </a:t>
+            </a:r>
+            <a:r>
+              <a:rPr lang="en-CA" dirty="0" err="1" smtClean="0"/>
+              <a:t>HealthBar</a:t>
+            </a:r>
+            <a:r>
+              <a:rPr lang="en-CA" dirty="0" smtClean="0"/>
+              <a:t>, </a:t>
+            </a:r>
+            <a:r>
+              <a:rPr lang="en-CA" dirty="0" err="1" smtClean="0"/>
+              <a:t>ManaBar</a:t>
+            </a:r>
+            <a:r>
+              <a:rPr lang="en-CA" dirty="0" smtClean="0"/>
+              <a:t>, </a:t>
+            </a:r>
+            <a:r>
+              <a:rPr lang="en-CA" dirty="0" err="1" smtClean="0"/>
+              <a:t>SpellHud</a:t>
+            </a:r>
+            <a:r>
+              <a:rPr lang="en-CA" dirty="0" smtClean="0"/>
+              <a:t>, </a:t>
+            </a:r>
+            <a:r>
+              <a:rPr lang="en-CA" dirty="0" err="1" smtClean="0"/>
+              <a:t>Etc</a:t>
+            </a:r>
+            <a:endParaRPr lang="en-CA" dirty="0" smtClean="0"/>
+          </a:p>
+          <a:p>
+            <a:r>
+              <a:rPr lang="en-CA" dirty="0" smtClean="0"/>
+              <a:t>Options:</a:t>
+            </a:r>
+          </a:p>
+          <a:p>
+            <a:pPr marL="971550" lvl="1" indent="-514350">
+              <a:buAutoNum type="arabicParenR"/>
+            </a:pPr>
+            <a:r>
+              <a:rPr lang="en-CA" dirty="0" smtClean="0"/>
+              <a:t>It asks the player for the info it needs and updates the player on its own</a:t>
+            </a:r>
+          </a:p>
+          <a:p>
+            <a:pPr marL="971550" lvl="1" indent="-514350">
+              <a:buAutoNum type="arabicParenR"/>
+            </a:pPr>
+            <a:r>
+              <a:rPr lang="en-CA" dirty="0" smtClean="0"/>
+              <a:t>The player passes it a “UI package”, a class containing all info the UI needs.</a:t>
+            </a:r>
+          </a:p>
+          <a:p>
+            <a:pPr marL="971550" lvl="1" indent="-514350">
+              <a:buAutoNum type="arabicParenR"/>
+            </a:pPr>
+            <a:r>
+              <a:rPr lang="en-CA" dirty="0" smtClean="0"/>
+              <a:t>The player calls UI updates only when values change</a:t>
+            </a:r>
+          </a:p>
+          <a:p>
+            <a:pPr lvl="1"/>
+            <a:endParaRPr lang="en-CA" dirty="0" smtClean="0"/>
+          </a:p>
+          <a:p>
+            <a:endParaRPr lang="en-CA" dirty="0"/>
           </a:p>
         </p:txBody>
       </p:sp>
     </p:spTree>
     <p:extLst>
       <p:ext uri="{BB962C8B-B14F-4D97-AF65-F5344CB8AC3E}">
-        <p14:creationId xmlns:p14="http://schemas.microsoft.com/office/powerpoint/2010/main" val="576234893"/>
+        <p14:creationId xmlns:p14="http://schemas.microsoft.com/office/powerpoint/2010/main" val="3655487511"/>
       </p:ext>
     </p:extLst>
   </p:cSld>
@@ -5348,27 +5225,20 @@
             <p:ph type="title"/>
           </p:nvPr>
         </p:nvSpPr>
-        <p:spPr>
-          <a:xfrm>
-            <a:off x="6858000" y="274638"/>
-            <a:ext cx="1828800" cy="487362"/>
-          </a:xfrm>
-        </p:spPr>
-        <p:txBody>
-          <a:bodyPr>
-            <a:noAutofit/>
-          </a:bodyPr>
-          <a:lstStyle/>
-          <a:p>
-            <a:r>
-              <a:rPr lang="en-CA" sz="1800" dirty="0" smtClean="0"/>
+        <p:spPr/>
+        <p:txBody>
+          <a:bodyPr/>
+          <a:lstStyle/>
+          <a:p>
+            <a:r>
+              <a:rPr lang="en-CA" dirty="0" smtClean="0"/>
               <a:t>Power of </a:t>
             </a:r>
             <a:r>
-              <a:rPr lang="en-CA" sz="1800" dirty="0" err="1" smtClean="0"/>
+              <a:rPr lang="en-CA" dirty="0" err="1" smtClean="0"/>
               <a:t>Enums</a:t>
             </a:r>
-            <a:endParaRPr lang="en-CA" sz="1800" dirty="0"/>
+            <a:endParaRPr lang="en-CA" dirty="0"/>
           </a:p>
         </p:txBody>
       </p:sp>
@@ -5382,12 +5252,7 @@
             <p:ph idx="1"/>
           </p:nvPr>
         </p:nvSpPr>
-        <p:spPr>
-          <a:xfrm>
-            <a:off x="457200" y="762000"/>
-            <a:ext cx="8229600" cy="5364163"/>
-          </a:xfrm>
-        </p:spPr>
+        <p:spPr/>
         <p:txBody>
           <a:bodyPr>
             <a:normAutofit/>
@@ -5395,104 +5260,137 @@
           <a:lstStyle/>
           <a:p>
             <a:r>
-              <a:rPr lang="en-CA" dirty="0" smtClean="0"/>
-              <a:t>My monsters are now spawned by </a:t>
-            </a:r>
-            <a:r>
-              <a:rPr lang="en-CA" dirty="0" err="1" smtClean="0"/>
-              <a:t>enum</a:t>
-            </a:r>
-            <a:r>
-              <a:rPr lang="en-CA" dirty="0" smtClean="0"/>
-              <a:t> names. As long as I name them the same as the </a:t>
-            </a:r>
-            <a:r>
-              <a:rPr lang="en-CA" dirty="0" err="1" smtClean="0"/>
-              <a:t>enum</a:t>
-            </a:r>
-            <a:endParaRPr lang="en-CA" dirty="0" smtClean="0"/>
-          </a:p>
-          <a:p>
-            <a:r>
-              <a:rPr lang="en-CA" dirty="0" smtClean="0"/>
-              <a:t>I realize now my “</a:t>
-            </a:r>
-            <a:r>
-              <a:rPr lang="en-CA" dirty="0" err="1" smtClean="0"/>
-              <a:t>Spawner</a:t>
-            </a:r>
-            <a:r>
-              <a:rPr lang="en-CA" dirty="0" smtClean="0"/>
-              <a:t> Monsters” were being spawned by a string.</a:t>
-            </a:r>
-          </a:p>
-          <a:p>
-            <a:r>
-              <a:rPr lang="en-CA" dirty="0" err="1" smtClean="0"/>
-              <a:t>SpawnerMonsters</a:t>
-            </a:r>
-            <a:r>
-              <a:rPr lang="en-CA" dirty="0" smtClean="0"/>
-              <a:t> were spawned by </a:t>
-            </a:r>
-            <a:r>
-              <a:rPr lang="en-CA" dirty="0" err="1" smtClean="0"/>
+              <a:rPr lang="en-CA" sz="2200" dirty="0" smtClean="0"/>
+              <a:t>I have my class </a:t>
+            </a:r>
+            <a:r>
+              <a:rPr lang="en-CA" sz="2200" dirty="0" err="1" smtClean="0"/>
+              <a:t>MonsterSpawner</a:t>
+            </a:r>
+            <a:r>
+              <a:rPr lang="en-CA" sz="2200" dirty="0" smtClean="0"/>
+              <a:t>, it spawns monsters (prefabs) but using a string</a:t>
+            </a:r>
+          </a:p>
+          <a:p>
+            <a:r>
+              <a:rPr lang="en-CA" sz="2200" dirty="0" err="1"/>
+              <a:t>spawnedMonster</a:t>
+            </a:r>
+            <a:r>
+              <a:rPr lang="en-CA" sz="2200" dirty="0"/>
+              <a:t> = </a:t>
+            </a:r>
+            <a:r>
+              <a:rPr lang="en-CA" sz="2200" dirty="0" err="1"/>
+              <a:t>GameObject.Instantiate</a:t>
+            </a:r>
+            <a:r>
+              <a:rPr lang="en-CA" sz="2200" dirty="0"/>
+              <a:t>(</a:t>
+            </a:r>
+            <a:r>
+              <a:rPr lang="en-CA" sz="2200" dirty="0" err="1"/>
+              <a:t>Resources.Load</a:t>
+            </a:r>
+            <a:r>
+              <a:rPr lang="en-CA" sz="2200" dirty="0"/>
+              <a:t>&lt;</a:t>
+            </a:r>
+            <a:r>
+              <a:rPr lang="en-CA" sz="2200" dirty="0" err="1"/>
+              <a:t>GameObject</a:t>
+            </a:r>
+            <a:r>
+              <a:rPr lang="en-CA" sz="2200" dirty="0"/>
+              <a:t>&gt;("Prefabs/Monsters/" + </a:t>
+            </a:r>
+            <a:r>
+              <a:rPr lang="en-CA" sz="2200" dirty="0" err="1"/>
+              <a:t>monsterPrefabName</a:t>
+            </a:r>
+            <a:r>
+              <a:rPr lang="en-CA" sz="2200" dirty="0" smtClean="0"/>
+              <a:t>));</a:t>
+            </a:r>
+          </a:p>
+          <a:p>
+            <a:r>
+              <a:rPr lang="en-CA" sz="2200" dirty="0" smtClean="0"/>
+              <a:t>My child of </a:t>
+            </a:r>
+            <a:r>
+              <a:rPr lang="en-CA" sz="2200" dirty="0" err="1" smtClean="0"/>
+              <a:t>MonsterSpawner</a:t>
+            </a:r>
+            <a:r>
+              <a:rPr lang="en-CA" sz="2200" dirty="0" smtClean="0"/>
+              <a:t> (</a:t>
+            </a:r>
+            <a:r>
+              <a:rPr lang="en-CA" sz="2200" dirty="0" err="1" smtClean="0"/>
+              <a:t>SlimeMonster</a:t>
+            </a:r>
+            <a:r>
+              <a:rPr lang="en-CA" sz="2200" dirty="0" smtClean="0"/>
+              <a:t>) needs to initialize the string that is “</a:t>
+            </a:r>
+            <a:r>
+              <a:rPr lang="en-CA" sz="2200" dirty="0" err="1" smtClean="0"/>
+              <a:t>monsterPrefabName</a:t>
+            </a:r>
+            <a:r>
+              <a:rPr lang="en-CA" sz="2200" dirty="0" smtClean="0"/>
+              <a:t>” inside it’s constructor.</a:t>
+            </a:r>
+          </a:p>
+          <a:p>
+            <a:r>
+              <a:rPr lang="en-CA" sz="2200" dirty="0" smtClean="0"/>
+              <a:t>If I have 30 more children types of </a:t>
+            </a:r>
+            <a:r>
+              <a:rPr lang="en-CA" sz="2200" dirty="0" err="1" smtClean="0"/>
+              <a:t>MonsterSpawner</a:t>
+            </a:r>
+            <a:r>
+              <a:rPr lang="en-CA" sz="2200" dirty="0" smtClean="0"/>
+              <a:t>, there is a good chance I forget to do it properly at least once</a:t>
+            </a:r>
+          </a:p>
+          <a:p>
+            <a:r>
+              <a:rPr lang="en-CA" sz="2200" dirty="0" err="1" smtClean="0"/>
               <a:t>MonsterManager</a:t>
             </a:r>
             <a:r>
-              <a:rPr lang="en-CA" dirty="0" smtClean="0"/>
-              <a:t>, since </a:t>
-            </a:r>
-            <a:r>
-              <a:rPr lang="en-CA" dirty="0" err="1" smtClean="0"/>
-              <a:t>MonsterManager</a:t>
-            </a:r>
-            <a:r>
-              <a:rPr lang="en-CA" dirty="0" smtClean="0"/>
-              <a:t> now has an </a:t>
-            </a:r>
-            <a:r>
-              <a:rPr lang="en-CA" dirty="0" err="1" smtClean="0"/>
-              <a:t>enum</a:t>
-            </a:r>
-            <a:r>
-              <a:rPr lang="en-CA" dirty="0" smtClean="0"/>
-              <a:t>. It’s easy to make them spawned by the </a:t>
-            </a:r>
-            <a:r>
-              <a:rPr lang="en-CA" dirty="0" err="1" smtClean="0"/>
-              <a:t>enum</a:t>
-            </a:r>
-            <a:r>
-              <a:rPr lang="en-CA" dirty="0" smtClean="0"/>
-              <a:t> name too</a:t>
-            </a:r>
-          </a:p>
-          <a:p>
-            <a:r>
-              <a:rPr lang="en-CA" dirty="0" smtClean="0"/>
-              <a:t>Prefabs\</a:t>
-            </a:r>
-            <a:r>
-              <a:rPr lang="en-CA" dirty="0" err="1" smtClean="0"/>
-              <a:t>MonsterSpawners</a:t>
-            </a:r>
-            <a:r>
-              <a:rPr lang="en-CA" dirty="0" smtClean="0"/>
-              <a:t>\</a:t>
-            </a:r>
-            <a:r>
-              <a:rPr lang="en-CA" dirty="0" err="1" smtClean="0"/>
-              <a:t>SlimeSpawner</a:t>
-            </a:r>
-            <a:endParaRPr lang="en-CA" dirty="0"/>
+              <a:rPr lang="en-CA" sz="2200" dirty="0" smtClean="0"/>
+              <a:t> (Which is a flow-parent of </a:t>
+            </a:r>
+            <a:r>
+              <a:rPr lang="en-CA" sz="2200" dirty="0" err="1" smtClean="0"/>
+              <a:t>MonsterSpawner</a:t>
+            </a:r>
+            <a:r>
+              <a:rPr lang="en-CA" sz="2200" dirty="0" smtClean="0"/>
+              <a:t>) pairs &lt;</a:t>
+            </a:r>
+            <a:r>
+              <a:rPr lang="en-CA" sz="2200" dirty="0" err="1" smtClean="0"/>
+              <a:t>Enum.MonsterType,MonsterManager</a:t>
+            </a:r>
+            <a:r>
+              <a:rPr lang="en-CA" sz="2200" dirty="0" smtClean="0"/>
+              <a:t>&gt;</a:t>
+            </a:r>
+            <a:endParaRPr lang="en-CA" sz="2200" dirty="0"/>
           </a:p>
         </p:txBody>
       </p:sp>
     </p:spTree>
     <p:extLst>
       <p:ext uri="{BB962C8B-B14F-4D97-AF65-F5344CB8AC3E}">
-        <p14:creationId xmlns:p14="http://schemas.microsoft.com/office/powerpoint/2010/main" val="3814057654"/>
+        <p14:creationId xmlns:p14="http://schemas.microsoft.com/office/powerpoint/2010/main" val="238003343"/>
       </p:ext>
     </p:extLst>
   </p:cSld>
@@ -5521,12 +5419,12 @@
       </p:grpSpPr>
       <p:sp>
         <p:nvSpPr>
-          <p:cNvPr id="2" name="Titre 1"/>
-          <p:cNvSpPr>
-            <a:spLocks noGrp="1"/>
-          </p:cNvSpPr>
-          <p:nvPr>
-            <p:ph type="title"/>
+          <p:cNvPr id="3" name="Espace réservé du contenu 2"/>
+          <p:cNvSpPr>
+            <a:spLocks noGrp="1"/>
+          </p:cNvSpPr>
+          <p:nvPr>
+            <p:ph idx="1"/>
           </p:nvPr>
         </p:nvSpPr>
         <p:spPr/>
@@ -5536,211 +5434,138 @@
           <a:p>
             <a:r>
               <a:rPr lang="en-CA" dirty="0" smtClean="0"/>
-              <a:t>Spawning random monsters</a:t>
+              <a:t>Instead, I can have the </a:t>
+            </a:r>
+            <a:r>
+              <a:rPr lang="en-CA" dirty="0" err="1" smtClean="0"/>
+              <a:t>MonsterManager</a:t>
+            </a:r>
+            <a:r>
+              <a:rPr lang="en-CA" dirty="0" smtClean="0"/>
+              <a:t> be given that </a:t>
+            </a:r>
+            <a:r>
+              <a:rPr lang="en-CA" dirty="0" err="1" smtClean="0"/>
+              <a:t>Enum</a:t>
+            </a:r>
+            <a:endParaRPr lang="en-CA" dirty="0" smtClean="0"/>
+          </a:p>
+          <a:p>
+            <a:r>
+              <a:rPr lang="en-CA" dirty="0" smtClean="0"/>
+              <a:t>I can name the prefab the same name as the </a:t>
+            </a:r>
+            <a:r>
+              <a:rPr lang="en-CA" dirty="0" err="1" smtClean="0"/>
+              <a:t>enum</a:t>
+            </a:r>
+            <a:r>
+              <a:rPr lang="en-CA" dirty="0"/>
+              <a:t> </a:t>
+            </a:r>
+            <a:r>
+              <a:rPr lang="en-CA" dirty="0" smtClean="0"/>
+              <a:t>+ monster</a:t>
+            </a:r>
+          </a:p>
+          <a:p>
+            <a:r>
+              <a:rPr lang="en-CA" dirty="0" err="1"/>
+              <a:t>spawnedMonster</a:t>
+            </a:r>
+            <a:r>
+              <a:rPr lang="en-CA" dirty="0"/>
+              <a:t> = </a:t>
+            </a:r>
+            <a:r>
+              <a:rPr lang="en-CA" dirty="0" err="1"/>
+              <a:t>GameObject.Instantiate</a:t>
+            </a:r>
+            <a:r>
+              <a:rPr lang="en-CA" dirty="0"/>
+              <a:t>(</a:t>
+            </a:r>
+            <a:r>
+              <a:rPr lang="en-CA" dirty="0" err="1"/>
+              <a:t>Resources.Load</a:t>
+            </a:r>
+            <a:r>
+              <a:rPr lang="en-CA" dirty="0"/>
+              <a:t>&lt;</a:t>
+            </a:r>
+            <a:r>
+              <a:rPr lang="en-CA" dirty="0" err="1"/>
+              <a:t>GameObject</a:t>
+            </a:r>
+            <a:r>
+              <a:rPr lang="en-CA" dirty="0"/>
+              <a:t>&gt;("Prefabs/Monsters/" + </a:t>
+            </a:r>
+            <a:r>
+              <a:rPr lang="en-CA" dirty="0" err="1" smtClean="0"/>
+              <a:t>monsterType.ToString</a:t>
+            </a:r>
+            <a:r>
+              <a:rPr lang="en-CA" dirty="0" smtClean="0"/>
+              <a:t>() + “Monster”));</a:t>
             </a:r>
             <a:endParaRPr lang="en-CA" dirty="0"/>
           </a:p>
-        </p:txBody>
-      </p:sp>
-      <p:sp>
-        <p:nvSpPr>
-          <p:cNvPr id="3" name="Espace réservé du contenu 2"/>
-          <p:cNvSpPr>
-            <a:spLocks noGrp="1"/>
-          </p:cNvSpPr>
-          <p:nvPr>
-            <p:ph idx="1"/>
-          </p:nvPr>
-        </p:nvSpPr>
-        <p:spPr/>
-        <p:txBody>
-          <a:bodyPr>
-            <a:normAutofit/>
+          <a:p>
+            <a:endParaRPr lang="en-CA" dirty="0"/>
+          </a:p>
+        </p:txBody>
+      </p:sp>
+      <p:sp>
+        <p:nvSpPr>
+          <p:cNvPr id="5" name="Titre 1"/>
+          <p:cNvSpPr txBox="1">
+            <a:spLocks/>
+          </p:cNvSpPr>
+          <p:nvPr/>
+        </p:nvSpPr>
+        <p:spPr>
+          <a:xfrm>
+            <a:off x="6858000" y="274638"/>
+            <a:ext cx="1828800" cy="487362"/>
+          </a:xfrm>
+          <a:prstGeom prst="rect">
+            <a:avLst/>
+          </a:prstGeom>
+        </p:spPr>
+        <p:txBody>
+          <a:bodyPr vert="horz" lIns="91440" tIns="45720" rIns="91440" bIns="45720" rtlCol="0" anchor="ctr">
+            <a:noAutofit/>
           </a:bodyPr>
-          <a:lstStyle/>
-          <a:p>
-            <a:pPr marL="0" indent="0">
-              <a:buNone/>
-            </a:pPr>
-            <a:r>
-              <a:rPr lang="en-CA" dirty="0"/>
-              <a:t>public void </a:t>
-            </a:r>
-            <a:r>
-              <a:rPr lang="en-CA" dirty="0" err="1"/>
-              <a:t>SpawnRandomMonsterBreeder</a:t>
-            </a:r>
-            <a:r>
-              <a:rPr lang="en-CA" dirty="0"/>
-              <a:t>()</a:t>
-            </a:r>
-          </a:p>
-          <a:p>
-            <a:pPr marL="0" indent="0">
-              <a:buNone/>
-            </a:pPr>
-            <a:r>
-              <a:rPr lang="en-CA" dirty="0" smtClean="0"/>
-              <a:t> {</a:t>
-            </a:r>
-          </a:p>
-          <a:p>
-            <a:pPr marL="0" indent="0">
-              <a:buNone/>
-            </a:pPr>
-            <a:r>
-              <a:rPr lang="en-CA" sz="2000" dirty="0" smtClean="0"/>
-              <a:t>Vector2 </a:t>
-            </a:r>
-            <a:r>
-              <a:rPr lang="en-CA" sz="2000" dirty="0" err="1"/>
-              <a:t>loc</a:t>
-            </a:r>
-            <a:r>
-              <a:rPr lang="en-CA" sz="2000" dirty="0"/>
-              <a:t> = new Vector2(</a:t>
-            </a:r>
-            <a:r>
-              <a:rPr lang="en-CA" sz="2000" dirty="0" err="1"/>
-              <a:t>Random.Range</a:t>
-            </a:r>
-            <a:r>
-              <a:rPr lang="en-CA" sz="2000" dirty="0"/>
-              <a:t>(0, </a:t>
-            </a:r>
-            <a:r>
-              <a:rPr lang="en-CA" sz="2000" dirty="0" err="1"/>
-              <a:t>GV.Map_Size_XY</a:t>
-            </a:r>
-            <a:r>
-              <a:rPr lang="en-CA" sz="2000" dirty="0"/>
-              <a:t>), </a:t>
-            </a:r>
-            <a:r>
-              <a:rPr lang="en-CA" sz="2000" dirty="0" smtClean="0"/>
-              <a:t>	</a:t>
-            </a:r>
-            <a:r>
-              <a:rPr lang="en-CA" sz="2000" dirty="0" err="1" smtClean="0"/>
-              <a:t>Random.Range</a:t>
-            </a:r>
-            <a:r>
-              <a:rPr lang="en-CA" sz="2000" dirty="0" smtClean="0"/>
-              <a:t>(0</a:t>
-            </a:r>
-            <a:r>
-              <a:rPr lang="en-CA" sz="2000" dirty="0"/>
-              <a:t>, </a:t>
-            </a:r>
-            <a:r>
-              <a:rPr lang="en-CA" sz="2000" dirty="0" err="1"/>
-              <a:t>GV.Map_Size_XY</a:t>
-            </a:r>
-            <a:r>
-              <a:rPr lang="en-CA" sz="2000" dirty="0"/>
-              <a:t>));</a:t>
-            </a:r>
-          </a:p>
-          <a:p>
-            <a:pPr marL="0" indent="0">
-              <a:buNone/>
-            </a:pPr>
-            <a:r>
-              <a:rPr lang="en-CA" sz="2000" dirty="0"/>
-              <a:t>        </a:t>
-            </a:r>
-            <a:r>
-              <a:rPr lang="en-CA" sz="2000" dirty="0" err="1"/>
-              <a:t>MonsterManager</a:t>
-            </a:r>
-            <a:r>
-              <a:rPr lang="en-CA" sz="2000" dirty="0"/>
-              <a:t> mm = new </a:t>
-            </a:r>
-            <a:r>
-              <a:rPr lang="en-CA" sz="2000" dirty="0" err="1"/>
-              <a:t>MonsterManager</a:t>
-            </a:r>
-            <a:r>
-              <a:rPr lang="en-CA" sz="2000" dirty="0"/>
-              <a:t>(</a:t>
-            </a:r>
-            <a:r>
-              <a:rPr lang="en-CA" sz="2000" dirty="0" err="1"/>
-              <a:t>GV.MonsterTypes.Slime</a:t>
-            </a:r>
-            <a:r>
-              <a:rPr lang="en-CA" sz="2000" dirty="0"/>
-              <a:t>);</a:t>
-            </a:r>
-          </a:p>
-          <a:p>
-            <a:pPr marL="0" indent="0">
-              <a:buNone/>
-            </a:pPr>
-            <a:r>
-              <a:rPr lang="en-CA" sz="2000" dirty="0"/>
-              <a:t>        </a:t>
-            </a:r>
-            <a:r>
-              <a:rPr lang="en-CA" sz="2000" dirty="0" err="1"/>
-              <a:t>mm.CreateBreeder</a:t>
-            </a:r>
-            <a:r>
-              <a:rPr lang="en-CA" sz="2000" dirty="0"/>
-              <a:t>(</a:t>
-            </a:r>
-            <a:r>
-              <a:rPr lang="en-CA" sz="2000" dirty="0" err="1"/>
-              <a:t>loc</a:t>
-            </a:r>
-            <a:r>
-              <a:rPr lang="en-CA" sz="2000" dirty="0"/>
-              <a:t>);</a:t>
-            </a:r>
-          </a:p>
-          <a:p>
-            <a:pPr marL="0" indent="0">
-              <a:buNone/>
-            </a:pPr>
-            <a:r>
-              <a:rPr lang="en-CA" sz="2000" dirty="0"/>
-              <a:t>        </a:t>
-            </a:r>
-            <a:r>
-              <a:rPr lang="en-CA" sz="2000" dirty="0" err="1"/>
-              <a:t>monsterManagers.Add</a:t>
-            </a:r>
-            <a:r>
-              <a:rPr lang="en-CA" sz="2000" dirty="0"/>
-              <a:t>(</a:t>
-            </a:r>
-            <a:r>
-              <a:rPr lang="en-CA" sz="2000" dirty="0" err="1"/>
-              <a:t>GV.MonsterTypes.Slime</a:t>
-            </a:r>
-            <a:r>
-              <a:rPr lang="en-CA" sz="2000" dirty="0"/>
-              <a:t>, mm);        </a:t>
-            </a:r>
-            <a:endParaRPr lang="en-CA" dirty="0"/>
-          </a:p>
-          <a:p>
-            <a:pPr marL="0" indent="0">
-              <a:buNone/>
-            </a:pPr>
-            <a:r>
-              <a:rPr lang="en-CA" dirty="0" smtClean="0"/>
-              <a:t>}</a:t>
-            </a:r>
-            <a:endParaRPr lang="en-CA" dirty="0"/>
+          <a:lstStyle>
+            <a:lvl1pPr algn="ctr" defTabSz="914400" rtl="0" eaLnBrk="1" latinLnBrk="0" hangingPunct="1">
+              <a:spcBef>
+                <a:spcPct val="0"/>
+              </a:spcBef>
+              <a:buNone/>
+              <a:defRPr sz="4400" kern="1200">
+                <a:solidFill>
+                  <a:schemeClr val="tx1"/>
+                </a:solidFill>
+                <a:latin typeface="+mj-lt"/>
+                <a:ea typeface="+mj-ea"/>
+                <a:cs typeface="+mj-cs"/>
+              </a:defRPr>
+            </a:lvl1pPr>
+          </a:lstStyle>
+          <a:p>
+            <a:r>
+              <a:rPr lang="en-CA" sz="1800" smtClean="0"/>
+              <a:t>Power of Enums</a:t>
+            </a:r>
+            <a:endParaRPr lang="en-CA" sz="1800" dirty="0"/>
           </a:p>
         </p:txBody>
       </p:sp>
     </p:spTree>
     <p:extLst>
       <p:ext uri="{BB962C8B-B14F-4D97-AF65-F5344CB8AC3E}">
-        <p14:creationId xmlns:p14="http://schemas.microsoft.com/office/powerpoint/2010/main" val="2202625718"/>
+        <p14:creationId xmlns:p14="http://schemas.microsoft.com/office/powerpoint/2010/main" val="1164581419"/>
       </p:ext>
     </p:extLst>
   </p:cSld>
@@ -5777,195 +5602,118 @@
             <p:ph idx="1"/>
           </p:nvPr>
         </p:nvSpPr>
+        <p:spPr/>
+        <p:txBody>
+          <a:bodyPr/>
+          <a:lstStyle/>
+          <a:p>
+            <a:r>
+              <a:rPr lang="en-CA" dirty="0" smtClean="0"/>
+              <a:t>In my resources folder, all my monsters could be named thus:</a:t>
+            </a:r>
+          </a:p>
+          <a:p>
+            <a:r>
+              <a:rPr lang="en-CA" dirty="0"/>
+              <a:t>Resources/Prefabs/Monsters/</a:t>
+            </a:r>
+            <a:r>
+              <a:rPr lang="en-CA" dirty="0" err="1"/>
+              <a:t>SlimeMonster</a:t>
+            </a:r>
+            <a:endParaRPr lang="en-CA" dirty="0"/>
+          </a:p>
+          <a:p>
+            <a:r>
+              <a:rPr lang="en-CA" dirty="0" smtClean="0"/>
+              <a:t>Resources/Prefabs/Monsters/</a:t>
+            </a:r>
+            <a:r>
+              <a:rPr lang="en-CA" dirty="0" err="1" smtClean="0"/>
+              <a:t>BatMonster</a:t>
+            </a:r>
+            <a:endParaRPr lang="en-CA" dirty="0"/>
+          </a:p>
+          <a:p>
+            <a:r>
+              <a:rPr lang="en-CA" dirty="0" smtClean="0"/>
+              <a:t>Resources/Prefabs/Monsters/</a:t>
+            </a:r>
+            <a:r>
+              <a:rPr lang="en-CA" dirty="0" err="1" smtClean="0"/>
+              <a:t>BrainMonster</a:t>
+            </a:r>
+            <a:endParaRPr lang="en-CA" dirty="0"/>
+          </a:p>
+          <a:p>
+            <a:endParaRPr lang="en-CA" dirty="0" smtClean="0"/>
+          </a:p>
+          <a:p>
+            <a:r>
+              <a:rPr lang="en-CA" dirty="0" err="1" smtClean="0"/>
+              <a:t>Enum</a:t>
+            </a:r>
+            <a:r>
+              <a:rPr lang="en-CA" dirty="0" smtClean="0"/>
+              <a:t> </a:t>
+            </a:r>
+            <a:r>
+              <a:rPr lang="en-CA" dirty="0" err="1" smtClean="0"/>
+              <a:t>MonsterType</a:t>
+            </a:r>
+            <a:r>
+              <a:rPr lang="en-CA" dirty="0" smtClean="0"/>
+              <a:t>{</a:t>
+            </a:r>
+            <a:r>
+              <a:rPr lang="en-CA" dirty="0" err="1" smtClean="0"/>
+              <a:t>Slime,Bat,Brain</a:t>
+            </a:r>
+            <a:r>
+              <a:rPr lang="en-CA" dirty="0" smtClean="0"/>
+              <a:t>}</a:t>
+            </a:r>
+          </a:p>
+        </p:txBody>
+      </p:sp>
+      <p:sp>
+        <p:nvSpPr>
+          <p:cNvPr id="5" name="Titre 1"/>
+          <p:cNvSpPr>
+            <a:spLocks noGrp="1"/>
+          </p:cNvSpPr>
+          <p:nvPr>
+            <p:ph type="title"/>
+          </p:nvPr>
+        </p:nvSpPr>
         <p:spPr>
           <a:xfrm>
-            <a:off x="457200" y="762000"/>
-            <a:ext cx="8229600" cy="5364163"/>
+            <a:off x="6858000" y="274638"/>
+            <a:ext cx="1828800" cy="487362"/>
           </a:xfrm>
         </p:spPr>
         <p:txBody>
-          <a:bodyPr/>
-          <a:lstStyle/>
-          <a:p>
-            <a:r>
-              <a:rPr lang="en-CA" dirty="0" smtClean="0"/>
-              <a:t>The previous method means we need to pass an </a:t>
-            </a:r>
-            <a:r>
-              <a:rPr lang="en-CA" dirty="0" err="1" smtClean="0"/>
-              <a:t>enum</a:t>
-            </a:r>
-            <a:r>
-              <a:rPr lang="en-CA" dirty="0" smtClean="0"/>
-              <a:t> each time we want to spawn a monster</a:t>
-            </a:r>
-          </a:p>
-          <a:p>
-            <a:r>
-              <a:rPr lang="en-CA" dirty="0" smtClean="0"/>
-              <a:t>Let us grab a random </a:t>
-            </a:r>
-            <a:r>
-              <a:rPr lang="en-CA" dirty="0" err="1" smtClean="0"/>
-              <a:t>enum</a:t>
-            </a:r>
-            <a:r>
-              <a:rPr lang="en-CA" dirty="0" smtClean="0"/>
-              <a:t> instead</a:t>
-            </a:r>
-          </a:p>
-          <a:p>
-            <a:r>
-              <a:rPr lang="en-CA" dirty="0" smtClean="0"/>
-              <a:t>You can turn an </a:t>
-            </a:r>
-            <a:r>
-              <a:rPr lang="en-CA" dirty="0" err="1" smtClean="0"/>
-              <a:t>enum</a:t>
-            </a:r>
-            <a:r>
-              <a:rPr lang="en-CA" dirty="0" smtClean="0"/>
-              <a:t> into a list with</a:t>
-            </a:r>
-          </a:p>
-          <a:p>
-            <a:r>
-              <a:rPr lang="en-CA" sz="2400" dirty="0" smtClean="0"/>
-              <a:t>List&lt;</a:t>
-            </a:r>
-            <a:r>
-              <a:rPr lang="en-CA" sz="2400" dirty="0" err="1" smtClean="0"/>
-              <a:t>GV.Monster</a:t>
-            </a:r>
-            <a:r>
-              <a:rPr lang="en-CA" sz="2400" dirty="0" smtClean="0"/>
-              <a:t>&gt; </a:t>
-            </a:r>
-            <a:r>
-              <a:rPr lang="en-CA" sz="2400" dirty="0" err="1" smtClean="0"/>
-              <a:t>fullEnumList</a:t>
-            </a:r>
-            <a:r>
-              <a:rPr lang="en-CA" sz="2400" dirty="0" smtClean="0"/>
-              <a:t> =</a:t>
-            </a:r>
-            <a:endParaRPr lang="en-CA" dirty="0" smtClean="0"/>
-          </a:p>
-          <a:p>
-            <a:pPr marL="0" indent="0">
-              <a:buNone/>
-            </a:pPr>
-            <a:r>
-              <a:rPr lang="en-CA" sz="2400" dirty="0" err="1" smtClean="0"/>
-              <a:t>System.Enum.GetValues</a:t>
-            </a:r>
-            <a:r>
-              <a:rPr lang="en-CA" sz="2400" dirty="0" smtClean="0"/>
-              <a:t>(</a:t>
-            </a:r>
-            <a:r>
-              <a:rPr lang="en-CA" sz="2400" dirty="0" err="1" smtClean="0"/>
-              <a:t>typeof</a:t>
-            </a:r>
-            <a:r>
-              <a:rPr lang="en-CA" sz="2400" dirty="0" smtClean="0"/>
-              <a:t>(</a:t>
-            </a:r>
-            <a:r>
-              <a:rPr lang="en-CA" sz="2400" dirty="0" err="1" smtClean="0"/>
-              <a:t>GV.Monster</a:t>
-            </a:r>
-            <a:r>
-              <a:rPr lang="en-CA" sz="2400" dirty="0" smtClean="0"/>
-              <a:t>)).cast&lt; </a:t>
-            </a:r>
-            <a:r>
-              <a:rPr lang="en-CA" sz="2400" dirty="0" err="1"/>
-              <a:t>GV.Monster</a:t>
-            </a:r>
-            <a:r>
-              <a:rPr lang="en-CA" sz="2400" dirty="0" smtClean="0"/>
-              <a:t>&gt;().</a:t>
-            </a:r>
-            <a:r>
-              <a:rPr lang="en-CA" sz="2400" dirty="0" err="1" smtClean="0"/>
-              <a:t>ToList</a:t>
-            </a:r>
-            <a:r>
-              <a:rPr lang="en-CA" sz="2400" dirty="0" smtClean="0"/>
-              <a:t>();</a:t>
-            </a:r>
-            <a:endParaRPr lang="en-CA" sz="2400" dirty="0"/>
-          </a:p>
-          <a:p>
-            <a:r>
-              <a:rPr lang="en-CA" dirty="0" smtClean="0"/>
-              <a:t>Then we can get the length and get a random</a:t>
-            </a:r>
-          </a:p>
-          <a:p>
-            <a:r>
-              <a:rPr lang="en-CA" sz="2400" dirty="0" err="1" smtClean="0"/>
-              <a:t>GV.Monster</a:t>
-            </a:r>
-            <a:r>
-              <a:rPr lang="en-CA" sz="2400" dirty="0" smtClean="0"/>
-              <a:t> m = </a:t>
-            </a:r>
-            <a:r>
-              <a:rPr lang="en-CA" sz="2400" dirty="0" err="1" smtClean="0"/>
-              <a:t>fullEnumList</a:t>
-            </a:r>
-            <a:r>
-              <a:rPr lang="en-CA" sz="2400" dirty="0" smtClean="0"/>
-              <a:t>[</a:t>
-            </a:r>
-            <a:r>
-              <a:rPr lang="en-CA" sz="2400" dirty="0" err="1" smtClean="0"/>
-              <a:t>Random.Range</a:t>
-            </a:r>
-            <a:r>
-              <a:rPr lang="en-CA" sz="2400" dirty="0" smtClean="0"/>
-              <a:t>(0,fulEnumList.Count);</a:t>
-            </a:r>
-            <a:endParaRPr lang="en-CA" sz="2400" dirty="0"/>
-          </a:p>
-        </p:txBody>
-      </p:sp>
-      <p:sp>
-        <p:nvSpPr>
-          <p:cNvPr id="4" name="Titre 1"/>
-          <p:cNvSpPr>
-            <a:spLocks noGrp="1"/>
-          </p:cNvSpPr>
-          <p:nvPr>
-            <p:ph type="title"/>
-          </p:nvPr>
-        </p:nvSpPr>
-        <p:spPr>
-          <a:xfrm>
-            <a:off x="7696200" y="152400"/>
-            <a:ext cx="1295400" cy="487362"/>
-          </a:xfrm>
-        </p:spPr>
-        <p:txBody>
           <a:bodyPr>
-            <a:normAutofit/>
+            <a:noAutofit/>
           </a:bodyPr>
           <a:lstStyle/>
           <a:p>
             <a:r>
-              <a:rPr lang="en-CA" sz="1200" dirty="0" smtClean="0"/>
-              <a:t>Spawning random monsters</a:t>
-            </a:r>
-            <a:endParaRPr lang="en-CA" sz="1200" dirty="0"/>
+              <a:rPr lang="en-CA" sz="1800" dirty="0" smtClean="0"/>
+              <a:t>Power of </a:t>
+            </a:r>
+            <a:r>
+              <a:rPr lang="en-CA" sz="1800" dirty="0" err="1" smtClean="0"/>
+              <a:t>Enums</a:t>
+            </a:r>
+            <a:endParaRPr lang="en-CA" sz="1800" dirty="0"/>
           </a:p>
         </p:txBody>
       </p:sp>
     </p:spTree>
     <p:extLst>
       <p:ext uri="{BB962C8B-B14F-4D97-AF65-F5344CB8AC3E}">
-        <p14:creationId xmlns:p14="http://schemas.microsoft.com/office/powerpoint/2010/main" val="1176327043"/>
+        <p14:creationId xmlns:p14="http://schemas.microsoft.com/office/powerpoint/2010/main" val="576234893"/>
       </p:ext>
     </p:extLst>
   </p:cSld>
@@ -5994,6 +5742,1002 @@
       </p:grpSpPr>
       <p:sp>
         <p:nvSpPr>
+          <p:cNvPr id="2" name="Titre 1"/>
+          <p:cNvSpPr>
+            <a:spLocks noGrp="1"/>
+          </p:cNvSpPr>
+          <p:nvPr>
+            <p:ph type="title"/>
+          </p:nvPr>
+        </p:nvSpPr>
+        <p:spPr>
+          <a:xfrm>
+            <a:off x="6858000" y="274638"/>
+            <a:ext cx="1828800" cy="487362"/>
+          </a:xfrm>
+        </p:spPr>
+        <p:txBody>
+          <a:bodyPr>
+            <a:noAutofit/>
+          </a:bodyPr>
+          <a:lstStyle/>
+          <a:p>
+            <a:r>
+              <a:rPr lang="en-CA" sz="1800" dirty="0" smtClean="0"/>
+              <a:t>Power of </a:t>
+            </a:r>
+            <a:r>
+              <a:rPr lang="en-CA" sz="1800" dirty="0" err="1" smtClean="0"/>
+              <a:t>Enums</a:t>
+            </a:r>
+            <a:endParaRPr lang="en-CA" sz="1800" dirty="0"/>
+          </a:p>
+        </p:txBody>
+      </p:sp>
+      <p:sp>
+        <p:nvSpPr>
+          <p:cNvPr id="3" name="Espace réservé du contenu 2"/>
+          <p:cNvSpPr>
+            <a:spLocks noGrp="1"/>
+          </p:cNvSpPr>
+          <p:nvPr>
+            <p:ph idx="1"/>
+          </p:nvPr>
+        </p:nvSpPr>
+        <p:spPr>
+          <a:xfrm>
+            <a:off x="457200" y="762000"/>
+            <a:ext cx="8229600" cy="5364163"/>
+          </a:xfrm>
+        </p:spPr>
+        <p:txBody>
+          <a:bodyPr>
+            <a:normAutofit/>
+          </a:bodyPr>
+          <a:lstStyle/>
+          <a:p>
+            <a:r>
+              <a:rPr lang="en-CA" dirty="0" smtClean="0"/>
+              <a:t>My monsters are now spawned by </a:t>
+            </a:r>
+            <a:r>
+              <a:rPr lang="en-CA" dirty="0" err="1" smtClean="0"/>
+              <a:t>enum</a:t>
+            </a:r>
+            <a:r>
+              <a:rPr lang="en-CA" dirty="0" smtClean="0"/>
+              <a:t> names. As long as I name them the same as the </a:t>
+            </a:r>
+            <a:r>
+              <a:rPr lang="en-CA" dirty="0" err="1" smtClean="0"/>
+              <a:t>enum</a:t>
+            </a:r>
+            <a:endParaRPr lang="en-CA" dirty="0" smtClean="0"/>
+          </a:p>
+          <a:p>
+            <a:r>
+              <a:rPr lang="en-CA" dirty="0" smtClean="0"/>
+              <a:t>I realize now my “</a:t>
+            </a:r>
+            <a:r>
+              <a:rPr lang="en-CA" dirty="0" err="1" smtClean="0"/>
+              <a:t>Spawner</a:t>
+            </a:r>
+            <a:r>
+              <a:rPr lang="en-CA" dirty="0" smtClean="0"/>
+              <a:t> Monsters” were being spawned by a string.</a:t>
+            </a:r>
+          </a:p>
+          <a:p>
+            <a:r>
+              <a:rPr lang="en-CA" dirty="0" err="1" smtClean="0"/>
+              <a:t>SpawnerMonsters</a:t>
+            </a:r>
+            <a:r>
+              <a:rPr lang="en-CA" dirty="0" smtClean="0"/>
+              <a:t> were spawned by </a:t>
+            </a:r>
+            <a:r>
+              <a:rPr lang="en-CA" dirty="0" err="1" smtClean="0"/>
+              <a:t>MonsterManager</a:t>
+            </a:r>
+            <a:r>
+              <a:rPr lang="en-CA" dirty="0" smtClean="0"/>
+              <a:t>, since </a:t>
+            </a:r>
+            <a:r>
+              <a:rPr lang="en-CA" dirty="0" err="1" smtClean="0"/>
+              <a:t>MonsterManager</a:t>
+            </a:r>
+            <a:r>
+              <a:rPr lang="en-CA" dirty="0" smtClean="0"/>
+              <a:t> now has an </a:t>
+            </a:r>
+            <a:r>
+              <a:rPr lang="en-CA" dirty="0" err="1" smtClean="0"/>
+              <a:t>enum</a:t>
+            </a:r>
+            <a:r>
+              <a:rPr lang="en-CA" dirty="0" smtClean="0"/>
+              <a:t>. It’s easy to make them spawned by the </a:t>
+            </a:r>
+            <a:r>
+              <a:rPr lang="en-CA" dirty="0" err="1" smtClean="0"/>
+              <a:t>enum</a:t>
+            </a:r>
+            <a:r>
+              <a:rPr lang="en-CA" dirty="0" smtClean="0"/>
+              <a:t> name too</a:t>
+            </a:r>
+          </a:p>
+          <a:p>
+            <a:r>
+              <a:rPr lang="en-CA" dirty="0" smtClean="0"/>
+              <a:t>Prefabs\</a:t>
+            </a:r>
+            <a:r>
+              <a:rPr lang="en-CA" dirty="0" err="1" smtClean="0"/>
+              <a:t>MonsterSpawners</a:t>
+            </a:r>
+            <a:r>
+              <a:rPr lang="en-CA" dirty="0" smtClean="0"/>
+              <a:t>\</a:t>
+            </a:r>
+            <a:r>
+              <a:rPr lang="en-CA" dirty="0" err="1" smtClean="0"/>
+              <a:t>SlimeSpawner</a:t>
+            </a:r>
+            <a:endParaRPr lang="en-CA" dirty="0"/>
+          </a:p>
+        </p:txBody>
+      </p:sp>
+    </p:spTree>
+    <p:extLst>
+      <p:ext uri="{BB962C8B-B14F-4D97-AF65-F5344CB8AC3E}">
+        <p14:creationId xmlns:p14="http://schemas.microsoft.com/office/powerpoint/2010/main" val="3814057654"/>
+      </p:ext>
+    </p:extLst>
+  </p:cSld>
+  <p:clrMapOvr>
+    <a:masterClrMapping/>
+  </p:clrMapOvr>
+</p:sld>
+</file>
+
+<file path=ppt/slides/slide19.xml><?xml version="1.0" encoding="utf-8"?>
+<p:sld xmlns:a="http://schemas.openxmlformats.org/drawingml/2006/main" xmlns:r="http://schemas.openxmlformats.org/officeDocument/2006/relationships" xmlns:p="http://schemas.openxmlformats.org/presentationml/2006/main">
+  <p:cSld>
+    <p:spTree>
+      <p:nvGrpSpPr>
+        <p:cNvPr id="1" name=""/>
+        <p:cNvGrpSpPr/>
+        <p:nvPr/>
+      </p:nvGrpSpPr>
+      <p:grpSpPr>
+        <a:xfrm>
+          <a:off x="0" y="0"/>
+          <a:ext cx="0" cy="0"/>
+          <a:chOff x="0" y="0"/>
+          <a:chExt cx="0" cy="0"/>
+        </a:xfrm>
+      </p:grpSpPr>
+      <p:sp>
+        <p:nvSpPr>
+          <p:cNvPr id="2" name="Titre 1"/>
+          <p:cNvSpPr>
+            <a:spLocks noGrp="1"/>
+          </p:cNvSpPr>
+          <p:nvPr>
+            <p:ph type="title"/>
+          </p:nvPr>
+        </p:nvSpPr>
+        <p:spPr/>
+        <p:txBody>
+          <a:bodyPr/>
+          <a:lstStyle/>
+          <a:p>
+            <a:r>
+              <a:rPr lang="en-CA" dirty="0" smtClean="0"/>
+              <a:t>Spawning random monsters</a:t>
+            </a:r>
+            <a:endParaRPr lang="en-CA" dirty="0"/>
+          </a:p>
+        </p:txBody>
+      </p:sp>
+      <p:sp>
+        <p:nvSpPr>
+          <p:cNvPr id="3" name="Espace réservé du contenu 2"/>
+          <p:cNvSpPr>
+            <a:spLocks noGrp="1"/>
+          </p:cNvSpPr>
+          <p:nvPr>
+            <p:ph idx="1"/>
+          </p:nvPr>
+        </p:nvSpPr>
+        <p:spPr/>
+        <p:txBody>
+          <a:bodyPr>
+            <a:normAutofit/>
+          </a:bodyPr>
+          <a:lstStyle/>
+          <a:p>
+            <a:pPr marL="0" indent="0">
+              <a:buNone/>
+            </a:pPr>
+            <a:r>
+              <a:rPr lang="en-CA" dirty="0"/>
+              <a:t>public void </a:t>
+            </a:r>
+            <a:r>
+              <a:rPr lang="en-CA" dirty="0" err="1"/>
+              <a:t>SpawnRandomMonsterBreeder</a:t>
+            </a:r>
+            <a:r>
+              <a:rPr lang="en-CA" dirty="0"/>
+              <a:t>()</a:t>
+            </a:r>
+          </a:p>
+          <a:p>
+            <a:pPr marL="0" indent="0">
+              <a:buNone/>
+            </a:pPr>
+            <a:r>
+              <a:rPr lang="en-CA" dirty="0" smtClean="0"/>
+              <a:t> {</a:t>
+            </a:r>
+          </a:p>
+          <a:p>
+            <a:pPr marL="0" indent="0">
+              <a:buNone/>
+            </a:pPr>
+            <a:r>
+              <a:rPr lang="en-CA" sz="2000" dirty="0" smtClean="0"/>
+              <a:t>Vector2 </a:t>
+            </a:r>
+            <a:r>
+              <a:rPr lang="en-CA" sz="2000" dirty="0" err="1"/>
+              <a:t>loc</a:t>
+            </a:r>
+            <a:r>
+              <a:rPr lang="en-CA" sz="2000" dirty="0"/>
+              <a:t> = new Vector2(</a:t>
+            </a:r>
+            <a:r>
+              <a:rPr lang="en-CA" sz="2000" dirty="0" err="1"/>
+              <a:t>Random.Range</a:t>
+            </a:r>
+            <a:r>
+              <a:rPr lang="en-CA" sz="2000" dirty="0"/>
+              <a:t>(0, </a:t>
+            </a:r>
+            <a:r>
+              <a:rPr lang="en-CA" sz="2000" dirty="0" err="1"/>
+              <a:t>GV.Map_Size_XY</a:t>
+            </a:r>
+            <a:r>
+              <a:rPr lang="en-CA" sz="2000" dirty="0"/>
+              <a:t>), </a:t>
+            </a:r>
+            <a:r>
+              <a:rPr lang="en-CA" sz="2000" dirty="0" smtClean="0"/>
+              <a:t>	</a:t>
+            </a:r>
+            <a:r>
+              <a:rPr lang="en-CA" sz="2000" dirty="0" err="1" smtClean="0"/>
+              <a:t>Random.Range</a:t>
+            </a:r>
+            <a:r>
+              <a:rPr lang="en-CA" sz="2000" dirty="0" smtClean="0"/>
+              <a:t>(0</a:t>
+            </a:r>
+            <a:r>
+              <a:rPr lang="en-CA" sz="2000" dirty="0"/>
+              <a:t>, </a:t>
+            </a:r>
+            <a:r>
+              <a:rPr lang="en-CA" sz="2000" dirty="0" err="1"/>
+              <a:t>GV.Map_Size_XY</a:t>
+            </a:r>
+            <a:r>
+              <a:rPr lang="en-CA" sz="2000" dirty="0"/>
+              <a:t>));</a:t>
+            </a:r>
+          </a:p>
+          <a:p>
+            <a:pPr marL="0" indent="0">
+              <a:buNone/>
+            </a:pPr>
+            <a:r>
+              <a:rPr lang="en-CA" sz="2000" dirty="0"/>
+              <a:t>        </a:t>
+            </a:r>
+            <a:r>
+              <a:rPr lang="en-CA" sz="2000" dirty="0" err="1"/>
+              <a:t>MonsterManager</a:t>
+            </a:r>
+            <a:r>
+              <a:rPr lang="en-CA" sz="2000" dirty="0"/>
+              <a:t> mm = new </a:t>
+            </a:r>
+            <a:r>
+              <a:rPr lang="en-CA" sz="2000" dirty="0" err="1"/>
+              <a:t>MonsterManager</a:t>
+            </a:r>
+            <a:r>
+              <a:rPr lang="en-CA" sz="2000" dirty="0"/>
+              <a:t>(</a:t>
+            </a:r>
+            <a:r>
+              <a:rPr lang="en-CA" sz="2000" dirty="0" err="1"/>
+              <a:t>GV.MonsterTypes.Slime</a:t>
+            </a:r>
+            <a:r>
+              <a:rPr lang="en-CA" sz="2000" dirty="0"/>
+              <a:t>);</a:t>
+            </a:r>
+          </a:p>
+          <a:p>
+            <a:pPr marL="0" indent="0">
+              <a:buNone/>
+            </a:pPr>
+            <a:r>
+              <a:rPr lang="en-CA" sz="2000" dirty="0"/>
+              <a:t>        </a:t>
+            </a:r>
+            <a:r>
+              <a:rPr lang="en-CA" sz="2000" dirty="0" err="1"/>
+              <a:t>mm.CreateBreeder</a:t>
+            </a:r>
+            <a:r>
+              <a:rPr lang="en-CA" sz="2000" dirty="0"/>
+              <a:t>(</a:t>
+            </a:r>
+            <a:r>
+              <a:rPr lang="en-CA" sz="2000" dirty="0" err="1"/>
+              <a:t>loc</a:t>
+            </a:r>
+            <a:r>
+              <a:rPr lang="en-CA" sz="2000" dirty="0"/>
+              <a:t>);</a:t>
+            </a:r>
+          </a:p>
+          <a:p>
+            <a:pPr marL="0" indent="0">
+              <a:buNone/>
+            </a:pPr>
+            <a:r>
+              <a:rPr lang="en-CA" sz="2000" dirty="0"/>
+              <a:t>        </a:t>
+            </a:r>
+            <a:r>
+              <a:rPr lang="en-CA" sz="2000" dirty="0" err="1"/>
+              <a:t>monsterManagers.Add</a:t>
+            </a:r>
+            <a:r>
+              <a:rPr lang="en-CA" sz="2000" dirty="0"/>
+              <a:t>(</a:t>
+            </a:r>
+            <a:r>
+              <a:rPr lang="en-CA" sz="2000" dirty="0" err="1"/>
+              <a:t>GV.MonsterTypes.Slime</a:t>
+            </a:r>
+            <a:r>
+              <a:rPr lang="en-CA" sz="2000" dirty="0"/>
+              <a:t>, mm);        </a:t>
+            </a:r>
+            <a:endParaRPr lang="en-CA" dirty="0"/>
+          </a:p>
+          <a:p>
+            <a:pPr marL="0" indent="0">
+              <a:buNone/>
+            </a:pPr>
+            <a:r>
+              <a:rPr lang="en-CA" dirty="0" smtClean="0"/>
+              <a:t>}</a:t>
+            </a:r>
+            <a:endParaRPr lang="en-CA" dirty="0"/>
+          </a:p>
+        </p:txBody>
+      </p:sp>
+    </p:spTree>
+    <p:extLst>
+      <p:ext uri="{BB962C8B-B14F-4D97-AF65-F5344CB8AC3E}">
+        <p14:creationId xmlns:p14="http://schemas.microsoft.com/office/powerpoint/2010/main" val="2202625718"/>
+      </p:ext>
+    </p:extLst>
+  </p:cSld>
+  <p:clrMapOvr>
+    <a:masterClrMapping/>
+  </p:clrMapOvr>
+</p:sld>
+</file>
+
+<file path=ppt/slides/slide2.xml><?xml version="1.0" encoding="utf-8"?>
+<p:sld xmlns:a="http://schemas.openxmlformats.org/drawingml/2006/main" xmlns:r="http://schemas.openxmlformats.org/officeDocument/2006/relationships" xmlns:p="http://schemas.openxmlformats.org/presentationml/2006/main">
+  <p:cSld>
+    <p:spTree>
+      <p:nvGrpSpPr>
+        <p:cNvPr id="1" name=""/>
+        <p:cNvGrpSpPr/>
+        <p:nvPr/>
+      </p:nvGrpSpPr>
+      <p:grpSpPr>
+        <a:xfrm>
+          <a:off x="0" y="0"/>
+          <a:ext cx="0" cy="0"/>
+          <a:chOff x="0" y="0"/>
+          <a:chExt cx="0" cy="0"/>
+        </a:xfrm>
+      </p:grpSpPr>
+      <p:sp>
+        <p:nvSpPr>
+          <p:cNvPr id="2" name="Title 1"/>
+          <p:cNvSpPr>
+            <a:spLocks noGrp="1"/>
+          </p:cNvSpPr>
+          <p:nvPr>
+            <p:ph type="title"/>
+          </p:nvPr>
+        </p:nvSpPr>
+        <p:spPr/>
+        <p:txBody>
+          <a:bodyPr/>
+          <a:lstStyle/>
+          <a:p>
+            <a:r>
+              <a:rPr lang="en-US" dirty="0" smtClean="0"/>
+              <a:t>Flow Example</a:t>
+            </a:r>
+            <a:endParaRPr lang="en-US" dirty="0"/>
+          </a:p>
+        </p:txBody>
+      </p:sp>
+      <p:sp>
+        <p:nvSpPr>
+          <p:cNvPr id="3" name="Content Placeholder 2"/>
+          <p:cNvSpPr>
+            <a:spLocks noGrp="1"/>
+          </p:cNvSpPr>
+          <p:nvPr>
+            <p:ph idx="1"/>
+          </p:nvPr>
+        </p:nvSpPr>
+        <p:spPr/>
+        <p:txBody>
+          <a:bodyPr>
+            <a:normAutofit fontScale="47500" lnSpcReduction="20000"/>
+          </a:bodyPr>
+          <a:lstStyle/>
+          <a:p>
+            <a:pPr>
+              <a:buNone/>
+            </a:pPr>
+            <a:r>
+              <a:rPr lang="en-US" dirty="0" smtClean="0"/>
+              <a:t>public class </a:t>
+            </a:r>
+            <a:r>
+              <a:rPr lang="en-US" dirty="0" err="1" smtClean="0"/>
+              <a:t>GameFlow</a:t>
+            </a:r>
+            <a:r>
+              <a:rPr lang="en-US" dirty="0" smtClean="0"/>
+              <a:t> : Flow {</a:t>
+            </a:r>
+          </a:p>
+          <a:p>
+            <a:endParaRPr lang="en-US" dirty="0" smtClean="0"/>
+          </a:p>
+          <a:p>
+            <a:pPr>
+              <a:buNone/>
+            </a:pPr>
+            <a:r>
+              <a:rPr lang="en-US" dirty="0"/>
+              <a:t> </a:t>
+            </a:r>
+            <a:r>
+              <a:rPr lang="en-US" dirty="0" smtClean="0"/>
+              <a:t>   public override void </a:t>
+            </a:r>
+            <a:r>
+              <a:rPr lang="en-US" dirty="0" err="1" smtClean="0"/>
+              <a:t>InitializeFlow</a:t>
+            </a:r>
+            <a:r>
+              <a:rPr lang="en-US" dirty="0" smtClean="0"/>
+              <a:t>()</a:t>
+            </a:r>
+          </a:p>
+          <a:p>
+            <a:pPr>
+              <a:buNone/>
+            </a:pPr>
+            <a:r>
+              <a:rPr lang="en-US" dirty="0" smtClean="0"/>
+              <a:t>    {</a:t>
+            </a:r>
+          </a:p>
+          <a:p>
+            <a:pPr>
+              <a:buNone/>
+            </a:pPr>
+            <a:r>
+              <a:rPr lang="en-US" dirty="0" smtClean="0"/>
+              <a:t>        </a:t>
+            </a:r>
+            <a:r>
+              <a:rPr lang="en-US" dirty="0" err="1" smtClean="0"/>
+              <a:t>PlayerManager.Instance.Initialize</a:t>
+            </a:r>
+            <a:r>
+              <a:rPr lang="en-US" dirty="0" smtClean="0"/>
+              <a:t>();</a:t>
+            </a:r>
+          </a:p>
+          <a:p>
+            <a:pPr>
+              <a:buNone/>
+            </a:pPr>
+            <a:r>
+              <a:rPr lang="en-US" dirty="0" smtClean="0"/>
+              <a:t>        </a:t>
+            </a:r>
+            <a:r>
+              <a:rPr lang="en-US" dirty="0" err="1" smtClean="0"/>
+              <a:t>MonsterManagerMaster.Instance.InitializeInitialMonsterManagers</a:t>
+            </a:r>
+            <a:r>
+              <a:rPr lang="en-US" dirty="0" smtClean="0"/>
+              <a:t>();</a:t>
+            </a:r>
+          </a:p>
+          <a:p>
+            <a:pPr>
+              <a:buNone/>
+            </a:pPr>
+            <a:r>
+              <a:rPr lang="en-US" dirty="0" smtClean="0"/>
+              <a:t>    }</a:t>
+            </a:r>
+          </a:p>
+          <a:p>
+            <a:pPr>
+              <a:buNone/>
+            </a:pPr>
+            <a:endParaRPr lang="en-US" dirty="0" smtClean="0"/>
+          </a:p>
+          <a:p>
+            <a:pPr>
+              <a:buNone/>
+            </a:pPr>
+            <a:r>
+              <a:rPr lang="en-US" dirty="0" smtClean="0"/>
+              <a:t>    public override void </a:t>
+            </a:r>
+            <a:r>
+              <a:rPr lang="en-US" dirty="0" err="1" smtClean="0"/>
+              <a:t>UpdateFlow</a:t>
+            </a:r>
+            <a:r>
+              <a:rPr lang="en-US" dirty="0" smtClean="0"/>
+              <a:t>(float </a:t>
+            </a:r>
+            <a:r>
+              <a:rPr lang="en-US" dirty="0" err="1" smtClean="0"/>
+              <a:t>dt</a:t>
+            </a:r>
+            <a:r>
+              <a:rPr lang="en-US" dirty="0" smtClean="0"/>
+              <a:t>)</a:t>
+            </a:r>
+          </a:p>
+          <a:p>
+            <a:pPr>
+              <a:buNone/>
+            </a:pPr>
+            <a:r>
+              <a:rPr lang="en-US" dirty="0" smtClean="0"/>
+              <a:t>    {</a:t>
+            </a:r>
+          </a:p>
+          <a:p>
+            <a:pPr>
+              <a:buNone/>
+            </a:pPr>
+            <a:r>
+              <a:rPr lang="en-US" dirty="0" smtClean="0"/>
+              <a:t>        </a:t>
+            </a:r>
+            <a:r>
+              <a:rPr lang="en-US" dirty="0" err="1" smtClean="0"/>
+              <a:t>PlayerManager.Instance.Update</a:t>
+            </a:r>
+            <a:r>
+              <a:rPr lang="en-US" dirty="0" smtClean="0"/>
+              <a:t>(</a:t>
+            </a:r>
+            <a:r>
+              <a:rPr lang="en-US" dirty="0" err="1" smtClean="0"/>
+              <a:t>dt</a:t>
+            </a:r>
+            <a:r>
+              <a:rPr lang="en-US" dirty="0" smtClean="0"/>
+              <a:t>);</a:t>
+            </a:r>
+          </a:p>
+          <a:p>
+            <a:pPr>
+              <a:buNone/>
+            </a:pPr>
+            <a:r>
+              <a:rPr lang="en-US" dirty="0" smtClean="0"/>
+              <a:t>        </a:t>
+            </a:r>
+            <a:r>
+              <a:rPr lang="en-US" dirty="0" err="1" smtClean="0"/>
+              <a:t>MonsterManagerMaster.Instance.UpdateMonsterManagers</a:t>
+            </a:r>
+            <a:r>
+              <a:rPr lang="en-US" dirty="0" smtClean="0"/>
+              <a:t>(</a:t>
+            </a:r>
+            <a:r>
+              <a:rPr lang="en-US" dirty="0" err="1" smtClean="0"/>
+              <a:t>dt</a:t>
+            </a:r>
+            <a:r>
+              <a:rPr lang="en-US" dirty="0" smtClean="0"/>
+              <a:t>);</a:t>
+            </a:r>
+          </a:p>
+          <a:p>
+            <a:pPr>
+              <a:buNone/>
+            </a:pPr>
+            <a:r>
+              <a:rPr lang="en-US" dirty="0" smtClean="0"/>
+              <a:t>    }</a:t>
+            </a:r>
+          </a:p>
+          <a:p>
+            <a:pPr>
+              <a:buNone/>
+            </a:pPr>
+            <a:endParaRPr lang="en-US" dirty="0" smtClean="0"/>
+          </a:p>
+          <a:p>
+            <a:pPr>
+              <a:buNone/>
+            </a:pPr>
+            <a:r>
+              <a:rPr lang="en-US" dirty="0" smtClean="0"/>
+              <a:t>    public override void </a:t>
+            </a:r>
+            <a:r>
+              <a:rPr lang="en-US" dirty="0" err="1" smtClean="0"/>
+              <a:t>FixedUpdateFlow</a:t>
+            </a:r>
+            <a:r>
+              <a:rPr lang="en-US" dirty="0" smtClean="0"/>
+              <a:t>(float </a:t>
+            </a:r>
+            <a:r>
+              <a:rPr lang="en-US" dirty="0" err="1" smtClean="0"/>
+              <a:t>dt</a:t>
+            </a:r>
+            <a:r>
+              <a:rPr lang="en-US" dirty="0" smtClean="0"/>
+              <a:t>)</a:t>
+            </a:r>
+          </a:p>
+          <a:p>
+            <a:pPr>
+              <a:buNone/>
+            </a:pPr>
+            <a:r>
+              <a:rPr lang="en-US" dirty="0" smtClean="0"/>
+              <a:t>    {</a:t>
+            </a:r>
+          </a:p>
+          <a:p>
+            <a:pPr>
+              <a:buNone/>
+            </a:pPr>
+            <a:r>
+              <a:rPr lang="en-US" dirty="0" smtClean="0"/>
+              <a:t>        </a:t>
+            </a:r>
+            <a:r>
+              <a:rPr lang="en-US" dirty="0" err="1" smtClean="0"/>
+              <a:t>PlayerManager.Instance.FixedUpdate</a:t>
+            </a:r>
+            <a:r>
+              <a:rPr lang="en-US" dirty="0" smtClean="0"/>
+              <a:t>(</a:t>
+            </a:r>
+            <a:r>
+              <a:rPr lang="en-US" dirty="0" err="1" smtClean="0"/>
+              <a:t>dt</a:t>
+            </a:r>
+            <a:r>
+              <a:rPr lang="en-US" dirty="0" smtClean="0"/>
+              <a:t>);</a:t>
+            </a:r>
+          </a:p>
+          <a:p>
+            <a:pPr>
+              <a:buNone/>
+            </a:pPr>
+            <a:r>
+              <a:rPr lang="en-US" dirty="0" smtClean="0"/>
+              <a:t>    }</a:t>
+            </a:r>
+          </a:p>
+          <a:p>
+            <a:pPr>
+              <a:buNone/>
+            </a:pPr>
+            <a:r>
+              <a:rPr lang="en-US" dirty="0" smtClean="0"/>
+              <a:t>}</a:t>
+            </a:r>
+            <a:endParaRPr lang="en-US" dirty="0"/>
+          </a:p>
+        </p:txBody>
+      </p:sp>
+    </p:spTree>
+  </p:cSld>
+  <p:clrMapOvr>
+    <a:masterClrMapping/>
+  </p:clrMapOvr>
+</p:sld>
+</file>
+
+<file path=ppt/slides/slide20.xml><?xml version="1.0" encoding="utf-8"?>
+<p:sld xmlns:a="http://schemas.openxmlformats.org/drawingml/2006/main" xmlns:r="http://schemas.openxmlformats.org/officeDocument/2006/relationships" xmlns:p="http://schemas.openxmlformats.org/presentationml/2006/main">
+  <p:cSld>
+    <p:spTree>
+      <p:nvGrpSpPr>
+        <p:cNvPr id="1" name=""/>
+        <p:cNvGrpSpPr/>
+        <p:nvPr/>
+      </p:nvGrpSpPr>
+      <p:grpSpPr>
+        <a:xfrm>
+          <a:off x="0" y="0"/>
+          <a:ext cx="0" cy="0"/>
+          <a:chOff x="0" y="0"/>
+          <a:chExt cx="0" cy="0"/>
+        </a:xfrm>
+      </p:grpSpPr>
+      <p:sp>
+        <p:nvSpPr>
+          <p:cNvPr id="3" name="Espace réservé du contenu 2"/>
+          <p:cNvSpPr>
+            <a:spLocks noGrp="1"/>
+          </p:cNvSpPr>
+          <p:nvPr>
+            <p:ph idx="1"/>
+          </p:nvPr>
+        </p:nvSpPr>
+        <p:spPr>
+          <a:xfrm>
+            <a:off x="457200" y="762000"/>
+            <a:ext cx="8229600" cy="5364163"/>
+          </a:xfrm>
+        </p:spPr>
+        <p:txBody>
+          <a:bodyPr/>
+          <a:lstStyle/>
+          <a:p>
+            <a:r>
+              <a:rPr lang="en-CA" dirty="0" smtClean="0"/>
+              <a:t>The previous method means we need to pass an </a:t>
+            </a:r>
+            <a:r>
+              <a:rPr lang="en-CA" dirty="0" err="1" smtClean="0"/>
+              <a:t>enum</a:t>
+            </a:r>
+            <a:r>
+              <a:rPr lang="en-CA" dirty="0" smtClean="0"/>
+              <a:t> each time we want to spawn a monster</a:t>
+            </a:r>
+          </a:p>
+          <a:p>
+            <a:r>
+              <a:rPr lang="en-CA" dirty="0" smtClean="0"/>
+              <a:t>Let us grab a random </a:t>
+            </a:r>
+            <a:r>
+              <a:rPr lang="en-CA" dirty="0" err="1" smtClean="0"/>
+              <a:t>enum</a:t>
+            </a:r>
+            <a:r>
+              <a:rPr lang="en-CA" dirty="0" smtClean="0"/>
+              <a:t> instead</a:t>
+            </a:r>
+          </a:p>
+          <a:p>
+            <a:r>
+              <a:rPr lang="en-CA" dirty="0" smtClean="0"/>
+              <a:t>You can turn an </a:t>
+            </a:r>
+            <a:r>
+              <a:rPr lang="en-CA" dirty="0" err="1" smtClean="0"/>
+              <a:t>enum</a:t>
+            </a:r>
+            <a:r>
+              <a:rPr lang="en-CA" dirty="0" smtClean="0"/>
+              <a:t> into a list with</a:t>
+            </a:r>
+          </a:p>
+          <a:p>
+            <a:r>
+              <a:rPr lang="en-CA" sz="2400" dirty="0" smtClean="0"/>
+              <a:t>List&lt;</a:t>
+            </a:r>
+            <a:r>
+              <a:rPr lang="en-CA" sz="2400" dirty="0" err="1" smtClean="0"/>
+              <a:t>GV.Monster</a:t>
+            </a:r>
+            <a:r>
+              <a:rPr lang="en-CA" sz="2400" dirty="0" smtClean="0"/>
+              <a:t>&gt; </a:t>
+            </a:r>
+            <a:r>
+              <a:rPr lang="en-CA" sz="2400" dirty="0" err="1" smtClean="0"/>
+              <a:t>fullEnumList</a:t>
+            </a:r>
+            <a:r>
+              <a:rPr lang="en-CA" sz="2400" dirty="0" smtClean="0"/>
+              <a:t> =</a:t>
+            </a:r>
+            <a:endParaRPr lang="en-CA" dirty="0" smtClean="0"/>
+          </a:p>
+          <a:p>
+            <a:pPr marL="0" indent="0">
+              <a:buNone/>
+            </a:pPr>
+            <a:r>
+              <a:rPr lang="en-CA" sz="2400" dirty="0" err="1" smtClean="0"/>
+              <a:t>System.Enum.GetValues</a:t>
+            </a:r>
+            <a:r>
+              <a:rPr lang="en-CA" sz="2400" dirty="0" smtClean="0"/>
+              <a:t>(</a:t>
+            </a:r>
+            <a:r>
+              <a:rPr lang="en-CA" sz="2400" dirty="0" err="1" smtClean="0"/>
+              <a:t>typeof</a:t>
+            </a:r>
+            <a:r>
+              <a:rPr lang="en-CA" sz="2400" dirty="0" smtClean="0"/>
+              <a:t>(</a:t>
+            </a:r>
+            <a:r>
+              <a:rPr lang="en-CA" sz="2400" dirty="0" err="1" smtClean="0"/>
+              <a:t>GV.Monster</a:t>
+            </a:r>
+            <a:r>
+              <a:rPr lang="en-CA" sz="2400" dirty="0" smtClean="0"/>
+              <a:t>)).cast&lt; </a:t>
+            </a:r>
+            <a:r>
+              <a:rPr lang="en-CA" sz="2400" dirty="0" err="1"/>
+              <a:t>GV.Monster</a:t>
+            </a:r>
+            <a:r>
+              <a:rPr lang="en-CA" sz="2400" dirty="0" smtClean="0"/>
+              <a:t>&gt;().</a:t>
+            </a:r>
+            <a:r>
+              <a:rPr lang="en-CA" sz="2400" dirty="0" err="1" smtClean="0"/>
+              <a:t>ToList</a:t>
+            </a:r>
+            <a:r>
+              <a:rPr lang="en-CA" sz="2400" dirty="0" smtClean="0"/>
+              <a:t>();</a:t>
+            </a:r>
+            <a:endParaRPr lang="en-CA" sz="2400" dirty="0"/>
+          </a:p>
+          <a:p>
+            <a:r>
+              <a:rPr lang="en-CA" dirty="0" smtClean="0"/>
+              <a:t>Then we can get the length and get a random</a:t>
+            </a:r>
+          </a:p>
+          <a:p>
+            <a:r>
+              <a:rPr lang="en-CA" sz="2400" dirty="0" err="1" smtClean="0"/>
+              <a:t>GV.Monster</a:t>
+            </a:r>
+            <a:r>
+              <a:rPr lang="en-CA" sz="2400" dirty="0" smtClean="0"/>
+              <a:t> m = </a:t>
+            </a:r>
+            <a:r>
+              <a:rPr lang="en-CA" sz="2400" dirty="0" err="1" smtClean="0"/>
+              <a:t>fullEnumList</a:t>
+            </a:r>
+            <a:r>
+              <a:rPr lang="en-CA" sz="2400" dirty="0" smtClean="0"/>
+              <a:t>[</a:t>
+            </a:r>
+            <a:r>
+              <a:rPr lang="en-CA" sz="2400" dirty="0" err="1" smtClean="0"/>
+              <a:t>Random.Range</a:t>
+            </a:r>
+            <a:r>
+              <a:rPr lang="en-CA" sz="2400" dirty="0" smtClean="0"/>
+              <a:t>(0,fulEnumList.Count);</a:t>
+            </a:r>
+            <a:endParaRPr lang="en-CA" sz="2400" dirty="0"/>
+          </a:p>
+        </p:txBody>
+      </p:sp>
+      <p:sp>
+        <p:nvSpPr>
+          <p:cNvPr id="4" name="Titre 1"/>
+          <p:cNvSpPr>
+            <a:spLocks noGrp="1"/>
+          </p:cNvSpPr>
+          <p:nvPr>
+            <p:ph type="title"/>
+          </p:nvPr>
+        </p:nvSpPr>
+        <p:spPr>
+          <a:xfrm>
+            <a:off x="7696200" y="152400"/>
+            <a:ext cx="1295400" cy="487362"/>
+          </a:xfrm>
+        </p:spPr>
+        <p:txBody>
+          <a:bodyPr>
+            <a:normAutofit/>
+          </a:bodyPr>
+          <a:lstStyle/>
+          <a:p>
+            <a:r>
+              <a:rPr lang="en-CA" sz="1200" dirty="0" smtClean="0"/>
+              <a:t>Spawning random monsters</a:t>
+            </a:r>
+            <a:endParaRPr lang="en-CA" sz="1200" dirty="0"/>
+          </a:p>
+        </p:txBody>
+      </p:sp>
+    </p:spTree>
+    <p:extLst>
+      <p:ext uri="{BB962C8B-B14F-4D97-AF65-F5344CB8AC3E}">
+        <p14:creationId xmlns:p14="http://schemas.microsoft.com/office/powerpoint/2010/main" val="1176327043"/>
+      </p:ext>
+    </p:extLst>
+  </p:cSld>
+  <p:clrMapOvr>
+    <a:masterClrMapping/>
+  </p:clrMapOvr>
+</p:sld>
+</file>
+
+<file path=ppt/slides/slide21.xml><?xml version="1.0" encoding="utf-8"?>
+<p:sld xmlns:a="http://schemas.openxmlformats.org/drawingml/2006/main" xmlns:r="http://schemas.openxmlformats.org/officeDocument/2006/relationships" xmlns:p="http://schemas.openxmlformats.org/presentationml/2006/main">
+  <p:cSld>
+    <p:spTree>
+      <p:nvGrpSpPr>
+        <p:cNvPr id="1" name=""/>
+        <p:cNvGrpSpPr/>
+        <p:nvPr/>
+      </p:nvGrpSpPr>
+      <p:grpSpPr>
+        <a:xfrm>
+          <a:off x="0" y="0"/>
+          <a:ext cx="0" cy="0"/>
+          <a:chOff x="0" y="0"/>
+          <a:chExt cx="0" cy="0"/>
+        </a:xfrm>
+      </p:grpSpPr>
+      <p:sp>
+        <p:nvSpPr>
           <p:cNvPr id="3" name="Espace réservé du contenu 2"/>
           <p:cNvSpPr>
             <a:spLocks noGrp="1"/>
@@ -6088,7 +6832,7 @@
 </p:sld>
 </file>
 
-<file path=ppt/slides/slide19.xml><?xml version="1.0" encoding="utf-8"?>
+<file path=ppt/slides/slide22.xml><?xml version="1.0" encoding="utf-8"?>
 <p:sld xmlns:a="http://schemas.openxmlformats.org/drawingml/2006/main" xmlns:r="http://schemas.openxmlformats.org/officeDocument/2006/relationships" xmlns:p="http://schemas.openxmlformats.org/presentationml/2006/main">
   <p:cSld>
     <p:spTree>
@@ -6261,349 +7005,7 @@
 </p:sld>
 </file>
 
-<file path=ppt/slides/slide2.xml><?xml version="1.0" encoding="utf-8"?>
-<p:sld xmlns:a="http://schemas.openxmlformats.org/drawingml/2006/main" xmlns:r="http://schemas.openxmlformats.org/officeDocument/2006/relationships" xmlns:p="http://schemas.openxmlformats.org/presentationml/2006/main">
-  <p:cSld>
-    <p:spTree>
-      <p:nvGrpSpPr>
-        <p:cNvPr id="1" name=""/>
-        <p:cNvGrpSpPr/>
-        <p:nvPr/>
-      </p:nvGrpSpPr>
-      <p:grpSpPr>
-        <a:xfrm>
-          <a:off x="0" y="0"/>
-          <a:ext cx="0" cy="0"/>
-          <a:chOff x="0" y="0"/>
-          <a:chExt cx="0" cy="0"/>
-        </a:xfrm>
-      </p:grpSpPr>
-      <p:sp>
-        <p:nvSpPr>
-          <p:cNvPr id="2" name="Title 1"/>
-          <p:cNvSpPr>
-            <a:spLocks noGrp="1"/>
-          </p:cNvSpPr>
-          <p:nvPr>
-            <p:ph type="title"/>
-          </p:nvPr>
-        </p:nvSpPr>
-        <p:spPr/>
-        <p:txBody>
-          <a:bodyPr/>
-          <a:lstStyle/>
-          <a:p>
-            <a:r>
-              <a:rPr lang="en-US" dirty="0" smtClean="0"/>
-              <a:t>Flow Example</a:t>
-            </a:r>
-            <a:endParaRPr lang="en-US" dirty="0"/>
-          </a:p>
-        </p:txBody>
-      </p:sp>
-      <p:sp>
-        <p:nvSpPr>
-          <p:cNvPr id="3" name="Content Placeholder 2"/>
-          <p:cNvSpPr>
-            <a:spLocks noGrp="1"/>
-          </p:cNvSpPr>
-          <p:nvPr>
-            <p:ph idx="1"/>
-          </p:nvPr>
-        </p:nvSpPr>
-        <p:spPr/>
-        <p:txBody>
-          <a:bodyPr>
-            <a:normAutofit fontScale="47500" lnSpcReduction="20000"/>
-          </a:bodyPr>
-          <a:lstStyle/>
-          <a:p>
-            <a:pPr>
-              <a:buNone/>
-            </a:pPr>
-            <a:r>
-              <a:rPr lang="en-US" dirty="0" smtClean="0"/>
-              <a:t>public class </a:t>
-            </a:r>
-            <a:r>
-              <a:rPr lang="en-US" dirty="0" err="1" smtClean="0"/>
-              <a:t>GameFlow</a:t>
-            </a:r>
-            <a:r>
-              <a:rPr lang="en-US" dirty="0" smtClean="0"/>
-              <a:t> : Flow {</a:t>
-            </a:r>
-          </a:p>
-          <a:p>
-            <a:endParaRPr lang="en-US" dirty="0" smtClean="0"/>
-          </a:p>
-          <a:p>
-            <a:pPr>
-              <a:buNone/>
-            </a:pPr>
-            <a:r>
-              <a:rPr lang="en-US" dirty="0"/>
-              <a:t> </a:t>
-            </a:r>
-            <a:r>
-              <a:rPr lang="en-US" dirty="0" smtClean="0"/>
-              <a:t>   public override void </a:t>
-            </a:r>
-            <a:r>
-              <a:rPr lang="en-US" dirty="0" err="1" smtClean="0"/>
-              <a:t>InitializeFlow</a:t>
-            </a:r>
-            <a:r>
-              <a:rPr lang="en-US" dirty="0" smtClean="0"/>
-              <a:t>()</a:t>
-            </a:r>
-          </a:p>
-          <a:p>
-            <a:pPr>
-              <a:buNone/>
-            </a:pPr>
-            <a:r>
-              <a:rPr lang="en-US" dirty="0" smtClean="0"/>
-              <a:t>    {</a:t>
-            </a:r>
-          </a:p>
-          <a:p>
-            <a:pPr>
-              <a:buNone/>
-            </a:pPr>
-            <a:r>
-              <a:rPr lang="en-US" dirty="0" smtClean="0"/>
-              <a:t>        </a:t>
-            </a:r>
-            <a:r>
-              <a:rPr lang="en-US" dirty="0" err="1" smtClean="0"/>
-              <a:t>PlayerManager.Instance.Initialize</a:t>
-            </a:r>
-            <a:r>
-              <a:rPr lang="en-US" dirty="0" smtClean="0"/>
-              <a:t>();</a:t>
-            </a:r>
-          </a:p>
-          <a:p>
-            <a:pPr>
-              <a:buNone/>
-            </a:pPr>
-            <a:r>
-              <a:rPr lang="en-US" dirty="0" smtClean="0"/>
-              <a:t>        </a:t>
-            </a:r>
-            <a:r>
-              <a:rPr lang="en-US" dirty="0" err="1" smtClean="0"/>
-              <a:t>MonsterManagerMaster.Instance.InitializeInitialMonsterManagers</a:t>
-            </a:r>
-            <a:r>
-              <a:rPr lang="en-US" dirty="0" smtClean="0"/>
-              <a:t>();</a:t>
-            </a:r>
-          </a:p>
-          <a:p>
-            <a:pPr>
-              <a:buNone/>
-            </a:pPr>
-            <a:r>
-              <a:rPr lang="en-US" dirty="0" smtClean="0"/>
-              <a:t>    }</a:t>
-            </a:r>
-          </a:p>
-          <a:p>
-            <a:pPr>
-              <a:buNone/>
-            </a:pPr>
-            <a:endParaRPr lang="en-US" dirty="0" smtClean="0"/>
-          </a:p>
-          <a:p>
-            <a:pPr>
-              <a:buNone/>
-            </a:pPr>
-            <a:r>
-              <a:rPr lang="en-US" dirty="0" smtClean="0"/>
-              <a:t>    public override void </a:t>
-            </a:r>
-            <a:r>
-              <a:rPr lang="en-US" dirty="0" err="1" smtClean="0"/>
-              <a:t>UpdateFlow</a:t>
-            </a:r>
-            <a:r>
-              <a:rPr lang="en-US" dirty="0" smtClean="0"/>
-              <a:t>(float </a:t>
-            </a:r>
-            <a:r>
-              <a:rPr lang="en-US" dirty="0" err="1" smtClean="0"/>
-              <a:t>dt</a:t>
-            </a:r>
-            <a:r>
-              <a:rPr lang="en-US" dirty="0" smtClean="0"/>
-              <a:t>)</a:t>
-            </a:r>
-          </a:p>
-          <a:p>
-            <a:pPr>
-              <a:buNone/>
-            </a:pPr>
-            <a:r>
-              <a:rPr lang="en-US" dirty="0" smtClean="0"/>
-              <a:t>    {</a:t>
-            </a:r>
-          </a:p>
-          <a:p>
-            <a:pPr>
-              <a:buNone/>
-            </a:pPr>
-            <a:r>
-              <a:rPr lang="en-US" dirty="0" smtClean="0"/>
-              <a:t>        </a:t>
-            </a:r>
-            <a:r>
-              <a:rPr lang="en-US" dirty="0" err="1" smtClean="0"/>
-              <a:t>PlayerManager.Instance.Update</a:t>
-            </a:r>
-            <a:r>
-              <a:rPr lang="en-US" dirty="0" smtClean="0"/>
-              <a:t>(</a:t>
-            </a:r>
-            <a:r>
-              <a:rPr lang="en-US" dirty="0" err="1" smtClean="0"/>
-              <a:t>dt</a:t>
-            </a:r>
-            <a:r>
-              <a:rPr lang="en-US" dirty="0" smtClean="0"/>
-              <a:t>);</a:t>
-            </a:r>
-          </a:p>
-          <a:p>
-            <a:pPr>
-              <a:buNone/>
-            </a:pPr>
-            <a:r>
-              <a:rPr lang="en-US" dirty="0" smtClean="0"/>
-              <a:t>        </a:t>
-            </a:r>
-            <a:r>
-              <a:rPr lang="en-US" dirty="0" err="1" smtClean="0"/>
-              <a:t>MonsterManagerMaster.Instance.UpdateMonsterManagers</a:t>
-            </a:r>
-            <a:r>
-              <a:rPr lang="en-US" dirty="0" smtClean="0"/>
-              <a:t>(</a:t>
-            </a:r>
-            <a:r>
-              <a:rPr lang="en-US" dirty="0" err="1" smtClean="0"/>
-              <a:t>dt</a:t>
-            </a:r>
-            <a:r>
-              <a:rPr lang="en-US" dirty="0" smtClean="0"/>
-              <a:t>);</a:t>
-            </a:r>
-          </a:p>
-          <a:p>
-            <a:pPr>
-              <a:buNone/>
-            </a:pPr>
-            <a:r>
-              <a:rPr lang="en-US" dirty="0" smtClean="0"/>
-              <a:t>    }</a:t>
-            </a:r>
-          </a:p>
-          <a:p>
-            <a:pPr>
-              <a:buNone/>
-            </a:pPr>
-            <a:endParaRPr lang="en-US" dirty="0" smtClean="0"/>
-          </a:p>
-          <a:p>
-            <a:pPr>
-              <a:buNone/>
-            </a:pPr>
-            <a:r>
-              <a:rPr lang="en-US" dirty="0" smtClean="0"/>
-              <a:t>    public override void </a:t>
-            </a:r>
-            <a:r>
-              <a:rPr lang="en-US" dirty="0" err="1" smtClean="0"/>
-              <a:t>FixedUpdateFlow</a:t>
-            </a:r>
-            <a:r>
-              <a:rPr lang="en-US" dirty="0" smtClean="0"/>
-              <a:t>(float </a:t>
-            </a:r>
-            <a:r>
-              <a:rPr lang="en-US" dirty="0" err="1" smtClean="0"/>
-              <a:t>dt</a:t>
-            </a:r>
-            <a:r>
-              <a:rPr lang="en-US" dirty="0" smtClean="0"/>
-              <a:t>)</a:t>
-            </a:r>
-          </a:p>
-          <a:p>
-            <a:pPr>
-              <a:buNone/>
-            </a:pPr>
-            <a:r>
-              <a:rPr lang="en-US" dirty="0" smtClean="0"/>
-              <a:t>    {</a:t>
-            </a:r>
-          </a:p>
-          <a:p>
-            <a:pPr>
-              <a:buNone/>
-            </a:pPr>
-            <a:r>
-              <a:rPr lang="en-US" dirty="0" smtClean="0"/>
-              <a:t>        </a:t>
-            </a:r>
-            <a:r>
-              <a:rPr lang="en-US" dirty="0" err="1" smtClean="0"/>
-              <a:t>PlayerManager.Instance.FixedUpdate</a:t>
-            </a:r>
-            <a:r>
-              <a:rPr lang="en-US" dirty="0" smtClean="0"/>
-              <a:t>(</a:t>
-            </a:r>
-            <a:r>
-              <a:rPr lang="en-US" dirty="0" err="1" smtClean="0"/>
-              <a:t>dt</a:t>
-            </a:r>
-            <a:r>
-              <a:rPr lang="en-US" dirty="0" smtClean="0"/>
-              <a:t>);</a:t>
-            </a:r>
-          </a:p>
-          <a:p>
-            <a:pPr>
-              <a:buNone/>
-            </a:pPr>
-            <a:r>
-              <a:rPr lang="en-US" dirty="0" smtClean="0"/>
-              <a:t>    }</a:t>
-            </a:r>
-          </a:p>
-          <a:p>
-            <a:pPr>
-              <a:buNone/>
-            </a:pPr>
-            <a:r>
-              <a:rPr lang="en-US" dirty="0" smtClean="0"/>
-              <a:t>}</a:t>
-            </a:r>
-            <a:endParaRPr lang="en-US" dirty="0"/>
-          </a:p>
-        </p:txBody>
-      </p:sp>
-    </p:spTree>
-  </p:cSld>
-  <p:clrMapOvr>
-    <a:masterClrMapping/>
-  </p:clrMapOvr>
-</p:sld>
-</file>
-
-<file path=ppt/slides/slide20.xml><?xml version="1.0" encoding="utf-8"?>
+<file path=ppt/slides/slide23.xml><?xml version="1.0" encoding="utf-8"?>
 <p:sld xmlns:a="http://schemas.openxmlformats.org/drawingml/2006/main" xmlns:r="http://schemas.openxmlformats.org/officeDocument/2006/relationships" xmlns:p="http://schemas.openxmlformats.org/presentationml/2006/main">
   <p:cSld>
     <p:spTree>
@@ -6771,835 +7173,6 @@
 </p:sld>
 </file>
 
-<file path=ppt/slides/slide21.xml><?xml version="1.0" encoding="utf-8"?>
-<p:sld xmlns:a="http://schemas.openxmlformats.org/drawingml/2006/main" xmlns:r="http://schemas.openxmlformats.org/officeDocument/2006/relationships" xmlns:p="http://schemas.openxmlformats.org/presentationml/2006/main">
-  <p:cSld>
-    <p:spTree>
-      <p:nvGrpSpPr>
-        <p:cNvPr id="1" name=""/>
-        <p:cNvGrpSpPr/>
-        <p:nvPr/>
-      </p:nvGrpSpPr>
-      <p:grpSpPr>
-        <a:xfrm>
-          <a:off x="0" y="0"/>
-          <a:ext cx="0" cy="0"/>
-          <a:chOff x="0" y="0"/>
-          <a:chExt cx="0" cy="0"/>
-        </a:xfrm>
-      </p:grpSpPr>
-      <p:sp>
-        <p:nvSpPr>
-          <p:cNvPr id="2" name="Titre 1"/>
-          <p:cNvSpPr>
-            <a:spLocks noGrp="1"/>
-          </p:cNvSpPr>
-          <p:nvPr>
-            <p:ph type="title"/>
-          </p:nvPr>
-        </p:nvSpPr>
-        <p:spPr/>
-        <p:txBody>
-          <a:bodyPr/>
-          <a:lstStyle/>
-          <a:p>
-            <a:r>
-              <a:rPr lang="en-CA" dirty="0" smtClean="0"/>
-              <a:t>Add a new Monster</a:t>
-            </a:r>
-            <a:endParaRPr lang="en-CA" dirty="0"/>
-          </a:p>
-        </p:txBody>
-      </p:sp>
-      <p:sp>
-        <p:nvSpPr>
-          <p:cNvPr id="3" name="Espace réservé du contenu 2"/>
-          <p:cNvSpPr>
-            <a:spLocks noGrp="1"/>
-          </p:cNvSpPr>
-          <p:nvPr>
-            <p:ph idx="1"/>
-          </p:nvPr>
-        </p:nvSpPr>
-        <p:spPr>
-          <a:xfrm>
-            <a:off x="457200" y="1219200"/>
-            <a:ext cx="8229600" cy="4906963"/>
-          </a:xfrm>
-        </p:spPr>
-        <p:txBody>
-          <a:bodyPr/>
-          <a:lstStyle/>
-          <a:p>
-            <a:r>
-              <a:rPr lang="en-CA" sz="2400" dirty="0" smtClean="0"/>
-              <a:t>To add a new monster, we just need to add the monster type to the </a:t>
-            </a:r>
-            <a:r>
-              <a:rPr lang="en-CA" sz="2400" dirty="0" err="1" smtClean="0"/>
-              <a:t>enum</a:t>
-            </a:r>
-            <a:r>
-              <a:rPr lang="en-CA" sz="2400" dirty="0" smtClean="0"/>
-              <a:t> in </a:t>
-            </a:r>
-            <a:r>
-              <a:rPr lang="en-CA" sz="2400" dirty="0" err="1" smtClean="0"/>
-              <a:t>GV.MonsterType</a:t>
-            </a:r>
-            <a:endParaRPr lang="en-CA" sz="2400" dirty="0" smtClean="0"/>
-          </a:p>
-          <a:p>
-            <a:r>
-              <a:rPr lang="en-CA" sz="2400" dirty="0" smtClean="0"/>
-              <a:t>Then we need to add the </a:t>
-            </a:r>
-            <a:r>
-              <a:rPr lang="en-CA" sz="2400" dirty="0" err="1" smtClean="0"/>
-              <a:t>spawner</a:t>
-            </a:r>
-            <a:r>
-              <a:rPr lang="en-CA" sz="2400" dirty="0" smtClean="0"/>
-              <a:t> to Resources/Prefabs/</a:t>
-            </a:r>
-            <a:r>
-              <a:rPr lang="en-CA" sz="2400" dirty="0" err="1" smtClean="0"/>
-              <a:t>MonsterSpawners</a:t>
-            </a:r>
-            <a:endParaRPr lang="en-CA" sz="2400" dirty="0" smtClean="0"/>
-          </a:p>
-          <a:p>
-            <a:pPr lvl="1"/>
-            <a:r>
-              <a:rPr lang="en-CA" sz="2000" dirty="0" smtClean="0"/>
-              <a:t>Name the object the same as the </a:t>
-            </a:r>
-            <a:r>
-              <a:rPr lang="en-CA" sz="2000" dirty="0" err="1" smtClean="0"/>
-              <a:t>enum</a:t>
-            </a:r>
-            <a:r>
-              <a:rPr lang="en-CA" sz="2000" dirty="0" smtClean="0"/>
-              <a:t> + “</a:t>
-            </a:r>
-            <a:r>
-              <a:rPr lang="en-CA" sz="2000" dirty="0" err="1" smtClean="0"/>
-              <a:t>Spawner</a:t>
-            </a:r>
-            <a:r>
-              <a:rPr lang="en-CA" sz="2000" dirty="0" smtClean="0"/>
-              <a:t>”</a:t>
-            </a:r>
-          </a:p>
-          <a:p>
-            <a:pPr lvl="1"/>
-            <a:r>
-              <a:rPr lang="en-CA" sz="2000" dirty="0" smtClean="0"/>
-              <a:t>Give the object a script called </a:t>
-            </a:r>
-            <a:r>
-              <a:rPr lang="en-CA" sz="2000" dirty="0" err="1" smtClean="0"/>
-              <a:t>MonsterSpawner.cs</a:t>
-            </a:r>
-            <a:r>
-              <a:rPr lang="en-CA" sz="2000" dirty="0" smtClean="0"/>
-              <a:t> or a child of that object</a:t>
-            </a:r>
-          </a:p>
-          <a:p>
-            <a:pPr lvl="1"/>
-            <a:r>
-              <a:rPr lang="en-CA" sz="2000" dirty="0" smtClean="0"/>
-              <a:t>See </a:t>
-            </a:r>
-            <a:r>
-              <a:rPr lang="en-CA" sz="2000" dirty="0" err="1" smtClean="0"/>
-              <a:t>SlimeSpawner</a:t>
-            </a:r>
-            <a:r>
-              <a:rPr lang="en-CA" sz="2000" dirty="0" smtClean="0"/>
-              <a:t> as example</a:t>
-            </a:r>
-          </a:p>
-          <a:p>
-            <a:r>
-              <a:rPr lang="en-CA" sz="2400" dirty="0" smtClean="0"/>
-              <a:t>Then we need to add the Monster to Resources/Prefabs/Monsters</a:t>
-            </a:r>
-          </a:p>
-          <a:p>
-            <a:pPr lvl="1"/>
-            <a:r>
-              <a:rPr lang="en-CA" sz="2000" dirty="0" smtClean="0"/>
-              <a:t>Name the object the same as the </a:t>
-            </a:r>
-            <a:r>
-              <a:rPr lang="en-CA" sz="2000" dirty="0" err="1" smtClean="0"/>
-              <a:t>enum</a:t>
-            </a:r>
-            <a:endParaRPr lang="en-CA" sz="2000" dirty="0" smtClean="0"/>
-          </a:p>
-          <a:p>
-            <a:pPr lvl="1"/>
-            <a:endParaRPr lang="en-CA" sz="2000" dirty="0" smtClean="0"/>
-          </a:p>
-          <a:p>
-            <a:pPr marL="457200" lvl="1" indent="0">
-              <a:buNone/>
-            </a:pPr>
-            <a:endParaRPr lang="en-CA" dirty="0"/>
-          </a:p>
-        </p:txBody>
-      </p:sp>
-    </p:spTree>
-    <p:extLst>
-      <p:ext uri="{BB962C8B-B14F-4D97-AF65-F5344CB8AC3E}">
-        <p14:creationId xmlns:p14="http://schemas.microsoft.com/office/powerpoint/2010/main" val="3537970018"/>
-      </p:ext>
-    </p:extLst>
-  </p:cSld>
-  <p:clrMapOvr>
-    <a:masterClrMapping/>
-  </p:clrMapOvr>
-</p:sld>
-</file>
-
-<file path=ppt/slides/slide22.xml><?xml version="1.0" encoding="utf-8"?>
-<p:sld xmlns:a="http://schemas.openxmlformats.org/drawingml/2006/main" xmlns:r="http://schemas.openxmlformats.org/officeDocument/2006/relationships" xmlns:p="http://schemas.openxmlformats.org/presentationml/2006/main">
-  <p:cSld>
-    <p:spTree>
-      <p:nvGrpSpPr>
-        <p:cNvPr id="1" name=""/>
-        <p:cNvGrpSpPr/>
-        <p:nvPr/>
-      </p:nvGrpSpPr>
-      <p:grpSpPr>
-        <a:xfrm>
-          <a:off x="0" y="0"/>
-          <a:ext cx="0" cy="0"/>
-          <a:chOff x="0" y="0"/>
-          <a:chExt cx="0" cy="0"/>
-        </a:xfrm>
-      </p:grpSpPr>
-      <p:sp>
-        <p:nvSpPr>
-          <p:cNvPr id="2" name="Titre 1"/>
-          <p:cNvSpPr>
-            <a:spLocks noGrp="1"/>
-          </p:cNvSpPr>
-          <p:nvPr>
-            <p:ph type="title"/>
-          </p:nvPr>
-        </p:nvSpPr>
-        <p:spPr>
-          <a:xfrm>
-            <a:off x="7772400" y="381000"/>
-            <a:ext cx="914400" cy="411162"/>
-          </a:xfrm>
-        </p:spPr>
-        <p:txBody>
-          <a:bodyPr>
-            <a:normAutofit fontScale="90000"/>
-          </a:bodyPr>
-          <a:lstStyle/>
-          <a:p>
-            <a:r>
-              <a:rPr lang="en-CA" sz="1200" dirty="0" smtClean="0"/>
-              <a:t>Add a new Monster</a:t>
-            </a:r>
-            <a:endParaRPr lang="en-CA" sz="1200" dirty="0"/>
-          </a:p>
-        </p:txBody>
-      </p:sp>
-      <p:sp>
-        <p:nvSpPr>
-          <p:cNvPr id="3" name="Espace réservé du contenu 2"/>
-          <p:cNvSpPr>
-            <a:spLocks noGrp="1"/>
-          </p:cNvSpPr>
-          <p:nvPr>
-            <p:ph idx="1"/>
-          </p:nvPr>
-        </p:nvSpPr>
-        <p:spPr>
-          <a:xfrm>
-            <a:off x="457200" y="914400"/>
-            <a:ext cx="8229600" cy="5638800"/>
-          </a:xfrm>
-        </p:spPr>
-        <p:txBody>
-          <a:bodyPr/>
-          <a:lstStyle/>
-          <a:p>
-            <a:r>
-              <a:rPr lang="en-CA" sz="2000" dirty="0" smtClean="0"/>
-              <a:t>Wait so every new monster I need to add a prefab for both the </a:t>
-            </a:r>
-            <a:r>
-              <a:rPr lang="en-CA" sz="2000" dirty="0" err="1" smtClean="0"/>
-              <a:t>Spawner</a:t>
-            </a:r>
-            <a:r>
-              <a:rPr lang="en-CA" sz="2000" dirty="0" smtClean="0"/>
-              <a:t> and the Monster? </a:t>
-            </a:r>
-            <a:r>
-              <a:rPr lang="en-CA" sz="2000" dirty="0" smtClean="0"/>
-              <a:t>That’s so much work! What if I want to make 20 monsters! </a:t>
-            </a:r>
-          </a:p>
-          <a:p>
-            <a:r>
-              <a:rPr lang="en-CA" sz="2000" dirty="0" smtClean="0"/>
-              <a:t>What is different between the monsters anyways? </a:t>
-            </a:r>
-          </a:p>
-          <a:p>
-            <a:pPr lvl="1"/>
-            <a:r>
-              <a:rPr lang="en-CA" sz="2000" dirty="0" smtClean="0"/>
-              <a:t>They have different logic? (The different scripts)</a:t>
-            </a:r>
-          </a:p>
-          <a:p>
-            <a:pPr lvl="1"/>
-            <a:r>
-              <a:rPr lang="en-CA" sz="2000" dirty="0" smtClean="0"/>
-              <a:t>Different sprites</a:t>
-            </a:r>
-          </a:p>
-          <a:p>
-            <a:pPr lvl="1"/>
-            <a:r>
-              <a:rPr lang="en-CA" sz="2000" dirty="0" smtClean="0"/>
-              <a:t>Different Animators</a:t>
-            </a:r>
-          </a:p>
-          <a:p>
-            <a:r>
-              <a:rPr lang="en-CA" sz="2000" dirty="0" smtClean="0"/>
-              <a:t>These are just components! Why not create them in script!</a:t>
-            </a:r>
-          </a:p>
-          <a:p>
-            <a:pPr lvl="1"/>
-            <a:r>
-              <a:rPr lang="en-CA" sz="1600" dirty="0" err="1" smtClean="0"/>
-              <a:t>MonsterSpawner</a:t>
-            </a:r>
-            <a:r>
-              <a:rPr lang="en-CA" sz="1600" dirty="0" smtClean="0"/>
-              <a:t> can create a </a:t>
-            </a:r>
-            <a:r>
-              <a:rPr lang="en-CA" sz="1600" dirty="0" err="1" smtClean="0"/>
-              <a:t>gameObject</a:t>
-            </a:r>
-            <a:r>
-              <a:rPr lang="en-CA" sz="1600" dirty="0" smtClean="0"/>
-              <a:t>,</a:t>
-            </a:r>
-          </a:p>
-          <a:p>
-            <a:pPr lvl="2"/>
-            <a:r>
-              <a:rPr lang="en-CA" sz="1200" dirty="0" err="1" smtClean="0"/>
-              <a:t>GameObject</a:t>
-            </a:r>
-            <a:r>
-              <a:rPr lang="en-CA" sz="1200" dirty="0" smtClean="0"/>
-              <a:t> </a:t>
-            </a:r>
-            <a:r>
-              <a:rPr lang="en-CA" sz="1200" dirty="0" err="1" smtClean="0"/>
-              <a:t>newMonster</a:t>
-            </a:r>
-            <a:r>
-              <a:rPr lang="en-CA" sz="1200" dirty="0" smtClean="0"/>
-              <a:t> = new </a:t>
-            </a:r>
-            <a:r>
-              <a:rPr lang="en-CA" sz="1200" dirty="0" err="1" smtClean="0"/>
-              <a:t>GameObject</a:t>
-            </a:r>
-            <a:r>
-              <a:rPr lang="en-CA" sz="1200" dirty="0" smtClean="0"/>
-              <a:t>();</a:t>
-            </a:r>
-          </a:p>
-          <a:p>
-            <a:pPr lvl="1"/>
-            <a:r>
-              <a:rPr lang="en-CA" sz="1600" dirty="0" smtClean="0"/>
-              <a:t>We can set all the alike parts</a:t>
-            </a:r>
-          </a:p>
-          <a:p>
-            <a:pPr lvl="2"/>
-            <a:r>
-              <a:rPr lang="en-CA" sz="1200" dirty="0" err="1" smtClean="0"/>
-              <a:t>newMonster.tag</a:t>
-            </a:r>
-            <a:r>
-              <a:rPr lang="en-CA" sz="1200" dirty="0" smtClean="0"/>
-              <a:t> = “Monster”;</a:t>
-            </a:r>
-          </a:p>
-          <a:p>
-            <a:pPr lvl="2"/>
-            <a:r>
-              <a:rPr lang="en-CA" sz="1200" dirty="0" err="1" smtClean="0"/>
-              <a:t>newMonster.layer</a:t>
-            </a:r>
-            <a:r>
-              <a:rPr lang="en-CA" sz="1200" dirty="0" smtClean="0"/>
-              <a:t> = “Monster”;</a:t>
-            </a:r>
-          </a:p>
-          <a:p>
-            <a:pPr lvl="2"/>
-            <a:r>
-              <a:rPr lang="en-CA" sz="1200" dirty="0" err="1" smtClean="0"/>
-              <a:t>SpriteRenderer</a:t>
-            </a:r>
-            <a:r>
-              <a:rPr lang="en-CA" sz="1200" dirty="0" smtClean="0"/>
-              <a:t> </a:t>
-            </a:r>
-            <a:r>
-              <a:rPr lang="en-CA" sz="1200" dirty="0" err="1" smtClean="0"/>
-              <a:t>sr</a:t>
-            </a:r>
-            <a:r>
-              <a:rPr lang="en-CA" sz="1200" dirty="0" smtClean="0"/>
-              <a:t> = </a:t>
-            </a:r>
-            <a:r>
-              <a:rPr lang="en-CA" sz="1200" dirty="0" err="1" smtClean="0"/>
-              <a:t>newMonster.AddComponent</a:t>
-            </a:r>
-            <a:r>
-              <a:rPr lang="en-CA" sz="1200" dirty="0" smtClean="0"/>
-              <a:t>&lt;</a:t>
-            </a:r>
-            <a:r>
-              <a:rPr lang="en-CA" sz="1200" dirty="0" err="1" smtClean="0"/>
-              <a:t>SpriteRenderer</a:t>
-            </a:r>
-            <a:r>
-              <a:rPr lang="en-CA" sz="1200" dirty="0" smtClean="0"/>
-              <a:t>&gt;();</a:t>
-            </a:r>
-          </a:p>
-          <a:p>
-            <a:pPr lvl="2"/>
-            <a:r>
-              <a:rPr lang="en-CA" sz="1200" dirty="0" smtClean="0"/>
-              <a:t>Animator </a:t>
-            </a:r>
-            <a:r>
-              <a:rPr lang="en-CA" sz="1200" dirty="0" err="1" smtClean="0"/>
-              <a:t>anim</a:t>
-            </a:r>
-            <a:r>
-              <a:rPr lang="en-CA" sz="1200" dirty="0" smtClean="0"/>
-              <a:t> = </a:t>
-            </a:r>
-            <a:r>
-              <a:rPr lang="en-CA" sz="1200" dirty="0" err="1" smtClean="0"/>
-              <a:t>newMonster.AddComponent</a:t>
-            </a:r>
-            <a:r>
-              <a:rPr lang="en-CA" sz="1200" dirty="0" smtClean="0"/>
-              <a:t>&lt;Animator&gt;();</a:t>
-            </a:r>
-          </a:p>
-          <a:p>
-            <a:pPr lvl="1"/>
-            <a:r>
-              <a:rPr lang="en-CA" sz="1600" dirty="0" smtClean="0"/>
-              <a:t>The sprite can be set using the </a:t>
-            </a:r>
-            <a:r>
-              <a:rPr lang="en-CA" sz="1600" dirty="0" err="1" smtClean="0"/>
-              <a:t>enum</a:t>
-            </a:r>
-            <a:r>
-              <a:rPr lang="en-CA" sz="1600" dirty="0" smtClean="0"/>
-              <a:t>!</a:t>
-            </a:r>
-          </a:p>
-          <a:p>
-            <a:pPr lvl="2"/>
-            <a:r>
-              <a:rPr lang="en-CA" sz="1200" dirty="0" err="1" smtClean="0"/>
-              <a:t>sr.sprite</a:t>
-            </a:r>
-            <a:r>
-              <a:rPr lang="en-CA" sz="1200" dirty="0" smtClean="0"/>
-              <a:t> = </a:t>
-            </a:r>
-            <a:r>
-              <a:rPr lang="en-CA" sz="1200" dirty="0" err="1" smtClean="0"/>
-              <a:t>Resources.Load</a:t>
-            </a:r>
-            <a:r>
-              <a:rPr lang="en-CA" sz="1200" dirty="0" smtClean="0"/>
-              <a:t>(“Sprites/” + </a:t>
-            </a:r>
-            <a:r>
-              <a:rPr lang="en-CA" sz="1200" dirty="0" err="1" smtClean="0"/>
-              <a:t>monsterType</a:t>
-            </a:r>
-            <a:r>
-              <a:rPr lang="en-CA" sz="1200" dirty="0" smtClean="0"/>
-              <a:t>);</a:t>
-            </a:r>
-            <a:endParaRPr lang="en-CA" sz="1200" dirty="0" smtClean="0"/>
-          </a:p>
-          <a:p>
-            <a:pPr lvl="1"/>
-            <a:endParaRPr lang="en-CA" sz="2000" dirty="0" smtClean="0"/>
-          </a:p>
-          <a:p>
-            <a:pPr marL="457200" lvl="1" indent="0">
-              <a:buNone/>
-            </a:pPr>
-            <a:endParaRPr lang="en-CA" dirty="0"/>
-          </a:p>
-        </p:txBody>
-      </p:sp>
-    </p:spTree>
-    <p:extLst>
-      <p:ext uri="{BB962C8B-B14F-4D97-AF65-F5344CB8AC3E}">
-        <p14:creationId xmlns:p14="http://schemas.microsoft.com/office/powerpoint/2010/main" val="2082311432"/>
-      </p:ext>
-    </p:extLst>
-  </p:cSld>
-  <p:clrMapOvr>
-    <a:masterClrMapping/>
-  </p:clrMapOvr>
-</p:sld>
-</file>
-
-<file path=ppt/slides/slide23.xml><?xml version="1.0" encoding="utf-8"?>
-<p:sld xmlns:a="http://schemas.openxmlformats.org/drawingml/2006/main" xmlns:r="http://schemas.openxmlformats.org/officeDocument/2006/relationships" xmlns:p="http://schemas.openxmlformats.org/presentationml/2006/main">
-  <p:cSld>
-    <p:spTree>
-      <p:nvGrpSpPr>
-        <p:cNvPr id="1" name=""/>
-        <p:cNvGrpSpPr/>
-        <p:nvPr/>
-      </p:nvGrpSpPr>
-      <p:grpSpPr>
-        <a:xfrm>
-          <a:off x="0" y="0"/>
-          <a:ext cx="0" cy="0"/>
-          <a:chOff x="0" y="0"/>
-          <a:chExt cx="0" cy="0"/>
-        </a:xfrm>
-      </p:grpSpPr>
-      <p:sp>
-        <p:nvSpPr>
-          <p:cNvPr id="2" name="Titre 1"/>
-          <p:cNvSpPr>
-            <a:spLocks noGrp="1"/>
-          </p:cNvSpPr>
-          <p:nvPr>
-            <p:ph type="title"/>
-          </p:nvPr>
-        </p:nvSpPr>
-        <p:spPr>
-          <a:xfrm>
-            <a:off x="7772400" y="381000"/>
-            <a:ext cx="914400" cy="411162"/>
-          </a:xfrm>
-        </p:spPr>
-        <p:txBody>
-          <a:bodyPr>
-            <a:normAutofit fontScale="90000"/>
-          </a:bodyPr>
-          <a:lstStyle/>
-          <a:p>
-            <a:r>
-              <a:rPr lang="en-CA" sz="1200" dirty="0" smtClean="0"/>
-              <a:t>Add a new Monster</a:t>
-            </a:r>
-            <a:endParaRPr lang="en-CA" sz="1200" dirty="0"/>
-          </a:p>
-        </p:txBody>
-      </p:sp>
-      <p:sp>
-        <p:nvSpPr>
-          <p:cNvPr id="3" name="Espace réservé du contenu 2"/>
-          <p:cNvSpPr>
-            <a:spLocks noGrp="1"/>
-          </p:cNvSpPr>
-          <p:nvPr>
-            <p:ph idx="1"/>
-          </p:nvPr>
-        </p:nvSpPr>
-        <p:spPr>
-          <a:xfrm>
-            <a:off x="457200" y="914400"/>
-            <a:ext cx="8229600" cy="5638800"/>
-          </a:xfrm>
-        </p:spPr>
-        <p:txBody>
-          <a:bodyPr/>
-          <a:lstStyle/>
-          <a:p>
-            <a:r>
-              <a:rPr lang="en-CA" sz="2000" dirty="0" smtClean="0"/>
-              <a:t>Wait so every new monster I need to add a prefab for both the </a:t>
-            </a:r>
-            <a:r>
-              <a:rPr lang="en-CA" sz="2000" dirty="0" err="1" smtClean="0"/>
-              <a:t>Spawner</a:t>
-            </a:r>
-            <a:r>
-              <a:rPr lang="en-CA" sz="2000" dirty="0" smtClean="0"/>
-              <a:t> and the Monster? </a:t>
-            </a:r>
-            <a:r>
-              <a:rPr lang="en-CA" sz="2000" dirty="0" smtClean="0"/>
-              <a:t>That’s so much work! What if I want to make 20 monsters! </a:t>
-            </a:r>
-          </a:p>
-          <a:p>
-            <a:r>
-              <a:rPr lang="en-CA" sz="2000" dirty="0" smtClean="0"/>
-              <a:t>What is different between the monsters anyways? </a:t>
-            </a:r>
-          </a:p>
-          <a:p>
-            <a:pPr lvl="1"/>
-            <a:r>
-              <a:rPr lang="en-CA" sz="2000" dirty="0" smtClean="0"/>
-              <a:t>They have different logic? (The different scripts)</a:t>
-            </a:r>
-          </a:p>
-          <a:p>
-            <a:pPr lvl="1"/>
-            <a:r>
-              <a:rPr lang="en-CA" sz="2000" dirty="0" smtClean="0"/>
-              <a:t>Different sprites</a:t>
-            </a:r>
-          </a:p>
-          <a:p>
-            <a:pPr lvl="1"/>
-            <a:r>
-              <a:rPr lang="en-CA" sz="2000" dirty="0" smtClean="0"/>
-              <a:t>Different Animators</a:t>
-            </a:r>
-          </a:p>
-          <a:p>
-            <a:r>
-              <a:rPr lang="en-CA" sz="2000" dirty="0" smtClean="0"/>
-              <a:t>These are just components! Why not create them in script!</a:t>
-            </a:r>
-          </a:p>
-          <a:p>
-            <a:pPr lvl="1"/>
-            <a:r>
-              <a:rPr lang="en-CA" sz="1600" dirty="0" err="1" smtClean="0"/>
-              <a:t>MonsterSpawner</a:t>
-            </a:r>
-            <a:r>
-              <a:rPr lang="en-CA" sz="1600" dirty="0" smtClean="0"/>
-              <a:t> can create a </a:t>
-            </a:r>
-            <a:r>
-              <a:rPr lang="en-CA" sz="1600" dirty="0" err="1" smtClean="0"/>
-              <a:t>gameObject</a:t>
-            </a:r>
-            <a:r>
-              <a:rPr lang="en-CA" sz="1600" dirty="0" smtClean="0"/>
-              <a:t>,</a:t>
-            </a:r>
-          </a:p>
-          <a:p>
-            <a:pPr lvl="2"/>
-            <a:r>
-              <a:rPr lang="en-CA" sz="1200" dirty="0" err="1" smtClean="0"/>
-              <a:t>GameObject</a:t>
-            </a:r>
-            <a:r>
-              <a:rPr lang="en-CA" sz="1200" dirty="0" smtClean="0"/>
-              <a:t> </a:t>
-            </a:r>
-            <a:r>
-              <a:rPr lang="en-CA" sz="1200" dirty="0" err="1" smtClean="0"/>
-              <a:t>newMonster</a:t>
-            </a:r>
-            <a:r>
-              <a:rPr lang="en-CA" sz="1200" dirty="0" smtClean="0"/>
-              <a:t> = new </a:t>
-            </a:r>
-            <a:r>
-              <a:rPr lang="en-CA" sz="1200" dirty="0" err="1" smtClean="0"/>
-              <a:t>GameObject</a:t>
-            </a:r>
-            <a:r>
-              <a:rPr lang="en-CA" sz="1200" dirty="0" smtClean="0"/>
-              <a:t>();</a:t>
-            </a:r>
-          </a:p>
-          <a:p>
-            <a:pPr lvl="1"/>
-            <a:r>
-              <a:rPr lang="en-CA" sz="1600" dirty="0" smtClean="0"/>
-              <a:t>We can set all the alike parts</a:t>
-            </a:r>
-          </a:p>
-          <a:p>
-            <a:pPr lvl="2"/>
-            <a:r>
-              <a:rPr lang="en-CA" sz="1200" dirty="0" err="1" smtClean="0"/>
-              <a:t>newMonster.tag</a:t>
-            </a:r>
-            <a:r>
-              <a:rPr lang="en-CA" sz="1200" dirty="0" smtClean="0"/>
-              <a:t> = “Monster”;</a:t>
-            </a:r>
-          </a:p>
-          <a:p>
-            <a:pPr lvl="2"/>
-            <a:r>
-              <a:rPr lang="en-CA" sz="1200" dirty="0" err="1" smtClean="0"/>
-              <a:t>newMonster.layer</a:t>
-            </a:r>
-            <a:r>
-              <a:rPr lang="en-CA" sz="1200" dirty="0" smtClean="0"/>
-              <a:t> = “Monster”;</a:t>
-            </a:r>
-          </a:p>
-          <a:p>
-            <a:pPr lvl="2"/>
-            <a:r>
-              <a:rPr lang="en-CA" sz="1200" dirty="0" err="1" smtClean="0"/>
-              <a:t>SpriteRenderer</a:t>
-            </a:r>
-            <a:r>
-              <a:rPr lang="en-CA" sz="1200" dirty="0" smtClean="0"/>
-              <a:t> </a:t>
-            </a:r>
-            <a:r>
-              <a:rPr lang="en-CA" sz="1200" dirty="0" err="1" smtClean="0"/>
-              <a:t>sr</a:t>
-            </a:r>
-            <a:r>
-              <a:rPr lang="en-CA" sz="1200" dirty="0" smtClean="0"/>
-              <a:t> = </a:t>
-            </a:r>
-            <a:r>
-              <a:rPr lang="en-CA" sz="1200" dirty="0" err="1" smtClean="0"/>
-              <a:t>newMonster.AddComponent</a:t>
-            </a:r>
-            <a:r>
-              <a:rPr lang="en-CA" sz="1200" dirty="0" smtClean="0"/>
-              <a:t>&lt;</a:t>
-            </a:r>
-            <a:r>
-              <a:rPr lang="en-CA" sz="1200" dirty="0" err="1" smtClean="0"/>
-              <a:t>SpriteRenderer</a:t>
-            </a:r>
-            <a:r>
-              <a:rPr lang="en-CA" sz="1200" dirty="0" smtClean="0"/>
-              <a:t>&gt;();</a:t>
-            </a:r>
-          </a:p>
-          <a:p>
-            <a:pPr lvl="2"/>
-            <a:r>
-              <a:rPr lang="en-CA" sz="1200" dirty="0" smtClean="0"/>
-              <a:t>Animator </a:t>
-            </a:r>
-            <a:r>
-              <a:rPr lang="en-CA" sz="1200" dirty="0" err="1" smtClean="0"/>
-              <a:t>anim</a:t>
-            </a:r>
-            <a:r>
-              <a:rPr lang="en-CA" sz="1200" dirty="0" smtClean="0"/>
-              <a:t> = </a:t>
-            </a:r>
-            <a:r>
-              <a:rPr lang="en-CA" sz="1200" dirty="0" err="1" smtClean="0"/>
-              <a:t>newMonster.AddComponent</a:t>
-            </a:r>
-            <a:r>
-              <a:rPr lang="en-CA" sz="1200" dirty="0" smtClean="0"/>
-              <a:t>&lt;Animator&gt;();</a:t>
-            </a:r>
-          </a:p>
-          <a:p>
-            <a:pPr lvl="1"/>
-            <a:r>
-              <a:rPr lang="en-CA" sz="1600" dirty="0" smtClean="0"/>
-              <a:t>The sprite can be set using the </a:t>
-            </a:r>
-            <a:r>
-              <a:rPr lang="en-CA" sz="1600" dirty="0" err="1" smtClean="0"/>
-              <a:t>enum</a:t>
-            </a:r>
-            <a:r>
-              <a:rPr lang="en-CA" sz="1600" dirty="0" smtClean="0"/>
-              <a:t>!</a:t>
-            </a:r>
-          </a:p>
-          <a:p>
-            <a:pPr lvl="2"/>
-            <a:r>
-              <a:rPr lang="en-CA" sz="1200" dirty="0" err="1" smtClean="0"/>
-              <a:t>sr.sprite</a:t>
-            </a:r>
-            <a:r>
-              <a:rPr lang="en-CA" sz="1200" dirty="0" smtClean="0"/>
-              <a:t> = </a:t>
-            </a:r>
-            <a:r>
-              <a:rPr lang="en-CA" sz="1200" dirty="0" err="1" smtClean="0"/>
-              <a:t>Resources.Load</a:t>
-            </a:r>
-            <a:r>
-              <a:rPr lang="en-CA" sz="1200" dirty="0" smtClean="0"/>
-              <a:t>(“Sprites/” + </a:t>
-            </a:r>
-            <a:r>
-              <a:rPr lang="en-CA" sz="1200" dirty="0" err="1" smtClean="0"/>
-              <a:t>monsterType</a:t>
-            </a:r>
-            <a:r>
-              <a:rPr lang="en-CA" sz="1200" dirty="0" smtClean="0"/>
-              <a:t>);</a:t>
-            </a:r>
-            <a:endParaRPr lang="en-CA" sz="1200" dirty="0" smtClean="0"/>
-          </a:p>
-          <a:p>
-            <a:pPr lvl="1"/>
-            <a:endParaRPr lang="en-CA" sz="2000" dirty="0" smtClean="0"/>
-          </a:p>
-          <a:p>
-            <a:pPr marL="457200" lvl="1" indent="0">
-              <a:buNone/>
-            </a:pPr>
-            <a:endParaRPr lang="en-CA" dirty="0"/>
-          </a:p>
-        </p:txBody>
-      </p:sp>
-    </p:spTree>
-    <p:extLst>
-      <p:ext uri="{BB962C8B-B14F-4D97-AF65-F5344CB8AC3E}">
-        <p14:creationId xmlns:p14="http://schemas.microsoft.com/office/powerpoint/2010/main" val="4168410330"/>
-      </p:ext>
-    </p:extLst>
-  </p:cSld>
-  <p:clrMapOvr>
-    <a:masterClrMapping/>
-  </p:clrMapOvr>
-</p:sld>
-</file>
-
 <file path=ppt/slides/slide24.xml><?xml version="1.0" encoding="utf-8"?>
 <p:sld xmlns:a="http://schemas.openxmlformats.org/drawingml/2006/main" xmlns:r="http://schemas.openxmlformats.org/officeDocument/2006/relationships" xmlns:p="http://schemas.openxmlformats.org/presentationml/2006/main">
   <p:cSld>
@@ -7634,7 +7207,7 @@
           <a:p>
             <a:r>
               <a:rPr lang="en-CA" dirty="0" smtClean="0"/>
-              <a:t>UI Structures</a:t>
+              <a:t>Add a new Monster</a:t>
             </a:r>
             <a:endParaRPr lang="en-CA" dirty="0"/>
           </a:p>
@@ -7650,11 +7223,132 @@
             <p:ph idx="1"/>
           </p:nvPr>
         </p:nvSpPr>
-        <p:spPr/>
+        <p:spPr>
+          <a:xfrm>
+            <a:off x="457200" y="1219200"/>
+            <a:ext cx="8229600" cy="4906963"/>
+          </a:xfrm>
+        </p:spPr>
         <p:txBody>
           <a:bodyPr/>
           <a:lstStyle/>
           <a:p>
+            <a:r>
+              <a:rPr lang="en-CA" sz="2400" dirty="0" smtClean="0"/>
+              <a:t>To add a new monster, we just need to add the monster type to the </a:t>
+            </a:r>
+            <a:r>
+              <a:rPr lang="en-CA" sz="2400" dirty="0" err="1" smtClean="0"/>
+              <a:t>enum</a:t>
+            </a:r>
+            <a:r>
+              <a:rPr lang="en-CA" sz="2400" dirty="0" smtClean="0"/>
+              <a:t> in </a:t>
+            </a:r>
+            <a:r>
+              <a:rPr lang="en-CA" sz="2400" dirty="0" err="1" smtClean="0"/>
+              <a:t>GV.MonsterType</a:t>
+            </a:r>
+            <a:endParaRPr lang="en-CA" sz="2400" dirty="0" smtClean="0"/>
+          </a:p>
+          <a:p>
+            <a:r>
+              <a:rPr lang="en-CA" sz="2400" dirty="0" smtClean="0"/>
+              <a:t>Then we need to add the </a:t>
+            </a:r>
+            <a:r>
+              <a:rPr lang="en-CA" sz="2400" dirty="0" err="1" smtClean="0"/>
+              <a:t>spawner</a:t>
+            </a:r>
+            <a:r>
+              <a:rPr lang="en-CA" sz="2400" dirty="0" smtClean="0"/>
+              <a:t> to Resources/Prefabs/</a:t>
+            </a:r>
+            <a:r>
+              <a:rPr lang="en-CA" sz="2400" dirty="0" err="1" smtClean="0"/>
+              <a:t>MonsterSpawners</a:t>
+            </a:r>
+            <a:endParaRPr lang="en-CA" sz="2400" dirty="0" smtClean="0"/>
+          </a:p>
+          <a:p>
+            <a:pPr lvl="1"/>
+            <a:r>
+              <a:rPr lang="en-CA" sz="2000" dirty="0" smtClean="0"/>
+              <a:t>Name the object the same as the </a:t>
+            </a:r>
+            <a:r>
+              <a:rPr lang="en-CA" sz="2000" dirty="0" err="1" smtClean="0"/>
+              <a:t>enum</a:t>
+            </a:r>
+            <a:r>
+              <a:rPr lang="en-CA" sz="2000" dirty="0" smtClean="0"/>
+              <a:t> + “</a:t>
+            </a:r>
+            <a:r>
+              <a:rPr lang="en-CA" sz="2000" dirty="0" err="1" smtClean="0"/>
+              <a:t>Spawner</a:t>
+            </a:r>
+            <a:r>
+              <a:rPr lang="en-CA" sz="2000" dirty="0" smtClean="0"/>
+              <a:t>”</a:t>
+            </a:r>
+          </a:p>
+          <a:p>
+            <a:pPr lvl="1"/>
+            <a:r>
+              <a:rPr lang="en-CA" sz="2000" dirty="0" smtClean="0"/>
+              <a:t>Give the object a script called </a:t>
+            </a:r>
+            <a:r>
+              <a:rPr lang="en-CA" sz="2000" dirty="0" err="1" smtClean="0"/>
+              <a:t>MonsterSpawner.cs</a:t>
+            </a:r>
+            <a:r>
+              <a:rPr lang="en-CA" sz="2000" dirty="0" smtClean="0"/>
+              <a:t> or a child of that object</a:t>
+            </a:r>
+          </a:p>
+          <a:p>
+            <a:pPr lvl="1"/>
+            <a:r>
+              <a:rPr lang="en-CA" sz="2000" dirty="0" smtClean="0"/>
+              <a:t>See </a:t>
+            </a:r>
+            <a:r>
+              <a:rPr lang="en-CA" sz="2000" dirty="0" err="1" smtClean="0"/>
+              <a:t>SlimeSpawner</a:t>
+            </a:r>
+            <a:r>
+              <a:rPr lang="en-CA" sz="2000" dirty="0" smtClean="0"/>
+              <a:t> as example</a:t>
+            </a:r>
+          </a:p>
+          <a:p>
+            <a:r>
+              <a:rPr lang="en-CA" sz="2400" dirty="0" smtClean="0"/>
+              <a:t>Then we need to add the Monster to Resources/Prefabs/Monsters</a:t>
+            </a:r>
+          </a:p>
+          <a:p>
+            <a:pPr lvl="1"/>
+            <a:r>
+              <a:rPr lang="en-CA" sz="2000" dirty="0" smtClean="0"/>
+              <a:t>Name the object the same as the </a:t>
+            </a:r>
+            <a:r>
+              <a:rPr lang="en-CA" sz="2000" dirty="0" err="1" smtClean="0"/>
+              <a:t>enum</a:t>
+            </a:r>
+            <a:endParaRPr lang="en-CA" sz="2000" dirty="0" smtClean="0"/>
+          </a:p>
+          <a:p>
+            <a:pPr lvl="1"/>
+            <a:endParaRPr lang="en-CA" sz="2000" dirty="0" smtClean="0"/>
+          </a:p>
+          <a:p>
+            <a:pPr marL="457200" lvl="1" indent="0">
+              <a:buNone/>
+            </a:pPr>
             <a:endParaRPr lang="en-CA" dirty="0"/>
           </a:p>
         </p:txBody>
@@ -7662,7 +7356,633 @@
     </p:spTree>
     <p:extLst>
       <p:ext uri="{BB962C8B-B14F-4D97-AF65-F5344CB8AC3E}">
-        <p14:creationId xmlns:p14="http://schemas.microsoft.com/office/powerpoint/2010/main" val="1870198522"/>
+        <p14:creationId xmlns:p14="http://schemas.microsoft.com/office/powerpoint/2010/main" val="3537970018"/>
+      </p:ext>
+    </p:extLst>
+  </p:cSld>
+  <p:clrMapOvr>
+    <a:masterClrMapping/>
+  </p:clrMapOvr>
+</p:sld>
+</file>
+
+<file path=ppt/slides/slide25.xml><?xml version="1.0" encoding="utf-8"?>
+<p:sld xmlns:a="http://schemas.openxmlformats.org/drawingml/2006/main" xmlns:r="http://schemas.openxmlformats.org/officeDocument/2006/relationships" xmlns:p="http://schemas.openxmlformats.org/presentationml/2006/main">
+  <p:cSld>
+    <p:spTree>
+      <p:nvGrpSpPr>
+        <p:cNvPr id="1" name=""/>
+        <p:cNvGrpSpPr/>
+        <p:nvPr/>
+      </p:nvGrpSpPr>
+      <p:grpSpPr>
+        <a:xfrm>
+          <a:off x="0" y="0"/>
+          <a:ext cx="0" cy="0"/>
+          <a:chOff x="0" y="0"/>
+          <a:chExt cx="0" cy="0"/>
+        </a:xfrm>
+      </p:grpSpPr>
+      <p:sp>
+        <p:nvSpPr>
+          <p:cNvPr id="2" name="Titre 1"/>
+          <p:cNvSpPr>
+            <a:spLocks noGrp="1"/>
+          </p:cNvSpPr>
+          <p:nvPr>
+            <p:ph type="title"/>
+          </p:nvPr>
+        </p:nvSpPr>
+        <p:spPr>
+          <a:xfrm>
+            <a:off x="7772400" y="381000"/>
+            <a:ext cx="914400" cy="411162"/>
+          </a:xfrm>
+        </p:spPr>
+        <p:txBody>
+          <a:bodyPr>
+            <a:normAutofit fontScale="90000"/>
+          </a:bodyPr>
+          <a:lstStyle/>
+          <a:p>
+            <a:r>
+              <a:rPr lang="en-CA" sz="1200" dirty="0" smtClean="0"/>
+              <a:t>Add a new Monster</a:t>
+            </a:r>
+            <a:endParaRPr lang="en-CA" sz="1200" dirty="0"/>
+          </a:p>
+        </p:txBody>
+      </p:sp>
+      <p:sp>
+        <p:nvSpPr>
+          <p:cNvPr id="3" name="Espace réservé du contenu 2"/>
+          <p:cNvSpPr>
+            <a:spLocks noGrp="1"/>
+          </p:cNvSpPr>
+          <p:nvPr>
+            <p:ph idx="1"/>
+          </p:nvPr>
+        </p:nvSpPr>
+        <p:spPr>
+          <a:xfrm>
+            <a:off x="457200" y="914400"/>
+            <a:ext cx="8229600" cy="5638800"/>
+          </a:xfrm>
+        </p:spPr>
+        <p:txBody>
+          <a:bodyPr/>
+          <a:lstStyle/>
+          <a:p>
+            <a:r>
+              <a:rPr lang="en-CA" sz="2000" dirty="0" smtClean="0"/>
+              <a:t>Wait so every new monster I need to add a prefab for both the </a:t>
+            </a:r>
+            <a:r>
+              <a:rPr lang="en-CA" sz="2000" dirty="0" err="1" smtClean="0"/>
+              <a:t>Spawner</a:t>
+            </a:r>
+            <a:r>
+              <a:rPr lang="en-CA" sz="2000" dirty="0" smtClean="0"/>
+              <a:t> and the Monster? That’s so much work! What if I want to make 20 monsters! </a:t>
+            </a:r>
+          </a:p>
+          <a:p>
+            <a:r>
+              <a:rPr lang="en-CA" sz="2000" dirty="0" smtClean="0"/>
+              <a:t>What is different between the monsters anyways? </a:t>
+            </a:r>
+          </a:p>
+          <a:p>
+            <a:pPr lvl="1"/>
+            <a:r>
+              <a:rPr lang="en-CA" sz="2000" dirty="0" smtClean="0"/>
+              <a:t>They have different logic? (The different scripts)</a:t>
+            </a:r>
+          </a:p>
+          <a:p>
+            <a:pPr lvl="1"/>
+            <a:r>
+              <a:rPr lang="en-CA" sz="2000" dirty="0" smtClean="0"/>
+              <a:t>Different sprites</a:t>
+            </a:r>
+          </a:p>
+          <a:p>
+            <a:pPr lvl="1"/>
+            <a:r>
+              <a:rPr lang="en-CA" sz="2000" dirty="0" smtClean="0"/>
+              <a:t>Different Animators</a:t>
+            </a:r>
+          </a:p>
+          <a:p>
+            <a:r>
+              <a:rPr lang="en-CA" sz="2000" dirty="0" smtClean="0"/>
+              <a:t>These are just components! Why not create them in script!</a:t>
+            </a:r>
+          </a:p>
+          <a:p>
+            <a:pPr lvl="1"/>
+            <a:r>
+              <a:rPr lang="en-CA" sz="1600" dirty="0" err="1" smtClean="0"/>
+              <a:t>MonsterSpawner</a:t>
+            </a:r>
+            <a:r>
+              <a:rPr lang="en-CA" sz="1600" dirty="0" smtClean="0"/>
+              <a:t> can create a </a:t>
+            </a:r>
+            <a:r>
+              <a:rPr lang="en-CA" sz="1600" dirty="0" err="1" smtClean="0"/>
+              <a:t>gameObject</a:t>
+            </a:r>
+            <a:r>
+              <a:rPr lang="en-CA" sz="1600" dirty="0" smtClean="0"/>
+              <a:t>,</a:t>
+            </a:r>
+          </a:p>
+          <a:p>
+            <a:pPr lvl="2"/>
+            <a:r>
+              <a:rPr lang="en-CA" sz="1200" dirty="0" err="1" smtClean="0"/>
+              <a:t>GameObject</a:t>
+            </a:r>
+            <a:r>
+              <a:rPr lang="en-CA" sz="1200" dirty="0" smtClean="0"/>
+              <a:t> </a:t>
+            </a:r>
+            <a:r>
+              <a:rPr lang="en-CA" sz="1200" dirty="0" err="1" smtClean="0"/>
+              <a:t>newMonster</a:t>
+            </a:r>
+            <a:r>
+              <a:rPr lang="en-CA" sz="1200" dirty="0" smtClean="0"/>
+              <a:t> = new </a:t>
+            </a:r>
+            <a:r>
+              <a:rPr lang="en-CA" sz="1200" dirty="0" err="1" smtClean="0"/>
+              <a:t>GameObject</a:t>
+            </a:r>
+            <a:r>
+              <a:rPr lang="en-CA" sz="1200" dirty="0" smtClean="0"/>
+              <a:t>();</a:t>
+            </a:r>
+          </a:p>
+          <a:p>
+            <a:pPr lvl="1"/>
+            <a:r>
+              <a:rPr lang="en-CA" sz="1600" dirty="0" smtClean="0"/>
+              <a:t>We can set all the alike parts</a:t>
+            </a:r>
+          </a:p>
+          <a:p>
+            <a:pPr lvl="2"/>
+            <a:r>
+              <a:rPr lang="en-CA" sz="1200" dirty="0" err="1" smtClean="0"/>
+              <a:t>newMonster.tag</a:t>
+            </a:r>
+            <a:r>
+              <a:rPr lang="en-CA" sz="1200" dirty="0" smtClean="0"/>
+              <a:t> = “Monster”;</a:t>
+            </a:r>
+          </a:p>
+          <a:p>
+            <a:pPr lvl="2"/>
+            <a:r>
+              <a:rPr lang="en-CA" sz="1200" dirty="0" err="1" smtClean="0"/>
+              <a:t>newMonster.layer</a:t>
+            </a:r>
+            <a:r>
+              <a:rPr lang="en-CA" sz="1200" dirty="0" smtClean="0"/>
+              <a:t> = “Monster”;</a:t>
+            </a:r>
+          </a:p>
+          <a:p>
+            <a:pPr lvl="2"/>
+            <a:r>
+              <a:rPr lang="en-CA" sz="1200" dirty="0" err="1" smtClean="0"/>
+              <a:t>SpriteRenderer</a:t>
+            </a:r>
+            <a:r>
+              <a:rPr lang="en-CA" sz="1200" dirty="0" smtClean="0"/>
+              <a:t> </a:t>
+            </a:r>
+            <a:r>
+              <a:rPr lang="en-CA" sz="1200" dirty="0" err="1" smtClean="0"/>
+              <a:t>sr</a:t>
+            </a:r>
+            <a:r>
+              <a:rPr lang="en-CA" sz="1200" dirty="0" smtClean="0"/>
+              <a:t> = </a:t>
+            </a:r>
+            <a:r>
+              <a:rPr lang="en-CA" sz="1200" dirty="0" err="1" smtClean="0"/>
+              <a:t>newMonster.AddComponent</a:t>
+            </a:r>
+            <a:r>
+              <a:rPr lang="en-CA" sz="1200" dirty="0" smtClean="0"/>
+              <a:t>&lt;</a:t>
+            </a:r>
+            <a:r>
+              <a:rPr lang="en-CA" sz="1200" dirty="0" err="1" smtClean="0"/>
+              <a:t>SpriteRenderer</a:t>
+            </a:r>
+            <a:r>
+              <a:rPr lang="en-CA" sz="1200" dirty="0" smtClean="0"/>
+              <a:t>&gt;();</a:t>
+            </a:r>
+          </a:p>
+          <a:p>
+            <a:pPr lvl="2"/>
+            <a:r>
+              <a:rPr lang="en-CA" sz="1200" dirty="0" smtClean="0"/>
+              <a:t>Animator </a:t>
+            </a:r>
+            <a:r>
+              <a:rPr lang="en-CA" sz="1200" dirty="0" err="1" smtClean="0"/>
+              <a:t>anim</a:t>
+            </a:r>
+            <a:r>
+              <a:rPr lang="en-CA" sz="1200" dirty="0" smtClean="0"/>
+              <a:t> = </a:t>
+            </a:r>
+            <a:r>
+              <a:rPr lang="en-CA" sz="1200" dirty="0" err="1" smtClean="0"/>
+              <a:t>newMonster.AddComponent</a:t>
+            </a:r>
+            <a:r>
+              <a:rPr lang="en-CA" sz="1200" dirty="0" smtClean="0"/>
+              <a:t>&lt;Animator&gt;();</a:t>
+            </a:r>
+          </a:p>
+          <a:p>
+            <a:pPr lvl="1"/>
+            <a:r>
+              <a:rPr lang="en-CA" sz="1600" dirty="0" smtClean="0"/>
+              <a:t>The sprite can be set using the </a:t>
+            </a:r>
+            <a:r>
+              <a:rPr lang="en-CA" sz="1600" dirty="0" err="1" smtClean="0"/>
+              <a:t>enum</a:t>
+            </a:r>
+            <a:r>
+              <a:rPr lang="en-CA" sz="1600" dirty="0" smtClean="0"/>
+              <a:t>!</a:t>
+            </a:r>
+          </a:p>
+          <a:p>
+            <a:pPr lvl="2"/>
+            <a:r>
+              <a:rPr lang="en-CA" sz="1200" dirty="0" err="1" smtClean="0"/>
+              <a:t>sr.sprite</a:t>
+            </a:r>
+            <a:r>
+              <a:rPr lang="en-CA" sz="1200" dirty="0" smtClean="0"/>
+              <a:t> = </a:t>
+            </a:r>
+            <a:r>
+              <a:rPr lang="en-CA" sz="1200" dirty="0" err="1" smtClean="0"/>
+              <a:t>Resources.Load</a:t>
+            </a:r>
+            <a:r>
+              <a:rPr lang="en-CA" sz="1200" dirty="0" smtClean="0"/>
+              <a:t>(“Sprites/” + </a:t>
+            </a:r>
+            <a:r>
+              <a:rPr lang="en-CA" sz="1200" dirty="0" err="1" smtClean="0"/>
+              <a:t>monsterType</a:t>
+            </a:r>
+            <a:r>
+              <a:rPr lang="en-CA" sz="1200" dirty="0" smtClean="0"/>
+              <a:t>);</a:t>
+            </a:r>
+          </a:p>
+          <a:p>
+            <a:pPr lvl="1"/>
+            <a:endParaRPr lang="en-CA" sz="2000" dirty="0" smtClean="0"/>
+          </a:p>
+          <a:p>
+            <a:pPr marL="457200" lvl="1" indent="0">
+              <a:buNone/>
+            </a:pPr>
+            <a:endParaRPr lang="en-CA" dirty="0"/>
+          </a:p>
+        </p:txBody>
+      </p:sp>
+    </p:spTree>
+    <p:extLst>
+      <p:ext uri="{BB962C8B-B14F-4D97-AF65-F5344CB8AC3E}">
+        <p14:creationId xmlns:p14="http://schemas.microsoft.com/office/powerpoint/2010/main" val="2082311432"/>
+      </p:ext>
+    </p:extLst>
+  </p:cSld>
+  <p:clrMapOvr>
+    <a:masterClrMapping/>
+  </p:clrMapOvr>
+</p:sld>
+</file>
+
+<file path=ppt/slides/slide26.xml><?xml version="1.0" encoding="utf-8"?>
+<p:sld xmlns:a="http://schemas.openxmlformats.org/drawingml/2006/main" xmlns:r="http://schemas.openxmlformats.org/officeDocument/2006/relationships" xmlns:p="http://schemas.openxmlformats.org/presentationml/2006/main">
+  <p:cSld>
+    <p:spTree>
+      <p:nvGrpSpPr>
+        <p:cNvPr id="1" name=""/>
+        <p:cNvGrpSpPr/>
+        <p:nvPr/>
+      </p:nvGrpSpPr>
+      <p:grpSpPr>
+        <a:xfrm>
+          <a:off x="0" y="0"/>
+          <a:ext cx="0" cy="0"/>
+          <a:chOff x="0" y="0"/>
+          <a:chExt cx="0" cy="0"/>
+        </a:xfrm>
+      </p:grpSpPr>
+      <p:sp>
+        <p:nvSpPr>
+          <p:cNvPr id="2" name="Titre 1"/>
+          <p:cNvSpPr>
+            <a:spLocks noGrp="1"/>
+          </p:cNvSpPr>
+          <p:nvPr>
+            <p:ph type="title"/>
+          </p:nvPr>
+        </p:nvSpPr>
+        <p:spPr>
+          <a:xfrm>
+            <a:off x="7772400" y="381000"/>
+            <a:ext cx="914400" cy="411162"/>
+          </a:xfrm>
+        </p:spPr>
+        <p:txBody>
+          <a:bodyPr>
+            <a:normAutofit fontScale="90000"/>
+          </a:bodyPr>
+          <a:lstStyle/>
+          <a:p>
+            <a:r>
+              <a:rPr lang="en-CA" sz="1200" dirty="0" smtClean="0"/>
+              <a:t>Add a new Monster</a:t>
+            </a:r>
+            <a:endParaRPr lang="en-CA" sz="1200" dirty="0"/>
+          </a:p>
+        </p:txBody>
+      </p:sp>
+      <p:sp>
+        <p:nvSpPr>
+          <p:cNvPr id="3" name="Espace réservé du contenu 2"/>
+          <p:cNvSpPr>
+            <a:spLocks noGrp="1"/>
+          </p:cNvSpPr>
+          <p:nvPr>
+            <p:ph idx="1"/>
+          </p:nvPr>
+        </p:nvSpPr>
+        <p:spPr>
+          <a:xfrm>
+            <a:off x="457200" y="914400"/>
+            <a:ext cx="8229600" cy="5638800"/>
+          </a:xfrm>
+        </p:spPr>
+        <p:txBody>
+          <a:bodyPr/>
+          <a:lstStyle/>
+          <a:p>
+            <a:r>
+              <a:rPr lang="en-CA" sz="2000" dirty="0" smtClean="0"/>
+              <a:t>Wait so every new monster I need to add a prefab for both the </a:t>
+            </a:r>
+            <a:r>
+              <a:rPr lang="en-CA" sz="2000" dirty="0" err="1" smtClean="0"/>
+              <a:t>Spawner</a:t>
+            </a:r>
+            <a:r>
+              <a:rPr lang="en-CA" sz="2000" dirty="0" smtClean="0"/>
+              <a:t> and the Monster? That’s so much work! What if I want to make 20 monsters! </a:t>
+            </a:r>
+          </a:p>
+          <a:p>
+            <a:r>
+              <a:rPr lang="en-CA" sz="2000" dirty="0" smtClean="0"/>
+              <a:t>What is different between the monsters anyways? </a:t>
+            </a:r>
+          </a:p>
+          <a:p>
+            <a:pPr lvl="1"/>
+            <a:r>
+              <a:rPr lang="en-CA" sz="2000" dirty="0" smtClean="0"/>
+              <a:t>They have different logic? (The different scripts)</a:t>
+            </a:r>
+          </a:p>
+          <a:p>
+            <a:pPr lvl="1"/>
+            <a:r>
+              <a:rPr lang="en-CA" sz="2000" dirty="0" smtClean="0"/>
+              <a:t>Different sprites</a:t>
+            </a:r>
+          </a:p>
+          <a:p>
+            <a:pPr lvl="1"/>
+            <a:r>
+              <a:rPr lang="en-CA" sz="2000" dirty="0" smtClean="0"/>
+              <a:t>Different Animators</a:t>
+            </a:r>
+          </a:p>
+          <a:p>
+            <a:r>
+              <a:rPr lang="en-CA" sz="2000" dirty="0" smtClean="0"/>
+              <a:t>These are just components! Why not create them in script!</a:t>
+            </a:r>
+          </a:p>
+          <a:p>
+            <a:pPr lvl="1"/>
+            <a:r>
+              <a:rPr lang="en-CA" sz="1600" dirty="0" err="1" smtClean="0"/>
+              <a:t>MonsterSpawner</a:t>
+            </a:r>
+            <a:r>
+              <a:rPr lang="en-CA" sz="1600" dirty="0" smtClean="0"/>
+              <a:t> can create a </a:t>
+            </a:r>
+            <a:r>
+              <a:rPr lang="en-CA" sz="1600" dirty="0" err="1" smtClean="0"/>
+              <a:t>gameObject</a:t>
+            </a:r>
+            <a:r>
+              <a:rPr lang="en-CA" sz="1600" dirty="0" smtClean="0"/>
+              <a:t>,</a:t>
+            </a:r>
+          </a:p>
+          <a:p>
+            <a:pPr lvl="2"/>
+            <a:r>
+              <a:rPr lang="en-CA" sz="1200" dirty="0" err="1" smtClean="0"/>
+              <a:t>GameObject</a:t>
+            </a:r>
+            <a:r>
+              <a:rPr lang="en-CA" sz="1200" dirty="0" smtClean="0"/>
+              <a:t> </a:t>
+            </a:r>
+            <a:r>
+              <a:rPr lang="en-CA" sz="1200" dirty="0" err="1" smtClean="0"/>
+              <a:t>newMonster</a:t>
+            </a:r>
+            <a:r>
+              <a:rPr lang="en-CA" sz="1200" dirty="0" smtClean="0"/>
+              <a:t> = new </a:t>
+            </a:r>
+            <a:r>
+              <a:rPr lang="en-CA" sz="1200" dirty="0" err="1" smtClean="0"/>
+              <a:t>GameObject</a:t>
+            </a:r>
+            <a:r>
+              <a:rPr lang="en-CA" sz="1200" dirty="0" smtClean="0"/>
+              <a:t>();</a:t>
+            </a:r>
+          </a:p>
+          <a:p>
+            <a:pPr lvl="1"/>
+            <a:r>
+              <a:rPr lang="en-CA" sz="1600" dirty="0" smtClean="0"/>
+              <a:t>We can set all the alike parts</a:t>
+            </a:r>
+          </a:p>
+          <a:p>
+            <a:pPr lvl="2"/>
+            <a:r>
+              <a:rPr lang="en-CA" sz="1200" dirty="0" err="1" smtClean="0"/>
+              <a:t>newMonster.tag</a:t>
+            </a:r>
+            <a:r>
+              <a:rPr lang="en-CA" sz="1200" dirty="0" smtClean="0"/>
+              <a:t> = “Monster”;</a:t>
+            </a:r>
+          </a:p>
+          <a:p>
+            <a:pPr lvl="2"/>
+            <a:r>
+              <a:rPr lang="en-CA" sz="1200" dirty="0" err="1" smtClean="0"/>
+              <a:t>newMonster.layer</a:t>
+            </a:r>
+            <a:r>
+              <a:rPr lang="en-CA" sz="1200" dirty="0" smtClean="0"/>
+              <a:t> = “Monster”;</a:t>
+            </a:r>
+          </a:p>
+          <a:p>
+            <a:pPr lvl="2"/>
+            <a:r>
+              <a:rPr lang="en-CA" sz="1200" dirty="0" err="1" smtClean="0"/>
+              <a:t>SpriteRenderer</a:t>
+            </a:r>
+            <a:r>
+              <a:rPr lang="en-CA" sz="1200" dirty="0" smtClean="0"/>
+              <a:t> </a:t>
+            </a:r>
+            <a:r>
+              <a:rPr lang="en-CA" sz="1200" dirty="0" err="1" smtClean="0"/>
+              <a:t>sr</a:t>
+            </a:r>
+            <a:r>
+              <a:rPr lang="en-CA" sz="1200" dirty="0" smtClean="0"/>
+              <a:t> = </a:t>
+            </a:r>
+            <a:r>
+              <a:rPr lang="en-CA" sz="1200" dirty="0" err="1" smtClean="0"/>
+              <a:t>newMonster.AddComponent</a:t>
+            </a:r>
+            <a:r>
+              <a:rPr lang="en-CA" sz="1200" dirty="0" smtClean="0"/>
+              <a:t>&lt;</a:t>
+            </a:r>
+            <a:r>
+              <a:rPr lang="en-CA" sz="1200" dirty="0" err="1" smtClean="0"/>
+              <a:t>SpriteRenderer</a:t>
+            </a:r>
+            <a:r>
+              <a:rPr lang="en-CA" sz="1200" dirty="0" smtClean="0"/>
+              <a:t>&gt;();</a:t>
+            </a:r>
+          </a:p>
+          <a:p>
+            <a:pPr lvl="2"/>
+            <a:r>
+              <a:rPr lang="en-CA" sz="1200" dirty="0" smtClean="0"/>
+              <a:t>Animator </a:t>
+            </a:r>
+            <a:r>
+              <a:rPr lang="en-CA" sz="1200" dirty="0" err="1" smtClean="0"/>
+              <a:t>anim</a:t>
+            </a:r>
+            <a:r>
+              <a:rPr lang="en-CA" sz="1200" dirty="0" smtClean="0"/>
+              <a:t> = </a:t>
+            </a:r>
+            <a:r>
+              <a:rPr lang="en-CA" sz="1200" dirty="0" err="1" smtClean="0"/>
+              <a:t>newMonster.AddComponent</a:t>
+            </a:r>
+            <a:r>
+              <a:rPr lang="en-CA" sz="1200" dirty="0" smtClean="0"/>
+              <a:t>&lt;Animator&gt;();</a:t>
+            </a:r>
+          </a:p>
+          <a:p>
+            <a:pPr lvl="1"/>
+            <a:r>
+              <a:rPr lang="en-CA" sz="1600" dirty="0" smtClean="0"/>
+              <a:t>The sprite can be set using the </a:t>
+            </a:r>
+            <a:r>
+              <a:rPr lang="en-CA" sz="1600" dirty="0" err="1" smtClean="0"/>
+              <a:t>enum</a:t>
+            </a:r>
+            <a:r>
+              <a:rPr lang="en-CA" sz="1600" dirty="0" smtClean="0"/>
+              <a:t>!</a:t>
+            </a:r>
+          </a:p>
+          <a:p>
+            <a:pPr lvl="2"/>
+            <a:r>
+              <a:rPr lang="en-CA" sz="1200" dirty="0" err="1" smtClean="0"/>
+              <a:t>sr.sprite</a:t>
+            </a:r>
+            <a:r>
+              <a:rPr lang="en-CA" sz="1200" dirty="0" smtClean="0"/>
+              <a:t> = </a:t>
+            </a:r>
+            <a:r>
+              <a:rPr lang="en-CA" sz="1200" dirty="0" err="1" smtClean="0"/>
+              <a:t>Resources.Load</a:t>
+            </a:r>
+            <a:r>
+              <a:rPr lang="en-CA" sz="1200" dirty="0" smtClean="0"/>
+              <a:t>(“Sprites/” + </a:t>
+            </a:r>
+            <a:r>
+              <a:rPr lang="en-CA" sz="1200" dirty="0" err="1" smtClean="0"/>
+              <a:t>monsterType</a:t>
+            </a:r>
+            <a:r>
+              <a:rPr lang="en-CA" sz="1200" dirty="0" smtClean="0"/>
+              <a:t>);</a:t>
+            </a:r>
+          </a:p>
+          <a:p>
+            <a:pPr lvl="1"/>
+            <a:endParaRPr lang="en-CA" sz="2000" dirty="0" smtClean="0"/>
+          </a:p>
+          <a:p>
+            <a:pPr marL="457200" lvl="1" indent="0">
+              <a:buNone/>
+            </a:pPr>
+            <a:endParaRPr lang="en-CA" dirty="0"/>
+          </a:p>
+        </p:txBody>
+      </p:sp>
+    </p:spTree>
+    <p:extLst>
+      <p:ext uri="{BB962C8B-B14F-4D97-AF65-F5344CB8AC3E}">
+        <p14:creationId xmlns:p14="http://schemas.microsoft.com/office/powerpoint/2010/main" val="4168410330"/>
       </p:ext>
     </p:extLst>
   </p:cSld>

--- a/Docs/FlowPresentation.pptx
+++ b/Docs/FlowPresentation.pptx
@@ -5,7 +5,7 @@
     <p:sldMasterId id="2147483648" r:id="rId1"/>
   </p:sldMasterIdLst>
   <p:notesMasterIdLst>
-    <p:notesMasterId r:id="rId28"/>
+    <p:notesMasterId r:id="rId31"/>
   </p:notesMasterIdLst>
   <p:sldIdLst>
     <p:sldId id="256" r:id="rId2"/>
@@ -22,18 +22,21 @@
     <p:sldId id="279" r:id="rId13"/>
     <p:sldId id="284" r:id="rId14"/>
     <p:sldId id="285" r:id="rId15"/>
-    <p:sldId id="268" r:id="rId16"/>
-    <p:sldId id="269" r:id="rId17"/>
-    <p:sldId id="270" r:id="rId18"/>
-    <p:sldId id="271" r:id="rId19"/>
-    <p:sldId id="273" r:id="rId20"/>
-    <p:sldId id="274" r:id="rId21"/>
-    <p:sldId id="277" r:id="rId22"/>
-    <p:sldId id="275" r:id="rId23"/>
-    <p:sldId id="278" r:id="rId24"/>
-    <p:sldId id="280" r:id="rId25"/>
-    <p:sldId id="281" r:id="rId26"/>
-    <p:sldId id="283" r:id="rId27"/>
+    <p:sldId id="286" r:id="rId16"/>
+    <p:sldId id="287" r:id="rId17"/>
+    <p:sldId id="288" r:id="rId18"/>
+    <p:sldId id="268" r:id="rId19"/>
+    <p:sldId id="269" r:id="rId20"/>
+    <p:sldId id="270" r:id="rId21"/>
+    <p:sldId id="271" r:id="rId22"/>
+    <p:sldId id="273" r:id="rId23"/>
+    <p:sldId id="274" r:id="rId24"/>
+    <p:sldId id="277" r:id="rId25"/>
+    <p:sldId id="275" r:id="rId26"/>
+    <p:sldId id="278" r:id="rId27"/>
+    <p:sldId id="280" r:id="rId28"/>
+    <p:sldId id="281" r:id="rId29"/>
+    <p:sldId id="283" r:id="rId30"/>
   </p:sldIdLst>
   <p:sldSz cx="9144000" cy="6858000" type="screen4x3"/>
   <p:notesSz cx="6858000" cy="9144000"/>
@@ -566,7 +569,7 @@
           <a:p>
             <a:fld id="{B8ED4D81-00A6-4FE4-8D49-0C43A3DF05E4}" type="slidenum">
               <a:rPr lang="en-CA" smtClean="0"/>
-              <a:t>23</a:t>
+              <a:t>26</a:t>
             </a:fld>
             <a:endParaRPr lang="en-CA"/>
           </a:p>
@@ -5232,11 +5235,7 @@
           <a:p>
             <a:r>
               <a:rPr lang="en-CA" dirty="0" smtClean="0"/>
-              <a:t>Power of </a:t>
-            </a:r>
-            <a:r>
-              <a:rPr lang="en-CA" dirty="0" err="1" smtClean="0"/>
-              <a:t>Enums</a:t>
+              <a:t>Object Pools</a:t>
             </a:r>
             <a:endParaRPr lang="en-CA" dirty="0"/>
           </a:p>
@@ -5255,142 +5254,48 @@
         <p:spPr/>
         <p:txBody>
           <a:bodyPr>
-            <a:normAutofit/>
+            <a:normAutofit fontScale="92500"/>
           </a:bodyPr>
           <a:lstStyle/>
           <a:p>
             <a:r>
-              <a:rPr lang="en-CA" sz="2200" dirty="0" smtClean="0"/>
-              <a:t>I have my class </a:t>
-            </a:r>
-            <a:r>
-              <a:rPr lang="en-CA" sz="2200" dirty="0" err="1" smtClean="0"/>
-              <a:t>MonsterSpawner</a:t>
-            </a:r>
-            <a:r>
-              <a:rPr lang="en-CA" sz="2200" dirty="0" smtClean="0"/>
-              <a:t>, it spawns monsters (prefabs) but using a string</a:t>
-            </a:r>
-          </a:p>
-          <a:p>
-            <a:r>
-              <a:rPr lang="en-CA" sz="2200" dirty="0" err="1"/>
-              <a:t>spawnedMonster</a:t>
-            </a:r>
-            <a:r>
-              <a:rPr lang="en-CA" sz="2200" dirty="0"/>
-              <a:t> = </a:t>
-            </a:r>
-            <a:r>
-              <a:rPr lang="en-CA" sz="2200" dirty="0" err="1"/>
-              <a:t>GameObject.Instantiate</a:t>
-            </a:r>
-            <a:r>
-              <a:rPr lang="en-CA" sz="2200" dirty="0"/>
-              <a:t>(</a:t>
-            </a:r>
-            <a:r>
-              <a:rPr lang="en-CA" sz="2200" dirty="0" err="1"/>
-              <a:t>Resources.Load</a:t>
-            </a:r>
-            <a:r>
-              <a:rPr lang="en-CA" sz="2200" dirty="0"/>
-              <a:t>&lt;</a:t>
-            </a:r>
-            <a:r>
-              <a:rPr lang="en-CA" sz="2200" dirty="0" err="1"/>
-              <a:t>GameObject</a:t>
-            </a:r>
-            <a:r>
-              <a:rPr lang="en-CA" sz="2200" dirty="0"/>
-              <a:t>&gt;("Prefabs/Monsters/" + </a:t>
-            </a:r>
-            <a:r>
-              <a:rPr lang="en-CA" sz="2200" dirty="0" err="1"/>
-              <a:t>monsterPrefabName</a:t>
-            </a:r>
-            <a:r>
-              <a:rPr lang="en-CA" sz="2200" dirty="0" smtClean="0"/>
-              <a:t>));</a:t>
-            </a:r>
-          </a:p>
-          <a:p>
-            <a:r>
-              <a:rPr lang="en-CA" sz="2200" dirty="0" smtClean="0"/>
-              <a:t>My child of </a:t>
-            </a:r>
-            <a:r>
-              <a:rPr lang="en-CA" sz="2200" dirty="0" err="1" smtClean="0"/>
-              <a:t>MonsterSpawner</a:t>
-            </a:r>
-            <a:r>
-              <a:rPr lang="en-CA" sz="2200" dirty="0" smtClean="0"/>
-              <a:t> (</a:t>
-            </a:r>
-            <a:r>
-              <a:rPr lang="en-CA" sz="2200" dirty="0" err="1" smtClean="0"/>
-              <a:t>SlimeMonster</a:t>
-            </a:r>
-            <a:r>
-              <a:rPr lang="en-CA" sz="2200" dirty="0" smtClean="0"/>
-              <a:t>) needs to initialize the string that is “</a:t>
-            </a:r>
-            <a:r>
-              <a:rPr lang="en-CA" sz="2200" dirty="0" err="1" smtClean="0"/>
-              <a:t>monsterPrefabName</a:t>
-            </a:r>
-            <a:r>
-              <a:rPr lang="en-CA" sz="2200" dirty="0" smtClean="0"/>
-              <a:t>” inside it’s constructor.</a:t>
-            </a:r>
-          </a:p>
-          <a:p>
-            <a:r>
-              <a:rPr lang="en-CA" sz="2200" dirty="0" smtClean="0"/>
-              <a:t>If I have 30 more children types of </a:t>
-            </a:r>
-            <a:r>
-              <a:rPr lang="en-CA" sz="2200" dirty="0" err="1" smtClean="0"/>
-              <a:t>MonsterSpawner</a:t>
-            </a:r>
-            <a:r>
-              <a:rPr lang="en-CA" sz="2200" dirty="0" smtClean="0"/>
-              <a:t>, there is a good chance I forget to do it properly at least once</a:t>
-            </a:r>
-          </a:p>
-          <a:p>
-            <a:r>
-              <a:rPr lang="en-CA" sz="2200" dirty="0" err="1" smtClean="0"/>
-              <a:t>MonsterManager</a:t>
-            </a:r>
-            <a:r>
-              <a:rPr lang="en-CA" sz="2200" dirty="0" smtClean="0"/>
-              <a:t> (Which is a flow-parent of </a:t>
-            </a:r>
-            <a:r>
-              <a:rPr lang="en-CA" sz="2200" dirty="0" err="1" smtClean="0"/>
-              <a:t>MonsterSpawner</a:t>
-            </a:r>
-            <a:r>
-              <a:rPr lang="en-CA" sz="2200" dirty="0" smtClean="0"/>
-              <a:t>) pairs &lt;</a:t>
-            </a:r>
-            <a:r>
-              <a:rPr lang="en-CA" sz="2200" dirty="0" err="1" smtClean="0"/>
-              <a:t>Enum.MonsterType,MonsterManager</a:t>
-            </a:r>
-            <a:r>
-              <a:rPr lang="en-CA" sz="2200" dirty="0" smtClean="0"/>
-              <a:t>&gt;</a:t>
-            </a:r>
-            <a:endParaRPr lang="en-CA" sz="2200" dirty="0"/>
+              <a:rPr lang="en-CA" dirty="0" smtClean="0"/>
+              <a:t>It can be expensive to create objects sometimes (Complex objects)</a:t>
+            </a:r>
+          </a:p>
+          <a:p>
+            <a:r>
+              <a:rPr lang="en-CA" dirty="0" smtClean="0"/>
+              <a:t>An Object Pool is a programming schema where whenever an object is “destroyed”, instead it is disabled, and we place it in the pool.</a:t>
+            </a:r>
+          </a:p>
+          <a:p>
+            <a:r>
+              <a:rPr lang="en-CA" dirty="0" smtClean="0"/>
+              <a:t>When an object is created, we check the pool to see if the object exists. </a:t>
+            </a:r>
+          </a:p>
+          <a:p>
+            <a:pPr lvl="1"/>
+            <a:r>
+              <a:rPr lang="en-CA" dirty="0" smtClean="0"/>
+              <a:t>If it does, we return the object. </a:t>
+            </a:r>
+          </a:p>
+          <a:p>
+            <a:pPr lvl="1"/>
+            <a:r>
+              <a:rPr lang="en-CA" dirty="0" smtClean="0"/>
+              <a:t>If it does not, we create a new one</a:t>
+            </a:r>
+            <a:endParaRPr lang="en-CA" dirty="0"/>
           </a:p>
         </p:txBody>
       </p:sp>
     </p:spTree>
     <p:extLst>
       <p:ext uri="{BB962C8B-B14F-4D97-AF65-F5344CB8AC3E}">
-        <p14:creationId xmlns:p14="http://schemas.microsoft.com/office/powerpoint/2010/main" val="238003343"/>
+        <p14:creationId xmlns:p14="http://schemas.microsoft.com/office/powerpoint/2010/main" val="3247580462"/>
       </p:ext>
     </p:extLst>
   </p:cSld>
@@ -5419,6 +5324,29 @@
       </p:grpSpPr>
       <p:sp>
         <p:nvSpPr>
+          <p:cNvPr id="2" name="Titre 1"/>
+          <p:cNvSpPr>
+            <a:spLocks noGrp="1"/>
+          </p:cNvSpPr>
+          <p:nvPr>
+            <p:ph type="title"/>
+          </p:nvPr>
+        </p:nvSpPr>
+        <p:spPr/>
+        <p:txBody>
+          <a:bodyPr/>
+          <a:lstStyle/>
+          <a:p>
+            <a:r>
+              <a:rPr lang="en-CA" dirty="0" smtClean="0"/>
+              <a:t>Factory Pattern</a:t>
+            </a:r>
+            <a:endParaRPr lang="en-CA" dirty="0"/>
+          </a:p>
+        </p:txBody>
+      </p:sp>
+      <p:sp>
+        <p:nvSpPr>
           <p:cNvPr id="3" name="Espace réservé du contenu 2"/>
           <p:cNvSpPr>
             <a:spLocks noGrp="1"/>
@@ -5434,138 +5362,36 @@
           <a:p>
             <a:r>
               <a:rPr lang="en-CA" dirty="0" smtClean="0"/>
-              <a:t>Instead, I can have the </a:t>
+              <a:t>A factory is a class (usually singleton) that creates objects (like a real factory).</a:t>
+            </a:r>
+          </a:p>
+          <a:p>
+            <a:r>
+              <a:rPr lang="en-CA" dirty="0" smtClean="0"/>
+              <a:t>Instead of having the player make bullets, we ask the factory to create one (Separation of Concerns).</a:t>
+            </a:r>
+          </a:p>
+          <a:p>
+            <a:r>
+              <a:rPr lang="en-CA" dirty="0" smtClean="0"/>
+              <a:t>For our game, instead of </a:t>
             </a:r>
             <a:r>
               <a:rPr lang="en-CA" dirty="0" err="1" smtClean="0"/>
-              <a:t>MonsterManager</a:t>
+              <a:t>Spawner</a:t>
             </a:r>
             <a:r>
               <a:rPr lang="en-CA" dirty="0" smtClean="0"/>
-              <a:t> be given that </a:t>
-            </a:r>
-            <a:r>
-              <a:rPr lang="en-CA" dirty="0" err="1" smtClean="0"/>
-              <a:t>Enum</a:t>
-            </a:r>
-            <a:endParaRPr lang="en-CA" dirty="0" smtClean="0"/>
-          </a:p>
-          <a:p>
-            <a:r>
-              <a:rPr lang="en-CA" dirty="0" smtClean="0"/>
-              <a:t>I can name the prefab the same name as the </a:t>
-            </a:r>
-            <a:r>
-              <a:rPr lang="en-CA" dirty="0" err="1" smtClean="0"/>
-              <a:t>enum</a:t>
-            </a:r>
-            <a:r>
-              <a:rPr lang="en-CA" dirty="0"/>
-              <a:t> </a:t>
-            </a:r>
-            <a:r>
-              <a:rPr lang="en-CA" dirty="0" smtClean="0"/>
-              <a:t>+ monster</a:t>
-            </a:r>
-          </a:p>
-          <a:p>
-            <a:r>
-              <a:rPr lang="en-CA" dirty="0" err="1"/>
-              <a:t>spawnedMonster</a:t>
-            </a:r>
-            <a:r>
-              <a:rPr lang="en-CA" dirty="0"/>
-              <a:t> = </a:t>
-            </a:r>
-            <a:r>
-              <a:rPr lang="en-CA" dirty="0" err="1"/>
-              <a:t>GameObject.Instantiate</a:t>
-            </a:r>
-            <a:r>
-              <a:rPr lang="en-CA" dirty="0"/>
-              <a:t>(</a:t>
-            </a:r>
-            <a:r>
-              <a:rPr lang="en-CA" dirty="0" err="1"/>
-              <a:t>Resources.Load</a:t>
-            </a:r>
-            <a:r>
-              <a:rPr lang="en-CA" dirty="0"/>
-              <a:t>&lt;</a:t>
-            </a:r>
-            <a:r>
-              <a:rPr lang="en-CA" dirty="0" err="1"/>
-              <a:t>GameObject</a:t>
-            </a:r>
-            <a:r>
-              <a:rPr lang="en-CA" dirty="0"/>
-              <a:t>&gt;("Prefabs/Monsters/" + </a:t>
-            </a:r>
-            <a:r>
-              <a:rPr lang="en-CA" dirty="0" err="1" smtClean="0"/>
-              <a:t>monsterType.ToString</a:t>
-            </a:r>
-            <a:r>
-              <a:rPr lang="en-CA" dirty="0" smtClean="0"/>
-              <a:t>() + “Monster”));</a:t>
+              <a:t> making enemies, it will ask the Factory to create one</a:t>
             </a:r>
             <a:endParaRPr lang="en-CA" dirty="0"/>
-          </a:p>
-          <a:p>
-            <a:endParaRPr lang="en-CA" dirty="0"/>
-          </a:p>
-        </p:txBody>
-      </p:sp>
-      <p:sp>
-        <p:nvSpPr>
-          <p:cNvPr id="5" name="Titre 1"/>
-          <p:cNvSpPr txBox="1">
-            <a:spLocks/>
-          </p:cNvSpPr>
-          <p:nvPr/>
-        </p:nvSpPr>
-        <p:spPr>
-          <a:xfrm>
-            <a:off x="6858000" y="274638"/>
-            <a:ext cx="1828800" cy="487362"/>
-          </a:xfrm>
-          <a:prstGeom prst="rect">
-            <a:avLst/>
-          </a:prstGeom>
-        </p:spPr>
-        <p:txBody>
-          <a:bodyPr vert="horz" lIns="91440" tIns="45720" rIns="91440" bIns="45720" rtlCol="0" anchor="ctr">
-            <a:noAutofit/>
-          </a:bodyPr>
-          <a:lstStyle>
-            <a:lvl1pPr algn="ctr" defTabSz="914400" rtl="0" eaLnBrk="1" latinLnBrk="0" hangingPunct="1">
-              <a:spcBef>
-                <a:spcPct val="0"/>
-              </a:spcBef>
-              <a:buNone/>
-              <a:defRPr sz="4400" kern="1200">
-                <a:solidFill>
-                  <a:schemeClr val="tx1"/>
-                </a:solidFill>
-                <a:latin typeface="+mj-lt"/>
-                <a:ea typeface="+mj-ea"/>
-                <a:cs typeface="+mj-cs"/>
-              </a:defRPr>
-            </a:lvl1pPr>
-          </a:lstStyle>
-          <a:p>
-            <a:r>
-              <a:rPr lang="en-CA" sz="1800" smtClean="0"/>
-              <a:t>Power of Enums</a:t>
-            </a:r>
-            <a:endParaRPr lang="en-CA" sz="1800" dirty="0"/>
           </a:p>
         </p:txBody>
       </p:sp>
     </p:spTree>
     <p:extLst>
       <p:ext uri="{BB962C8B-B14F-4D97-AF65-F5344CB8AC3E}">
-        <p14:creationId xmlns:p14="http://schemas.microsoft.com/office/powerpoint/2010/main" val="1164581419"/>
+        <p14:creationId xmlns:p14="http://schemas.microsoft.com/office/powerpoint/2010/main" val="89659571"/>
       </p:ext>
     </p:extLst>
   </p:cSld>
@@ -5594,91 +5420,7 @@
       </p:grpSpPr>
       <p:sp>
         <p:nvSpPr>
-          <p:cNvPr id="3" name="Espace réservé du contenu 2"/>
-          <p:cNvSpPr>
-            <a:spLocks noGrp="1"/>
-          </p:cNvSpPr>
-          <p:nvPr>
-            <p:ph idx="1"/>
-          </p:nvPr>
-        </p:nvSpPr>
-        <p:spPr/>
-        <p:txBody>
-          <a:bodyPr/>
-          <a:lstStyle/>
-          <a:p>
-            <a:r>
-              <a:rPr lang="en-CA" dirty="0" smtClean="0"/>
-              <a:t>In my resources folder, all my monsters could be named thus:</a:t>
-            </a:r>
-          </a:p>
-          <a:p>
-            <a:r>
-              <a:rPr lang="en-CA" dirty="0"/>
-              <a:t>Resources/Prefabs/Monsters/</a:t>
-            </a:r>
-            <a:r>
-              <a:rPr lang="en-CA" dirty="0" err="1"/>
-              <a:t>SlimeMonster</a:t>
-            </a:r>
-            <a:endParaRPr lang="en-CA" dirty="0"/>
-          </a:p>
-          <a:p>
-            <a:r>
-              <a:rPr lang="en-CA" dirty="0" smtClean="0"/>
-              <a:t>Resources/Prefabs/Monsters/</a:t>
-            </a:r>
-            <a:r>
-              <a:rPr lang="en-CA" dirty="0" err="1" smtClean="0"/>
-              <a:t>BatMonster</a:t>
-            </a:r>
-            <a:endParaRPr lang="en-CA" dirty="0"/>
-          </a:p>
-          <a:p>
-            <a:r>
-              <a:rPr lang="en-CA" dirty="0" smtClean="0"/>
-              <a:t>Resources/Prefabs/Monsters/</a:t>
-            </a:r>
-            <a:r>
-              <a:rPr lang="en-CA" dirty="0" err="1" smtClean="0"/>
-              <a:t>BrainMonster</a:t>
-            </a:r>
-            <a:endParaRPr lang="en-CA" dirty="0"/>
-          </a:p>
-          <a:p>
-            <a:endParaRPr lang="en-CA" dirty="0" smtClean="0"/>
-          </a:p>
-          <a:p>
-            <a:r>
-              <a:rPr lang="en-CA" dirty="0" err="1" smtClean="0"/>
-              <a:t>Enum</a:t>
-            </a:r>
-            <a:r>
-              <a:rPr lang="en-CA" dirty="0" smtClean="0"/>
-              <a:t> </a:t>
-            </a:r>
-            <a:r>
-              <a:rPr lang="en-CA" dirty="0" err="1" smtClean="0"/>
-              <a:t>MonsterType</a:t>
-            </a:r>
-            <a:r>
-              <a:rPr lang="en-CA" dirty="0" smtClean="0"/>
-              <a:t>{</a:t>
-            </a:r>
-            <a:r>
-              <a:rPr lang="en-CA" dirty="0" err="1" smtClean="0"/>
-              <a:t>Slime,Bat,Brain</a:t>
-            </a:r>
-            <a:r>
-              <a:rPr lang="en-CA" dirty="0" smtClean="0"/>
-              <a:t>}</a:t>
-            </a:r>
-          </a:p>
-        </p:txBody>
-      </p:sp>
-      <p:sp>
-        <p:nvSpPr>
-          <p:cNvPr id="5" name="Titre 1"/>
+          <p:cNvPr id="2" name="Titre 1"/>
           <p:cNvSpPr>
             <a:spLocks noGrp="1"/>
           </p:cNvSpPr>
@@ -5688,32 +5430,99 @@
         </p:nvSpPr>
         <p:spPr>
           <a:xfrm>
-            <a:off x="6858000" y="274638"/>
-            <a:ext cx="1828800" cy="487362"/>
+            <a:off x="7543800" y="274638"/>
+            <a:ext cx="1143000" cy="334962"/>
           </a:xfrm>
         </p:spPr>
         <p:txBody>
           <a:bodyPr>
-            <a:noAutofit/>
+            <a:normAutofit/>
           </a:bodyPr>
           <a:lstStyle/>
           <a:p>
             <a:r>
-              <a:rPr lang="en-CA" sz="1800" dirty="0" smtClean="0"/>
-              <a:t>Power of </a:t>
-            </a:r>
-            <a:r>
-              <a:rPr lang="en-CA" sz="1800" dirty="0" err="1" smtClean="0"/>
-              <a:t>Enums</a:t>
-            </a:r>
-            <a:endParaRPr lang="en-CA" sz="1800" dirty="0"/>
+              <a:rPr lang="en-CA" sz="1200" dirty="0" smtClean="0"/>
+              <a:t>Factory Pattern</a:t>
+            </a:r>
+            <a:endParaRPr lang="en-CA" sz="1200" dirty="0"/>
+          </a:p>
+        </p:txBody>
+      </p:sp>
+      <p:sp>
+        <p:nvSpPr>
+          <p:cNvPr id="3" name="Espace réservé du contenu 2"/>
+          <p:cNvSpPr>
+            <a:spLocks noGrp="1"/>
+          </p:cNvSpPr>
+          <p:nvPr>
+            <p:ph idx="1"/>
+          </p:nvPr>
+        </p:nvSpPr>
+        <p:spPr>
+          <a:xfrm>
+            <a:off x="457200" y="609600"/>
+            <a:ext cx="8229600" cy="5791200"/>
+          </a:xfrm>
+        </p:spPr>
+        <p:txBody>
+          <a:bodyPr/>
+          <a:lstStyle/>
+          <a:p>
+            <a:r>
+              <a:rPr lang="en-CA" dirty="0" smtClean="0"/>
+              <a:t>Now that the factory is de-coupled, we have an un-expected benefit.</a:t>
+            </a:r>
+            <a:r>
+              <a:rPr lang="en-CA" dirty="0"/>
+              <a:t> </a:t>
+            </a:r>
+            <a:r>
+              <a:rPr lang="en-CA" dirty="0" smtClean="0"/>
+              <a:t>The </a:t>
+            </a:r>
+            <a:r>
+              <a:rPr lang="en-CA" dirty="0" err="1" smtClean="0"/>
+              <a:t>ObjectPool</a:t>
+            </a:r>
+            <a:r>
+              <a:rPr lang="en-CA" dirty="0" smtClean="0"/>
+              <a:t>!</a:t>
+            </a:r>
+          </a:p>
+          <a:p>
+            <a:r>
+              <a:rPr lang="en-CA" dirty="0" smtClean="0"/>
+              <a:t>The factory can check if the object pool has the requested object first, if it does not, then it creates one.</a:t>
+            </a:r>
+          </a:p>
+          <a:p>
+            <a:r>
+              <a:rPr lang="en-CA" dirty="0" smtClean="0"/>
+              <a:t>This means every object that creates things (players, </a:t>
+            </a:r>
+            <a:r>
+              <a:rPr lang="en-CA" dirty="0" err="1" smtClean="0"/>
+              <a:t>spawners</a:t>
+            </a:r>
+            <a:r>
+              <a:rPr lang="en-CA" dirty="0" smtClean="0"/>
+              <a:t>) doesn’t have to manually check the </a:t>
+            </a:r>
+            <a:r>
+              <a:rPr lang="en-CA" dirty="0" err="1" smtClean="0"/>
+              <a:t>ObjectPool</a:t>
+            </a:r>
+            <a:r>
+              <a:rPr lang="en-CA" dirty="0" smtClean="0"/>
+              <a:t> before creating something. It will request the factory to create something and the factory will do it automatically.</a:t>
+            </a:r>
           </a:p>
         </p:txBody>
       </p:sp>
     </p:spTree>
     <p:extLst>
       <p:ext uri="{BB962C8B-B14F-4D97-AF65-F5344CB8AC3E}">
-        <p14:creationId xmlns:p14="http://schemas.microsoft.com/office/powerpoint/2010/main" val="576234893"/>
+        <p14:creationId xmlns:p14="http://schemas.microsoft.com/office/powerpoint/2010/main" val="3304679340"/>
       </p:ext>
     </p:extLst>
   </p:cSld>
@@ -5750,27 +5559,20 @@
             <p:ph type="title"/>
           </p:nvPr>
         </p:nvSpPr>
-        <p:spPr>
-          <a:xfrm>
-            <a:off x="6858000" y="274638"/>
-            <a:ext cx="1828800" cy="487362"/>
-          </a:xfrm>
-        </p:spPr>
-        <p:txBody>
-          <a:bodyPr>
-            <a:noAutofit/>
-          </a:bodyPr>
-          <a:lstStyle/>
-          <a:p>
-            <a:r>
-              <a:rPr lang="en-CA" sz="1800" dirty="0" smtClean="0"/>
+        <p:spPr/>
+        <p:txBody>
+          <a:bodyPr/>
+          <a:lstStyle/>
+          <a:p>
+            <a:r>
+              <a:rPr lang="en-CA" dirty="0" smtClean="0"/>
               <a:t>Power of </a:t>
             </a:r>
             <a:r>
-              <a:rPr lang="en-CA" sz="1800" dirty="0" err="1" smtClean="0"/>
+              <a:rPr lang="en-CA" dirty="0" err="1" smtClean="0"/>
               <a:t>Enums</a:t>
             </a:r>
-            <a:endParaRPr lang="en-CA" sz="1800" dirty="0"/>
+            <a:endParaRPr lang="en-CA" dirty="0"/>
           </a:p>
         </p:txBody>
       </p:sp>
@@ -5784,12 +5586,7 @@
             <p:ph idx="1"/>
           </p:nvPr>
         </p:nvSpPr>
-        <p:spPr>
-          <a:xfrm>
-            <a:off x="457200" y="762000"/>
-            <a:ext cx="8229600" cy="5364163"/>
-          </a:xfrm>
-        </p:spPr>
+        <p:spPr/>
         <p:txBody>
           <a:bodyPr>
             <a:normAutofit/>
@@ -5797,104 +5594,137 @@
           <a:lstStyle/>
           <a:p>
             <a:r>
-              <a:rPr lang="en-CA" dirty="0" smtClean="0"/>
-              <a:t>My monsters are now spawned by </a:t>
-            </a:r>
-            <a:r>
-              <a:rPr lang="en-CA" dirty="0" err="1" smtClean="0"/>
-              <a:t>enum</a:t>
-            </a:r>
-            <a:r>
-              <a:rPr lang="en-CA" dirty="0" smtClean="0"/>
-              <a:t> names. As long as I name them the same as the </a:t>
-            </a:r>
-            <a:r>
-              <a:rPr lang="en-CA" dirty="0" err="1" smtClean="0"/>
-              <a:t>enum</a:t>
-            </a:r>
-            <a:endParaRPr lang="en-CA" dirty="0" smtClean="0"/>
-          </a:p>
-          <a:p>
-            <a:r>
-              <a:rPr lang="en-CA" dirty="0" smtClean="0"/>
-              <a:t>I realize now my “</a:t>
-            </a:r>
-            <a:r>
-              <a:rPr lang="en-CA" dirty="0" err="1" smtClean="0"/>
-              <a:t>Spawner</a:t>
-            </a:r>
-            <a:r>
-              <a:rPr lang="en-CA" dirty="0" smtClean="0"/>
-              <a:t> Monsters” were being spawned by a string.</a:t>
-            </a:r>
-          </a:p>
-          <a:p>
-            <a:r>
-              <a:rPr lang="en-CA" dirty="0" err="1" smtClean="0"/>
-              <a:t>SpawnerMonsters</a:t>
-            </a:r>
-            <a:r>
-              <a:rPr lang="en-CA" dirty="0" smtClean="0"/>
-              <a:t> were spawned by </a:t>
-            </a:r>
-            <a:r>
-              <a:rPr lang="en-CA" dirty="0" err="1" smtClean="0"/>
+              <a:rPr lang="en-CA" sz="2200" dirty="0" smtClean="0"/>
+              <a:t>I have my class </a:t>
+            </a:r>
+            <a:r>
+              <a:rPr lang="en-CA" sz="2200" dirty="0" err="1" smtClean="0"/>
+              <a:t>MonsterSpawner</a:t>
+            </a:r>
+            <a:r>
+              <a:rPr lang="en-CA" sz="2200" dirty="0" smtClean="0"/>
+              <a:t>, it spawns monsters (prefabs) but using a string</a:t>
+            </a:r>
+          </a:p>
+          <a:p>
+            <a:r>
+              <a:rPr lang="en-CA" sz="2200" dirty="0" err="1"/>
+              <a:t>spawnedMonster</a:t>
+            </a:r>
+            <a:r>
+              <a:rPr lang="en-CA" sz="2200" dirty="0"/>
+              <a:t> = </a:t>
+            </a:r>
+            <a:r>
+              <a:rPr lang="en-CA" sz="2200" dirty="0" err="1"/>
+              <a:t>GameObject.Instantiate</a:t>
+            </a:r>
+            <a:r>
+              <a:rPr lang="en-CA" sz="2200" dirty="0"/>
+              <a:t>(</a:t>
+            </a:r>
+            <a:r>
+              <a:rPr lang="en-CA" sz="2200" dirty="0" err="1"/>
+              <a:t>Resources.Load</a:t>
+            </a:r>
+            <a:r>
+              <a:rPr lang="en-CA" sz="2200" dirty="0"/>
+              <a:t>&lt;</a:t>
+            </a:r>
+            <a:r>
+              <a:rPr lang="en-CA" sz="2200" dirty="0" err="1"/>
+              <a:t>GameObject</a:t>
+            </a:r>
+            <a:r>
+              <a:rPr lang="en-CA" sz="2200" dirty="0"/>
+              <a:t>&gt;("Prefabs/Monsters/" + </a:t>
+            </a:r>
+            <a:r>
+              <a:rPr lang="en-CA" sz="2200" dirty="0" err="1"/>
+              <a:t>monsterPrefabName</a:t>
+            </a:r>
+            <a:r>
+              <a:rPr lang="en-CA" sz="2200" dirty="0" smtClean="0"/>
+              <a:t>));</a:t>
+            </a:r>
+          </a:p>
+          <a:p>
+            <a:r>
+              <a:rPr lang="en-CA" sz="2200" dirty="0" smtClean="0"/>
+              <a:t>My child of </a:t>
+            </a:r>
+            <a:r>
+              <a:rPr lang="en-CA" sz="2200" dirty="0" err="1" smtClean="0"/>
+              <a:t>MonsterSpawner</a:t>
+            </a:r>
+            <a:r>
+              <a:rPr lang="en-CA" sz="2200" dirty="0" smtClean="0"/>
+              <a:t> (</a:t>
+            </a:r>
+            <a:r>
+              <a:rPr lang="en-CA" sz="2200" dirty="0" err="1" smtClean="0"/>
+              <a:t>SlimeMonster</a:t>
+            </a:r>
+            <a:r>
+              <a:rPr lang="en-CA" sz="2200" dirty="0" smtClean="0"/>
+              <a:t>) needs to initialize the string that is “</a:t>
+            </a:r>
+            <a:r>
+              <a:rPr lang="en-CA" sz="2200" dirty="0" err="1" smtClean="0"/>
+              <a:t>monsterPrefabName</a:t>
+            </a:r>
+            <a:r>
+              <a:rPr lang="en-CA" sz="2200" dirty="0" smtClean="0"/>
+              <a:t>” inside it’s constructor.</a:t>
+            </a:r>
+          </a:p>
+          <a:p>
+            <a:r>
+              <a:rPr lang="en-CA" sz="2200" dirty="0" smtClean="0"/>
+              <a:t>If I have 30 more children types of </a:t>
+            </a:r>
+            <a:r>
+              <a:rPr lang="en-CA" sz="2200" dirty="0" err="1" smtClean="0"/>
+              <a:t>MonsterSpawner</a:t>
+            </a:r>
+            <a:r>
+              <a:rPr lang="en-CA" sz="2200" dirty="0" smtClean="0"/>
+              <a:t>, there is a good chance I forget to do it properly at least once</a:t>
+            </a:r>
+          </a:p>
+          <a:p>
+            <a:r>
+              <a:rPr lang="en-CA" sz="2200" dirty="0" err="1" smtClean="0"/>
               <a:t>MonsterManager</a:t>
             </a:r>
             <a:r>
-              <a:rPr lang="en-CA" dirty="0" smtClean="0"/>
-              <a:t>, since </a:t>
-            </a:r>
-            <a:r>
-              <a:rPr lang="en-CA" dirty="0" err="1" smtClean="0"/>
-              <a:t>MonsterManager</a:t>
-            </a:r>
-            <a:r>
-              <a:rPr lang="en-CA" dirty="0" smtClean="0"/>
-              <a:t> now has an </a:t>
-            </a:r>
-            <a:r>
-              <a:rPr lang="en-CA" dirty="0" err="1" smtClean="0"/>
-              <a:t>enum</a:t>
-            </a:r>
-            <a:r>
-              <a:rPr lang="en-CA" dirty="0" smtClean="0"/>
-              <a:t>. It’s easy to make them spawned by the </a:t>
-            </a:r>
-            <a:r>
-              <a:rPr lang="en-CA" dirty="0" err="1" smtClean="0"/>
-              <a:t>enum</a:t>
-            </a:r>
-            <a:r>
-              <a:rPr lang="en-CA" dirty="0" smtClean="0"/>
-              <a:t> name too</a:t>
-            </a:r>
-          </a:p>
-          <a:p>
-            <a:r>
-              <a:rPr lang="en-CA" dirty="0" smtClean="0"/>
-              <a:t>Prefabs\</a:t>
-            </a:r>
-            <a:r>
-              <a:rPr lang="en-CA" dirty="0" err="1" smtClean="0"/>
-              <a:t>MonsterSpawners</a:t>
-            </a:r>
-            <a:r>
-              <a:rPr lang="en-CA" dirty="0" smtClean="0"/>
-              <a:t>\</a:t>
-            </a:r>
-            <a:r>
-              <a:rPr lang="en-CA" dirty="0" err="1" smtClean="0"/>
-              <a:t>SlimeSpawner</a:t>
-            </a:r>
-            <a:endParaRPr lang="en-CA" dirty="0"/>
+              <a:rPr lang="en-CA" sz="2200" dirty="0" smtClean="0"/>
+              <a:t> (Which is a flow-parent of </a:t>
+            </a:r>
+            <a:r>
+              <a:rPr lang="en-CA" sz="2200" dirty="0" err="1" smtClean="0"/>
+              <a:t>MonsterSpawner</a:t>
+            </a:r>
+            <a:r>
+              <a:rPr lang="en-CA" sz="2200" dirty="0" smtClean="0"/>
+              <a:t>) pairs &lt;</a:t>
+            </a:r>
+            <a:r>
+              <a:rPr lang="en-CA" sz="2200" dirty="0" err="1" smtClean="0"/>
+              <a:t>Enum.MonsterType,MonsterManager</a:t>
+            </a:r>
+            <a:r>
+              <a:rPr lang="en-CA" sz="2200" dirty="0" smtClean="0"/>
+              <a:t>&gt;</a:t>
+            </a:r>
+            <a:endParaRPr lang="en-CA" sz="2200" dirty="0"/>
           </a:p>
         </p:txBody>
       </p:sp>
     </p:spTree>
     <p:extLst>
       <p:ext uri="{BB962C8B-B14F-4D97-AF65-F5344CB8AC3E}">
-        <p14:creationId xmlns:p14="http://schemas.microsoft.com/office/powerpoint/2010/main" val="3814057654"/>
+        <p14:creationId xmlns:p14="http://schemas.microsoft.com/office/powerpoint/2010/main" val="238003343"/>
       </p:ext>
     </p:extLst>
   </p:cSld>
@@ -5923,12 +5753,12 @@
       </p:grpSpPr>
       <p:sp>
         <p:nvSpPr>
-          <p:cNvPr id="2" name="Titre 1"/>
-          <p:cNvSpPr>
-            <a:spLocks noGrp="1"/>
-          </p:cNvSpPr>
-          <p:nvPr>
-            <p:ph type="title"/>
+          <p:cNvPr id="3" name="Espace réservé du contenu 2"/>
+          <p:cNvSpPr>
+            <a:spLocks noGrp="1"/>
+          </p:cNvSpPr>
+          <p:nvPr>
+            <p:ph idx="1"/>
           </p:nvPr>
         </p:nvSpPr>
         <p:spPr/>
@@ -5938,211 +5768,138 @@
           <a:p>
             <a:r>
               <a:rPr lang="en-CA" dirty="0" smtClean="0"/>
-              <a:t>Spawning random monsters</a:t>
+              <a:t>Instead, I can have the </a:t>
+            </a:r>
+            <a:r>
+              <a:rPr lang="en-CA" dirty="0" err="1" smtClean="0"/>
+              <a:t>MonsterManager</a:t>
+            </a:r>
+            <a:r>
+              <a:rPr lang="en-CA" dirty="0" smtClean="0"/>
+              <a:t> be given that </a:t>
+            </a:r>
+            <a:r>
+              <a:rPr lang="en-CA" dirty="0" err="1" smtClean="0"/>
+              <a:t>Enum</a:t>
+            </a:r>
+            <a:endParaRPr lang="en-CA" dirty="0" smtClean="0"/>
+          </a:p>
+          <a:p>
+            <a:r>
+              <a:rPr lang="en-CA" dirty="0" smtClean="0"/>
+              <a:t>I can name the prefab the same name as the </a:t>
+            </a:r>
+            <a:r>
+              <a:rPr lang="en-CA" dirty="0" err="1" smtClean="0"/>
+              <a:t>enum</a:t>
+            </a:r>
+            <a:r>
+              <a:rPr lang="en-CA" dirty="0"/>
+              <a:t> </a:t>
+            </a:r>
+            <a:r>
+              <a:rPr lang="en-CA" dirty="0" smtClean="0"/>
+              <a:t>+ monster</a:t>
+            </a:r>
+          </a:p>
+          <a:p>
+            <a:r>
+              <a:rPr lang="en-CA" dirty="0" err="1"/>
+              <a:t>spawnedMonster</a:t>
+            </a:r>
+            <a:r>
+              <a:rPr lang="en-CA" dirty="0"/>
+              <a:t> = </a:t>
+            </a:r>
+            <a:r>
+              <a:rPr lang="en-CA" dirty="0" err="1"/>
+              <a:t>GameObject.Instantiate</a:t>
+            </a:r>
+            <a:r>
+              <a:rPr lang="en-CA" dirty="0"/>
+              <a:t>(</a:t>
+            </a:r>
+            <a:r>
+              <a:rPr lang="en-CA" dirty="0" err="1"/>
+              <a:t>Resources.Load</a:t>
+            </a:r>
+            <a:r>
+              <a:rPr lang="en-CA" dirty="0"/>
+              <a:t>&lt;</a:t>
+            </a:r>
+            <a:r>
+              <a:rPr lang="en-CA" dirty="0" err="1"/>
+              <a:t>GameObject</a:t>
+            </a:r>
+            <a:r>
+              <a:rPr lang="en-CA" dirty="0"/>
+              <a:t>&gt;("Prefabs/Monsters/" + </a:t>
+            </a:r>
+            <a:r>
+              <a:rPr lang="en-CA" dirty="0" err="1" smtClean="0"/>
+              <a:t>monsterType.ToString</a:t>
+            </a:r>
+            <a:r>
+              <a:rPr lang="en-CA" dirty="0" smtClean="0"/>
+              <a:t>() + “Monster”));</a:t>
             </a:r>
             <a:endParaRPr lang="en-CA" dirty="0"/>
           </a:p>
-        </p:txBody>
-      </p:sp>
-      <p:sp>
-        <p:nvSpPr>
-          <p:cNvPr id="3" name="Espace réservé du contenu 2"/>
-          <p:cNvSpPr>
-            <a:spLocks noGrp="1"/>
-          </p:cNvSpPr>
-          <p:nvPr>
-            <p:ph idx="1"/>
-          </p:nvPr>
-        </p:nvSpPr>
-        <p:spPr/>
-        <p:txBody>
-          <a:bodyPr>
-            <a:normAutofit/>
+          <a:p>
+            <a:endParaRPr lang="en-CA" dirty="0"/>
+          </a:p>
+        </p:txBody>
+      </p:sp>
+      <p:sp>
+        <p:nvSpPr>
+          <p:cNvPr id="5" name="Titre 1"/>
+          <p:cNvSpPr txBox="1">
+            <a:spLocks/>
+          </p:cNvSpPr>
+          <p:nvPr/>
+        </p:nvSpPr>
+        <p:spPr>
+          <a:xfrm>
+            <a:off x="6858000" y="274638"/>
+            <a:ext cx="1828800" cy="487362"/>
+          </a:xfrm>
+          <a:prstGeom prst="rect">
+            <a:avLst/>
+          </a:prstGeom>
+        </p:spPr>
+        <p:txBody>
+          <a:bodyPr vert="horz" lIns="91440" tIns="45720" rIns="91440" bIns="45720" rtlCol="0" anchor="ctr">
+            <a:noAutofit/>
           </a:bodyPr>
-          <a:lstStyle/>
-          <a:p>
-            <a:pPr marL="0" indent="0">
-              <a:buNone/>
-            </a:pPr>
-            <a:r>
-              <a:rPr lang="en-CA" dirty="0"/>
-              <a:t>public void </a:t>
-            </a:r>
-            <a:r>
-              <a:rPr lang="en-CA" dirty="0" err="1"/>
-              <a:t>SpawnRandomMonsterBreeder</a:t>
-            </a:r>
-            <a:r>
-              <a:rPr lang="en-CA" dirty="0"/>
-              <a:t>()</a:t>
-            </a:r>
-          </a:p>
-          <a:p>
-            <a:pPr marL="0" indent="0">
-              <a:buNone/>
-            </a:pPr>
-            <a:r>
-              <a:rPr lang="en-CA" dirty="0" smtClean="0"/>
-              <a:t> {</a:t>
-            </a:r>
-          </a:p>
-          <a:p>
-            <a:pPr marL="0" indent="0">
-              <a:buNone/>
-            </a:pPr>
-            <a:r>
-              <a:rPr lang="en-CA" sz="2000" dirty="0" smtClean="0"/>
-              <a:t>Vector2 </a:t>
-            </a:r>
-            <a:r>
-              <a:rPr lang="en-CA" sz="2000" dirty="0" err="1"/>
-              <a:t>loc</a:t>
-            </a:r>
-            <a:r>
-              <a:rPr lang="en-CA" sz="2000" dirty="0"/>
-              <a:t> = new Vector2(</a:t>
-            </a:r>
-            <a:r>
-              <a:rPr lang="en-CA" sz="2000" dirty="0" err="1"/>
-              <a:t>Random.Range</a:t>
-            </a:r>
-            <a:r>
-              <a:rPr lang="en-CA" sz="2000" dirty="0"/>
-              <a:t>(0, </a:t>
-            </a:r>
-            <a:r>
-              <a:rPr lang="en-CA" sz="2000" dirty="0" err="1"/>
-              <a:t>GV.Map_Size_XY</a:t>
-            </a:r>
-            <a:r>
-              <a:rPr lang="en-CA" sz="2000" dirty="0"/>
-              <a:t>), </a:t>
-            </a:r>
-            <a:r>
-              <a:rPr lang="en-CA" sz="2000" dirty="0" smtClean="0"/>
-              <a:t>	</a:t>
-            </a:r>
-            <a:r>
-              <a:rPr lang="en-CA" sz="2000" dirty="0" err="1" smtClean="0"/>
-              <a:t>Random.Range</a:t>
-            </a:r>
-            <a:r>
-              <a:rPr lang="en-CA" sz="2000" dirty="0" smtClean="0"/>
-              <a:t>(0</a:t>
-            </a:r>
-            <a:r>
-              <a:rPr lang="en-CA" sz="2000" dirty="0"/>
-              <a:t>, </a:t>
-            </a:r>
-            <a:r>
-              <a:rPr lang="en-CA" sz="2000" dirty="0" err="1"/>
-              <a:t>GV.Map_Size_XY</a:t>
-            </a:r>
-            <a:r>
-              <a:rPr lang="en-CA" sz="2000" dirty="0"/>
-              <a:t>));</a:t>
-            </a:r>
-          </a:p>
-          <a:p>
-            <a:pPr marL="0" indent="0">
-              <a:buNone/>
-            </a:pPr>
-            <a:r>
-              <a:rPr lang="en-CA" sz="2000" dirty="0"/>
-              <a:t>        </a:t>
-            </a:r>
-            <a:r>
-              <a:rPr lang="en-CA" sz="2000" dirty="0" err="1"/>
-              <a:t>MonsterManager</a:t>
-            </a:r>
-            <a:r>
-              <a:rPr lang="en-CA" sz="2000" dirty="0"/>
-              <a:t> mm = new </a:t>
-            </a:r>
-            <a:r>
-              <a:rPr lang="en-CA" sz="2000" dirty="0" err="1"/>
-              <a:t>MonsterManager</a:t>
-            </a:r>
-            <a:r>
-              <a:rPr lang="en-CA" sz="2000" dirty="0"/>
-              <a:t>(</a:t>
-            </a:r>
-            <a:r>
-              <a:rPr lang="en-CA" sz="2000" dirty="0" err="1"/>
-              <a:t>GV.MonsterTypes.Slime</a:t>
-            </a:r>
-            <a:r>
-              <a:rPr lang="en-CA" sz="2000" dirty="0"/>
-              <a:t>);</a:t>
-            </a:r>
-          </a:p>
-          <a:p>
-            <a:pPr marL="0" indent="0">
-              <a:buNone/>
-            </a:pPr>
-            <a:r>
-              <a:rPr lang="en-CA" sz="2000" dirty="0"/>
-              <a:t>        </a:t>
-            </a:r>
-            <a:r>
-              <a:rPr lang="en-CA" sz="2000" dirty="0" err="1"/>
-              <a:t>mm.CreateBreeder</a:t>
-            </a:r>
-            <a:r>
-              <a:rPr lang="en-CA" sz="2000" dirty="0"/>
-              <a:t>(</a:t>
-            </a:r>
-            <a:r>
-              <a:rPr lang="en-CA" sz="2000" dirty="0" err="1"/>
-              <a:t>loc</a:t>
-            </a:r>
-            <a:r>
-              <a:rPr lang="en-CA" sz="2000" dirty="0"/>
-              <a:t>);</a:t>
-            </a:r>
-          </a:p>
-          <a:p>
-            <a:pPr marL="0" indent="0">
-              <a:buNone/>
-            </a:pPr>
-            <a:r>
-              <a:rPr lang="en-CA" sz="2000" dirty="0"/>
-              <a:t>        </a:t>
-            </a:r>
-            <a:r>
-              <a:rPr lang="en-CA" sz="2000" dirty="0" err="1"/>
-              <a:t>monsterManagers.Add</a:t>
-            </a:r>
-            <a:r>
-              <a:rPr lang="en-CA" sz="2000" dirty="0"/>
-              <a:t>(</a:t>
-            </a:r>
-            <a:r>
-              <a:rPr lang="en-CA" sz="2000" dirty="0" err="1"/>
-              <a:t>GV.MonsterTypes.Slime</a:t>
-            </a:r>
-            <a:r>
-              <a:rPr lang="en-CA" sz="2000" dirty="0"/>
-              <a:t>, mm);        </a:t>
-            </a:r>
-            <a:endParaRPr lang="en-CA" dirty="0"/>
-          </a:p>
-          <a:p>
-            <a:pPr marL="0" indent="0">
-              <a:buNone/>
-            </a:pPr>
-            <a:r>
-              <a:rPr lang="en-CA" dirty="0" smtClean="0"/>
-              <a:t>}</a:t>
-            </a:r>
-            <a:endParaRPr lang="en-CA" dirty="0"/>
+          <a:lstStyle>
+            <a:lvl1pPr algn="ctr" defTabSz="914400" rtl="0" eaLnBrk="1" latinLnBrk="0" hangingPunct="1">
+              <a:spcBef>
+                <a:spcPct val="0"/>
+              </a:spcBef>
+              <a:buNone/>
+              <a:defRPr sz="4400" kern="1200">
+                <a:solidFill>
+                  <a:schemeClr val="tx1"/>
+                </a:solidFill>
+                <a:latin typeface="+mj-lt"/>
+                <a:ea typeface="+mj-ea"/>
+                <a:cs typeface="+mj-cs"/>
+              </a:defRPr>
+            </a:lvl1pPr>
+          </a:lstStyle>
+          <a:p>
+            <a:r>
+              <a:rPr lang="en-CA" sz="1800" smtClean="0"/>
+              <a:t>Power of Enums</a:t>
+            </a:r>
+            <a:endParaRPr lang="en-CA" sz="1800" dirty="0"/>
           </a:p>
         </p:txBody>
       </p:sp>
     </p:spTree>
     <p:extLst>
       <p:ext uri="{BB962C8B-B14F-4D97-AF65-F5344CB8AC3E}">
-        <p14:creationId xmlns:p14="http://schemas.microsoft.com/office/powerpoint/2010/main" val="2202625718"/>
+        <p14:creationId xmlns:p14="http://schemas.microsoft.com/office/powerpoint/2010/main" val="1164581419"/>
       </p:ext>
     </p:extLst>
   </p:cSld>
@@ -6521,195 +6278,118 @@
             <p:ph idx="1"/>
           </p:nvPr>
         </p:nvSpPr>
+        <p:spPr/>
+        <p:txBody>
+          <a:bodyPr/>
+          <a:lstStyle/>
+          <a:p>
+            <a:r>
+              <a:rPr lang="en-CA" dirty="0" smtClean="0"/>
+              <a:t>In my resources folder, all my monsters could be named thus:</a:t>
+            </a:r>
+          </a:p>
+          <a:p>
+            <a:r>
+              <a:rPr lang="en-CA" dirty="0"/>
+              <a:t>Resources/Prefabs/Monsters/</a:t>
+            </a:r>
+            <a:r>
+              <a:rPr lang="en-CA" dirty="0" err="1"/>
+              <a:t>SlimeMonster</a:t>
+            </a:r>
+            <a:endParaRPr lang="en-CA" dirty="0"/>
+          </a:p>
+          <a:p>
+            <a:r>
+              <a:rPr lang="en-CA" dirty="0" smtClean="0"/>
+              <a:t>Resources/Prefabs/Monsters/</a:t>
+            </a:r>
+            <a:r>
+              <a:rPr lang="en-CA" dirty="0" err="1" smtClean="0"/>
+              <a:t>BatMonster</a:t>
+            </a:r>
+            <a:endParaRPr lang="en-CA" dirty="0"/>
+          </a:p>
+          <a:p>
+            <a:r>
+              <a:rPr lang="en-CA" dirty="0" smtClean="0"/>
+              <a:t>Resources/Prefabs/Monsters/</a:t>
+            </a:r>
+            <a:r>
+              <a:rPr lang="en-CA" dirty="0" err="1" smtClean="0"/>
+              <a:t>BrainMonster</a:t>
+            </a:r>
+            <a:endParaRPr lang="en-CA" dirty="0"/>
+          </a:p>
+          <a:p>
+            <a:endParaRPr lang="en-CA" dirty="0" smtClean="0"/>
+          </a:p>
+          <a:p>
+            <a:r>
+              <a:rPr lang="en-CA" dirty="0" err="1" smtClean="0"/>
+              <a:t>Enum</a:t>
+            </a:r>
+            <a:r>
+              <a:rPr lang="en-CA" dirty="0" smtClean="0"/>
+              <a:t> </a:t>
+            </a:r>
+            <a:r>
+              <a:rPr lang="en-CA" dirty="0" err="1" smtClean="0"/>
+              <a:t>MonsterType</a:t>
+            </a:r>
+            <a:r>
+              <a:rPr lang="en-CA" dirty="0" smtClean="0"/>
+              <a:t>{</a:t>
+            </a:r>
+            <a:r>
+              <a:rPr lang="en-CA" dirty="0" err="1" smtClean="0"/>
+              <a:t>Slime,Bat,Brain</a:t>
+            </a:r>
+            <a:r>
+              <a:rPr lang="en-CA" dirty="0" smtClean="0"/>
+              <a:t>}</a:t>
+            </a:r>
+          </a:p>
+        </p:txBody>
+      </p:sp>
+      <p:sp>
+        <p:nvSpPr>
+          <p:cNvPr id="5" name="Titre 1"/>
+          <p:cNvSpPr>
+            <a:spLocks noGrp="1"/>
+          </p:cNvSpPr>
+          <p:nvPr>
+            <p:ph type="title"/>
+          </p:nvPr>
+        </p:nvSpPr>
         <p:spPr>
           <a:xfrm>
-            <a:off x="457200" y="762000"/>
-            <a:ext cx="8229600" cy="5364163"/>
+            <a:off x="6858000" y="274638"/>
+            <a:ext cx="1828800" cy="487362"/>
           </a:xfrm>
         </p:spPr>
         <p:txBody>
-          <a:bodyPr/>
-          <a:lstStyle/>
-          <a:p>
-            <a:r>
-              <a:rPr lang="en-CA" dirty="0" smtClean="0"/>
-              <a:t>The previous method means we need to pass an </a:t>
-            </a:r>
-            <a:r>
-              <a:rPr lang="en-CA" dirty="0" err="1" smtClean="0"/>
-              <a:t>enum</a:t>
-            </a:r>
-            <a:r>
-              <a:rPr lang="en-CA" dirty="0" smtClean="0"/>
-              <a:t> each time we want to spawn a monster</a:t>
-            </a:r>
-          </a:p>
-          <a:p>
-            <a:r>
-              <a:rPr lang="en-CA" dirty="0" smtClean="0"/>
-              <a:t>Let us grab a random </a:t>
-            </a:r>
-            <a:r>
-              <a:rPr lang="en-CA" dirty="0" err="1" smtClean="0"/>
-              <a:t>enum</a:t>
-            </a:r>
-            <a:r>
-              <a:rPr lang="en-CA" dirty="0" smtClean="0"/>
-              <a:t> instead</a:t>
-            </a:r>
-          </a:p>
-          <a:p>
-            <a:r>
-              <a:rPr lang="en-CA" dirty="0" smtClean="0"/>
-              <a:t>You can turn an </a:t>
-            </a:r>
-            <a:r>
-              <a:rPr lang="en-CA" dirty="0" err="1" smtClean="0"/>
-              <a:t>enum</a:t>
-            </a:r>
-            <a:r>
-              <a:rPr lang="en-CA" dirty="0" smtClean="0"/>
-              <a:t> into a list with</a:t>
-            </a:r>
-          </a:p>
-          <a:p>
-            <a:r>
-              <a:rPr lang="en-CA" sz="2400" dirty="0" smtClean="0"/>
-              <a:t>List&lt;</a:t>
-            </a:r>
-            <a:r>
-              <a:rPr lang="en-CA" sz="2400" dirty="0" err="1" smtClean="0"/>
-              <a:t>GV.Monster</a:t>
-            </a:r>
-            <a:r>
-              <a:rPr lang="en-CA" sz="2400" dirty="0" smtClean="0"/>
-              <a:t>&gt; </a:t>
-            </a:r>
-            <a:r>
-              <a:rPr lang="en-CA" sz="2400" dirty="0" err="1" smtClean="0"/>
-              <a:t>fullEnumList</a:t>
-            </a:r>
-            <a:r>
-              <a:rPr lang="en-CA" sz="2400" dirty="0" smtClean="0"/>
-              <a:t> =</a:t>
-            </a:r>
-            <a:endParaRPr lang="en-CA" dirty="0" smtClean="0"/>
-          </a:p>
-          <a:p>
-            <a:pPr marL="0" indent="0">
-              <a:buNone/>
-            </a:pPr>
-            <a:r>
-              <a:rPr lang="en-CA" sz="2400" dirty="0" err="1" smtClean="0"/>
-              <a:t>System.Enum.GetValues</a:t>
-            </a:r>
-            <a:r>
-              <a:rPr lang="en-CA" sz="2400" dirty="0" smtClean="0"/>
-              <a:t>(</a:t>
-            </a:r>
-            <a:r>
-              <a:rPr lang="en-CA" sz="2400" dirty="0" err="1" smtClean="0"/>
-              <a:t>typeof</a:t>
-            </a:r>
-            <a:r>
-              <a:rPr lang="en-CA" sz="2400" dirty="0" smtClean="0"/>
-              <a:t>(</a:t>
-            </a:r>
-            <a:r>
-              <a:rPr lang="en-CA" sz="2400" dirty="0" err="1" smtClean="0"/>
-              <a:t>GV.Monster</a:t>
-            </a:r>
-            <a:r>
-              <a:rPr lang="en-CA" sz="2400" dirty="0" smtClean="0"/>
-              <a:t>)).cast&lt; </a:t>
-            </a:r>
-            <a:r>
-              <a:rPr lang="en-CA" sz="2400" dirty="0" err="1"/>
-              <a:t>GV.Monster</a:t>
-            </a:r>
-            <a:r>
-              <a:rPr lang="en-CA" sz="2400" dirty="0" smtClean="0"/>
-              <a:t>&gt;().</a:t>
-            </a:r>
-            <a:r>
-              <a:rPr lang="en-CA" sz="2400" dirty="0" err="1" smtClean="0"/>
-              <a:t>ToList</a:t>
-            </a:r>
-            <a:r>
-              <a:rPr lang="en-CA" sz="2400" dirty="0" smtClean="0"/>
-              <a:t>();</a:t>
-            </a:r>
-            <a:endParaRPr lang="en-CA" sz="2400" dirty="0"/>
-          </a:p>
-          <a:p>
-            <a:r>
-              <a:rPr lang="en-CA" dirty="0" smtClean="0"/>
-              <a:t>Then we can get the length and get a random</a:t>
-            </a:r>
-          </a:p>
-          <a:p>
-            <a:r>
-              <a:rPr lang="en-CA" sz="2400" dirty="0" err="1" smtClean="0"/>
-              <a:t>GV.Monster</a:t>
-            </a:r>
-            <a:r>
-              <a:rPr lang="en-CA" sz="2400" dirty="0" smtClean="0"/>
-              <a:t> m = </a:t>
-            </a:r>
-            <a:r>
-              <a:rPr lang="en-CA" sz="2400" dirty="0" err="1" smtClean="0"/>
-              <a:t>fullEnumList</a:t>
-            </a:r>
-            <a:r>
-              <a:rPr lang="en-CA" sz="2400" dirty="0" smtClean="0"/>
-              <a:t>[</a:t>
-            </a:r>
-            <a:r>
-              <a:rPr lang="en-CA" sz="2400" dirty="0" err="1" smtClean="0"/>
-              <a:t>Random.Range</a:t>
-            </a:r>
-            <a:r>
-              <a:rPr lang="en-CA" sz="2400" dirty="0" smtClean="0"/>
-              <a:t>(0,fulEnumList.Count);</a:t>
-            </a:r>
-            <a:endParaRPr lang="en-CA" sz="2400" dirty="0"/>
-          </a:p>
-        </p:txBody>
-      </p:sp>
-      <p:sp>
-        <p:nvSpPr>
-          <p:cNvPr id="4" name="Titre 1"/>
-          <p:cNvSpPr>
-            <a:spLocks noGrp="1"/>
-          </p:cNvSpPr>
-          <p:nvPr>
-            <p:ph type="title"/>
-          </p:nvPr>
-        </p:nvSpPr>
-        <p:spPr>
-          <a:xfrm>
-            <a:off x="7696200" y="152400"/>
-            <a:ext cx="1295400" cy="487362"/>
-          </a:xfrm>
-        </p:spPr>
-        <p:txBody>
           <a:bodyPr>
-            <a:normAutofit/>
+            <a:noAutofit/>
           </a:bodyPr>
           <a:lstStyle/>
           <a:p>
             <a:r>
-              <a:rPr lang="en-CA" sz="1200" dirty="0" smtClean="0"/>
-              <a:t>Spawning random monsters</a:t>
-            </a:r>
-            <a:endParaRPr lang="en-CA" sz="1200" dirty="0"/>
+              <a:rPr lang="en-CA" sz="1800" dirty="0" smtClean="0"/>
+              <a:t>Power of </a:t>
+            </a:r>
+            <a:r>
+              <a:rPr lang="en-CA" sz="1800" dirty="0" err="1" smtClean="0"/>
+              <a:t>Enums</a:t>
+            </a:r>
+            <a:endParaRPr lang="en-CA" sz="1800" dirty="0"/>
           </a:p>
         </p:txBody>
       </p:sp>
     </p:spTree>
     <p:extLst>
       <p:ext uri="{BB962C8B-B14F-4D97-AF65-F5344CB8AC3E}">
-        <p14:creationId xmlns:p14="http://schemas.microsoft.com/office/powerpoint/2010/main" val="1176327043"/>
+        <p14:creationId xmlns:p14="http://schemas.microsoft.com/office/powerpoint/2010/main" val="576234893"/>
       </p:ext>
     </p:extLst>
   </p:cSld>
@@ -6738,6 +6418,660 @@
       </p:grpSpPr>
       <p:sp>
         <p:nvSpPr>
+          <p:cNvPr id="2" name="Titre 1"/>
+          <p:cNvSpPr>
+            <a:spLocks noGrp="1"/>
+          </p:cNvSpPr>
+          <p:nvPr>
+            <p:ph type="title"/>
+          </p:nvPr>
+        </p:nvSpPr>
+        <p:spPr>
+          <a:xfrm>
+            <a:off x="6858000" y="274638"/>
+            <a:ext cx="1828800" cy="487362"/>
+          </a:xfrm>
+        </p:spPr>
+        <p:txBody>
+          <a:bodyPr>
+            <a:noAutofit/>
+          </a:bodyPr>
+          <a:lstStyle/>
+          <a:p>
+            <a:r>
+              <a:rPr lang="en-CA" sz="1800" dirty="0" smtClean="0"/>
+              <a:t>Power of </a:t>
+            </a:r>
+            <a:r>
+              <a:rPr lang="en-CA" sz="1800" dirty="0" err="1" smtClean="0"/>
+              <a:t>Enums</a:t>
+            </a:r>
+            <a:endParaRPr lang="en-CA" sz="1800" dirty="0"/>
+          </a:p>
+        </p:txBody>
+      </p:sp>
+      <p:sp>
+        <p:nvSpPr>
+          <p:cNvPr id="3" name="Espace réservé du contenu 2"/>
+          <p:cNvSpPr>
+            <a:spLocks noGrp="1"/>
+          </p:cNvSpPr>
+          <p:nvPr>
+            <p:ph idx="1"/>
+          </p:nvPr>
+        </p:nvSpPr>
+        <p:spPr>
+          <a:xfrm>
+            <a:off x="457200" y="762000"/>
+            <a:ext cx="8229600" cy="5364163"/>
+          </a:xfrm>
+        </p:spPr>
+        <p:txBody>
+          <a:bodyPr>
+            <a:normAutofit/>
+          </a:bodyPr>
+          <a:lstStyle/>
+          <a:p>
+            <a:r>
+              <a:rPr lang="en-CA" dirty="0" smtClean="0"/>
+              <a:t>My monsters are now spawned by </a:t>
+            </a:r>
+            <a:r>
+              <a:rPr lang="en-CA" dirty="0" err="1" smtClean="0"/>
+              <a:t>enum</a:t>
+            </a:r>
+            <a:r>
+              <a:rPr lang="en-CA" dirty="0" smtClean="0"/>
+              <a:t> names. As long as I name them the same as the </a:t>
+            </a:r>
+            <a:r>
+              <a:rPr lang="en-CA" dirty="0" err="1" smtClean="0"/>
+              <a:t>enum</a:t>
+            </a:r>
+            <a:endParaRPr lang="en-CA" dirty="0" smtClean="0"/>
+          </a:p>
+          <a:p>
+            <a:r>
+              <a:rPr lang="en-CA" dirty="0" smtClean="0"/>
+              <a:t>I realize now my “</a:t>
+            </a:r>
+            <a:r>
+              <a:rPr lang="en-CA" dirty="0" err="1" smtClean="0"/>
+              <a:t>Spawner</a:t>
+            </a:r>
+            <a:r>
+              <a:rPr lang="en-CA" dirty="0" smtClean="0"/>
+              <a:t> Monsters” were being spawned by a string.</a:t>
+            </a:r>
+          </a:p>
+          <a:p>
+            <a:r>
+              <a:rPr lang="en-CA" dirty="0" err="1" smtClean="0"/>
+              <a:t>SpawnerMonsters</a:t>
+            </a:r>
+            <a:r>
+              <a:rPr lang="en-CA" dirty="0" smtClean="0"/>
+              <a:t> were spawned by </a:t>
+            </a:r>
+            <a:r>
+              <a:rPr lang="en-CA" dirty="0" err="1" smtClean="0"/>
+              <a:t>MonsterManager</a:t>
+            </a:r>
+            <a:r>
+              <a:rPr lang="en-CA" dirty="0" smtClean="0"/>
+              <a:t>, since </a:t>
+            </a:r>
+            <a:r>
+              <a:rPr lang="en-CA" dirty="0" err="1" smtClean="0"/>
+              <a:t>MonsterManager</a:t>
+            </a:r>
+            <a:r>
+              <a:rPr lang="en-CA" dirty="0" smtClean="0"/>
+              <a:t> now has an </a:t>
+            </a:r>
+            <a:r>
+              <a:rPr lang="en-CA" dirty="0" err="1" smtClean="0"/>
+              <a:t>enum</a:t>
+            </a:r>
+            <a:r>
+              <a:rPr lang="en-CA" dirty="0" smtClean="0"/>
+              <a:t>. It’s easy to make them spawned by the </a:t>
+            </a:r>
+            <a:r>
+              <a:rPr lang="en-CA" dirty="0" err="1" smtClean="0"/>
+              <a:t>enum</a:t>
+            </a:r>
+            <a:r>
+              <a:rPr lang="en-CA" dirty="0" smtClean="0"/>
+              <a:t> name too</a:t>
+            </a:r>
+          </a:p>
+          <a:p>
+            <a:r>
+              <a:rPr lang="en-CA" dirty="0" smtClean="0"/>
+              <a:t>Prefabs\</a:t>
+            </a:r>
+            <a:r>
+              <a:rPr lang="en-CA" dirty="0" err="1" smtClean="0"/>
+              <a:t>MonsterSpawners</a:t>
+            </a:r>
+            <a:r>
+              <a:rPr lang="en-CA" dirty="0" smtClean="0"/>
+              <a:t>\</a:t>
+            </a:r>
+            <a:r>
+              <a:rPr lang="en-CA" dirty="0" err="1" smtClean="0"/>
+              <a:t>SlimeSpawner</a:t>
+            </a:r>
+            <a:endParaRPr lang="en-CA" dirty="0"/>
+          </a:p>
+        </p:txBody>
+      </p:sp>
+    </p:spTree>
+    <p:extLst>
+      <p:ext uri="{BB962C8B-B14F-4D97-AF65-F5344CB8AC3E}">
+        <p14:creationId xmlns:p14="http://schemas.microsoft.com/office/powerpoint/2010/main" val="3814057654"/>
+      </p:ext>
+    </p:extLst>
+  </p:cSld>
+  <p:clrMapOvr>
+    <a:masterClrMapping/>
+  </p:clrMapOvr>
+</p:sld>
+</file>
+
+<file path=ppt/slides/slide22.xml><?xml version="1.0" encoding="utf-8"?>
+<p:sld xmlns:a="http://schemas.openxmlformats.org/drawingml/2006/main" xmlns:r="http://schemas.openxmlformats.org/officeDocument/2006/relationships" xmlns:p="http://schemas.openxmlformats.org/presentationml/2006/main">
+  <p:cSld>
+    <p:spTree>
+      <p:nvGrpSpPr>
+        <p:cNvPr id="1" name=""/>
+        <p:cNvGrpSpPr/>
+        <p:nvPr/>
+      </p:nvGrpSpPr>
+      <p:grpSpPr>
+        <a:xfrm>
+          <a:off x="0" y="0"/>
+          <a:ext cx="0" cy="0"/>
+          <a:chOff x="0" y="0"/>
+          <a:chExt cx="0" cy="0"/>
+        </a:xfrm>
+      </p:grpSpPr>
+      <p:sp>
+        <p:nvSpPr>
+          <p:cNvPr id="2" name="Titre 1"/>
+          <p:cNvSpPr>
+            <a:spLocks noGrp="1"/>
+          </p:cNvSpPr>
+          <p:nvPr>
+            <p:ph type="title"/>
+          </p:nvPr>
+        </p:nvSpPr>
+        <p:spPr/>
+        <p:txBody>
+          <a:bodyPr/>
+          <a:lstStyle/>
+          <a:p>
+            <a:r>
+              <a:rPr lang="en-CA" dirty="0" smtClean="0"/>
+              <a:t>Spawning random monsters</a:t>
+            </a:r>
+            <a:endParaRPr lang="en-CA" dirty="0"/>
+          </a:p>
+        </p:txBody>
+      </p:sp>
+      <p:sp>
+        <p:nvSpPr>
+          <p:cNvPr id="3" name="Espace réservé du contenu 2"/>
+          <p:cNvSpPr>
+            <a:spLocks noGrp="1"/>
+          </p:cNvSpPr>
+          <p:nvPr>
+            <p:ph idx="1"/>
+          </p:nvPr>
+        </p:nvSpPr>
+        <p:spPr/>
+        <p:txBody>
+          <a:bodyPr>
+            <a:normAutofit/>
+          </a:bodyPr>
+          <a:lstStyle/>
+          <a:p>
+            <a:pPr marL="0" indent="0">
+              <a:buNone/>
+            </a:pPr>
+            <a:r>
+              <a:rPr lang="en-CA" dirty="0"/>
+              <a:t>public void </a:t>
+            </a:r>
+            <a:r>
+              <a:rPr lang="en-CA" dirty="0" err="1"/>
+              <a:t>SpawnRandomMonsterBreeder</a:t>
+            </a:r>
+            <a:r>
+              <a:rPr lang="en-CA" dirty="0"/>
+              <a:t>()</a:t>
+            </a:r>
+          </a:p>
+          <a:p>
+            <a:pPr marL="0" indent="0">
+              <a:buNone/>
+            </a:pPr>
+            <a:r>
+              <a:rPr lang="en-CA" dirty="0" smtClean="0"/>
+              <a:t> {</a:t>
+            </a:r>
+          </a:p>
+          <a:p>
+            <a:pPr marL="0" indent="0">
+              <a:buNone/>
+            </a:pPr>
+            <a:r>
+              <a:rPr lang="en-CA" sz="2000" dirty="0" smtClean="0"/>
+              <a:t>Vector2 </a:t>
+            </a:r>
+            <a:r>
+              <a:rPr lang="en-CA" sz="2000" dirty="0" err="1"/>
+              <a:t>loc</a:t>
+            </a:r>
+            <a:r>
+              <a:rPr lang="en-CA" sz="2000" dirty="0"/>
+              <a:t> = new Vector2(</a:t>
+            </a:r>
+            <a:r>
+              <a:rPr lang="en-CA" sz="2000" dirty="0" err="1"/>
+              <a:t>Random.Range</a:t>
+            </a:r>
+            <a:r>
+              <a:rPr lang="en-CA" sz="2000" dirty="0"/>
+              <a:t>(0, </a:t>
+            </a:r>
+            <a:r>
+              <a:rPr lang="en-CA" sz="2000" dirty="0" err="1"/>
+              <a:t>GV.Map_Size_XY</a:t>
+            </a:r>
+            <a:r>
+              <a:rPr lang="en-CA" sz="2000" dirty="0"/>
+              <a:t>), </a:t>
+            </a:r>
+            <a:r>
+              <a:rPr lang="en-CA" sz="2000" dirty="0" smtClean="0"/>
+              <a:t>	</a:t>
+            </a:r>
+            <a:r>
+              <a:rPr lang="en-CA" sz="2000" dirty="0" err="1" smtClean="0"/>
+              <a:t>Random.Range</a:t>
+            </a:r>
+            <a:r>
+              <a:rPr lang="en-CA" sz="2000" dirty="0" smtClean="0"/>
+              <a:t>(0</a:t>
+            </a:r>
+            <a:r>
+              <a:rPr lang="en-CA" sz="2000" dirty="0"/>
+              <a:t>, </a:t>
+            </a:r>
+            <a:r>
+              <a:rPr lang="en-CA" sz="2000" dirty="0" err="1"/>
+              <a:t>GV.Map_Size_XY</a:t>
+            </a:r>
+            <a:r>
+              <a:rPr lang="en-CA" sz="2000" dirty="0"/>
+              <a:t>));</a:t>
+            </a:r>
+          </a:p>
+          <a:p>
+            <a:pPr marL="0" indent="0">
+              <a:buNone/>
+            </a:pPr>
+            <a:r>
+              <a:rPr lang="en-CA" sz="2000" dirty="0"/>
+              <a:t>        </a:t>
+            </a:r>
+            <a:r>
+              <a:rPr lang="en-CA" sz="2000" dirty="0" err="1"/>
+              <a:t>MonsterManager</a:t>
+            </a:r>
+            <a:r>
+              <a:rPr lang="en-CA" sz="2000" dirty="0"/>
+              <a:t> mm = new </a:t>
+            </a:r>
+            <a:r>
+              <a:rPr lang="en-CA" sz="2000" dirty="0" err="1"/>
+              <a:t>MonsterManager</a:t>
+            </a:r>
+            <a:r>
+              <a:rPr lang="en-CA" sz="2000" dirty="0"/>
+              <a:t>(</a:t>
+            </a:r>
+            <a:r>
+              <a:rPr lang="en-CA" sz="2000" dirty="0" err="1"/>
+              <a:t>GV.MonsterTypes.Slime</a:t>
+            </a:r>
+            <a:r>
+              <a:rPr lang="en-CA" sz="2000" dirty="0"/>
+              <a:t>);</a:t>
+            </a:r>
+          </a:p>
+          <a:p>
+            <a:pPr marL="0" indent="0">
+              <a:buNone/>
+            </a:pPr>
+            <a:r>
+              <a:rPr lang="en-CA" sz="2000" dirty="0"/>
+              <a:t>        </a:t>
+            </a:r>
+            <a:r>
+              <a:rPr lang="en-CA" sz="2000" dirty="0" err="1"/>
+              <a:t>mm.CreateBreeder</a:t>
+            </a:r>
+            <a:r>
+              <a:rPr lang="en-CA" sz="2000" dirty="0"/>
+              <a:t>(</a:t>
+            </a:r>
+            <a:r>
+              <a:rPr lang="en-CA" sz="2000" dirty="0" err="1"/>
+              <a:t>loc</a:t>
+            </a:r>
+            <a:r>
+              <a:rPr lang="en-CA" sz="2000" dirty="0"/>
+              <a:t>);</a:t>
+            </a:r>
+          </a:p>
+          <a:p>
+            <a:pPr marL="0" indent="0">
+              <a:buNone/>
+            </a:pPr>
+            <a:r>
+              <a:rPr lang="en-CA" sz="2000" dirty="0"/>
+              <a:t>        </a:t>
+            </a:r>
+            <a:r>
+              <a:rPr lang="en-CA" sz="2000" dirty="0" err="1"/>
+              <a:t>monsterManagers.Add</a:t>
+            </a:r>
+            <a:r>
+              <a:rPr lang="en-CA" sz="2000" dirty="0"/>
+              <a:t>(</a:t>
+            </a:r>
+            <a:r>
+              <a:rPr lang="en-CA" sz="2000" dirty="0" err="1"/>
+              <a:t>GV.MonsterTypes.Slime</a:t>
+            </a:r>
+            <a:r>
+              <a:rPr lang="en-CA" sz="2000" dirty="0"/>
+              <a:t>, mm);        </a:t>
+            </a:r>
+            <a:endParaRPr lang="en-CA" dirty="0"/>
+          </a:p>
+          <a:p>
+            <a:pPr marL="0" indent="0">
+              <a:buNone/>
+            </a:pPr>
+            <a:r>
+              <a:rPr lang="en-CA" dirty="0" smtClean="0"/>
+              <a:t>}</a:t>
+            </a:r>
+            <a:endParaRPr lang="en-CA" dirty="0"/>
+          </a:p>
+        </p:txBody>
+      </p:sp>
+    </p:spTree>
+    <p:extLst>
+      <p:ext uri="{BB962C8B-B14F-4D97-AF65-F5344CB8AC3E}">
+        <p14:creationId xmlns:p14="http://schemas.microsoft.com/office/powerpoint/2010/main" val="2202625718"/>
+      </p:ext>
+    </p:extLst>
+  </p:cSld>
+  <p:clrMapOvr>
+    <a:masterClrMapping/>
+  </p:clrMapOvr>
+</p:sld>
+</file>
+
+<file path=ppt/slides/slide23.xml><?xml version="1.0" encoding="utf-8"?>
+<p:sld xmlns:a="http://schemas.openxmlformats.org/drawingml/2006/main" xmlns:r="http://schemas.openxmlformats.org/officeDocument/2006/relationships" xmlns:p="http://schemas.openxmlformats.org/presentationml/2006/main">
+  <p:cSld>
+    <p:spTree>
+      <p:nvGrpSpPr>
+        <p:cNvPr id="1" name=""/>
+        <p:cNvGrpSpPr/>
+        <p:nvPr/>
+      </p:nvGrpSpPr>
+      <p:grpSpPr>
+        <a:xfrm>
+          <a:off x="0" y="0"/>
+          <a:ext cx="0" cy="0"/>
+          <a:chOff x="0" y="0"/>
+          <a:chExt cx="0" cy="0"/>
+        </a:xfrm>
+      </p:grpSpPr>
+      <p:sp>
+        <p:nvSpPr>
+          <p:cNvPr id="3" name="Espace réservé du contenu 2"/>
+          <p:cNvSpPr>
+            <a:spLocks noGrp="1"/>
+          </p:cNvSpPr>
+          <p:nvPr>
+            <p:ph idx="1"/>
+          </p:nvPr>
+        </p:nvSpPr>
+        <p:spPr>
+          <a:xfrm>
+            <a:off x="457200" y="762000"/>
+            <a:ext cx="8229600" cy="5364163"/>
+          </a:xfrm>
+        </p:spPr>
+        <p:txBody>
+          <a:bodyPr/>
+          <a:lstStyle/>
+          <a:p>
+            <a:r>
+              <a:rPr lang="en-CA" dirty="0" smtClean="0"/>
+              <a:t>The previous method means we need to pass an </a:t>
+            </a:r>
+            <a:r>
+              <a:rPr lang="en-CA" dirty="0" err="1" smtClean="0"/>
+              <a:t>enum</a:t>
+            </a:r>
+            <a:r>
+              <a:rPr lang="en-CA" dirty="0" smtClean="0"/>
+              <a:t> each time we want to spawn a monster</a:t>
+            </a:r>
+          </a:p>
+          <a:p>
+            <a:r>
+              <a:rPr lang="en-CA" dirty="0" smtClean="0"/>
+              <a:t>Let us grab a random </a:t>
+            </a:r>
+            <a:r>
+              <a:rPr lang="en-CA" dirty="0" err="1" smtClean="0"/>
+              <a:t>enum</a:t>
+            </a:r>
+            <a:r>
+              <a:rPr lang="en-CA" dirty="0" smtClean="0"/>
+              <a:t> instead</a:t>
+            </a:r>
+          </a:p>
+          <a:p>
+            <a:r>
+              <a:rPr lang="en-CA" dirty="0" smtClean="0"/>
+              <a:t>You can turn an </a:t>
+            </a:r>
+            <a:r>
+              <a:rPr lang="en-CA" dirty="0" err="1" smtClean="0"/>
+              <a:t>enum</a:t>
+            </a:r>
+            <a:r>
+              <a:rPr lang="en-CA" dirty="0" smtClean="0"/>
+              <a:t> into a list with</a:t>
+            </a:r>
+          </a:p>
+          <a:p>
+            <a:r>
+              <a:rPr lang="en-CA" sz="2400" dirty="0" smtClean="0"/>
+              <a:t>List&lt;</a:t>
+            </a:r>
+            <a:r>
+              <a:rPr lang="en-CA" sz="2400" dirty="0" err="1" smtClean="0"/>
+              <a:t>GV.Monster</a:t>
+            </a:r>
+            <a:r>
+              <a:rPr lang="en-CA" sz="2400" dirty="0" smtClean="0"/>
+              <a:t>&gt; </a:t>
+            </a:r>
+            <a:r>
+              <a:rPr lang="en-CA" sz="2400" dirty="0" err="1" smtClean="0"/>
+              <a:t>fullEnumList</a:t>
+            </a:r>
+            <a:r>
+              <a:rPr lang="en-CA" sz="2400" dirty="0" smtClean="0"/>
+              <a:t> =</a:t>
+            </a:r>
+            <a:endParaRPr lang="en-CA" dirty="0" smtClean="0"/>
+          </a:p>
+          <a:p>
+            <a:pPr marL="0" indent="0">
+              <a:buNone/>
+            </a:pPr>
+            <a:r>
+              <a:rPr lang="en-CA" sz="2400" dirty="0" err="1" smtClean="0"/>
+              <a:t>System.Enum.GetValues</a:t>
+            </a:r>
+            <a:r>
+              <a:rPr lang="en-CA" sz="2400" dirty="0" smtClean="0"/>
+              <a:t>(</a:t>
+            </a:r>
+            <a:r>
+              <a:rPr lang="en-CA" sz="2400" dirty="0" err="1" smtClean="0"/>
+              <a:t>typeof</a:t>
+            </a:r>
+            <a:r>
+              <a:rPr lang="en-CA" sz="2400" dirty="0" smtClean="0"/>
+              <a:t>(</a:t>
+            </a:r>
+            <a:r>
+              <a:rPr lang="en-CA" sz="2400" dirty="0" err="1" smtClean="0"/>
+              <a:t>GV.Monster</a:t>
+            </a:r>
+            <a:r>
+              <a:rPr lang="en-CA" sz="2400" dirty="0" smtClean="0"/>
+              <a:t>)).cast&lt; </a:t>
+            </a:r>
+            <a:r>
+              <a:rPr lang="en-CA" sz="2400" dirty="0" err="1"/>
+              <a:t>GV.Monster</a:t>
+            </a:r>
+            <a:r>
+              <a:rPr lang="en-CA" sz="2400" dirty="0" smtClean="0"/>
+              <a:t>&gt;().</a:t>
+            </a:r>
+            <a:r>
+              <a:rPr lang="en-CA" sz="2400" dirty="0" err="1" smtClean="0"/>
+              <a:t>ToList</a:t>
+            </a:r>
+            <a:r>
+              <a:rPr lang="en-CA" sz="2400" dirty="0" smtClean="0"/>
+              <a:t>();</a:t>
+            </a:r>
+            <a:endParaRPr lang="en-CA" sz="2400" dirty="0"/>
+          </a:p>
+          <a:p>
+            <a:r>
+              <a:rPr lang="en-CA" dirty="0" smtClean="0"/>
+              <a:t>Then we can get the length and get a random</a:t>
+            </a:r>
+          </a:p>
+          <a:p>
+            <a:r>
+              <a:rPr lang="en-CA" sz="2400" dirty="0" err="1" smtClean="0"/>
+              <a:t>GV.Monster</a:t>
+            </a:r>
+            <a:r>
+              <a:rPr lang="en-CA" sz="2400" dirty="0" smtClean="0"/>
+              <a:t> m = </a:t>
+            </a:r>
+            <a:r>
+              <a:rPr lang="en-CA" sz="2400" dirty="0" err="1" smtClean="0"/>
+              <a:t>fullEnumList</a:t>
+            </a:r>
+            <a:r>
+              <a:rPr lang="en-CA" sz="2400" dirty="0" smtClean="0"/>
+              <a:t>[</a:t>
+            </a:r>
+            <a:r>
+              <a:rPr lang="en-CA" sz="2400" dirty="0" err="1" smtClean="0"/>
+              <a:t>Random.Range</a:t>
+            </a:r>
+            <a:r>
+              <a:rPr lang="en-CA" sz="2400" dirty="0" smtClean="0"/>
+              <a:t>(0,fulEnumList.Count);</a:t>
+            </a:r>
+            <a:endParaRPr lang="en-CA" sz="2400" dirty="0"/>
+          </a:p>
+        </p:txBody>
+      </p:sp>
+      <p:sp>
+        <p:nvSpPr>
+          <p:cNvPr id="4" name="Titre 1"/>
+          <p:cNvSpPr>
+            <a:spLocks noGrp="1"/>
+          </p:cNvSpPr>
+          <p:nvPr>
+            <p:ph type="title"/>
+          </p:nvPr>
+        </p:nvSpPr>
+        <p:spPr>
+          <a:xfrm>
+            <a:off x="7696200" y="152400"/>
+            <a:ext cx="1295400" cy="487362"/>
+          </a:xfrm>
+        </p:spPr>
+        <p:txBody>
+          <a:bodyPr>
+            <a:normAutofit/>
+          </a:bodyPr>
+          <a:lstStyle/>
+          <a:p>
+            <a:r>
+              <a:rPr lang="en-CA" sz="1200" dirty="0" smtClean="0"/>
+              <a:t>Spawning random monsters</a:t>
+            </a:r>
+            <a:endParaRPr lang="en-CA" sz="1200" dirty="0"/>
+          </a:p>
+        </p:txBody>
+      </p:sp>
+    </p:spTree>
+    <p:extLst>
+      <p:ext uri="{BB962C8B-B14F-4D97-AF65-F5344CB8AC3E}">
+        <p14:creationId xmlns:p14="http://schemas.microsoft.com/office/powerpoint/2010/main" val="1176327043"/>
+      </p:ext>
+    </p:extLst>
+  </p:cSld>
+  <p:clrMapOvr>
+    <a:masterClrMapping/>
+  </p:clrMapOvr>
+</p:sld>
+</file>
+
+<file path=ppt/slides/slide24.xml><?xml version="1.0" encoding="utf-8"?>
+<p:sld xmlns:a="http://schemas.openxmlformats.org/drawingml/2006/main" xmlns:r="http://schemas.openxmlformats.org/officeDocument/2006/relationships" xmlns:p="http://schemas.openxmlformats.org/presentationml/2006/main">
+  <p:cSld>
+    <p:spTree>
+      <p:nvGrpSpPr>
+        <p:cNvPr id="1" name=""/>
+        <p:cNvGrpSpPr/>
+        <p:nvPr/>
+      </p:nvGrpSpPr>
+      <p:grpSpPr>
+        <a:xfrm>
+          <a:off x="0" y="0"/>
+          <a:ext cx="0" cy="0"/>
+          <a:chOff x="0" y="0"/>
+          <a:chExt cx="0" cy="0"/>
+        </a:xfrm>
+      </p:grpSpPr>
+      <p:sp>
+        <p:nvSpPr>
           <p:cNvPr id="3" name="Espace réservé du contenu 2"/>
           <p:cNvSpPr>
             <a:spLocks noGrp="1"/>
@@ -6832,7 +7166,7 @@
 </p:sld>
 </file>
 
-<file path=ppt/slides/slide22.xml><?xml version="1.0" encoding="utf-8"?>
+<file path=ppt/slides/slide25.xml><?xml version="1.0" encoding="utf-8"?>
 <p:sld xmlns:a="http://schemas.openxmlformats.org/drawingml/2006/main" xmlns:r="http://schemas.openxmlformats.org/officeDocument/2006/relationships" xmlns:p="http://schemas.openxmlformats.org/presentationml/2006/main">
   <p:cSld>
     <p:spTree>
@@ -7005,7 +7339,7 @@
 </p:sld>
 </file>
 
-<file path=ppt/slides/slide23.xml><?xml version="1.0" encoding="utf-8"?>
+<file path=ppt/slides/slide26.xml><?xml version="1.0" encoding="utf-8"?>
 <p:sld xmlns:a="http://schemas.openxmlformats.org/drawingml/2006/main" xmlns:r="http://schemas.openxmlformats.org/officeDocument/2006/relationships" xmlns:p="http://schemas.openxmlformats.org/presentationml/2006/main">
   <p:cSld>
     <p:spTree>
@@ -7173,7 +7507,7 @@
 </p:sld>
 </file>
 
-<file path=ppt/slides/slide24.xml><?xml version="1.0" encoding="utf-8"?>
+<file path=ppt/slides/slide27.xml><?xml version="1.0" encoding="utf-8"?>
 <p:sld xmlns:a="http://schemas.openxmlformats.org/drawingml/2006/main" xmlns:r="http://schemas.openxmlformats.org/officeDocument/2006/relationships" xmlns:p="http://schemas.openxmlformats.org/presentationml/2006/main">
   <p:cSld>
     <p:spTree>
@@ -7366,7 +7700,7 @@
 </p:sld>
 </file>
 
-<file path=ppt/slides/slide25.xml><?xml version="1.0" encoding="utf-8"?>
+<file path=ppt/slides/slide28.xml><?xml version="1.0" encoding="utf-8"?>
 <p:sld xmlns:a="http://schemas.openxmlformats.org/drawingml/2006/main" xmlns:r="http://schemas.openxmlformats.org/officeDocument/2006/relationships" xmlns:p="http://schemas.openxmlformats.org/presentationml/2006/main">
   <p:cSld>
     <p:spTree>
@@ -7679,7 +8013,7 @@
 </p:sld>
 </file>
 
-<file path=ppt/slides/slide26.xml><?xml version="1.0" encoding="utf-8"?>
+<file path=ppt/slides/slide29.xml><?xml version="1.0" encoding="utf-8"?>
 <p:sld xmlns:a="http://schemas.openxmlformats.org/drawingml/2006/main" xmlns:r="http://schemas.openxmlformats.org/officeDocument/2006/relationships" xmlns:p="http://schemas.openxmlformats.org/presentationml/2006/main">
   <p:cSld>
     <p:spTree>

--- a/Docs/FlowPresentation.pptx
+++ b/Docs/FlowPresentation.pptx
@@ -137,7 +137,7 @@
   </p:defaultTextStyle>
   <p:extLst>
     <p:ext uri="{EFAFB233-063F-42B5-8137-9DF3F51BA10A}">
-      <p15:sldGuideLst xmlns:p15="http://schemas.microsoft.com/office/powerpoint/2012/main">
+      <p15:sldGuideLst xmlns:p15="http://schemas.microsoft.com/office/powerpoint/2012/main" xmlns="">
         <p15:guide id="1" orient="horz" pos="2160">
           <p15:clr>
             <a:srgbClr val="A4A3A4"/>
@@ -236,7 +236,8 @@
           <a:p>
             <a:fld id="{A1393417-AD47-4CE1-9CAA-11555EC5CC1B}" type="datetimeFigureOut">
               <a:rPr lang="en-CA" smtClean="0"/>
-              <a:t>2018-03-28</a:t>
+              <a:pPr/>
+              <a:t>28/03/2018</a:t>
             </a:fld>
             <a:endParaRPr lang="en-CA"/>
           </a:p>
@@ -395,7 +396,8 @@
           <a:p>
             <a:fld id="{B8ED4D81-00A6-4FE4-8D49-0C43A3DF05E4}" type="slidenum">
               <a:rPr lang="en-CA" smtClean="0"/>
-              <a:t>‹N°›</a:t>
+              <a:pPr/>
+              <a:t>‹#›</a:t>
             </a:fld>
             <a:endParaRPr lang="en-CA"/>
           </a:p>
@@ -404,7 +406,7 @@
     </p:spTree>
     <p:extLst>
       <p:ext uri="{BB962C8B-B14F-4D97-AF65-F5344CB8AC3E}">
-        <p14:creationId xmlns:p14="http://schemas.microsoft.com/office/powerpoint/2010/main" val="537986940"/>
+        <p14:creationId xmlns:p14="http://schemas.microsoft.com/office/powerpoint/2010/main" xmlns="" val="537986940"/>
       </p:ext>
     </p:extLst>
   </p:cSld>
@@ -569,6 +571,7 @@
           <a:p>
             <a:fld id="{B8ED4D81-00A6-4FE4-8D49-0C43A3DF05E4}" type="slidenum">
               <a:rPr lang="en-CA" smtClean="0"/>
+              <a:pPr/>
               <a:t>26</a:t>
             </a:fld>
             <a:endParaRPr lang="en-CA"/>
@@ -578,7 +581,7 @@
     </p:spTree>
     <p:extLst>
       <p:ext uri="{BB962C8B-B14F-4D97-AF65-F5344CB8AC3E}">
-        <p14:creationId xmlns:p14="http://schemas.microsoft.com/office/powerpoint/2010/main" val="1230010399"/>
+        <p14:creationId xmlns:p14="http://schemas.microsoft.com/office/powerpoint/2010/main" xmlns="" val="1230010399"/>
       </p:ext>
     </p:extLst>
   </p:cSld>
@@ -770,7 +773,7 @@
             <a:fld id="{D963E873-D05E-4F2C-8641-756E1EB81232}" type="datetimeFigureOut">
               <a:rPr lang="en-US" smtClean="0"/>
               <a:pPr/>
-              <a:t>3/28/2018</a:t>
+              <a:t>28-Mar-18</a:t>
             </a:fld>
             <a:endParaRPr lang="en-US"/>
           </a:p>
@@ -813,7 +816,7 @@
             <a:fld id="{3F690945-1A2F-4B35-BE90-FAECBB75B2E3}" type="slidenum">
               <a:rPr lang="en-US" smtClean="0"/>
               <a:pPr/>
-              <a:t>‹N°›</a:t>
+              <a:t>‹#›</a:t>
             </a:fld>
             <a:endParaRPr lang="en-US"/>
           </a:p>
@@ -937,7 +940,7 @@
             <a:fld id="{D963E873-D05E-4F2C-8641-756E1EB81232}" type="datetimeFigureOut">
               <a:rPr lang="en-US" smtClean="0"/>
               <a:pPr/>
-              <a:t>3/28/2018</a:t>
+              <a:t>28-Mar-18</a:t>
             </a:fld>
             <a:endParaRPr lang="en-US"/>
           </a:p>
@@ -980,7 +983,7 @@
             <a:fld id="{3F690945-1A2F-4B35-BE90-FAECBB75B2E3}" type="slidenum">
               <a:rPr lang="en-US" smtClean="0"/>
               <a:pPr/>
-              <a:t>‹N°›</a:t>
+              <a:t>‹#›</a:t>
             </a:fld>
             <a:endParaRPr lang="en-US"/>
           </a:p>
@@ -1114,7 +1117,7 @@
             <a:fld id="{D963E873-D05E-4F2C-8641-756E1EB81232}" type="datetimeFigureOut">
               <a:rPr lang="en-US" smtClean="0"/>
               <a:pPr/>
-              <a:t>3/28/2018</a:t>
+              <a:t>28-Mar-18</a:t>
             </a:fld>
             <a:endParaRPr lang="en-US"/>
           </a:p>
@@ -1157,7 +1160,7 @@
             <a:fld id="{3F690945-1A2F-4B35-BE90-FAECBB75B2E3}" type="slidenum">
               <a:rPr lang="en-US" smtClean="0"/>
               <a:pPr/>
-              <a:t>‹N°›</a:t>
+              <a:t>‹#›</a:t>
             </a:fld>
             <a:endParaRPr lang="en-US"/>
           </a:p>
@@ -1281,7 +1284,7 @@
             <a:fld id="{D963E873-D05E-4F2C-8641-756E1EB81232}" type="datetimeFigureOut">
               <a:rPr lang="en-US" smtClean="0"/>
               <a:pPr/>
-              <a:t>3/28/2018</a:t>
+              <a:t>28-Mar-18</a:t>
             </a:fld>
             <a:endParaRPr lang="en-US"/>
           </a:p>
@@ -1324,7 +1327,7 @@
             <a:fld id="{3F690945-1A2F-4B35-BE90-FAECBB75B2E3}" type="slidenum">
               <a:rPr lang="en-US" smtClean="0"/>
               <a:pPr/>
-              <a:t>‹N°›</a:t>
+              <a:t>‹#›</a:t>
             </a:fld>
             <a:endParaRPr lang="en-US"/>
           </a:p>
@@ -1524,7 +1527,7 @@
             <a:fld id="{D963E873-D05E-4F2C-8641-756E1EB81232}" type="datetimeFigureOut">
               <a:rPr lang="en-US" smtClean="0"/>
               <a:pPr/>
-              <a:t>3/28/2018</a:t>
+              <a:t>28-Mar-18</a:t>
             </a:fld>
             <a:endParaRPr lang="en-US"/>
           </a:p>
@@ -1567,7 +1570,7 @@
             <a:fld id="{3F690945-1A2F-4B35-BE90-FAECBB75B2E3}" type="slidenum">
               <a:rPr lang="en-US" smtClean="0"/>
               <a:pPr/>
-              <a:t>‹N°›</a:t>
+              <a:t>‹#›</a:t>
             </a:fld>
             <a:endParaRPr lang="en-US"/>
           </a:p>
@@ -1809,7 +1812,7 @@
             <a:fld id="{D963E873-D05E-4F2C-8641-756E1EB81232}" type="datetimeFigureOut">
               <a:rPr lang="en-US" smtClean="0"/>
               <a:pPr/>
-              <a:t>3/28/2018</a:t>
+              <a:t>28-Mar-18</a:t>
             </a:fld>
             <a:endParaRPr lang="en-US"/>
           </a:p>
@@ -1852,7 +1855,7 @@
             <a:fld id="{3F690945-1A2F-4B35-BE90-FAECBB75B2E3}" type="slidenum">
               <a:rPr lang="en-US" smtClean="0"/>
               <a:pPr/>
-              <a:t>‹N°›</a:t>
+              <a:t>‹#›</a:t>
             </a:fld>
             <a:endParaRPr lang="en-US"/>
           </a:p>
@@ -2228,7 +2231,7 @@
             <a:fld id="{D963E873-D05E-4F2C-8641-756E1EB81232}" type="datetimeFigureOut">
               <a:rPr lang="en-US" smtClean="0"/>
               <a:pPr/>
-              <a:t>3/28/2018</a:t>
+              <a:t>28-Mar-18</a:t>
             </a:fld>
             <a:endParaRPr lang="en-US"/>
           </a:p>
@@ -2271,7 +2274,7 @@
             <a:fld id="{3F690945-1A2F-4B35-BE90-FAECBB75B2E3}" type="slidenum">
               <a:rPr lang="en-US" smtClean="0"/>
               <a:pPr/>
-              <a:t>‹N°›</a:t>
+              <a:t>‹#›</a:t>
             </a:fld>
             <a:endParaRPr lang="en-US"/>
           </a:p>
@@ -2343,7 +2346,7 @@
             <a:fld id="{D963E873-D05E-4F2C-8641-756E1EB81232}" type="datetimeFigureOut">
               <a:rPr lang="en-US" smtClean="0"/>
               <a:pPr/>
-              <a:t>3/28/2018</a:t>
+              <a:t>28-Mar-18</a:t>
             </a:fld>
             <a:endParaRPr lang="en-US"/>
           </a:p>
@@ -2386,7 +2389,7 @@
             <a:fld id="{3F690945-1A2F-4B35-BE90-FAECBB75B2E3}" type="slidenum">
               <a:rPr lang="en-US" smtClean="0"/>
               <a:pPr/>
-              <a:t>‹N°›</a:t>
+              <a:t>‹#›</a:t>
             </a:fld>
             <a:endParaRPr lang="en-US"/>
           </a:p>
@@ -2435,7 +2438,7 @@
             <a:fld id="{D963E873-D05E-4F2C-8641-756E1EB81232}" type="datetimeFigureOut">
               <a:rPr lang="en-US" smtClean="0"/>
               <a:pPr/>
-              <a:t>3/28/2018</a:t>
+              <a:t>28-Mar-18</a:t>
             </a:fld>
             <a:endParaRPr lang="en-US"/>
           </a:p>
@@ -2478,7 +2481,7 @@
             <a:fld id="{3F690945-1A2F-4B35-BE90-FAECBB75B2E3}" type="slidenum">
               <a:rPr lang="en-US" smtClean="0"/>
               <a:pPr/>
-              <a:t>‹N°›</a:t>
+              <a:t>‹#›</a:t>
             </a:fld>
             <a:endParaRPr lang="en-US"/>
           </a:p>
@@ -2709,7 +2712,7 @@
             <a:fld id="{D963E873-D05E-4F2C-8641-756E1EB81232}" type="datetimeFigureOut">
               <a:rPr lang="en-US" smtClean="0"/>
               <a:pPr/>
-              <a:t>3/28/2018</a:t>
+              <a:t>28-Mar-18</a:t>
             </a:fld>
             <a:endParaRPr lang="en-US"/>
           </a:p>
@@ -2752,7 +2755,7 @@
             <a:fld id="{3F690945-1A2F-4B35-BE90-FAECBB75B2E3}" type="slidenum">
               <a:rPr lang="en-US" smtClean="0"/>
               <a:pPr/>
-              <a:t>‹N°›</a:t>
+              <a:t>‹#›</a:t>
             </a:fld>
             <a:endParaRPr lang="en-US"/>
           </a:p>
@@ -2959,7 +2962,7 @@
             <a:fld id="{D963E873-D05E-4F2C-8641-756E1EB81232}" type="datetimeFigureOut">
               <a:rPr lang="en-US" smtClean="0"/>
               <a:pPr/>
-              <a:t>3/28/2018</a:t>
+              <a:t>28-Mar-18</a:t>
             </a:fld>
             <a:endParaRPr lang="en-US"/>
           </a:p>
@@ -3002,7 +3005,7 @@
             <a:fld id="{3F690945-1A2F-4B35-BE90-FAECBB75B2E3}" type="slidenum">
               <a:rPr lang="en-US" smtClean="0"/>
               <a:pPr/>
-              <a:t>‹N°›</a:t>
+              <a:t>‹#›</a:t>
             </a:fld>
             <a:endParaRPr lang="en-US"/>
           </a:p>
@@ -3169,7 +3172,7 @@
             <a:fld id="{D963E873-D05E-4F2C-8641-756E1EB81232}" type="datetimeFigureOut">
               <a:rPr lang="en-US" smtClean="0"/>
               <a:pPr/>
-              <a:t>3/28/2018</a:t>
+              <a:t>28-Mar-18</a:t>
             </a:fld>
             <a:endParaRPr lang="en-US"/>
           </a:p>
@@ -3248,7 +3251,7 @@
             <a:fld id="{3F690945-1A2F-4B35-BE90-FAECBB75B2E3}" type="slidenum">
               <a:rPr lang="en-US" smtClean="0"/>
               <a:pPr/>
-              <a:t>‹N°›</a:t>
+              <a:t>‹#›</a:t>
             </a:fld>
             <a:endParaRPr lang="en-US"/>
           </a:p>
@@ -4879,7 +4882,7 @@
     </p:spTree>
     <p:extLst>
       <p:ext uri="{BB962C8B-B14F-4D97-AF65-F5344CB8AC3E}">
-        <p14:creationId xmlns:p14="http://schemas.microsoft.com/office/powerpoint/2010/main" val="1870198522"/>
+        <p14:creationId xmlns:p14="http://schemas.microsoft.com/office/powerpoint/2010/main" xmlns="" val="1870198522"/>
       </p:ext>
     </p:extLst>
   </p:cSld>
@@ -5010,7 +5013,7 @@
     </p:spTree>
     <p:extLst>
       <p:ext uri="{BB962C8B-B14F-4D97-AF65-F5344CB8AC3E}">
-        <p14:creationId xmlns:p14="http://schemas.microsoft.com/office/powerpoint/2010/main" val="1548395017"/>
+        <p14:creationId xmlns:p14="http://schemas.microsoft.com/office/powerpoint/2010/main" xmlns="" val="1548395017"/>
       </p:ext>
     </p:extLst>
   </p:cSld>
@@ -5191,7 +5194,7 @@
     </p:spTree>
     <p:extLst>
       <p:ext uri="{BB962C8B-B14F-4D97-AF65-F5344CB8AC3E}">
-        <p14:creationId xmlns:p14="http://schemas.microsoft.com/office/powerpoint/2010/main" val="3655487511"/>
+        <p14:creationId xmlns:p14="http://schemas.microsoft.com/office/powerpoint/2010/main" xmlns="" val="3655487511"/>
       </p:ext>
     </p:extLst>
   </p:cSld>
@@ -5295,7 +5298,7 @@
     </p:spTree>
     <p:extLst>
       <p:ext uri="{BB962C8B-B14F-4D97-AF65-F5344CB8AC3E}">
-        <p14:creationId xmlns:p14="http://schemas.microsoft.com/office/powerpoint/2010/main" val="3247580462"/>
+        <p14:creationId xmlns:p14="http://schemas.microsoft.com/office/powerpoint/2010/main" xmlns="" val="3247580462"/>
       </p:ext>
     </p:extLst>
   </p:cSld>
@@ -5391,7 +5394,7 @@
     </p:spTree>
     <p:extLst>
       <p:ext uri="{BB962C8B-B14F-4D97-AF65-F5344CB8AC3E}">
-        <p14:creationId xmlns:p14="http://schemas.microsoft.com/office/powerpoint/2010/main" val="89659571"/>
+        <p14:creationId xmlns:p14="http://schemas.microsoft.com/office/powerpoint/2010/main" xmlns="" val="89659571"/>
       </p:ext>
     </p:extLst>
   </p:cSld>
@@ -5522,7 +5525,7 @@
     </p:spTree>
     <p:extLst>
       <p:ext uri="{BB962C8B-B14F-4D97-AF65-F5344CB8AC3E}">
-        <p14:creationId xmlns:p14="http://schemas.microsoft.com/office/powerpoint/2010/main" val="3304679340"/>
+        <p14:creationId xmlns:p14="http://schemas.microsoft.com/office/powerpoint/2010/main" xmlns="" val="3304679340"/>
       </p:ext>
     </p:extLst>
   </p:cSld>
@@ -5724,7 +5727,7 @@
     </p:spTree>
     <p:extLst>
       <p:ext uri="{BB962C8B-B14F-4D97-AF65-F5344CB8AC3E}">
-        <p14:creationId xmlns:p14="http://schemas.microsoft.com/office/powerpoint/2010/main" val="238003343"/>
+        <p14:creationId xmlns:p14="http://schemas.microsoft.com/office/powerpoint/2010/main" xmlns="" val="238003343"/>
       </p:ext>
     </p:extLst>
   </p:cSld>
@@ -5899,7 +5902,7 @@
     </p:spTree>
     <p:extLst>
       <p:ext uri="{BB962C8B-B14F-4D97-AF65-F5344CB8AC3E}">
-        <p14:creationId xmlns:p14="http://schemas.microsoft.com/office/powerpoint/2010/main" val="1164581419"/>
+        <p14:creationId xmlns:p14="http://schemas.microsoft.com/office/powerpoint/2010/main" xmlns="" val="1164581419"/>
       </p:ext>
     </p:extLst>
   </p:cSld>
@@ -6389,7 +6392,7 @@
     </p:spTree>
     <p:extLst>
       <p:ext uri="{BB962C8B-B14F-4D97-AF65-F5344CB8AC3E}">
-        <p14:creationId xmlns:p14="http://schemas.microsoft.com/office/powerpoint/2010/main" val="576234893"/>
+        <p14:creationId xmlns:p14="http://schemas.microsoft.com/office/powerpoint/2010/main" xmlns="" val="576234893"/>
       </p:ext>
     </p:extLst>
   </p:cSld>
@@ -6570,7 +6573,7 @@
     </p:spTree>
     <p:extLst>
       <p:ext uri="{BB962C8B-B14F-4D97-AF65-F5344CB8AC3E}">
-        <p14:creationId xmlns:p14="http://schemas.microsoft.com/office/powerpoint/2010/main" val="3814057654"/>
+        <p14:creationId xmlns:p14="http://schemas.microsoft.com/office/powerpoint/2010/main" xmlns="" val="3814057654"/>
       </p:ext>
     </p:extLst>
   </p:cSld>
@@ -6818,7 +6821,7 @@
     </p:spTree>
     <p:extLst>
       <p:ext uri="{BB962C8B-B14F-4D97-AF65-F5344CB8AC3E}">
-        <p14:creationId xmlns:p14="http://schemas.microsoft.com/office/powerpoint/2010/main" val="2202625718"/>
+        <p14:creationId xmlns:p14="http://schemas.microsoft.com/office/powerpoint/2010/main" xmlns="" val="2202625718"/>
       </p:ext>
     </p:extLst>
   </p:cSld>
@@ -7043,7 +7046,7 @@
     </p:spTree>
     <p:extLst>
       <p:ext uri="{BB962C8B-B14F-4D97-AF65-F5344CB8AC3E}">
-        <p14:creationId xmlns:p14="http://schemas.microsoft.com/office/powerpoint/2010/main" val="1176327043"/>
+        <p14:creationId xmlns:p14="http://schemas.microsoft.com/office/powerpoint/2010/main" xmlns="" val="1176327043"/>
       </p:ext>
     </p:extLst>
   </p:cSld>
@@ -7156,7 +7159,7 @@
     </p:spTree>
     <p:extLst>
       <p:ext uri="{BB962C8B-B14F-4D97-AF65-F5344CB8AC3E}">
-        <p14:creationId xmlns:p14="http://schemas.microsoft.com/office/powerpoint/2010/main" val="1493326531"/>
+        <p14:creationId xmlns:p14="http://schemas.microsoft.com/office/powerpoint/2010/main" xmlns="" val="1493326531"/>
       </p:ext>
     </p:extLst>
   </p:cSld>
@@ -7311,7 +7314,7 @@
           <p:nvPr/>
         </p:nvPicPr>
         <p:blipFill>
-          <a:blip r:embed="rId2"/>
+          <a:blip r:embed="rId2" cstate="print"/>
           <a:stretch>
             <a:fillRect/>
           </a:stretch>
@@ -7329,7 +7332,7 @@
     </p:spTree>
     <p:extLst>
       <p:ext uri="{BB962C8B-B14F-4D97-AF65-F5344CB8AC3E}">
-        <p14:creationId xmlns:p14="http://schemas.microsoft.com/office/powerpoint/2010/main" val="3269125113"/>
+        <p14:creationId xmlns:p14="http://schemas.microsoft.com/office/powerpoint/2010/main" xmlns="" val="3269125113"/>
       </p:ext>
     </p:extLst>
   </p:cSld>
@@ -7479,7 +7482,7 @@
           <p:nvPr/>
         </p:nvPicPr>
         <p:blipFill>
-          <a:blip r:embed="rId3"/>
+          <a:blip r:embed="rId3" cstate="print"/>
           <a:stretch>
             <a:fillRect/>
           </a:stretch>
@@ -7497,7 +7500,7 @@
     </p:spTree>
     <p:extLst>
       <p:ext uri="{BB962C8B-B14F-4D97-AF65-F5344CB8AC3E}">
-        <p14:creationId xmlns:p14="http://schemas.microsoft.com/office/powerpoint/2010/main" val="3303479339"/>
+        <p14:creationId xmlns:p14="http://schemas.microsoft.com/office/powerpoint/2010/main" xmlns="" val="3303479339"/>
       </p:ext>
     </p:extLst>
   </p:cSld>
@@ -7690,7 +7693,7 @@
     </p:spTree>
     <p:extLst>
       <p:ext uri="{BB962C8B-B14F-4D97-AF65-F5344CB8AC3E}">
-        <p14:creationId xmlns:p14="http://schemas.microsoft.com/office/powerpoint/2010/main" val="3537970018"/>
+        <p14:creationId xmlns:p14="http://schemas.microsoft.com/office/powerpoint/2010/main" xmlns="" val="3537970018"/>
       </p:ext>
     </p:extLst>
   </p:cSld>
@@ -8003,7 +8006,7 @@
     </p:spTree>
     <p:extLst>
       <p:ext uri="{BB962C8B-B14F-4D97-AF65-F5344CB8AC3E}">
-        <p14:creationId xmlns:p14="http://schemas.microsoft.com/office/powerpoint/2010/main" val="2082311432"/>
+        <p14:creationId xmlns:p14="http://schemas.microsoft.com/office/powerpoint/2010/main" xmlns="" val="2082311432"/>
       </p:ext>
     </p:extLst>
   </p:cSld>
@@ -8316,7 +8319,7 @@
     </p:spTree>
     <p:extLst>
       <p:ext uri="{BB962C8B-B14F-4D97-AF65-F5344CB8AC3E}">
-        <p14:creationId xmlns:p14="http://schemas.microsoft.com/office/powerpoint/2010/main" val="4168410330"/>
+        <p14:creationId xmlns:p14="http://schemas.microsoft.com/office/powerpoint/2010/main" xmlns="" val="4168410330"/>
       </p:ext>
     </p:extLst>
   </p:cSld>
@@ -10286,7 +10289,7 @@
     </a:clrScheme>
     <a:fontScheme name="Office">
       <a:majorFont>
-        <a:latin typeface="Calibri Light" panose="020F0302020204030204"/>
+        <a:latin typeface="Calibri Light"/>
         <a:ea typeface=""/>
         <a:cs typeface=""/>
         <a:font script="Jpan" typeface="ＭＳ Ｐゴシック"/>
@@ -10321,7 +10324,7 @@
         <a:font script="Geor" typeface="Sylfaen"/>
       </a:majorFont>
       <a:minorFont>
-        <a:latin typeface="Calibri" panose="020F0502020204030204"/>
+        <a:latin typeface="Calibri"/>
         <a:ea typeface=""/>
         <a:cs typeface=""/>
         <a:font script="Jpan" typeface="ＭＳ Ｐゴシック"/>
@@ -10498,7 +10501,7 @@
   <a:extraClrSchemeLst/>
   <a:extLst>
     <a:ext uri="{05A4C25C-085E-4340-85A3-A5531E510DB2}">
-      <thm15:themeFamily xmlns:thm15="http://schemas.microsoft.com/office/thememl/2012/main" name="Office Theme" id="{62F939B6-93AF-4DB8-9C6B-D6C7DFDC589F}" vid="{4A3C46E8-61CC-4603-A589-7422A47A8E4A}"/>
+      <thm15:themeFamily xmlns:thm15="http://schemas.microsoft.com/office/thememl/2012/main" xmlns="" name="Office Theme" id="{62F939B6-93AF-4DB8-9C6B-D6C7DFDC589F}" vid="{4A3C46E8-61CC-4603-A589-7422A47A8E4A}"/>
     </a:ext>
   </a:extLst>
 </a:theme>
